--- a/Job_Stuff/Jng_Job_Prezzie.pptx
+++ b/Job_Stuff/Jng_Job_Prezzie.pptx
@@ -7,6 +7,9 @@
   <p:sldIdLst>
     <p:sldId id="256" r:id="rId2"/>
     <p:sldId id="257" r:id="rId3"/>
+    <p:sldId id="258" r:id="rId4"/>
+    <p:sldId id="260" r:id="rId5"/>
+    <p:sldId id="259" r:id="rId6"/>
   </p:sldIdLst>
   <p:sldSz cx="12192000" cy="6858000"/>
   <p:notesSz cx="6858000" cy="9144000"/>
@@ -6857,15 +6860,12 @@
           <a:bodyPr/>
           <a:lstStyle/>
           <a:p>
+            <a:pPr algn="ctr"/>
             <a:r>
               <a:rPr lang="en-US" dirty="0" smtClean="0"/>
-              <a:t>Types </a:t>
-            </a:r>
-            <a:r>
-              <a:rPr lang="en-US" smtClean="0"/>
-              <a:t>of Applications</a:t>
-            </a:r>
-            <a:endParaRPr lang="en-US"/>
+              <a:t>Types of Applications</a:t>
+            </a:r>
+            <a:endParaRPr lang="en-US" dirty="0"/>
           </a:p>
         </p:txBody>
       </p:sp>
@@ -6884,7 +6884,44 @@
           <a:bodyPr/>
           <a:lstStyle/>
           <a:p>
-            <a:endParaRPr lang="en-US"/>
+            <a:pPr marL="0" indent="0" algn="ctr">
+              <a:buNone/>
+            </a:pPr>
+            <a:r>
+              <a:rPr lang="en-US" dirty="0" smtClean="0"/>
+              <a:t>Online</a:t>
+            </a:r>
+          </a:p>
+          <a:p>
+            <a:pPr marL="0" indent="0" algn="ctr">
+              <a:buNone/>
+            </a:pPr>
+            <a:endParaRPr lang="en-US" dirty="0"/>
+          </a:p>
+          <a:p>
+            <a:pPr marL="0" indent="0" algn="ctr">
+              <a:buNone/>
+            </a:pPr>
+            <a:r>
+              <a:rPr lang="en-US" dirty="0" smtClean="0"/>
+              <a:t>Recruiter</a:t>
+            </a:r>
+          </a:p>
+          <a:p>
+            <a:pPr marL="0" indent="0" algn="ctr">
+              <a:buNone/>
+            </a:pPr>
+            <a:endParaRPr lang="en-US" dirty="0"/>
+          </a:p>
+          <a:p>
+            <a:pPr marL="0" indent="0" algn="ctr">
+              <a:buNone/>
+            </a:pPr>
+            <a:r>
+              <a:rPr lang="en-US" dirty="0" smtClean="0"/>
+              <a:t>Referral</a:t>
+            </a:r>
+            <a:endParaRPr lang="en-US" dirty="0"/>
           </a:p>
         </p:txBody>
       </p:sp>
@@ -6892,6 +6929,998 @@
     <p:extLst>
       <p:ext uri="{BB962C8B-B14F-4D97-AF65-F5344CB8AC3E}">
         <p14:creationId xmlns:p14="http://schemas.microsoft.com/office/powerpoint/2010/main" val="1055938908"/>
+      </p:ext>
+    </p:extLst>
+  </p:cSld>
+  <p:clrMapOvr>
+    <a:masterClrMapping/>
+  </p:clrMapOvr>
+</p:sld>
+</file>
+
+<file path=ppt/slides/slide3.xml><?xml version="1.0" encoding="utf-8"?>
+<p:sld xmlns:a="http://schemas.openxmlformats.org/drawingml/2006/main" xmlns:r="http://schemas.openxmlformats.org/officeDocument/2006/relationships" xmlns:p="http://schemas.openxmlformats.org/presentationml/2006/main">
+  <p:cSld>
+    <p:spTree>
+      <p:nvGrpSpPr>
+        <p:cNvPr id="1" name=""/>
+        <p:cNvGrpSpPr/>
+        <p:nvPr/>
+      </p:nvGrpSpPr>
+      <p:grpSpPr>
+        <a:xfrm>
+          <a:off x="0" y="0"/>
+          <a:ext cx="0" cy="0"/>
+          <a:chOff x="0" y="0"/>
+          <a:chExt cx="0" cy="0"/>
+        </a:xfrm>
+      </p:grpSpPr>
+      <p:sp>
+        <p:nvSpPr>
+          <p:cNvPr id="4" name="Title 3"/>
+          <p:cNvSpPr>
+            <a:spLocks noGrp="1"/>
+          </p:cNvSpPr>
+          <p:nvPr>
+            <p:ph type="title"/>
+          </p:nvPr>
+        </p:nvSpPr>
+        <p:spPr/>
+        <p:txBody>
+          <a:bodyPr/>
+          <a:lstStyle/>
+          <a:p>
+            <a:r>
+              <a:rPr lang="en-US" dirty="0" smtClean="0"/>
+              <a:t>Disadvantages	</a:t>
+            </a:r>
+            <a:endParaRPr lang="en-US" dirty="0"/>
+          </a:p>
+        </p:txBody>
+      </p:sp>
+      <p:sp>
+        <p:nvSpPr>
+          <p:cNvPr id="5" name="Content Placeholder 4"/>
+          <p:cNvSpPr>
+            <a:spLocks noGrp="1"/>
+          </p:cNvSpPr>
+          <p:nvPr>
+            <p:ph idx="1"/>
+          </p:nvPr>
+        </p:nvSpPr>
+        <p:spPr>
+          <a:xfrm>
+            <a:off x="765051" y="1741336"/>
+            <a:ext cx="6158418" cy="1226948"/>
+          </a:xfrm>
+        </p:spPr>
+        <p:txBody>
+          <a:bodyPr>
+            <a:normAutofit/>
+          </a:bodyPr>
+          <a:lstStyle/>
+          <a:p>
+            <a:r>
+              <a:rPr lang="en-US" sz="2400" dirty="0" smtClean="0"/>
+              <a:t>You can apply to MANY jobs quickly</a:t>
+            </a:r>
+          </a:p>
+          <a:p>
+            <a:r>
+              <a:rPr lang="en-US" sz="2400" dirty="0" smtClean="0"/>
+              <a:t>You can apply at your convenience. </a:t>
+            </a:r>
+            <a:endParaRPr lang="en-US" sz="2400" dirty="0"/>
+          </a:p>
+        </p:txBody>
+      </p:sp>
+      <p:sp>
+        <p:nvSpPr>
+          <p:cNvPr id="6" name="Text Placeholder 5"/>
+          <p:cNvSpPr>
+            <a:spLocks noGrp="1"/>
+          </p:cNvSpPr>
+          <p:nvPr>
+            <p:ph type="body" sz="half" idx="2"/>
+          </p:nvPr>
+        </p:nvSpPr>
+        <p:spPr/>
+        <p:txBody>
+          <a:bodyPr/>
+          <a:lstStyle/>
+          <a:p>
+            <a:pPr marL="285750" indent="-285750">
+              <a:buFont typeface="Arial" charset="0"/>
+              <a:buChar char="•"/>
+            </a:pPr>
+            <a:r>
+              <a:rPr lang="en-US" dirty="0" smtClean="0"/>
+              <a:t>You will not stand out from the other applications</a:t>
+            </a:r>
+          </a:p>
+          <a:p>
+            <a:pPr marL="285750" indent="-285750">
+              <a:buFont typeface="Arial" charset="0"/>
+              <a:buChar char="•"/>
+            </a:pPr>
+            <a:r>
+              <a:rPr lang="en-US" dirty="0" smtClean="0"/>
+              <a:t>It’s hard to track your progress for that application</a:t>
+            </a:r>
+          </a:p>
+          <a:p>
+            <a:pPr marL="285750" indent="-285750">
+              <a:buFont typeface="Arial" charset="0"/>
+              <a:buChar char="•"/>
+            </a:pPr>
+            <a:r>
+              <a:rPr lang="en-US" dirty="0" smtClean="0"/>
+              <a:t>It’s hard to follow up</a:t>
+            </a:r>
+          </a:p>
+          <a:p>
+            <a:pPr marL="285750" indent="-285750">
+              <a:buFont typeface="Arial" charset="0"/>
+              <a:buChar char="•"/>
+            </a:pPr>
+            <a:r>
+              <a:rPr lang="en-US" dirty="0" smtClean="0"/>
+              <a:t>Should be doing some research for each company you are applying to</a:t>
+            </a:r>
+            <a:endParaRPr lang="en-US" dirty="0"/>
+          </a:p>
+        </p:txBody>
+      </p:sp>
+      <p:sp>
+        <p:nvSpPr>
+          <p:cNvPr id="7" name="TextBox 6"/>
+          <p:cNvSpPr txBox="1"/>
+          <p:nvPr/>
+        </p:nvSpPr>
+        <p:spPr>
+          <a:xfrm>
+            <a:off x="843021" y="302182"/>
+            <a:ext cx="6002477" cy="646331"/>
+          </a:xfrm>
+          <a:prstGeom prst="rect">
+            <a:avLst/>
+          </a:prstGeom>
+          <a:noFill/>
+        </p:spPr>
+        <p:txBody>
+          <a:bodyPr wrap="none" rtlCol="0">
+            <a:spAutoFit/>
+          </a:bodyPr>
+          <a:lstStyle/>
+          <a:p>
+            <a:r>
+              <a:rPr lang="en-US" sz="3600" dirty="0" smtClean="0"/>
+              <a:t>Applying For </a:t>
+            </a:r>
+            <a:r>
+              <a:rPr lang="en-US" sz="3600" smtClean="0"/>
+              <a:t>Jobs On-The-Line</a:t>
+            </a:r>
+            <a:endParaRPr lang="en-US" sz="3600" dirty="0"/>
+          </a:p>
+        </p:txBody>
+      </p:sp>
+      <p:sp>
+        <p:nvSpPr>
+          <p:cNvPr id="8" name="Title 3"/>
+          <p:cNvSpPr txBox="1">
+            <a:spLocks/>
+          </p:cNvSpPr>
+          <p:nvPr/>
+        </p:nvSpPr>
+        <p:spPr>
+          <a:xfrm>
+            <a:off x="765051" y="1392702"/>
+            <a:ext cx="3092115" cy="429316"/>
+          </a:xfrm>
+          <a:prstGeom prst="rect">
+            <a:avLst/>
+          </a:prstGeom>
+        </p:spPr>
+        <p:txBody>
+          <a:bodyPr vert="horz" lIns="91440" tIns="45720" rIns="91440" bIns="45720" rtlCol="0" anchor="b">
+            <a:normAutofit/>
+          </a:bodyPr>
+          <a:lstStyle>
+            <a:lvl1pPr algn="l" defTabSz="914400" rtl="0" eaLnBrk="1" latinLnBrk="0" hangingPunct="1">
+              <a:lnSpc>
+                <a:spcPct val="100000"/>
+              </a:lnSpc>
+              <a:spcBef>
+                <a:spcPct val="0"/>
+              </a:spcBef>
+              <a:buNone/>
+              <a:defRPr sz="1900" b="1" i="0" kern="1200" cap="all" spc="300" baseline="0">
+                <a:solidFill>
+                  <a:schemeClr val="accent1"/>
+                </a:solidFill>
+                <a:latin typeface="+mn-lt"/>
+                <a:ea typeface="+mj-ea"/>
+                <a:cs typeface="+mj-cs"/>
+              </a:defRPr>
+            </a:lvl1pPr>
+          </a:lstStyle>
+          <a:p>
+            <a:r>
+              <a:rPr lang="en-US" smtClean="0"/>
+              <a:t>advantages	</a:t>
+            </a:r>
+            <a:endParaRPr lang="en-US" dirty="0"/>
+          </a:p>
+        </p:txBody>
+      </p:sp>
+      <p:sp>
+        <p:nvSpPr>
+          <p:cNvPr id="10" name="Title 3"/>
+          <p:cNvSpPr txBox="1">
+            <a:spLocks/>
+          </p:cNvSpPr>
+          <p:nvPr/>
+        </p:nvSpPr>
+        <p:spPr>
+          <a:xfrm>
+            <a:off x="765051" y="4175761"/>
+            <a:ext cx="3092115" cy="429316"/>
+          </a:xfrm>
+          <a:prstGeom prst="rect">
+            <a:avLst/>
+          </a:prstGeom>
+        </p:spPr>
+        <p:txBody>
+          <a:bodyPr vert="horz" lIns="91440" tIns="45720" rIns="91440" bIns="45720" rtlCol="0" anchor="b">
+            <a:normAutofit/>
+          </a:bodyPr>
+          <a:lstStyle>
+            <a:lvl1pPr algn="l" defTabSz="914400" rtl="0" eaLnBrk="1" latinLnBrk="0" hangingPunct="1">
+              <a:lnSpc>
+                <a:spcPct val="100000"/>
+              </a:lnSpc>
+              <a:spcBef>
+                <a:spcPct val="0"/>
+              </a:spcBef>
+              <a:buNone/>
+              <a:defRPr sz="1900" b="1" i="0" kern="1200" cap="all" spc="300" baseline="0">
+                <a:solidFill>
+                  <a:schemeClr val="accent1"/>
+                </a:solidFill>
+                <a:latin typeface="+mn-lt"/>
+                <a:ea typeface="+mj-ea"/>
+                <a:cs typeface="+mj-cs"/>
+              </a:defRPr>
+            </a:lvl1pPr>
+          </a:lstStyle>
+          <a:p>
+            <a:r>
+              <a:rPr lang="en-US" dirty="0" smtClean="0"/>
+              <a:t>FOLLOW UP</a:t>
+            </a:r>
+            <a:endParaRPr lang="en-US" dirty="0"/>
+          </a:p>
+        </p:txBody>
+      </p:sp>
+      <p:sp>
+        <p:nvSpPr>
+          <p:cNvPr id="11" name="Rectangle 10"/>
+          <p:cNvSpPr/>
+          <p:nvPr/>
+        </p:nvSpPr>
+        <p:spPr>
+          <a:xfrm>
+            <a:off x="843021" y="4765822"/>
+            <a:ext cx="6096000" cy="1200329"/>
+          </a:xfrm>
+          <a:prstGeom prst="rect">
+            <a:avLst/>
+          </a:prstGeom>
+        </p:spPr>
+        <p:txBody>
+          <a:bodyPr>
+            <a:spAutoFit/>
+          </a:bodyPr>
+          <a:lstStyle/>
+          <a:p>
+            <a:pPr marL="342900" indent="-342900">
+              <a:buFont typeface="Arial" charset="0"/>
+              <a:buChar char="•"/>
+            </a:pPr>
+            <a:r>
+              <a:rPr lang="en-US" sz="2400" dirty="0" smtClean="0"/>
+              <a:t>Follow up in 3-5 business days</a:t>
+            </a:r>
+          </a:p>
+          <a:p>
+            <a:pPr marL="342900" indent="-342900">
+              <a:buFont typeface="Arial" charset="0"/>
+              <a:buChar char="•"/>
+            </a:pPr>
+            <a:r>
+              <a:rPr lang="en-US" sz="2400" dirty="0" smtClean="0"/>
+              <a:t>Follow up via email</a:t>
+            </a:r>
+          </a:p>
+          <a:p>
+            <a:pPr marL="342900" indent="-342900">
+              <a:buFont typeface="Arial" charset="0"/>
+              <a:buChar char="•"/>
+            </a:pPr>
+            <a:r>
+              <a:rPr lang="en-US" sz="2400" dirty="0" smtClean="0"/>
+              <a:t>Only once!</a:t>
+            </a:r>
+            <a:endParaRPr lang="en-US" sz="2400" dirty="0"/>
+          </a:p>
+        </p:txBody>
+      </p:sp>
+    </p:spTree>
+    <p:extLst>
+      <p:ext uri="{BB962C8B-B14F-4D97-AF65-F5344CB8AC3E}">
+        <p14:creationId xmlns:p14="http://schemas.microsoft.com/office/powerpoint/2010/main" val="1065680437"/>
+      </p:ext>
+    </p:extLst>
+  </p:cSld>
+  <p:clrMapOvr>
+    <a:masterClrMapping/>
+  </p:clrMapOvr>
+</p:sld>
+</file>
+
+<file path=ppt/slides/slide4.xml><?xml version="1.0" encoding="utf-8"?>
+<p:sld xmlns:a="http://schemas.openxmlformats.org/drawingml/2006/main" xmlns:r="http://schemas.openxmlformats.org/officeDocument/2006/relationships" xmlns:p="http://schemas.openxmlformats.org/presentationml/2006/main">
+  <p:cSld>
+    <p:spTree>
+      <p:nvGrpSpPr>
+        <p:cNvPr id="1" name=""/>
+        <p:cNvGrpSpPr/>
+        <p:nvPr/>
+      </p:nvGrpSpPr>
+      <p:grpSpPr>
+        <a:xfrm>
+          <a:off x="0" y="0"/>
+          <a:ext cx="0" cy="0"/>
+          <a:chOff x="0" y="0"/>
+          <a:chExt cx="0" cy="0"/>
+        </a:xfrm>
+      </p:grpSpPr>
+      <p:sp>
+        <p:nvSpPr>
+          <p:cNvPr id="4" name="Title 3"/>
+          <p:cNvSpPr>
+            <a:spLocks noGrp="1"/>
+          </p:cNvSpPr>
+          <p:nvPr>
+            <p:ph type="title"/>
+          </p:nvPr>
+        </p:nvSpPr>
+        <p:spPr/>
+        <p:txBody>
+          <a:bodyPr/>
+          <a:lstStyle/>
+          <a:p>
+            <a:r>
+              <a:rPr lang="en-US" dirty="0" smtClean="0"/>
+              <a:t>Disadvantages	</a:t>
+            </a:r>
+            <a:endParaRPr lang="en-US" dirty="0"/>
+          </a:p>
+        </p:txBody>
+      </p:sp>
+      <p:sp>
+        <p:nvSpPr>
+          <p:cNvPr id="5" name="Content Placeholder 4"/>
+          <p:cNvSpPr>
+            <a:spLocks noGrp="1"/>
+          </p:cNvSpPr>
+          <p:nvPr>
+            <p:ph idx="1"/>
+          </p:nvPr>
+        </p:nvSpPr>
+        <p:spPr>
+          <a:xfrm>
+            <a:off x="765051" y="1982762"/>
+            <a:ext cx="6158418" cy="1871785"/>
+          </a:xfrm>
+        </p:spPr>
+        <p:txBody>
+          <a:bodyPr>
+            <a:normAutofit lnSpcReduction="10000"/>
+          </a:bodyPr>
+          <a:lstStyle/>
+          <a:p>
+            <a:r>
+              <a:rPr lang="en-US" sz="2400" dirty="0" smtClean="0"/>
+              <a:t>More Inside Info</a:t>
+            </a:r>
+          </a:p>
+          <a:p>
+            <a:r>
+              <a:rPr lang="en-US" sz="2400" dirty="0" smtClean="0"/>
+              <a:t>A Recruiter will be selling you</a:t>
+            </a:r>
+          </a:p>
+          <a:p>
+            <a:r>
+              <a:rPr lang="en-US" sz="2400" dirty="0" smtClean="0"/>
+              <a:t>Easier to follow up with a recruiter</a:t>
+            </a:r>
+          </a:p>
+          <a:p>
+            <a:r>
+              <a:rPr lang="en-US" sz="2400" dirty="0" smtClean="0"/>
+              <a:t>Cover Letters aren’t required as much</a:t>
+            </a:r>
+            <a:endParaRPr lang="en-US" sz="2400" dirty="0"/>
+          </a:p>
+        </p:txBody>
+      </p:sp>
+      <p:sp>
+        <p:nvSpPr>
+          <p:cNvPr id="6" name="Text Placeholder 5"/>
+          <p:cNvSpPr>
+            <a:spLocks noGrp="1"/>
+          </p:cNvSpPr>
+          <p:nvPr>
+            <p:ph type="body" sz="half" idx="2"/>
+          </p:nvPr>
+        </p:nvSpPr>
+        <p:spPr/>
+        <p:txBody>
+          <a:bodyPr>
+            <a:normAutofit/>
+          </a:bodyPr>
+          <a:lstStyle/>
+          <a:p>
+            <a:pPr marL="285750" indent="-285750">
+              <a:buFont typeface="Arial" charset="0"/>
+              <a:buChar char="•"/>
+            </a:pPr>
+            <a:r>
+              <a:rPr lang="en-US" dirty="0" smtClean="0"/>
+              <a:t>You will not have any control over the application for this position</a:t>
+            </a:r>
+          </a:p>
+          <a:p>
+            <a:pPr marL="285750" indent="-285750">
+              <a:buFont typeface="Arial" charset="0"/>
+              <a:buChar char="•"/>
+            </a:pPr>
+            <a:r>
+              <a:rPr lang="en-US" dirty="0" smtClean="0"/>
+              <a:t>You will not get proper feedback</a:t>
+            </a:r>
+          </a:p>
+          <a:p>
+            <a:pPr marL="285750" indent="-285750">
+              <a:buFont typeface="Arial" charset="0"/>
+              <a:buChar char="•"/>
+            </a:pPr>
+            <a:r>
+              <a:rPr lang="en-US" dirty="0" smtClean="0"/>
+              <a:t>Who will be paying the recruiter fee?</a:t>
+            </a:r>
+          </a:p>
+          <a:p>
+            <a:pPr marL="285750" indent="-285750">
+              <a:buFont typeface="Arial" charset="0"/>
+              <a:buChar char="•"/>
+            </a:pPr>
+            <a:r>
+              <a:rPr lang="en-US" dirty="0" smtClean="0"/>
+              <a:t>Is there another candidate the recruiter has for that position? </a:t>
+            </a:r>
+          </a:p>
+        </p:txBody>
+      </p:sp>
+      <p:sp>
+        <p:nvSpPr>
+          <p:cNvPr id="7" name="TextBox 6"/>
+          <p:cNvSpPr txBox="1"/>
+          <p:nvPr/>
+        </p:nvSpPr>
+        <p:spPr>
+          <a:xfrm>
+            <a:off x="332401" y="409203"/>
+            <a:ext cx="7023718" cy="646331"/>
+          </a:xfrm>
+          <a:prstGeom prst="rect">
+            <a:avLst/>
+          </a:prstGeom>
+          <a:noFill/>
+        </p:spPr>
+        <p:txBody>
+          <a:bodyPr wrap="none" rtlCol="0">
+            <a:spAutoFit/>
+          </a:bodyPr>
+          <a:lstStyle/>
+          <a:p>
+            <a:r>
+              <a:rPr lang="en-US" sz="3600" dirty="0" smtClean="0"/>
+              <a:t>Applying For </a:t>
+            </a:r>
+            <a:r>
+              <a:rPr lang="en-US" sz="3600" smtClean="0"/>
+              <a:t>Jobs Through Recruiter</a:t>
+            </a:r>
+            <a:endParaRPr lang="en-US" sz="3600" dirty="0"/>
+          </a:p>
+        </p:txBody>
+      </p:sp>
+      <p:sp>
+        <p:nvSpPr>
+          <p:cNvPr id="8" name="Title 3"/>
+          <p:cNvSpPr txBox="1">
+            <a:spLocks/>
+          </p:cNvSpPr>
+          <p:nvPr/>
+        </p:nvSpPr>
+        <p:spPr>
+          <a:xfrm>
+            <a:off x="765051" y="1392702"/>
+            <a:ext cx="3092115" cy="429316"/>
+          </a:xfrm>
+          <a:prstGeom prst="rect">
+            <a:avLst/>
+          </a:prstGeom>
+        </p:spPr>
+        <p:txBody>
+          <a:bodyPr vert="horz" lIns="91440" tIns="45720" rIns="91440" bIns="45720" rtlCol="0" anchor="b">
+            <a:normAutofit/>
+          </a:bodyPr>
+          <a:lstStyle>
+            <a:lvl1pPr algn="l" defTabSz="914400" rtl="0" eaLnBrk="1" latinLnBrk="0" hangingPunct="1">
+              <a:lnSpc>
+                <a:spcPct val="100000"/>
+              </a:lnSpc>
+              <a:spcBef>
+                <a:spcPct val="0"/>
+              </a:spcBef>
+              <a:buNone/>
+              <a:defRPr sz="1900" b="1" i="0" kern="1200" cap="all" spc="300" baseline="0">
+                <a:solidFill>
+                  <a:schemeClr val="accent1"/>
+                </a:solidFill>
+                <a:latin typeface="+mn-lt"/>
+                <a:ea typeface="+mj-ea"/>
+                <a:cs typeface="+mj-cs"/>
+              </a:defRPr>
+            </a:lvl1pPr>
+          </a:lstStyle>
+          <a:p>
+            <a:r>
+              <a:rPr lang="en-US" smtClean="0"/>
+              <a:t>advantages	</a:t>
+            </a:r>
+            <a:endParaRPr lang="en-US" dirty="0"/>
+          </a:p>
+        </p:txBody>
+      </p:sp>
+      <p:sp>
+        <p:nvSpPr>
+          <p:cNvPr id="10" name="Title 3"/>
+          <p:cNvSpPr txBox="1">
+            <a:spLocks/>
+          </p:cNvSpPr>
+          <p:nvPr/>
+        </p:nvSpPr>
+        <p:spPr>
+          <a:xfrm>
+            <a:off x="765051" y="4175761"/>
+            <a:ext cx="3092115" cy="429316"/>
+          </a:xfrm>
+          <a:prstGeom prst="rect">
+            <a:avLst/>
+          </a:prstGeom>
+        </p:spPr>
+        <p:txBody>
+          <a:bodyPr vert="horz" lIns="91440" tIns="45720" rIns="91440" bIns="45720" rtlCol="0" anchor="b">
+            <a:normAutofit/>
+          </a:bodyPr>
+          <a:lstStyle>
+            <a:lvl1pPr algn="l" defTabSz="914400" rtl="0" eaLnBrk="1" latinLnBrk="0" hangingPunct="1">
+              <a:lnSpc>
+                <a:spcPct val="100000"/>
+              </a:lnSpc>
+              <a:spcBef>
+                <a:spcPct val="0"/>
+              </a:spcBef>
+              <a:buNone/>
+              <a:defRPr sz="1900" b="1" i="0" kern="1200" cap="all" spc="300" baseline="0">
+                <a:solidFill>
+                  <a:schemeClr val="accent1"/>
+                </a:solidFill>
+                <a:latin typeface="+mn-lt"/>
+                <a:ea typeface="+mj-ea"/>
+                <a:cs typeface="+mj-cs"/>
+              </a:defRPr>
+            </a:lvl1pPr>
+          </a:lstStyle>
+          <a:p>
+            <a:r>
+              <a:rPr lang="en-US" dirty="0" smtClean="0"/>
+              <a:t>FOLLOW UP</a:t>
+            </a:r>
+            <a:endParaRPr lang="en-US" dirty="0"/>
+          </a:p>
+        </p:txBody>
+      </p:sp>
+      <p:sp>
+        <p:nvSpPr>
+          <p:cNvPr id="11" name="Rectangle 10"/>
+          <p:cNvSpPr/>
+          <p:nvPr/>
+        </p:nvSpPr>
+        <p:spPr>
+          <a:xfrm>
+            <a:off x="843021" y="4765822"/>
+            <a:ext cx="6096000" cy="1569660"/>
+          </a:xfrm>
+          <a:prstGeom prst="rect">
+            <a:avLst/>
+          </a:prstGeom>
+        </p:spPr>
+        <p:txBody>
+          <a:bodyPr>
+            <a:spAutoFit/>
+          </a:bodyPr>
+          <a:lstStyle/>
+          <a:p>
+            <a:pPr marL="342900" indent="-342900">
+              <a:buFont typeface="Arial" charset="0"/>
+              <a:buChar char="•"/>
+            </a:pPr>
+            <a:r>
+              <a:rPr lang="en-US" sz="2400" dirty="0" smtClean="0"/>
+              <a:t>Wait 1-2 business days to follow up</a:t>
+            </a:r>
+          </a:p>
+          <a:p>
+            <a:pPr marL="342900" indent="-342900">
+              <a:buFont typeface="Arial" charset="0"/>
+              <a:buChar char="•"/>
+            </a:pPr>
+            <a:r>
+              <a:rPr lang="en-US" sz="2400" dirty="0" smtClean="0"/>
+              <a:t>Follow up with Recruiter via call</a:t>
+            </a:r>
+          </a:p>
+          <a:p>
+            <a:pPr marL="342900" indent="-342900">
+              <a:buFont typeface="Arial" charset="0"/>
+              <a:buChar char="•"/>
+            </a:pPr>
+            <a:r>
+              <a:rPr lang="en-US" sz="2400" dirty="0" smtClean="0"/>
+              <a:t>Follow up with Recruiter via email after call if needed</a:t>
+            </a:r>
+            <a:endParaRPr lang="en-US" sz="2400" dirty="0"/>
+          </a:p>
+        </p:txBody>
+      </p:sp>
+    </p:spTree>
+    <p:extLst>
+      <p:ext uri="{BB962C8B-B14F-4D97-AF65-F5344CB8AC3E}">
+        <p14:creationId xmlns:p14="http://schemas.microsoft.com/office/powerpoint/2010/main" val="1366226063"/>
+      </p:ext>
+    </p:extLst>
+  </p:cSld>
+  <p:clrMapOvr>
+    <a:masterClrMapping/>
+  </p:clrMapOvr>
+</p:sld>
+</file>
+
+<file path=ppt/slides/slide5.xml><?xml version="1.0" encoding="utf-8"?>
+<p:sld xmlns:a="http://schemas.openxmlformats.org/drawingml/2006/main" xmlns:r="http://schemas.openxmlformats.org/officeDocument/2006/relationships" xmlns:p="http://schemas.openxmlformats.org/presentationml/2006/main">
+  <p:cSld>
+    <p:spTree>
+      <p:nvGrpSpPr>
+        <p:cNvPr id="1" name=""/>
+        <p:cNvGrpSpPr/>
+        <p:nvPr/>
+      </p:nvGrpSpPr>
+      <p:grpSpPr>
+        <a:xfrm>
+          <a:off x="0" y="0"/>
+          <a:ext cx="0" cy="0"/>
+          <a:chOff x="0" y="0"/>
+          <a:chExt cx="0" cy="0"/>
+        </a:xfrm>
+      </p:grpSpPr>
+      <p:sp>
+        <p:nvSpPr>
+          <p:cNvPr id="4" name="Title 3"/>
+          <p:cNvSpPr>
+            <a:spLocks noGrp="1"/>
+          </p:cNvSpPr>
+          <p:nvPr>
+            <p:ph type="title"/>
+          </p:nvPr>
+        </p:nvSpPr>
+        <p:spPr/>
+        <p:txBody>
+          <a:bodyPr/>
+          <a:lstStyle/>
+          <a:p>
+            <a:r>
+              <a:rPr lang="en-US" dirty="0" smtClean="0"/>
+              <a:t>Disadvantages	</a:t>
+            </a:r>
+            <a:endParaRPr lang="en-US" dirty="0"/>
+          </a:p>
+        </p:txBody>
+      </p:sp>
+      <p:sp>
+        <p:nvSpPr>
+          <p:cNvPr id="5" name="Content Placeholder 4"/>
+          <p:cNvSpPr>
+            <a:spLocks noGrp="1"/>
+          </p:cNvSpPr>
+          <p:nvPr>
+            <p:ph idx="1"/>
+          </p:nvPr>
+        </p:nvSpPr>
+        <p:spPr>
+          <a:xfrm>
+            <a:off x="765051" y="1922015"/>
+            <a:ext cx="6158418" cy="2253745"/>
+          </a:xfrm>
+        </p:spPr>
+        <p:txBody>
+          <a:bodyPr>
+            <a:normAutofit lnSpcReduction="10000"/>
+          </a:bodyPr>
+          <a:lstStyle/>
+          <a:p>
+            <a:r>
+              <a:rPr lang="en-US" sz="2400" dirty="0" smtClean="0"/>
+              <a:t>Access to reliable insider information</a:t>
+            </a:r>
+          </a:p>
+          <a:p>
+            <a:r>
+              <a:rPr lang="en-US" sz="2400" dirty="0" smtClean="0"/>
+              <a:t>If you are referred through an employee, their opinion has more weight</a:t>
+            </a:r>
+          </a:p>
+          <a:p>
+            <a:r>
+              <a:rPr lang="en-US" sz="2400" dirty="0" smtClean="0"/>
+              <a:t>More likely to get in the door, even without a resume or cover letter</a:t>
+            </a:r>
+            <a:endParaRPr lang="en-US" sz="2400" dirty="0"/>
+          </a:p>
+        </p:txBody>
+      </p:sp>
+      <p:sp>
+        <p:nvSpPr>
+          <p:cNvPr id="6" name="Text Placeholder 5"/>
+          <p:cNvSpPr>
+            <a:spLocks noGrp="1"/>
+          </p:cNvSpPr>
+          <p:nvPr>
+            <p:ph type="body" sz="half" idx="2"/>
+          </p:nvPr>
+        </p:nvSpPr>
+        <p:spPr/>
+        <p:txBody>
+          <a:bodyPr/>
+          <a:lstStyle/>
+          <a:p>
+            <a:pPr marL="285750" indent="-285750">
+              <a:buFont typeface="Arial" charset="0"/>
+              <a:buChar char="•"/>
+            </a:pPr>
+            <a:r>
+              <a:rPr lang="en-US" dirty="0" smtClean="0"/>
+              <a:t>Not too many disadvantages.</a:t>
+            </a:r>
+          </a:p>
+          <a:p>
+            <a:pPr marL="285750" indent="-285750">
+              <a:buFont typeface="Arial" charset="0"/>
+              <a:buChar char="•"/>
+            </a:pPr>
+            <a:r>
+              <a:rPr lang="en-US" dirty="0" smtClean="0"/>
+              <a:t>Approach with caution as to not insult your referral or yourself</a:t>
+            </a:r>
+            <a:endParaRPr lang="en-US" dirty="0"/>
+          </a:p>
+        </p:txBody>
+      </p:sp>
+      <p:sp>
+        <p:nvSpPr>
+          <p:cNvPr id="7" name="TextBox 6"/>
+          <p:cNvSpPr txBox="1"/>
+          <p:nvPr/>
+        </p:nvSpPr>
+        <p:spPr>
+          <a:xfrm>
+            <a:off x="520386" y="248889"/>
+            <a:ext cx="6741269" cy="646331"/>
+          </a:xfrm>
+          <a:prstGeom prst="rect">
+            <a:avLst/>
+          </a:prstGeom>
+          <a:noFill/>
+        </p:spPr>
+        <p:txBody>
+          <a:bodyPr wrap="none" rtlCol="0">
+            <a:spAutoFit/>
+          </a:bodyPr>
+          <a:lstStyle/>
+          <a:p>
+            <a:r>
+              <a:rPr lang="en-US" sz="3600" dirty="0" smtClean="0"/>
+              <a:t>Applying For Jobs Through Referral</a:t>
+            </a:r>
+            <a:endParaRPr lang="en-US" sz="3600" dirty="0"/>
+          </a:p>
+        </p:txBody>
+      </p:sp>
+      <p:sp>
+        <p:nvSpPr>
+          <p:cNvPr id="8" name="Title 3"/>
+          <p:cNvSpPr txBox="1">
+            <a:spLocks/>
+          </p:cNvSpPr>
+          <p:nvPr/>
+        </p:nvSpPr>
+        <p:spPr>
+          <a:xfrm>
+            <a:off x="765051" y="1392702"/>
+            <a:ext cx="3092115" cy="429316"/>
+          </a:xfrm>
+          <a:prstGeom prst="rect">
+            <a:avLst/>
+          </a:prstGeom>
+        </p:spPr>
+        <p:txBody>
+          <a:bodyPr vert="horz" lIns="91440" tIns="45720" rIns="91440" bIns="45720" rtlCol="0" anchor="b">
+            <a:normAutofit/>
+          </a:bodyPr>
+          <a:lstStyle>
+            <a:lvl1pPr algn="l" defTabSz="914400" rtl="0" eaLnBrk="1" latinLnBrk="0" hangingPunct="1">
+              <a:lnSpc>
+                <a:spcPct val="100000"/>
+              </a:lnSpc>
+              <a:spcBef>
+                <a:spcPct val="0"/>
+              </a:spcBef>
+              <a:buNone/>
+              <a:defRPr sz="1900" b="1" i="0" kern="1200" cap="all" spc="300" baseline="0">
+                <a:solidFill>
+                  <a:schemeClr val="accent1"/>
+                </a:solidFill>
+                <a:latin typeface="+mn-lt"/>
+                <a:ea typeface="+mj-ea"/>
+                <a:cs typeface="+mj-cs"/>
+              </a:defRPr>
+            </a:lvl1pPr>
+          </a:lstStyle>
+          <a:p>
+            <a:r>
+              <a:rPr lang="en-US" smtClean="0"/>
+              <a:t>advantages	</a:t>
+            </a:r>
+            <a:endParaRPr lang="en-US" dirty="0"/>
+          </a:p>
+        </p:txBody>
+      </p:sp>
+      <p:sp>
+        <p:nvSpPr>
+          <p:cNvPr id="10" name="Title 3"/>
+          <p:cNvSpPr txBox="1">
+            <a:spLocks/>
+          </p:cNvSpPr>
+          <p:nvPr/>
+        </p:nvSpPr>
+        <p:spPr>
+          <a:xfrm>
+            <a:off x="765051" y="4175761"/>
+            <a:ext cx="3092115" cy="429316"/>
+          </a:xfrm>
+          <a:prstGeom prst="rect">
+            <a:avLst/>
+          </a:prstGeom>
+        </p:spPr>
+        <p:txBody>
+          <a:bodyPr vert="horz" lIns="91440" tIns="45720" rIns="91440" bIns="45720" rtlCol="0" anchor="b">
+            <a:normAutofit/>
+          </a:bodyPr>
+          <a:lstStyle>
+            <a:lvl1pPr algn="l" defTabSz="914400" rtl="0" eaLnBrk="1" latinLnBrk="0" hangingPunct="1">
+              <a:lnSpc>
+                <a:spcPct val="100000"/>
+              </a:lnSpc>
+              <a:spcBef>
+                <a:spcPct val="0"/>
+              </a:spcBef>
+              <a:buNone/>
+              <a:defRPr sz="1900" b="1" i="0" kern="1200" cap="all" spc="300" baseline="0">
+                <a:solidFill>
+                  <a:schemeClr val="accent1"/>
+                </a:solidFill>
+                <a:latin typeface="+mn-lt"/>
+                <a:ea typeface="+mj-ea"/>
+                <a:cs typeface="+mj-cs"/>
+              </a:defRPr>
+            </a:lvl1pPr>
+          </a:lstStyle>
+          <a:p>
+            <a:r>
+              <a:rPr lang="en-US" dirty="0" smtClean="0"/>
+              <a:t>FOLLOW UP</a:t>
+            </a:r>
+            <a:endParaRPr lang="en-US" dirty="0"/>
+          </a:p>
+        </p:txBody>
+      </p:sp>
+      <p:sp>
+        <p:nvSpPr>
+          <p:cNvPr id="11" name="Rectangle 10"/>
+          <p:cNvSpPr/>
+          <p:nvPr/>
+        </p:nvSpPr>
+        <p:spPr>
+          <a:xfrm>
+            <a:off x="843021" y="4765822"/>
+            <a:ext cx="6096000" cy="1938992"/>
+          </a:xfrm>
+          <a:prstGeom prst="rect">
+            <a:avLst/>
+          </a:prstGeom>
+        </p:spPr>
+        <p:txBody>
+          <a:bodyPr>
+            <a:spAutoFit/>
+          </a:bodyPr>
+          <a:lstStyle/>
+          <a:p>
+            <a:pPr marL="342900" indent="-342900">
+              <a:buFont typeface="Arial" charset="0"/>
+              <a:buChar char="•"/>
+            </a:pPr>
+            <a:r>
+              <a:rPr lang="en-US" sz="2400" dirty="0" smtClean="0"/>
+              <a:t>Follow up in 2-4 business days</a:t>
+            </a:r>
+          </a:p>
+          <a:p>
+            <a:pPr marL="342900" indent="-342900">
+              <a:buFont typeface="Arial" charset="0"/>
+              <a:buChar char="•"/>
+            </a:pPr>
+            <a:r>
+              <a:rPr lang="en-US" sz="2400" dirty="0" smtClean="0"/>
+              <a:t>Follow up with the person you were put into contact with.</a:t>
+            </a:r>
+          </a:p>
+          <a:p>
+            <a:pPr marL="342900" indent="-342900">
+              <a:buFont typeface="Arial" charset="0"/>
+              <a:buChar char="•"/>
+            </a:pPr>
+            <a:r>
+              <a:rPr lang="en-US" sz="2400" dirty="0" smtClean="0"/>
+              <a:t>Ideally only one follow up, use own judgment </a:t>
+            </a:r>
+            <a:r>
+              <a:rPr lang="en-US" sz="2400" smtClean="0"/>
+              <a:t>if more</a:t>
+            </a:r>
+            <a:endParaRPr lang="en-US" sz="2400" dirty="0"/>
+          </a:p>
+        </p:txBody>
+      </p:sp>
+    </p:spTree>
+    <p:extLst>
+      <p:ext uri="{BB962C8B-B14F-4D97-AF65-F5344CB8AC3E}">
+        <p14:creationId xmlns:p14="http://schemas.microsoft.com/office/powerpoint/2010/main" val="689479517"/>
       </p:ext>
     </p:extLst>
   </p:cSld>

--- a/Job_Stuff/Jng_Job_Prezzie.pptx
+++ b/Job_Stuff/Jng_Job_Prezzie.pptx
@@ -10,6 +10,9 @@
     <p:sldId id="258" r:id="rId4"/>
     <p:sldId id="260" r:id="rId5"/>
     <p:sldId id="259" r:id="rId6"/>
+    <p:sldId id="261" r:id="rId7"/>
+    <p:sldId id="262" r:id="rId8"/>
+    <p:sldId id="263" r:id="rId9"/>
   </p:sldIdLst>
   <p:sldSz cx="12192000" cy="6858000"/>
   <p:notesSz cx="6858000" cy="9144000"/>
@@ -7907,11 +7910,7 @@
             </a:pPr>
             <a:r>
               <a:rPr lang="en-US" sz="2400" dirty="0" smtClean="0"/>
-              <a:t>Ideally only one follow up, use own judgment </a:t>
-            </a:r>
-            <a:r>
-              <a:rPr lang="en-US" sz="2400" smtClean="0"/>
-              <a:t>if more</a:t>
+              <a:t>Ideally only one follow up, use own judgment if more</a:t>
             </a:r>
             <a:endParaRPr lang="en-US" sz="2400" dirty="0"/>
           </a:p>
@@ -7921,6 +7920,304 @@
     <p:extLst>
       <p:ext uri="{BB962C8B-B14F-4D97-AF65-F5344CB8AC3E}">
         <p14:creationId xmlns:p14="http://schemas.microsoft.com/office/powerpoint/2010/main" val="689479517"/>
+      </p:ext>
+    </p:extLst>
+  </p:cSld>
+  <p:clrMapOvr>
+    <a:masterClrMapping/>
+  </p:clrMapOvr>
+</p:sld>
+</file>
+
+<file path=ppt/slides/slide6.xml><?xml version="1.0" encoding="utf-8"?>
+<p:sld xmlns:a="http://schemas.openxmlformats.org/drawingml/2006/main" xmlns:r="http://schemas.openxmlformats.org/officeDocument/2006/relationships" xmlns:p="http://schemas.openxmlformats.org/presentationml/2006/main">
+  <p:cSld>
+    <p:spTree>
+      <p:nvGrpSpPr>
+        <p:cNvPr id="1" name=""/>
+        <p:cNvGrpSpPr/>
+        <p:nvPr/>
+      </p:nvGrpSpPr>
+      <p:grpSpPr>
+        <a:xfrm>
+          <a:off x="0" y="0"/>
+          <a:ext cx="0" cy="0"/>
+          <a:chOff x="0" y="0"/>
+          <a:chExt cx="0" cy="0"/>
+        </a:xfrm>
+      </p:grpSpPr>
+      <p:sp>
+        <p:nvSpPr>
+          <p:cNvPr id="5" name="Title 4"/>
+          <p:cNvSpPr>
+            <a:spLocks noGrp="1"/>
+          </p:cNvSpPr>
+          <p:nvPr>
+            <p:ph type="title"/>
+          </p:nvPr>
+        </p:nvSpPr>
+        <p:spPr>
+          <a:xfrm>
+            <a:off x="1078524" y="2956772"/>
+            <a:ext cx="11113476" cy="1492132"/>
+          </a:xfrm>
+        </p:spPr>
+        <p:txBody>
+          <a:bodyPr/>
+          <a:lstStyle/>
+          <a:p>
+            <a:r>
+              <a:rPr lang="en-US" dirty="0" smtClean="0"/>
+              <a:t>Resume / </a:t>
+            </a:r>
+            <a:r>
+              <a:rPr lang="en-US" dirty="0" err="1" smtClean="0"/>
+              <a:t>Linkedin</a:t>
+            </a:r>
+            <a:r>
+              <a:rPr lang="en-US" dirty="0" smtClean="0"/>
+              <a:t> / online presence</a:t>
+            </a:r>
+            <a:endParaRPr lang="en-US" dirty="0"/>
+          </a:p>
+        </p:txBody>
+      </p:sp>
+    </p:spTree>
+    <p:extLst>
+      <p:ext uri="{BB962C8B-B14F-4D97-AF65-F5344CB8AC3E}">
+        <p14:creationId xmlns:p14="http://schemas.microsoft.com/office/powerpoint/2010/main" val="368481736"/>
+      </p:ext>
+    </p:extLst>
+  </p:cSld>
+  <p:clrMapOvr>
+    <a:masterClrMapping/>
+  </p:clrMapOvr>
+</p:sld>
+</file>
+
+<file path=ppt/slides/slide7.xml><?xml version="1.0" encoding="utf-8"?>
+<p:sld xmlns:a="http://schemas.openxmlformats.org/drawingml/2006/main" xmlns:r="http://schemas.openxmlformats.org/officeDocument/2006/relationships" xmlns:p="http://schemas.openxmlformats.org/presentationml/2006/main">
+  <p:cSld>
+    <p:spTree>
+      <p:nvGrpSpPr>
+        <p:cNvPr id="1" name=""/>
+        <p:cNvGrpSpPr/>
+        <p:nvPr/>
+      </p:nvGrpSpPr>
+      <p:grpSpPr>
+        <a:xfrm>
+          <a:off x="0" y="0"/>
+          <a:ext cx="0" cy="0"/>
+          <a:chOff x="0" y="0"/>
+          <a:chExt cx="0" cy="0"/>
+        </a:xfrm>
+      </p:grpSpPr>
+      <p:sp>
+        <p:nvSpPr>
+          <p:cNvPr id="2" name="Title 1"/>
+          <p:cNvSpPr>
+            <a:spLocks noGrp="1"/>
+          </p:cNvSpPr>
+          <p:nvPr>
+            <p:ph type="title"/>
+          </p:nvPr>
+        </p:nvSpPr>
+        <p:spPr/>
+        <p:txBody>
+          <a:bodyPr/>
+          <a:lstStyle/>
+          <a:p>
+            <a:pPr algn="ctr"/>
+            <a:r>
+              <a:rPr lang="en-US" dirty="0" smtClean="0"/>
+              <a:t>LinkedIn</a:t>
+            </a:r>
+            <a:endParaRPr lang="en-US" dirty="0"/>
+          </a:p>
+        </p:txBody>
+      </p:sp>
+      <p:sp>
+        <p:nvSpPr>
+          <p:cNvPr id="3" name="Content Placeholder 2"/>
+          <p:cNvSpPr>
+            <a:spLocks noGrp="1"/>
+          </p:cNvSpPr>
+          <p:nvPr>
+            <p:ph idx="1"/>
+          </p:nvPr>
+        </p:nvSpPr>
+        <p:spPr/>
+        <p:txBody>
+          <a:bodyPr/>
+          <a:lstStyle/>
+          <a:p>
+            <a:r>
+              <a:rPr lang="en-US" dirty="0" smtClean="0"/>
+              <a:t>Change the “notify your network” to a no. This can be done on the right hand side OR in your privacy settings</a:t>
+            </a:r>
+          </a:p>
+          <a:p>
+            <a:r>
+              <a:rPr lang="en-US" dirty="0" smtClean="0"/>
+              <a:t>Headshot / Headline</a:t>
+            </a:r>
+          </a:p>
+          <a:p>
+            <a:r>
+              <a:rPr lang="en-US" dirty="0" smtClean="0"/>
+              <a:t>Summary / Industry / URL</a:t>
+            </a:r>
+          </a:p>
+          <a:p>
+            <a:r>
+              <a:rPr lang="en-US" dirty="0" smtClean="0"/>
+              <a:t>Experience / Education</a:t>
+            </a:r>
+          </a:p>
+          <a:p>
+            <a:r>
+              <a:rPr lang="en-US" dirty="0" smtClean="0"/>
+              <a:t>Skills / Endorsements</a:t>
+            </a:r>
+          </a:p>
+          <a:p>
+            <a:r>
+              <a:rPr lang="en-US" dirty="0" smtClean="0"/>
+              <a:t>Connections / </a:t>
+            </a:r>
+            <a:r>
+              <a:rPr lang="en-US" dirty="0" err="1" smtClean="0"/>
+              <a:t>Misc</a:t>
+            </a:r>
+            <a:endParaRPr lang="en-US" dirty="0"/>
+          </a:p>
+        </p:txBody>
+      </p:sp>
+    </p:spTree>
+    <p:extLst>
+      <p:ext uri="{BB962C8B-B14F-4D97-AF65-F5344CB8AC3E}">
+        <p14:creationId xmlns:p14="http://schemas.microsoft.com/office/powerpoint/2010/main" val="1838135563"/>
+      </p:ext>
+    </p:extLst>
+  </p:cSld>
+  <p:clrMapOvr>
+    <a:masterClrMapping/>
+  </p:clrMapOvr>
+</p:sld>
+</file>
+
+<file path=ppt/slides/slide8.xml><?xml version="1.0" encoding="utf-8"?>
+<p:sld xmlns:a="http://schemas.openxmlformats.org/drawingml/2006/main" xmlns:r="http://schemas.openxmlformats.org/officeDocument/2006/relationships" xmlns:p="http://schemas.openxmlformats.org/presentationml/2006/main">
+  <p:cSld>
+    <p:spTree>
+      <p:nvGrpSpPr>
+        <p:cNvPr id="1" name=""/>
+        <p:cNvGrpSpPr/>
+        <p:nvPr/>
+      </p:nvGrpSpPr>
+      <p:grpSpPr>
+        <a:xfrm>
+          <a:off x="0" y="0"/>
+          <a:ext cx="0" cy="0"/>
+          <a:chOff x="0" y="0"/>
+          <a:chExt cx="0" cy="0"/>
+        </a:xfrm>
+      </p:grpSpPr>
+      <p:sp>
+        <p:nvSpPr>
+          <p:cNvPr id="4" name="Title 3"/>
+          <p:cNvSpPr>
+            <a:spLocks noGrp="1"/>
+          </p:cNvSpPr>
+          <p:nvPr>
+            <p:ph type="title"/>
+          </p:nvPr>
+        </p:nvSpPr>
+        <p:spPr/>
+        <p:txBody>
+          <a:bodyPr/>
+          <a:lstStyle/>
+          <a:p>
+            <a:r>
+              <a:rPr lang="en-US" dirty="0" smtClean="0"/>
+              <a:t>Headshot</a:t>
+            </a:r>
+            <a:endParaRPr lang="en-US" dirty="0"/>
+          </a:p>
+        </p:txBody>
+      </p:sp>
+      <p:sp>
+        <p:nvSpPr>
+          <p:cNvPr id="5" name="Content Placeholder 4"/>
+          <p:cNvSpPr>
+            <a:spLocks noGrp="1"/>
+          </p:cNvSpPr>
+          <p:nvPr>
+            <p:ph idx="1"/>
+          </p:nvPr>
+        </p:nvSpPr>
+        <p:spPr/>
+        <p:txBody>
+          <a:bodyPr>
+            <a:normAutofit/>
+          </a:bodyPr>
+          <a:lstStyle/>
+          <a:p>
+            <a:r>
+              <a:rPr lang="en-US" dirty="0" smtClean="0"/>
+              <a:t>This is the first thing people will see when visiting your profile</a:t>
+            </a:r>
+          </a:p>
+          <a:p>
+            <a:r>
+              <a:rPr lang="en-US" dirty="0" smtClean="0"/>
+              <a:t>Get an image that just shows your head and shoulders</a:t>
+            </a:r>
+          </a:p>
+          <a:p>
+            <a:r>
+              <a:rPr lang="en-US" dirty="0" smtClean="0"/>
+              <a:t>If it’s a more creative image feel free to use that</a:t>
+            </a:r>
+          </a:p>
+          <a:p>
+            <a:r>
+              <a:rPr lang="en-US" dirty="0" smtClean="0"/>
+              <a:t>Make sure to wear nice clothing</a:t>
+            </a:r>
+          </a:p>
+          <a:p>
+            <a:pPr lvl="1"/>
+            <a:r>
+              <a:rPr lang="en-US" dirty="0" smtClean="0"/>
+              <a:t>Clean clothing</a:t>
+            </a:r>
+          </a:p>
+          <a:p>
+            <a:pPr lvl="1"/>
+            <a:r>
+              <a:rPr lang="en-US" dirty="0" smtClean="0"/>
+              <a:t>Ironed clothing</a:t>
+            </a:r>
+          </a:p>
+          <a:p>
+            <a:pPr lvl="1"/>
+            <a:r>
+              <a:rPr lang="en-US" dirty="0" smtClean="0"/>
+              <a:t>No deep </a:t>
+            </a:r>
+            <a:r>
+              <a:rPr lang="en-US" smtClean="0"/>
+              <a:t>v-necks</a:t>
+            </a:r>
+            <a:endParaRPr lang="en-US" dirty="0" smtClean="0"/>
+          </a:p>
+        </p:txBody>
+      </p:sp>
+    </p:spTree>
+    <p:extLst>
+      <p:ext uri="{BB962C8B-B14F-4D97-AF65-F5344CB8AC3E}">
+        <p14:creationId xmlns:p14="http://schemas.microsoft.com/office/powerpoint/2010/main" val="514598276"/>
       </p:ext>
     </p:extLst>
   </p:cSld>

--- a/Job_Stuff/Jng_Job_Prezzie.pptx
+++ b/Job_Stuff/Jng_Job_Prezzie.pptx
@@ -11,8 +11,17 @@
     <p:sldId id="260" r:id="rId5"/>
     <p:sldId id="259" r:id="rId6"/>
     <p:sldId id="261" r:id="rId7"/>
-    <p:sldId id="262" r:id="rId8"/>
-    <p:sldId id="263" r:id="rId9"/>
+    <p:sldId id="271" r:id="rId8"/>
+    <p:sldId id="272" r:id="rId9"/>
+    <p:sldId id="262" r:id="rId10"/>
+    <p:sldId id="264" r:id="rId11"/>
+    <p:sldId id="263" r:id="rId12"/>
+    <p:sldId id="265" r:id="rId13"/>
+    <p:sldId id="266" r:id="rId14"/>
+    <p:sldId id="267" r:id="rId15"/>
+    <p:sldId id="268" r:id="rId16"/>
+    <p:sldId id="269" r:id="rId17"/>
+    <p:sldId id="270" r:id="rId18"/>
   </p:sldIdLst>
   <p:sldSz cx="12192000" cy="6858000"/>
   <p:notesSz cx="6858000" cy="9144000"/>
@@ -111,6 +120,11 @@
       </a:defRPr>
     </a:lvl9pPr>
   </p:defaultTextStyle>
+  <p:extLst>
+    <p:ext uri="{EFAFB233-063F-42B5-8137-9DF3F51BA10A}">
+      <p15:sldGuideLst xmlns:p15="http://schemas.microsoft.com/office/powerpoint/2012/main"/>
+    </p:ext>
+  </p:extLst>
 </p:presentation>
 </file>
 
@@ -1326,7 +1340,7 @@
             <a:fld id="{9334D819-9F07-4261-B09B-9E467E5D9002}" type="datetimeFigureOut">
               <a:rPr lang="en-US" dirty="0"/>
               <a:pPr/>
-              <a:t>5/26/16</a:t>
+              <a:t>5/31/16</a:t>
             </a:fld>
             <a:endParaRPr lang="en-US" dirty="0"/>
           </a:p>
@@ -1560,7 +1574,7 @@
           <a:p>
             <a:fld id="{9334D819-9F07-4261-B09B-9E467E5D9002}" type="datetimeFigureOut">
               <a:rPr lang="en-US" dirty="0"/>
-              <a:t>5/26/16</a:t>
+              <a:t>5/31/16</a:t>
             </a:fld>
             <a:endParaRPr lang="en-US" dirty="0"/>
           </a:p>
@@ -1735,7 +1749,7 @@
           <a:p>
             <a:fld id="{9334D819-9F07-4261-B09B-9E467E5D9002}" type="datetimeFigureOut">
               <a:rPr lang="en-US" dirty="0"/>
-              <a:t>5/26/16</a:t>
+              <a:t>5/31/16</a:t>
             </a:fld>
             <a:endParaRPr lang="en-US" dirty="0"/>
           </a:p>
@@ -1900,7 +1914,7 @@
           <a:p>
             <a:fld id="{9334D819-9F07-4261-B09B-9E467E5D9002}" type="datetimeFigureOut">
               <a:rPr lang="en-US" dirty="0"/>
-              <a:t>5/26/16</a:t>
+              <a:t>5/31/16</a:t>
             </a:fld>
             <a:endParaRPr lang="en-US" dirty="0"/>
           </a:p>
@@ -2172,7 +2186,7 @@
             <a:fld id="{9334D819-9F07-4261-B09B-9E467E5D9002}" type="datetimeFigureOut">
               <a:rPr lang="en-US" dirty="0"/>
               <a:pPr/>
-              <a:t>5/26/16</a:t>
+              <a:t>5/31/16</a:t>
             </a:fld>
             <a:endParaRPr lang="en-US" dirty="0"/>
           </a:p>
@@ -3369,7 +3383,7 @@
           <a:p>
             <a:fld id="{9334D819-9F07-4261-B09B-9E467E5D9002}" type="datetimeFigureOut">
               <a:rPr lang="en-US" dirty="0"/>
-              <a:t>5/26/16</a:t>
+              <a:t>5/31/16</a:t>
             </a:fld>
             <a:endParaRPr lang="en-US" dirty="0"/>
           </a:p>
@@ -3754,7 +3768,7 @@
           <a:p>
             <a:fld id="{9334D819-9F07-4261-B09B-9E467E5D9002}" type="datetimeFigureOut">
               <a:rPr lang="en-US" dirty="0"/>
-              <a:t>5/26/16</a:t>
+              <a:t>5/31/16</a:t>
             </a:fld>
             <a:endParaRPr lang="en-US" dirty="0"/>
           </a:p>
@@ -3872,7 +3886,7 @@
           <a:p>
             <a:fld id="{9334D819-9F07-4261-B09B-9E467E5D9002}" type="datetimeFigureOut">
               <a:rPr lang="en-US" dirty="0"/>
-              <a:t>5/26/16</a:t>
+              <a:t>5/31/16</a:t>
             </a:fld>
             <a:endParaRPr lang="en-US" dirty="0"/>
           </a:p>
@@ -3962,7 +3976,7 @@
           <a:p>
             <a:fld id="{9334D819-9F07-4261-B09B-9E467E5D9002}" type="datetimeFigureOut">
               <a:rPr lang="en-US" dirty="0"/>
-              <a:t>5/26/16</a:t>
+              <a:t>5/31/16</a:t>
             </a:fld>
             <a:endParaRPr lang="en-US" dirty="0"/>
           </a:p>
@@ -4720,7 +4734,7 @@
           <a:p>
             <a:fld id="{9334D819-9F07-4261-B09B-9E467E5D9002}" type="datetimeFigureOut">
               <a:rPr lang="en-US" dirty="0"/>
-              <a:t>5/26/16</a:t>
+              <a:t>5/31/16</a:t>
             </a:fld>
             <a:endParaRPr lang="en-US" dirty="0"/>
           </a:p>
@@ -5555,7 +5569,7 @@
           <a:p>
             <a:fld id="{9334D819-9F07-4261-B09B-9E467E5D9002}" type="datetimeFigureOut">
               <a:rPr lang="en-US" dirty="0"/>
-              <a:t>5/26/16</a:t>
+              <a:t>5/31/16</a:t>
             </a:fld>
             <a:endParaRPr lang="en-US" dirty="0"/>
           </a:p>
@@ -5778,7 +5792,7 @@
             <a:fld id="{9334D819-9F07-4261-B09B-9E467E5D9002}" type="datetimeFigureOut">
               <a:rPr lang="en-US" dirty="0"/>
               <a:pPr/>
-              <a:t>5/26/16</a:t>
+              <a:t>5/31/16</a:t>
             </a:fld>
             <a:endParaRPr lang="en-US" dirty="0"/>
           </a:p>
@@ -6831,6 +6845,2225 @@
 </p:sld>
 </file>
 
+<file path=ppt/slides/slide10.xml><?xml version="1.0" encoding="utf-8"?>
+<p:sld xmlns:a="http://schemas.openxmlformats.org/drawingml/2006/main" xmlns:r="http://schemas.openxmlformats.org/officeDocument/2006/relationships" xmlns:p="http://schemas.openxmlformats.org/presentationml/2006/main">
+  <p:cSld>
+    <p:spTree>
+      <p:nvGrpSpPr>
+        <p:cNvPr id="1" name=""/>
+        <p:cNvGrpSpPr/>
+        <p:nvPr/>
+      </p:nvGrpSpPr>
+      <p:grpSpPr>
+        <a:xfrm>
+          <a:off x="0" y="0"/>
+          <a:ext cx="0" cy="0"/>
+          <a:chOff x="0" y="0"/>
+          <a:chExt cx="0" cy="0"/>
+        </a:xfrm>
+      </p:grpSpPr>
+      <p:pic>
+        <p:nvPicPr>
+          <p:cNvPr id="4" name="Content Placeholder 3"/>
+          <p:cNvPicPr>
+            <a:picLocks noGrp="1" noChangeAspect="1"/>
+          </p:cNvPicPr>
+          <p:nvPr>
+            <p:ph idx="4294967295"/>
+          </p:nvPr>
+        </p:nvPicPr>
+        <p:blipFill>
+          <a:blip r:embed="rId2">
+            <a:extLst>
+              <a:ext uri="{28A0092B-C50C-407E-A947-70E740481C1C}">
+                <a14:useLocalDpi xmlns:a14="http://schemas.microsoft.com/office/drawing/2010/main" val="0"/>
+              </a:ext>
+            </a:extLst>
+          </a:blip>
+          <a:stretch>
+            <a:fillRect/>
+          </a:stretch>
+        </p:blipFill>
+        <p:spPr>
+          <a:xfrm>
+            <a:off x="4461658" y="1805354"/>
+            <a:ext cx="7484157" cy="3505199"/>
+          </a:xfrm>
+        </p:spPr>
+      </p:pic>
+      <p:sp>
+        <p:nvSpPr>
+          <p:cNvPr id="5" name="Title 4"/>
+          <p:cNvSpPr>
+            <a:spLocks noGrp="1"/>
+          </p:cNvSpPr>
+          <p:nvPr>
+            <p:ph type="title" idx="4294967295"/>
+          </p:nvPr>
+        </p:nvSpPr>
+        <p:spPr>
+          <a:xfrm>
+            <a:off x="981319" y="422031"/>
+            <a:ext cx="10179050" cy="832338"/>
+          </a:xfrm>
+        </p:spPr>
+        <p:txBody>
+          <a:bodyPr/>
+          <a:lstStyle/>
+          <a:p>
+            <a:pPr algn="ctr"/>
+            <a:r>
+              <a:rPr lang="en-US" b="1" u="sng" dirty="0" smtClean="0"/>
+              <a:t>Your First Impression</a:t>
+            </a:r>
+            <a:endParaRPr lang="en-US" b="1" u="sng" dirty="0"/>
+          </a:p>
+        </p:txBody>
+      </p:sp>
+      <p:sp>
+        <p:nvSpPr>
+          <p:cNvPr id="8" name="TextBox 7"/>
+          <p:cNvSpPr txBox="1"/>
+          <p:nvPr/>
+        </p:nvSpPr>
+        <p:spPr>
+          <a:xfrm>
+            <a:off x="1211137" y="2315252"/>
+            <a:ext cx="2388346" cy="2308324"/>
+          </a:xfrm>
+          <a:prstGeom prst="rect">
+            <a:avLst/>
+          </a:prstGeom>
+          <a:noFill/>
+        </p:spPr>
+        <p:txBody>
+          <a:bodyPr wrap="none" rtlCol="0">
+            <a:spAutoFit/>
+          </a:bodyPr>
+          <a:lstStyle/>
+          <a:p>
+            <a:pPr marL="285750" indent="-285750">
+              <a:buFont typeface="Arial" charset="0"/>
+              <a:buChar char="•"/>
+            </a:pPr>
+            <a:r>
+              <a:rPr lang="en-US" dirty="0" smtClean="0"/>
+              <a:t>Headshot</a:t>
+            </a:r>
+          </a:p>
+          <a:p>
+            <a:pPr marL="285750" indent="-285750">
+              <a:buFont typeface="Arial" charset="0"/>
+              <a:buChar char="•"/>
+            </a:pPr>
+            <a:r>
+              <a:rPr lang="en-US" dirty="0" smtClean="0"/>
+              <a:t>Name</a:t>
+            </a:r>
+          </a:p>
+          <a:p>
+            <a:pPr marL="285750" indent="-285750">
+              <a:buFont typeface="Arial" charset="0"/>
+              <a:buChar char="•"/>
+            </a:pPr>
+            <a:r>
+              <a:rPr lang="en-US" dirty="0" smtClean="0"/>
+              <a:t>Headline</a:t>
+            </a:r>
+          </a:p>
+          <a:p>
+            <a:pPr marL="285750" indent="-285750">
+              <a:buFont typeface="Arial" charset="0"/>
+              <a:buChar char="•"/>
+            </a:pPr>
+            <a:r>
+              <a:rPr lang="en-US" dirty="0" smtClean="0"/>
+              <a:t>City</a:t>
+            </a:r>
+          </a:p>
+          <a:p>
+            <a:pPr marL="285750" indent="-285750">
+              <a:buFont typeface="Arial" charset="0"/>
+              <a:buChar char="•"/>
+            </a:pPr>
+            <a:r>
+              <a:rPr lang="en-US" dirty="0" smtClean="0"/>
+              <a:t>Industry</a:t>
+            </a:r>
+          </a:p>
+          <a:p>
+            <a:pPr marL="285750" indent="-285750">
+              <a:buFont typeface="Arial" charset="0"/>
+              <a:buChar char="•"/>
+            </a:pPr>
+            <a:r>
+              <a:rPr lang="en-US" dirty="0" smtClean="0"/>
+              <a:t>Contact Information</a:t>
+            </a:r>
+          </a:p>
+          <a:p>
+            <a:pPr marL="285750" indent="-285750">
+              <a:buFont typeface="Arial" charset="0"/>
+              <a:buChar char="•"/>
+            </a:pPr>
+            <a:r>
+              <a:rPr lang="en-US" dirty="0" smtClean="0"/>
+              <a:t>Personal URL</a:t>
+            </a:r>
+          </a:p>
+          <a:p>
+            <a:pPr marL="285750" indent="-285750">
+              <a:buFont typeface="Arial" charset="0"/>
+              <a:buChar char="•"/>
+            </a:pPr>
+            <a:endParaRPr lang="en-US" dirty="0"/>
+          </a:p>
+        </p:txBody>
+      </p:sp>
+    </p:spTree>
+    <p:extLst>
+      <p:ext uri="{BB962C8B-B14F-4D97-AF65-F5344CB8AC3E}">
+        <p14:creationId xmlns:p14="http://schemas.microsoft.com/office/powerpoint/2010/main" val="1394975051"/>
+      </p:ext>
+    </p:extLst>
+  </p:cSld>
+  <p:clrMapOvr>
+    <a:masterClrMapping/>
+  </p:clrMapOvr>
+</p:sld>
+</file>
+
+<file path=ppt/slides/slide11.xml><?xml version="1.0" encoding="utf-8"?>
+<p:sld xmlns:a="http://schemas.openxmlformats.org/drawingml/2006/main" xmlns:r="http://schemas.openxmlformats.org/officeDocument/2006/relationships" xmlns:p="http://schemas.openxmlformats.org/presentationml/2006/main">
+  <p:cSld>
+    <p:spTree>
+      <p:nvGrpSpPr>
+        <p:cNvPr id="1" name=""/>
+        <p:cNvGrpSpPr/>
+        <p:nvPr/>
+      </p:nvGrpSpPr>
+      <p:grpSpPr>
+        <a:xfrm>
+          <a:off x="0" y="0"/>
+          <a:ext cx="0" cy="0"/>
+          <a:chOff x="0" y="0"/>
+          <a:chExt cx="0" cy="0"/>
+        </a:xfrm>
+      </p:grpSpPr>
+      <p:sp>
+        <p:nvSpPr>
+          <p:cNvPr id="2" name="Text Placeholder 1"/>
+          <p:cNvSpPr>
+            <a:spLocks noGrp="1"/>
+          </p:cNvSpPr>
+          <p:nvPr>
+            <p:ph type="body" idx="1"/>
+          </p:nvPr>
+        </p:nvSpPr>
+        <p:spPr>
+          <a:xfrm>
+            <a:off x="1257300" y="101203"/>
+            <a:ext cx="4800600" cy="632529"/>
+          </a:xfrm>
+        </p:spPr>
+        <p:txBody>
+          <a:bodyPr/>
+          <a:lstStyle/>
+          <a:p>
+            <a:r>
+              <a:rPr lang="en-US" dirty="0" smtClean="0"/>
+              <a:t>Your Headshot</a:t>
+            </a:r>
+            <a:endParaRPr lang="en-US" dirty="0"/>
+          </a:p>
+        </p:txBody>
+      </p:sp>
+      <p:sp>
+        <p:nvSpPr>
+          <p:cNvPr id="5" name="Content Placeholder 4"/>
+          <p:cNvSpPr>
+            <a:spLocks noGrp="1"/>
+          </p:cNvSpPr>
+          <p:nvPr>
+            <p:ph sz="half" idx="2"/>
+          </p:nvPr>
+        </p:nvSpPr>
+        <p:spPr>
+          <a:xfrm>
+            <a:off x="1257300" y="1017698"/>
+            <a:ext cx="4800600" cy="2996398"/>
+          </a:xfrm>
+        </p:spPr>
+        <p:txBody>
+          <a:bodyPr>
+            <a:normAutofit fontScale="85000" lnSpcReduction="10000"/>
+          </a:bodyPr>
+          <a:lstStyle/>
+          <a:p>
+            <a:r>
+              <a:rPr lang="en-US" dirty="0" smtClean="0"/>
+              <a:t>This is the first thing people will see when visiting your profile</a:t>
+            </a:r>
+          </a:p>
+          <a:p>
+            <a:r>
+              <a:rPr lang="en-US" dirty="0" smtClean="0"/>
+              <a:t>Get an image that just shows your head and shoulders</a:t>
+            </a:r>
+          </a:p>
+          <a:p>
+            <a:r>
+              <a:rPr lang="en-US" dirty="0" smtClean="0"/>
+              <a:t>If it’s a more creative image feel free to use that</a:t>
+            </a:r>
+          </a:p>
+          <a:p>
+            <a:r>
+              <a:rPr lang="en-US" dirty="0" smtClean="0"/>
+              <a:t>Make sure to wear nice clothing</a:t>
+            </a:r>
+          </a:p>
+          <a:p>
+            <a:pPr lvl="1"/>
+            <a:r>
+              <a:rPr lang="en-US" dirty="0" smtClean="0"/>
+              <a:t>Clean clothing</a:t>
+            </a:r>
+          </a:p>
+          <a:p>
+            <a:pPr lvl="1"/>
+            <a:r>
+              <a:rPr lang="en-US" dirty="0" smtClean="0"/>
+              <a:t>Ironed clothing</a:t>
+            </a:r>
+          </a:p>
+          <a:p>
+            <a:pPr lvl="1"/>
+            <a:r>
+              <a:rPr lang="en-US" dirty="0" smtClean="0"/>
+              <a:t>No deep </a:t>
+            </a:r>
+            <a:r>
+              <a:rPr lang="en-US" dirty="0" err="1" smtClean="0"/>
+              <a:t>v-necks</a:t>
+            </a:r>
+            <a:endParaRPr lang="en-US" dirty="0" smtClean="0"/>
+          </a:p>
+        </p:txBody>
+      </p:sp>
+      <p:sp>
+        <p:nvSpPr>
+          <p:cNvPr id="3" name="Text Placeholder 2"/>
+          <p:cNvSpPr>
+            <a:spLocks noGrp="1"/>
+          </p:cNvSpPr>
+          <p:nvPr>
+            <p:ph type="body" sz="quarter" idx="3"/>
+          </p:nvPr>
+        </p:nvSpPr>
+        <p:spPr>
+          <a:xfrm>
+            <a:off x="6633864" y="101203"/>
+            <a:ext cx="4800600" cy="632529"/>
+          </a:xfrm>
+        </p:spPr>
+        <p:txBody>
+          <a:bodyPr/>
+          <a:lstStyle/>
+          <a:p>
+            <a:r>
+              <a:rPr lang="en-US" dirty="0" smtClean="0"/>
+              <a:t>Your headline</a:t>
+            </a:r>
+            <a:endParaRPr lang="en-US" dirty="0"/>
+          </a:p>
+        </p:txBody>
+      </p:sp>
+      <p:sp>
+        <p:nvSpPr>
+          <p:cNvPr id="6" name="Content Placeholder 5"/>
+          <p:cNvSpPr>
+            <a:spLocks noGrp="1"/>
+          </p:cNvSpPr>
+          <p:nvPr>
+            <p:ph sz="quarter" idx="4"/>
+          </p:nvPr>
+        </p:nvSpPr>
+        <p:spPr>
+          <a:xfrm>
+            <a:off x="6633864" y="1017698"/>
+            <a:ext cx="4800600" cy="2996398"/>
+          </a:xfrm>
+        </p:spPr>
+        <p:txBody>
+          <a:bodyPr/>
+          <a:lstStyle/>
+          <a:p>
+            <a:r>
+              <a:rPr lang="en-US" dirty="0" smtClean="0"/>
+              <a:t>Be Creative</a:t>
+            </a:r>
+          </a:p>
+          <a:p>
+            <a:r>
+              <a:rPr lang="en-US" dirty="0" smtClean="0"/>
+              <a:t>Do NOT write “Student” </a:t>
+            </a:r>
+          </a:p>
+          <a:p>
+            <a:r>
+              <a:rPr lang="en-US" dirty="0" smtClean="0"/>
+              <a:t>Show what you’re interested in</a:t>
+            </a:r>
+          </a:p>
+          <a:p>
+            <a:r>
+              <a:rPr lang="en-US" dirty="0" smtClean="0"/>
+              <a:t>This should definitely include something about programming</a:t>
+            </a:r>
+          </a:p>
+          <a:p>
+            <a:r>
+              <a:rPr lang="en-US" dirty="0" smtClean="0"/>
+              <a:t>Can also including something not about programming</a:t>
+            </a:r>
+            <a:endParaRPr lang="en-US" dirty="0"/>
+          </a:p>
+        </p:txBody>
+      </p:sp>
+    </p:spTree>
+    <p:extLst>
+      <p:ext uri="{BB962C8B-B14F-4D97-AF65-F5344CB8AC3E}">
+        <p14:creationId xmlns:p14="http://schemas.microsoft.com/office/powerpoint/2010/main" val="514598276"/>
+      </p:ext>
+    </p:extLst>
+  </p:cSld>
+  <p:clrMapOvr>
+    <a:masterClrMapping/>
+  </p:clrMapOvr>
+</p:sld>
+</file>
+
+<file path=ppt/slides/slide12.xml><?xml version="1.0" encoding="utf-8"?>
+<p:sld xmlns:a="http://schemas.openxmlformats.org/drawingml/2006/main" xmlns:r="http://schemas.openxmlformats.org/officeDocument/2006/relationships" xmlns:p="http://schemas.openxmlformats.org/presentationml/2006/main">
+  <p:cSld>
+    <p:spTree>
+      <p:nvGrpSpPr>
+        <p:cNvPr id="1" name=""/>
+        <p:cNvGrpSpPr/>
+        <p:nvPr/>
+      </p:nvGrpSpPr>
+      <p:grpSpPr>
+        <a:xfrm>
+          <a:off x="0" y="0"/>
+          <a:ext cx="0" cy="0"/>
+          <a:chOff x="0" y="0"/>
+          <a:chExt cx="0" cy="0"/>
+        </a:xfrm>
+      </p:grpSpPr>
+      <p:sp>
+        <p:nvSpPr>
+          <p:cNvPr id="5" name="Title 4"/>
+          <p:cNvSpPr>
+            <a:spLocks noGrp="1"/>
+          </p:cNvSpPr>
+          <p:nvPr>
+            <p:ph type="title" idx="4294967295"/>
+          </p:nvPr>
+        </p:nvSpPr>
+        <p:spPr>
+          <a:xfrm>
+            <a:off x="981319" y="422031"/>
+            <a:ext cx="10179050" cy="832338"/>
+          </a:xfrm>
+        </p:spPr>
+        <p:txBody>
+          <a:bodyPr/>
+          <a:lstStyle/>
+          <a:p>
+            <a:pPr algn="ctr"/>
+            <a:r>
+              <a:rPr lang="en-US" b="1" dirty="0" smtClean="0"/>
+              <a:t>City and Industry</a:t>
+            </a:r>
+            <a:endParaRPr lang="en-US" b="1" dirty="0"/>
+          </a:p>
+        </p:txBody>
+      </p:sp>
+      <p:sp>
+        <p:nvSpPr>
+          <p:cNvPr id="8" name="TextBox 7"/>
+          <p:cNvSpPr txBox="1"/>
+          <p:nvPr/>
+        </p:nvSpPr>
+        <p:spPr>
+          <a:xfrm>
+            <a:off x="1211137" y="1647037"/>
+            <a:ext cx="9949232" cy="2585323"/>
+          </a:xfrm>
+          <a:prstGeom prst="rect">
+            <a:avLst/>
+          </a:prstGeom>
+          <a:noFill/>
+        </p:spPr>
+        <p:txBody>
+          <a:bodyPr wrap="square" rtlCol="0">
+            <a:spAutoFit/>
+          </a:bodyPr>
+          <a:lstStyle/>
+          <a:p>
+            <a:pPr marL="285750" indent="-285750">
+              <a:buFont typeface="Arial" charset="0"/>
+              <a:buChar char="•"/>
+            </a:pPr>
+            <a:r>
+              <a:rPr lang="en-US" dirty="0" smtClean="0"/>
+              <a:t>Where are you looking for a job?</a:t>
+            </a:r>
+          </a:p>
+          <a:p>
+            <a:pPr marL="285750" indent="-285750">
+              <a:buFont typeface="Arial" charset="0"/>
+              <a:buChar char="•"/>
+            </a:pPr>
+            <a:endParaRPr lang="en-US" dirty="0"/>
+          </a:p>
+          <a:p>
+            <a:pPr marL="285750" indent="-285750">
+              <a:buFont typeface="Arial" charset="0"/>
+              <a:buChar char="•"/>
+            </a:pPr>
+            <a:r>
+              <a:rPr lang="en-US" dirty="0" smtClean="0"/>
+              <a:t>Put the city or state where you want to get a job</a:t>
+            </a:r>
+          </a:p>
+          <a:p>
+            <a:pPr marL="285750" indent="-285750">
+              <a:buFont typeface="Arial" charset="0"/>
+              <a:buChar char="•"/>
+            </a:pPr>
+            <a:endParaRPr lang="en-US" dirty="0" smtClean="0"/>
+          </a:p>
+          <a:p>
+            <a:pPr marL="285750" indent="-285750">
+              <a:buFont typeface="Arial" charset="0"/>
+              <a:buChar char="•"/>
+            </a:pPr>
+            <a:r>
+              <a:rPr lang="en-US" dirty="0" smtClean="0"/>
+              <a:t>If you are open to moving around then you can leave it blank</a:t>
+            </a:r>
+          </a:p>
+          <a:p>
+            <a:pPr marL="285750" indent="-285750">
+              <a:buFont typeface="Arial" charset="0"/>
+              <a:buChar char="•"/>
+            </a:pPr>
+            <a:endParaRPr lang="en-US" dirty="0" smtClean="0"/>
+          </a:p>
+          <a:p>
+            <a:pPr marL="285750" indent="-285750">
+              <a:buFont typeface="Arial" charset="0"/>
+              <a:buChar char="•"/>
+            </a:pPr>
+            <a:r>
+              <a:rPr lang="en-US" dirty="0" smtClean="0"/>
+              <a:t>What industry are you looking for?</a:t>
+            </a:r>
+          </a:p>
+          <a:p>
+            <a:pPr marL="285750" indent="-285750">
+              <a:buFont typeface="Arial" charset="0"/>
+              <a:buChar char="•"/>
+            </a:pPr>
+            <a:endParaRPr lang="en-US" dirty="0" smtClean="0"/>
+          </a:p>
+          <a:p>
+            <a:pPr marL="285750" indent="-285750">
+              <a:buFont typeface="Arial" charset="0"/>
+              <a:buChar char="•"/>
+            </a:pPr>
+            <a:r>
+              <a:rPr lang="en-US" dirty="0" smtClean="0"/>
+              <a:t>Include all industries that are related to your field</a:t>
+            </a:r>
+            <a:endParaRPr lang="en-US" dirty="0"/>
+          </a:p>
+        </p:txBody>
+      </p:sp>
+    </p:spTree>
+    <p:extLst>
+      <p:ext uri="{BB962C8B-B14F-4D97-AF65-F5344CB8AC3E}">
+        <p14:creationId xmlns:p14="http://schemas.microsoft.com/office/powerpoint/2010/main" val="1271204827"/>
+      </p:ext>
+    </p:extLst>
+  </p:cSld>
+  <p:clrMapOvr>
+    <a:masterClrMapping/>
+  </p:clrMapOvr>
+</p:sld>
+</file>
+
+<file path=ppt/slides/slide13.xml><?xml version="1.0" encoding="utf-8"?>
+<p:sld xmlns:a="http://schemas.openxmlformats.org/drawingml/2006/main" xmlns:r="http://schemas.openxmlformats.org/officeDocument/2006/relationships" xmlns:p="http://schemas.openxmlformats.org/presentationml/2006/main">
+  <p:cSld>
+    <p:spTree>
+      <p:nvGrpSpPr>
+        <p:cNvPr id="1" name=""/>
+        <p:cNvGrpSpPr/>
+        <p:nvPr/>
+      </p:nvGrpSpPr>
+      <p:grpSpPr>
+        <a:xfrm>
+          <a:off x="0" y="0"/>
+          <a:ext cx="0" cy="0"/>
+          <a:chOff x="0" y="0"/>
+          <a:chExt cx="0" cy="0"/>
+        </a:xfrm>
+      </p:grpSpPr>
+      <p:sp>
+        <p:nvSpPr>
+          <p:cNvPr id="2" name="Text Placeholder 1"/>
+          <p:cNvSpPr>
+            <a:spLocks noGrp="1"/>
+          </p:cNvSpPr>
+          <p:nvPr>
+            <p:ph type="body" idx="1"/>
+          </p:nvPr>
+        </p:nvSpPr>
+        <p:spPr>
+          <a:xfrm>
+            <a:off x="1257300" y="101203"/>
+            <a:ext cx="4800600" cy="462469"/>
+          </a:xfrm>
+        </p:spPr>
+        <p:txBody>
+          <a:bodyPr/>
+          <a:lstStyle/>
+          <a:p>
+            <a:r>
+              <a:rPr lang="en-US" dirty="0" smtClean="0"/>
+              <a:t>Your Personal URL</a:t>
+            </a:r>
+            <a:endParaRPr lang="en-US" dirty="0"/>
+          </a:p>
+        </p:txBody>
+      </p:sp>
+      <p:sp>
+        <p:nvSpPr>
+          <p:cNvPr id="5" name="Content Placeholder 4"/>
+          <p:cNvSpPr>
+            <a:spLocks noGrp="1"/>
+          </p:cNvSpPr>
+          <p:nvPr>
+            <p:ph sz="half" idx="2"/>
+          </p:nvPr>
+        </p:nvSpPr>
+        <p:spPr>
+          <a:xfrm>
+            <a:off x="1257300" y="733732"/>
+            <a:ext cx="4800600" cy="2996398"/>
+          </a:xfrm>
+        </p:spPr>
+        <p:txBody>
+          <a:bodyPr>
+            <a:normAutofit/>
+          </a:bodyPr>
+          <a:lstStyle/>
+          <a:p>
+            <a:r>
+              <a:rPr lang="en-US" dirty="0" smtClean="0"/>
+              <a:t>SET YOUR URL!!!</a:t>
+            </a:r>
+          </a:p>
+          <a:p>
+            <a:r>
+              <a:rPr lang="en-US" dirty="0" smtClean="0"/>
+              <a:t>Do not use the default one LinkedIn URL</a:t>
+            </a:r>
+          </a:p>
+          <a:p>
+            <a:r>
+              <a:rPr lang="en-US" dirty="0" smtClean="0"/>
+              <a:t>Make it as close to your name as possible</a:t>
+            </a:r>
+          </a:p>
+          <a:p>
+            <a:r>
+              <a:rPr lang="en-US" dirty="0" smtClean="0"/>
+              <a:t>This will be the URL you share to employers and recruiters</a:t>
+            </a:r>
+          </a:p>
+          <a:p>
+            <a:endParaRPr lang="en-US" dirty="0" smtClean="0"/>
+          </a:p>
+        </p:txBody>
+      </p:sp>
+      <p:sp>
+        <p:nvSpPr>
+          <p:cNvPr id="3" name="Text Placeholder 2"/>
+          <p:cNvSpPr>
+            <a:spLocks noGrp="1"/>
+          </p:cNvSpPr>
+          <p:nvPr>
+            <p:ph type="body" sz="quarter" idx="3"/>
+          </p:nvPr>
+        </p:nvSpPr>
+        <p:spPr>
+          <a:xfrm>
+            <a:off x="6633864" y="101204"/>
+            <a:ext cx="4800600" cy="462468"/>
+          </a:xfrm>
+        </p:spPr>
+        <p:txBody>
+          <a:bodyPr/>
+          <a:lstStyle/>
+          <a:p>
+            <a:r>
+              <a:rPr lang="en-US" dirty="0" smtClean="0"/>
+              <a:t>Your Contact Information</a:t>
+            </a:r>
+            <a:endParaRPr lang="en-US" dirty="0"/>
+          </a:p>
+        </p:txBody>
+      </p:sp>
+      <p:pic>
+        <p:nvPicPr>
+          <p:cNvPr id="4" name="Content Placeholder 3"/>
+          <p:cNvPicPr>
+            <a:picLocks noGrp="1" noChangeAspect="1"/>
+          </p:cNvPicPr>
+          <p:nvPr>
+            <p:ph sz="quarter" idx="4"/>
+          </p:nvPr>
+        </p:nvPicPr>
+        <p:blipFill>
+          <a:blip r:embed="rId2">
+            <a:extLst>
+              <a:ext uri="{28A0092B-C50C-407E-A947-70E740481C1C}">
+                <a14:useLocalDpi xmlns:a14="http://schemas.microsoft.com/office/drawing/2010/main" val="0"/>
+              </a:ext>
+            </a:extLst>
+          </a:blip>
+          <a:stretch>
+            <a:fillRect/>
+          </a:stretch>
+        </p:blipFill>
+        <p:spPr>
+          <a:xfrm>
+            <a:off x="1257301" y="3470192"/>
+            <a:ext cx="6270842" cy="3387808"/>
+          </a:xfrm>
+        </p:spPr>
+      </p:pic>
+      <p:sp>
+        <p:nvSpPr>
+          <p:cNvPr id="8" name="Content Placeholder 4"/>
+          <p:cNvSpPr txBox="1">
+            <a:spLocks/>
+          </p:cNvSpPr>
+          <p:nvPr/>
+        </p:nvSpPr>
+        <p:spPr>
+          <a:xfrm>
+            <a:off x="6633864" y="733731"/>
+            <a:ext cx="4800600" cy="3462487"/>
+          </a:xfrm>
+          <a:prstGeom prst="rect">
+            <a:avLst/>
+          </a:prstGeom>
+        </p:spPr>
+        <p:txBody>
+          <a:bodyPr vert="horz" lIns="91440" tIns="45720" rIns="91440" bIns="45720" rtlCol="0">
+            <a:normAutofit/>
+          </a:bodyPr>
+          <a:lstStyle>
+            <a:lvl1pPr marL="228600" indent="-228600" algn="l" defTabSz="914400" rtl="0" eaLnBrk="1" latinLnBrk="0" hangingPunct="1">
+              <a:lnSpc>
+                <a:spcPct val="110000"/>
+              </a:lnSpc>
+              <a:spcBef>
+                <a:spcPts val="700"/>
+              </a:spcBef>
+              <a:buClr>
+                <a:schemeClr val="tx2"/>
+              </a:buClr>
+              <a:buFont typeface="Arial" panose="020B0604020202020204" pitchFamily="34" charset="0"/>
+              <a:buChar char="•"/>
+              <a:defRPr sz="2000" kern="1200">
+                <a:solidFill>
+                  <a:schemeClr val="tx1">
+                    <a:lumMod val="65000"/>
+                    <a:lumOff val="35000"/>
+                  </a:schemeClr>
+                </a:solidFill>
+                <a:latin typeface="+mn-lt"/>
+                <a:ea typeface="+mn-ea"/>
+                <a:cs typeface="+mn-cs"/>
+              </a:defRPr>
+            </a:lvl1pPr>
+            <a:lvl2pPr marL="685800" indent="-228600" algn="l" defTabSz="914400" rtl="0" eaLnBrk="1" latinLnBrk="0" hangingPunct="1">
+              <a:lnSpc>
+                <a:spcPct val="110000"/>
+              </a:lnSpc>
+              <a:spcBef>
+                <a:spcPts val="700"/>
+              </a:spcBef>
+              <a:buClr>
+                <a:schemeClr val="tx2"/>
+              </a:buClr>
+              <a:buFont typeface="Gill Sans MT" panose="020B0502020104020203" pitchFamily="34" charset="0"/>
+              <a:buChar char="–"/>
+              <a:defRPr sz="1800" kern="1200">
+                <a:solidFill>
+                  <a:schemeClr val="tx1">
+                    <a:lumMod val="65000"/>
+                    <a:lumOff val="35000"/>
+                  </a:schemeClr>
+                </a:solidFill>
+                <a:latin typeface="+mn-lt"/>
+                <a:ea typeface="+mn-ea"/>
+                <a:cs typeface="+mn-cs"/>
+              </a:defRPr>
+            </a:lvl2pPr>
+            <a:lvl3pPr marL="1143000" indent="-228600" algn="l" defTabSz="914400" rtl="0" eaLnBrk="1" latinLnBrk="0" hangingPunct="1">
+              <a:lnSpc>
+                <a:spcPct val="110000"/>
+              </a:lnSpc>
+              <a:spcBef>
+                <a:spcPts val="700"/>
+              </a:spcBef>
+              <a:buClr>
+                <a:schemeClr val="tx2"/>
+              </a:buClr>
+              <a:buFont typeface="Arial" panose="020B0604020202020204" pitchFamily="34" charset="0"/>
+              <a:buChar char="•"/>
+              <a:defRPr sz="1600" kern="1200">
+                <a:solidFill>
+                  <a:schemeClr val="tx1">
+                    <a:lumMod val="65000"/>
+                    <a:lumOff val="35000"/>
+                  </a:schemeClr>
+                </a:solidFill>
+                <a:latin typeface="+mn-lt"/>
+                <a:ea typeface="+mn-ea"/>
+                <a:cs typeface="+mn-cs"/>
+              </a:defRPr>
+            </a:lvl3pPr>
+            <a:lvl4pPr marL="1600200" indent="-228600" algn="l" defTabSz="914400" rtl="0" eaLnBrk="1" latinLnBrk="0" hangingPunct="1">
+              <a:lnSpc>
+                <a:spcPct val="110000"/>
+              </a:lnSpc>
+              <a:spcBef>
+                <a:spcPts val="700"/>
+              </a:spcBef>
+              <a:buClr>
+                <a:schemeClr val="tx2"/>
+              </a:buClr>
+              <a:buFont typeface="Gill Sans MT" panose="020B0502020104020203" pitchFamily="34" charset="0"/>
+              <a:buChar char="–"/>
+              <a:defRPr sz="1400" kern="1200">
+                <a:solidFill>
+                  <a:schemeClr val="tx1">
+                    <a:lumMod val="65000"/>
+                    <a:lumOff val="35000"/>
+                  </a:schemeClr>
+                </a:solidFill>
+                <a:latin typeface="+mn-lt"/>
+                <a:ea typeface="+mn-ea"/>
+                <a:cs typeface="+mn-cs"/>
+              </a:defRPr>
+            </a:lvl4pPr>
+            <a:lvl5pPr marL="2057400" indent="-228600" algn="l" defTabSz="914400" rtl="0" eaLnBrk="1" latinLnBrk="0" hangingPunct="1">
+              <a:lnSpc>
+                <a:spcPct val="110000"/>
+              </a:lnSpc>
+              <a:spcBef>
+                <a:spcPts val="700"/>
+              </a:spcBef>
+              <a:buClr>
+                <a:schemeClr val="tx2"/>
+              </a:buClr>
+              <a:buFont typeface="Arial" panose="020B0604020202020204" pitchFamily="34" charset="0"/>
+              <a:buChar char="•"/>
+              <a:defRPr sz="1400" kern="1200">
+                <a:solidFill>
+                  <a:schemeClr val="tx1">
+                    <a:lumMod val="65000"/>
+                    <a:lumOff val="35000"/>
+                  </a:schemeClr>
+                </a:solidFill>
+                <a:latin typeface="+mn-lt"/>
+                <a:ea typeface="+mn-ea"/>
+                <a:cs typeface="+mn-cs"/>
+              </a:defRPr>
+            </a:lvl5pPr>
+            <a:lvl6pPr marL="2514600" indent="-228600" algn="l" defTabSz="914400" rtl="0" eaLnBrk="1" latinLnBrk="0" hangingPunct="1">
+              <a:lnSpc>
+                <a:spcPct val="110000"/>
+              </a:lnSpc>
+              <a:spcBef>
+                <a:spcPts val="700"/>
+              </a:spcBef>
+              <a:buClr>
+                <a:schemeClr val="tx2"/>
+              </a:buClr>
+              <a:buFont typeface="Gill Sans MT" panose="020B0502020104020203" pitchFamily="34" charset="0"/>
+              <a:buChar char="–"/>
+              <a:defRPr sz="1400" kern="1200">
+                <a:solidFill>
+                  <a:schemeClr val="tx1">
+                    <a:lumMod val="65000"/>
+                    <a:lumOff val="35000"/>
+                  </a:schemeClr>
+                </a:solidFill>
+                <a:latin typeface="+mn-lt"/>
+                <a:ea typeface="+mn-ea"/>
+                <a:cs typeface="+mn-cs"/>
+              </a:defRPr>
+            </a:lvl6pPr>
+            <a:lvl7pPr marL="2971800" indent="-228600" algn="l" defTabSz="914400" rtl="0" eaLnBrk="1" latinLnBrk="0" hangingPunct="1">
+              <a:lnSpc>
+                <a:spcPct val="110000"/>
+              </a:lnSpc>
+              <a:spcBef>
+                <a:spcPts val="700"/>
+              </a:spcBef>
+              <a:buClr>
+                <a:schemeClr val="tx2"/>
+              </a:buClr>
+              <a:buFont typeface="Arial" panose="020B0604020202020204" pitchFamily="34" charset="0"/>
+              <a:buChar char="•"/>
+              <a:defRPr sz="1400" kern="1200">
+                <a:solidFill>
+                  <a:schemeClr val="tx1">
+                    <a:lumMod val="65000"/>
+                    <a:lumOff val="35000"/>
+                  </a:schemeClr>
+                </a:solidFill>
+                <a:latin typeface="+mn-lt"/>
+                <a:ea typeface="+mn-ea"/>
+                <a:cs typeface="+mn-cs"/>
+              </a:defRPr>
+            </a:lvl7pPr>
+            <a:lvl8pPr marL="3429000" indent="-228600" algn="l" defTabSz="914400" rtl="0" eaLnBrk="1" latinLnBrk="0" hangingPunct="1">
+              <a:lnSpc>
+                <a:spcPct val="110000"/>
+              </a:lnSpc>
+              <a:spcBef>
+                <a:spcPts val="700"/>
+              </a:spcBef>
+              <a:buClr>
+                <a:schemeClr val="tx2"/>
+              </a:buClr>
+              <a:buFont typeface="Gill Sans MT" panose="020B0502020104020203" pitchFamily="34" charset="0"/>
+              <a:buChar char="–"/>
+              <a:defRPr sz="1400" kern="1200" baseline="0">
+                <a:solidFill>
+                  <a:schemeClr val="tx1">
+                    <a:lumMod val="65000"/>
+                    <a:lumOff val="35000"/>
+                  </a:schemeClr>
+                </a:solidFill>
+                <a:latin typeface="+mn-lt"/>
+                <a:ea typeface="+mn-ea"/>
+                <a:cs typeface="+mn-cs"/>
+              </a:defRPr>
+            </a:lvl8pPr>
+            <a:lvl9pPr marL="3886200" indent="-228600" algn="l" defTabSz="914400" rtl="0" eaLnBrk="1" latinLnBrk="0" hangingPunct="1">
+              <a:lnSpc>
+                <a:spcPct val="110000"/>
+              </a:lnSpc>
+              <a:spcBef>
+                <a:spcPts val="700"/>
+              </a:spcBef>
+              <a:buClr>
+                <a:schemeClr val="tx2"/>
+              </a:buClr>
+              <a:buFont typeface="Arial" panose="020B0604020202020204" pitchFamily="34" charset="0"/>
+              <a:buChar char="•"/>
+              <a:defRPr sz="1400" kern="1200" baseline="0">
+                <a:solidFill>
+                  <a:schemeClr val="tx1">
+                    <a:lumMod val="65000"/>
+                    <a:lumOff val="35000"/>
+                  </a:schemeClr>
+                </a:solidFill>
+                <a:latin typeface="+mn-lt"/>
+                <a:ea typeface="+mn-ea"/>
+                <a:cs typeface="+mn-cs"/>
+              </a:defRPr>
+            </a:lvl9pPr>
+          </a:lstStyle>
+          <a:p>
+            <a:r>
+              <a:rPr lang="en-US" dirty="0" smtClean="0"/>
+              <a:t>Use a professional email address. </a:t>
+            </a:r>
+          </a:p>
+          <a:p>
+            <a:r>
+              <a:rPr lang="en-US" dirty="0" smtClean="0"/>
+              <a:t>Make your email public</a:t>
+            </a:r>
+          </a:p>
+          <a:p>
+            <a:r>
+              <a:rPr lang="en-US" dirty="0" smtClean="0"/>
+              <a:t>Put up your </a:t>
+            </a:r>
+            <a:r>
+              <a:rPr lang="en-US" dirty="0" err="1" smtClean="0"/>
+              <a:t>Github</a:t>
+            </a:r>
+            <a:r>
+              <a:rPr lang="en-US" dirty="0" smtClean="0"/>
+              <a:t> link</a:t>
+            </a:r>
+          </a:p>
+          <a:p>
+            <a:r>
+              <a:rPr lang="en-US" dirty="0" smtClean="0"/>
+              <a:t>Any other sites, such as a personal portfolio include</a:t>
+            </a:r>
+          </a:p>
+          <a:p>
+            <a:r>
+              <a:rPr lang="en-US" dirty="0" smtClean="0"/>
+              <a:t>Do NOT use any social media accounts unless they are relevant to work, or the industry you hope to join</a:t>
+            </a:r>
+            <a:endParaRPr lang="en-US" dirty="0" smtClean="0"/>
+          </a:p>
+        </p:txBody>
+      </p:sp>
+    </p:spTree>
+    <p:extLst>
+      <p:ext uri="{BB962C8B-B14F-4D97-AF65-F5344CB8AC3E}">
+        <p14:creationId xmlns:p14="http://schemas.microsoft.com/office/powerpoint/2010/main" val="1892397967"/>
+      </p:ext>
+    </p:extLst>
+  </p:cSld>
+  <p:clrMapOvr>
+    <a:masterClrMapping/>
+  </p:clrMapOvr>
+</p:sld>
+</file>
+
+<file path=ppt/slides/slide14.xml><?xml version="1.0" encoding="utf-8"?>
+<p:sld xmlns:a="http://schemas.openxmlformats.org/drawingml/2006/main" xmlns:r="http://schemas.openxmlformats.org/officeDocument/2006/relationships" xmlns:p="http://schemas.openxmlformats.org/presentationml/2006/main">
+  <p:cSld>
+    <p:spTree>
+      <p:nvGrpSpPr>
+        <p:cNvPr id="1" name=""/>
+        <p:cNvGrpSpPr/>
+        <p:nvPr/>
+      </p:nvGrpSpPr>
+      <p:grpSpPr>
+        <a:xfrm>
+          <a:off x="0" y="0"/>
+          <a:ext cx="0" cy="0"/>
+          <a:chOff x="0" y="0"/>
+          <a:chExt cx="0" cy="0"/>
+        </a:xfrm>
+      </p:grpSpPr>
+      <p:sp>
+        <p:nvSpPr>
+          <p:cNvPr id="2" name="Title 1"/>
+          <p:cNvSpPr>
+            <a:spLocks noGrp="1"/>
+          </p:cNvSpPr>
+          <p:nvPr>
+            <p:ph type="title"/>
+          </p:nvPr>
+        </p:nvSpPr>
+        <p:spPr/>
+        <p:txBody>
+          <a:bodyPr/>
+          <a:lstStyle/>
+          <a:p>
+            <a:pPr algn="ctr"/>
+            <a:r>
+              <a:rPr lang="en-US" dirty="0" smtClean="0"/>
+              <a:t>Your Summary</a:t>
+            </a:r>
+            <a:endParaRPr lang="en-US" dirty="0"/>
+          </a:p>
+        </p:txBody>
+      </p:sp>
+      <p:sp>
+        <p:nvSpPr>
+          <p:cNvPr id="3" name="Content Placeholder 2"/>
+          <p:cNvSpPr>
+            <a:spLocks noGrp="1"/>
+          </p:cNvSpPr>
+          <p:nvPr>
+            <p:ph idx="1"/>
+          </p:nvPr>
+        </p:nvSpPr>
+        <p:spPr/>
+        <p:txBody>
+          <a:bodyPr/>
+          <a:lstStyle/>
+          <a:p>
+            <a:r>
+              <a:rPr lang="en-US" dirty="0" smtClean="0"/>
+              <a:t>Who are you?</a:t>
+            </a:r>
+          </a:p>
+          <a:p>
+            <a:r>
+              <a:rPr lang="en-US" dirty="0" smtClean="0"/>
+              <a:t>What did you use to do?</a:t>
+            </a:r>
+            <a:endParaRPr lang="en-US" dirty="0" smtClean="0"/>
+          </a:p>
+          <a:p>
+            <a:r>
+              <a:rPr lang="en-US" dirty="0" smtClean="0"/>
+              <a:t>What are you currently doing?</a:t>
+            </a:r>
+          </a:p>
+          <a:p>
+            <a:r>
+              <a:rPr lang="en-US" dirty="0" smtClean="0"/>
+              <a:t>Where do you want to go? What are you looking for?</a:t>
+            </a:r>
+          </a:p>
+          <a:p>
+            <a:r>
+              <a:rPr lang="en-US" dirty="0" smtClean="0"/>
+              <a:t>Write this in first person</a:t>
+            </a:r>
+          </a:p>
+          <a:p>
+            <a:r>
+              <a:rPr lang="en-US" dirty="0" smtClean="0"/>
+              <a:t>Keep it short</a:t>
+            </a:r>
+          </a:p>
+          <a:p>
+            <a:r>
+              <a:rPr lang="en-US" dirty="0" smtClean="0"/>
+              <a:t>Emphasize important aspects of your experience</a:t>
+            </a:r>
+          </a:p>
+          <a:p>
+            <a:endParaRPr lang="en-US" dirty="0" smtClean="0"/>
+          </a:p>
+          <a:p>
+            <a:endParaRPr lang="en-US" dirty="0"/>
+          </a:p>
+        </p:txBody>
+      </p:sp>
+    </p:spTree>
+    <p:extLst>
+      <p:ext uri="{BB962C8B-B14F-4D97-AF65-F5344CB8AC3E}">
+        <p14:creationId xmlns:p14="http://schemas.microsoft.com/office/powerpoint/2010/main" val="975754196"/>
+      </p:ext>
+    </p:extLst>
+  </p:cSld>
+  <p:clrMapOvr>
+    <a:masterClrMapping/>
+  </p:clrMapOvr>
+</p:sld>
+</file>
+
+<file path=ppt/slides/slide15.xml><?xml version="1.0" encoding="utf-8"?>
+<p:sld xmlns:a="http://schemas.openxmlformats.org/drawingml/2006/main" xmlns:r="http://schemas.openxmlformats.org/officeDocument/2006/relationships" xmlns:p="http://schemas.openxmlformats.org/presentationml/2006/main">
+  <p:cSld>
+    <p:spTree>
+      <p:nvGrpSpPr>
+        <p:cNvPr id="1" name=""/>
+        <p:cNvGrpSpPr/>
+        <p:nvPr/>
+      </p:nvGrpSpPr>
+      <p:grpSpPr>
+        <a:xfrm>
+          <a:off x="0" y="0"/>
+          <a:ext cx="0" cy="0"/>
+          <a:chOff x="0" y="0"/>
+          <a:chExt cx="0" cy="0"/>
+        </a:xfrm>
+      </p:grpSpPr>
+      <p:sp>
+        <p:nvSpPr>
+          <p:cNvPr id="2" name="Title 1"/>
+          <p:cNvSpPr>
+            <a:spLocks noGrp="1"/>
+          </p:cNvSpPr>
+          <p:nvPr>
+            <p:ph type="title"/>
+          </p:nvPr>
+        </p:nvSpPr>
+        <p:spPr/>
+        <p:txBody>
+          <a:bodyPr/>
+          <a:lstStyle/>
+          <a:p>
+            <a:pPr algn="ctr"/>
+            <a:r>
+              <a:rPr lang="en-US" dirty="0" smtClean="0"/>
+              <a:t>Your Byte Education</a:t>
+            </a:r>
+            <a:endParaRPr lang="en-US" dirty="0"/>
+          </a:p>
+        </p:txBody>
+      </p:sp>
+      <p:sp>
+        <p:nvSpPr>
+          <p:cNvPr id="3" name="Content Placeholder 2"/>
+          <p:cNvSpPr>
+            <a:spLocks noGrp="1"/>
+          </p:cNvSpPr>
+          <p:nvPr>
+            <p:ph idx="1"/>
+          </p:nvPr>
+        </p:nvSpPr>
+        <p:spPr>
+          <a:xfrm>
+            <a:off x="1251678" y="1160586"/>
+            <a:ext cx="4382453" cy="5509846"/>
+          </a:xfrm>
+        </p:spPr>
+        <p:txBody>
+          <a:bodyPr>
+            <a:normAutofit lnSpcReduction="10000"/>
+          </a:bodyPr>
+          <a:lstStyle/>
+          <a:p>
+            <a:r>
+              <a:rPr lang="en-US" dirty="0" smtClean="0"/>
+              <a:t>Include Byte in the education section </a:t>
+            </a:r>
+          </a:p>
+          <a:p>
+            <a:r>
+              <a:rPr lang="en-US" dirty="0" smtClean="0"/>
+              <a:t>Write a paragraph about your Byte experience. </a:t>
+            </a:r>
+          </a:p>
+          <a:p>
+            <a:r>
+              <a:rPr lang="en-US" dirty="0" smtClean="0"/>
+              <a:t>What languages you used, what projects you worke</a:t>
+            </a:r>
+            <a:r>
+              <a:rPr lang="en-US" dirty="0" smtClean="0"/>
+              <a:t>d on, pair programming, and the like</a:t>
+            </a:r>
+          </a:p>
+          <a:p>
+            <a:r>
+              <a:rPr lang="en-US" dirty="0" smtClean="0"/>
+              <a:t>You can also just list this out.</a:t>
+            </a:r>
+          </a:p>
+          <a:p>
+            <a:r>
+              <a:rPr lang="en-US" dirty="0" smtClean="0"/>
+              <a:t>However, a paragraph is more descriptive, and since LinkedIn gives you the room for it you might as well use it</a:t>
+            </a:r>
+          </a:p>
+          <a:p>
+            <a:r>
+              <a:rPr lang="en-US" dirty="0" smtClean="0"/>
+              <a:t>Education should also include other schooling and/or certificate courses.</a:t>
+            </a:r>
+          </a:p>
+          <a:p>
+            <a:r>
+              <a:rPr lang="en-US" dirty="0" smtClean="0"/>
+              <a:t>Example: Code School allows you to put completed courses on LinkedIn</a:t>
+            </a:r>
+          </a:p>
+          <a:p>
+            <a:endParaRPr lang="en-US" dirty="0" smtClean="0"/>
+          </a:p>
+          <a:p>
+            <a:endParaRPr lang="en-US" dirty="0"/>
+          </a:p>
+        </p:txBody>
+      </p:sp>
+      <p:pic>
+        <p:nvPicPr>
+          <p:cNvPr id="4" name="Picture 3"/>
+          <p:cNvPicPr>
+            <a:picLocks noChangeAspect="1"/>
+          </p:cNvPicPr>
+          <p:nvPr/>
+        </p:nvPicPr>
+        <p:blipFill>
+          <a:blip r:embed="rId2">
+            <a:extLst>
+              <a:ext uri="{28A0092B-C50C-407E-A947-70E740481C1C}">
+                <a14:useLocalDpi xmlns:a14="http://schemas.microsoft.com/office/drawing/2010/main" val="0"/>
+              </a:ext>
+            </a:extLst>
+          </a:blip>
+          <a:stretch>
+            <a:fillRect/>
+          </a:stretch>
+        </p:blipFill>
+        <p:spPr>
+          <a:xfrm>
+            <a:off x="6050300" y="1172356"/>
+            <a:ext cx="4963531" cy="3100118"/>
+          </a:xfrm>
+          <a:prstGeom prst="rect">
+            <a:avLst/>
+          </a:prstGeom>
+        </p:spPr>
+      </p:pic>
+      <p:pic>
+        <p:nvPicPr>
+          <p:cNvPr id="5" name="Picture 4"/>
+          <p:cNvPicPr>
+            <a:picLocks noChangeAspect="1"/>
+          </p:cNvPicPr>
+          <p:nvPr/>
+        </p:nvPicPr>
+        <p:blipFill>
+          <a:blip r:embed="rId3">
+            <a:extLst>
+              <a:ext uri="{28A0092B-C50C-407E-A947-70E740481C1C}">
+                <a14:useLocalDpi xmlns:a14="http://schemas.microsoft.com/office/drawing/2010/main" val="0"/>
+              </a:ext>
+            </a:extLst>
+          </a:blip>
+          <a:stretch>
+            <a:fillRect/>
+          </a:stretch>
+        </p:blipFill>
+        <p:spPr>
+          <a:xfrm>
+            <a:off x="6050300" y="4344017"/>
+            <a:ext cx="4963531" cy="2270142"/>
+          </a:xfrm>
+          <a:prstGeom prst="rect">
+            <a:avLst/>
+          </a:prstGeom>
+        </p:spPr>
+      </p:pic>
+    </p:spTree>
+    <p:extLst>
+      <p:ext uri="{BB962C8B-B14F-4D97-AF65-F5344CB8AC3E}">
+        <p14:creationId xmlns:p14="http://schemas.microsoft.com/office/powerpoint/2010/main" val="232765871"/>
+      </p:ext>
+    </p:extLst>
+  </p:cSld>
+  <p:clrMapOvr>
+    <a:masterClrMapping/>
+  </p:clrMapOvr>
+</p:sld>
+</file>
+
+<file path=ppt/slides/slide16.xml><?xml version="1.0" encoding="utf-8"?>
+<p:sld xmlns:a="http://schemas.openxmlformats.org/drawingml/2006/main" xmlns:r="http://schemas.openxmlformats.org/officeDocument/2006/relationships" xmlns:p="http://schemas.openxmlformats.org/presentationml/2006/main">
+  <p:cSld>
+    <p:spTree>
+      <p:nvGrpSpPr>
+        <p:cNvPr id="1" name=""/>
+        <p:cNvGrpSpPr/>
+        <p:nvPr/>
+      </p:nvGrpSpPr>
+      <p:grpSpPr>
+        <a:xfrm>
+          <a:off x="0" y="0"/>
+          <a:ext cx="0" cy="0"/>
+          <a:chOff x="0" y="0"/>
+          <a:chExt cx="0" cy="0"/>
+        </a:xfrm>
+      </p:grpSpPr>
+      <p:sp>
+        <p:nvSpPr>
+          <p:cNvPr id="2" name="Title 1"/>
+          <p:cNvSpPr>
+            <a:spLocks noGrp="1"/>
+          </p:cNvSpPr>
+          <p:nvPr>
+            <p:ph type="title"/>
+          </p:nvPr>
+        </p:nvSpPr>
+        <p:spPr>
+          <a:xfrm>
+            <a:off x="1251678" y="159647"/>
+            <a:ext cx="10178322" cy="941166"/>
+          </a:xfrm>
+        </p:spPr>
+        <p:txBody>
+          <a:bodyPr/>
+          <a:lstStyle/>
+          <a:p>
+            <a:pPr algn="ctr"/>
+            <a:r>
+              <a:rPr lang="en-US" dirty="0" smtClean="0"/>
+              <a:t>Your Byte Experience</a:t>
+            </a:r>
+            <a:endParaRPr lang="en-US" dirty="0"/>
+          </a:p>
+        </p:txBody>
+      </p:sp>
+      <p:sp>
+        <p:nvSpPr>
+          <p:cNvPr id="3" name="Content Placeholder 2"/>
+          <p:cNvSpPr>
+            <a:spLocks noGrp="1"/>
+          </p:cNvSpPr>
+          <p:nvPr>
+            <p:ph idx="1"/>
+          </p:nvPr>
+        </p:nvSpPr>
+        <p:spPr>
+          <a:xfrm>
+            <a:off x="1251678" y="1160586"/>
+            <a:ext cx="10077961" cy="5509846"/>
+          </a:xfrm>
+        </p:spPr>
+        <p:txBody>
+          <a:bodyPr>
+            <a:normAutofit/>
+          </a:bodyPr>
+          <a:lstStyle/>
+          <a:p>
+            <a:r>
+              <a:rPr lang="en-US" dirty="0" smtClean="0"/>
+              <a:t>You can include “Student” in the title</a:t>
+            </a:r>
+          </a:p>
+          <a:p>
+            <a:r>
+              <a:rPr lang="en-US" dirty="0" smtClean="0"/>
+              <a:t>Write a summary of your experience</a:t>
+            </a:r>
+          </a:p>
+          <a:p>
+            <a:r>
+              <a:rPr lang="en-US" dirty="0" smtClean="0"/>
+              <a:t>Write bullets for your projects and languages used</a:t>
+            </a:r>
+          </a:p>
+          <a:p>
+            <a:pPr lvl="1"/>
+            <a:r>
+              <a:rPr lang="en-US" dirty="0"/>
+              <a:t>“Developed a political web application using Express, AJAX, and APIs to pull information regarding donations to legislators and the bills they </a:t>
+            </a:r>
+            <a:r>
+              <a:rPr lang="en-US" dirty="0" smtClean="0"/>
+              <a:t>sponsored.”</a:t>
+            </a:r>
+          </a:p>
+          <a:p>
+            <a:r>
+              <a:rPr lang="en-US" dirty="0" smtClean="0"/>
+              <a:t>Upload images and projects using the square box with a plus sign at the top right</a:t>
+            </a:r>
+          </a:p>
+          <a:p>
+            <a:r>
+              <a:rPr lang="en-US" dirty="0" smtClean="0"/>
+              <a:t>Include Other Experiences</a:t>
+            </a:r>
+          </a:p>
+          <a:p>
+            <a:r>
+              <a:rPr lang="en-US" dirty="0" smtClean="0"/>
+              <a:t>Full Time / Part Time / Volunteer</a:t>
+            </a:r>
+          </a:p>
+          <a:p>
+            <a:r>
+              <a:rPr lang="en-US" dirty="0" smtClean="0"/>
+              <a:t>Emphasize soft skills</a:t>
+            </a:r>
+          </a:p>
+          <a:p>
+            <a:pPr lvl="1"/>
+            <a:r>
+              <a:rPr lang="en-US" dirty="0" smtClean="0"/>
+              <a:t>Collaboration, taking initiative, and the like.</a:t>
+            </a:r>
+          </a:p>
+          <a:p>
+            <a:r>
+              <a:rPr lang="en-US" dirty="0" smtClean="0"/>
+              <a:t>Emphasize accomplishments,</a:t>
+            </a:r>
+          </a:p>
+          <a:p>
+            <a:pPr lvl="1"/>
+            <a:r>
+              <a:rPr lang="en-US" dirty="0" smtClean="0"/>
+              <a:t>If possible try to tailor them to the industry you want to move towards</a:t>
+            </a:r>
+            <a:endParaRPr lang="en-US" dirty="0"/>
+          </a:p>
+        </p:txBody>
+      </p:sp>
+      <p:pic>
+        <p:nvPicPr>
+          <p:cNvPr id="6" name="Picture 5"/>
+          <p:cNvPicPr>
+            <a:picLocks noChangeAspect="1"/>
+          </p:cNvPicPr>
+          <p:nvPr/>
+        </p:nvPicPr>
+        <p:blipFill>
+          <a:blip r:embed="rId2">
+            <a:extLst>
+              <a:ext uri="{28A0092B-C50C-407E-A947-70E740481C1C}">
+                <a14:useLocalDpi xmlns:a14="http://schemas.microsoft.com/office/drawing/2010/main" val="0"/>
+              </a:ext>
+            </a:extLst>
+          </a:blip>
+          <a:stretch>
+            <a:fillRect/>
+          </a:stretch>
+        </p:blipFill>
+        <p:spPr>
+          <a:xfrm>
+            <a:off x="6500667" y="3613651"/>
+            <a:ext cx="4828972" cy="893647"/>
+          </a:xfrm>
+          <a:prstGeom prst="rect">
+            <a:avLst/>
+          </a:prstGeom>
+        </p:spPr>
+      </p:pic>
+    </p:spTree>
+    <p:extLst>
+      <p:ext uri="{BB962C8B-B14F-4D97-AF65-F5344CB8AC3E}">
+        <p14:creationId xmlns:p14="http://schemas.microsoft.com/office/powerpoint/2010/main" val="377961463"/>
+      </p:ext>
+    </p:extLst>
+  </p:cSld>
+  <p:clrMapOvr>
+    <a:masterClrMapping/>
+  </p:clrMapOvr>
+</p:sld>
+</file>
+
+<file path=ppt/slides/slide17.xml><?xml version="1.0" encoding="utf-8"?>
+<p:sld xmlns:a="http://schemas.openxmlformats.org/drawingml/2006/main" xmlns:r="http://schemas.openxmlformats.org/officeDocument/2006/relationships" xmlns:p="http://schemas.openxmlformats.org/presentationml/2006/main">
+  <p:cSld>
+    <p:spTree>
+      <p:nvGrpSpPr>
+        <p:cNvPr id="1" name=""/>
+        <p:cNvGrpSpPr/>
+        <p:nvPr/>
+      </p:nvGrpSpPr>
+      <p:grpSpPr>
+        <a:xfrm>
+          <a:off x="0" y="0"/>
+          <a:ext cx="0" cy="0"/>
+          <a:chOff x="0" y="0"/>
+          <a:chExt cx="0" cy="0"/>
+        </a:xfrm>
+      </p:grpSpPr>
+      <p:sp>
+        <p:nvSpPr>
+          <p:cNvPr id="2" name="Title 1"/>
+          <p:cNvSpPr>
+            <a:spLocks noGrp="1"/>
+          </p:cNvSpPr>
+          <p:nvPr>
+            <p:ph type="title"/>
+          </p:nvPr>
+        </p:nvSpPr>
+        <p:spPr>
+          <a:xfrm>
+            <a:off x="858644" y="379141"/>
+            <a:ext cx="11050858" cy="1111022"/>
+          </a:xfrm>
+        </p:spPr>
+        <p:txBody>
+          <a:bodyPr/>
+          <a:lstStyle/>
+          <a:p>
+            <a:pPr algn="ctr"/>
+            <a:r>
+              <a:rPr lang="en-US" u="sng" dirty="0" smtClean="0"/>
+              <a:t>Skills / connections / Following</a:t>
+            </a:r>
+            <a:endParaRPr lang="en-US" u="sng" dirty="0"/>
+          </a:p>
+        </p:txBody>
+      </p:sp>
+      <p:sp>
+        <p:nvSpPr>
+          <p:cNvPr id="4" name="Text Placeholder 3"/>
+          <p:cNvSpPr>
+            <a:spLocks noGrp="1"/>
+          </p:cNvSpPr>
+          <p:nvPr>
+            <p:ph type="body" idx="1"/>
+          </p:nvPr>
+        </p:nvSpPr>
+        <p:spPr>
+          <a:xfrm>
+            <a:off x="1251678" y="1477824"/>
+            <a:ext cx="2796215" cy="632529"/>
+          </a:xfrm>
+        </p:spPr>
+        <p:txBody>
+          <a:bodyPr/>
+          <a:lstStyle/>
+          <a:p>
+            <a:pPr algn="ctr"/>
+            <a:r>
+              <a:rPr lang="en-US" dirty="0" smtClean="0"/>
+              <a:t>Skills</a:t>
+            </a:r>
+            <a:endParaRPr lang="en-US" dirty="0"/>
+          </a:p>
+        </p:txBody>
+      </p:sp>
+      <p:sp>
+        <p:nvSpPr>
+          <p:cNvPr id="3" name="Content Placeholder 2"/>
+          <p:cNvSpPr>
+            <a:spLocks noGrp="1"/>
+          </p:cNvSpPr>
+          <p:nvPr>
+            <p:ph sz="half" idx="2"/>
+          </p:nvPr>
+        </p:nvSpPr>
+        <p:spPr>
+          <a:xfrm>
+            <a:off x="1251678" y="2199633"/>
+            <a:ext cx="2790593" cy="3710512"/>
+          </a:xfrm>
+        </p:spPr>
+        <p:txBody>
+          <a:bodyPr>
+            <a:normAutofit fontScale="92500" lnSpcReduction="20000"/>
+          </a:bodyPr>
+          <a:lstStyle/>
+          <a:p>
+            <a:r>
+              <a:rPr lang="en-US" dirty="0" smtClean="0"/>
+              <a:t>Put down all the skills!</a:t>
+            </a:r>
+          </a:p>
+          <a:p>
+            <a:r>
+              <a:rPr lang="en-US" dirty="0" smtClean="0"/>
+              <a:t>Move the most relevant skills to the top</a:t>
+            </a:r>
+          </a:p>
+          <a:p>
+            <a:r>
+              <a:rPr lang="en-US" dirty="0" smtClean="0"/>
+              <a:t>Endorse your classmates for everything</a:t>
+            </a:r>
+          </a:p>
+          <a:p>
+            <a:r>
+              <a:rPr lang="en-US" dirty="0" smtClean="0"/>
+              <a:t>The more endorsements you have for a particular language the higher priority you will have for people searching for that skill</a:t>
+            </a:r>
+          </a:p>
+          <a:p>
+            <a:endParaRPr lang="en-US" dirty="0"/>
+          </a:p>
+        </p:txBody>
+      </p:sp>
+      <p:sp>
+        <p:nvSpPr>
+          <p:cNvPr id="7" name="Text Placeholder 3"/>
+          <p:cNvSpPr txBox="1">
+            <a:spLocks/>
+          </p:cNvSpPr>
+          <p:nvPr/>
+        </p:nvSpPr>
+        <p:spPr>
+          <a:xfrm>
+            <a:off x="4633286" y="1545718"/>
+            <a:ext cx="2796215" cy="564636"/>
+          </a:xfrm>
+          <a:prstGeom prst="rect">
+            <a:avLst/>
+          </a:prstGeom>
+        </p:spPr>
+        <p:txBody>
+          <a:bodyPr vert="horz" lIns="91440" tIns="45720" rIns="91440" bIns="45720" rtlCol="0" anchor="b">
+            <a:noAutofit/>
+          </a:bodyPr>
+          <a:lstStyle>
+            <a:lvl1pPr marL="0" indent="0" algn="l" defTabSz="914400" rtl="0" eaLnBrk="1" latinLnBrk="0" hangingPunct="1">
+              <a:lnSpc>
+                <a:spcPct val="100000"/>
+              </a:lnSpc>
+              <a:spcBef>
+                <a:spcPts val="700"/>
+              </a:spcBef>
+              <a:buClr>
+                <a:schemeClr val="tx2"/>
+              </a:buClr>
+              <a:buFont typeface="Arial" panose="020B0604020202020204" pitchFamily="34" charset="0"/>
+              <a:buNone/>
+              <a:defRPr sz="1900" b="1" kern="1200" cap="all" spc="200" baseline="0">
+                <a:solidFill>
+                  <a:schemeClr val="tx2"/>
+                </a:solidFill>
+                <a:latin typeface="+mn-lt"/>
+                <a:ea typeface="+mn-ea"/>
+                <a:cs typeface="+mn-cs"/>
+              </a:defRPr>
+            </a:lvl1pPr>
+            <a:lvl2pPr marL="457200" indent="0" algn="l" defTabSz="914400" rtl="0" eaLnBrk="1" latinLnBrk="0" hangingPunct="1">
+              <a:lnSpc>
+                <a:spcPct val="110000"/>
+              </a:lnSpc>
+              <a:spcBef>
+                <a:spcPts val="700"/>
+              </a:spcBef>
+              <a:buClr>
+                <a:schemeClr val="tx2"/>
+              </a:buClr>
+              <a:buFont typeface="Gill Sans MT" panose="020B0502020104020203" pitchFamily="34" charset="0"/>
+              <a:buNone/>
+              <a:defRPr sz="1900" b="1" kern="1200">
+                <a:solidFill>
+                  <a:schemeClr val="tx1">
+                    <a:lumMod val="65000"/>
+                    <a:lumOff val="35000"/>
+                  </a:schemeClr>
+                </a:solidFill>
+                <a:latin typeface="+mn-lt"/>
+                <a:ea typeface="+mn-ea"/>
+                <a:cs typeface="+mn-cs"/>
+              </a:defRPr>
+            </a:lvl2pPr>
+            <a:lvl3pPr marL="914400" indent="0" algn="l" defTabSz="914400" rtl="0" eaLnBrk="1" latinLnBrk="0" hangingPunct="1">
+              <a:lnSpc>
+                <a:spcPct val="110000"/>
+              </a:lnSpc>
+              <a:spcBef>
+                <a:spcPts val="700"/>
+              </a:spcBef>
+              <a:buClr>
+                <a:schemeClr val="tx2"/>
+              </a:buClr>
+              <a:buFont typeface="Arial" panose="020B0604020202020204" pitchFamily="34" charset="0"/>
+              <a:buNone/>
+              <a:defRPr sz="1800" b="1" kern="1200">
+                <a:solidFill>
+                  <a:schemeClr val="tx1">
+                    <a:lumMod val="65000"/>
+                    <a:lumOff val="35000"/>
+                  </a:schemeClr>
+                </a:solidFill>
+                <a:latin typeface="+mn-lt"/>
+                <a:ea typeface="+mn-ea"/>
+                <a:cs typeface="+mn-cs"/>
+              </a:defRPr>
+            </a:lvl3pPr>
+            <a:lvl4pPr marL="1371600" indent="0" algn="l" defTabSz="914400" rtl="0" eaLnBrk="1" latinLnBrk="0" hangingPunct="1">
+              <a:lnSpc>
+                <a:spcPct val="110000"/>
+              </a:lnSpc>
+              <a:spcBef>
+                <a:spcPts val="700"/>
+              </a:spcBef>
+              <a:buClr>
+                <a:schemeClr val="tx2"/>
+              </a:buClr>
+              <a:buFont typeface="Gill Sans MT" panose="020B0502020104020203" pitchFamily="34" charset="0"/>
+              <a:buNone/>
+              <a:defRPr sz="1600" b="1" kern="1200">
+                <a:solidFill>
+                  <a:schemeClr val="tx1">
+                    <a:lumMod val="65000"/>
+                    <a:lumOff val="35000"/>
+                  </a:schemeClr>
+                </a:solidFill>
+                <a:latin typeface="+mn-lt"/>
+                <a:ea typeface="+mn-ea"/>
+                <a:cs typeface="+mn-cs"/>
+              </a:defRPr>
+            </a:lvl4pPr>
+            <a:lvl5pPr marL="1828800" indent="0" algn="l" defTabSz="914400" rtl="0" eaLnBrk="1" latinLnBrk="0" hangingPunct="1">
+              <a:lnSpc>
+                <a:spcPct val="110000"/>
+              </a:lnSpc>
+              <a:spcBef>
+                <a:spcPts val="700"/>
+              </a:spcBef>
+              <a:buClr>
+                <a:schemeClr val="tx2"/>
+              </a:buClr>
+              <a:buFont typeface="Arial" panose="020B0604020202020204" pitchFamily="34" charset="0"/>
+              <a:buNone/>
+              <a:defRPr sz="1600" b="1" kern="1200">
+                <a:solidFill>
+                  <a:schemeClr val="tx1">
+                    <a:lumMod val="65000"/>
+                    <a:lumOff val="35000"/>
+                  </a:schemeClr>
+                </a:solidFill>
+                <a:latin typeface="+mn-lt"/>
+                <a:ea typeface="+mn-ea"/>
+                <a:cs typeface="+mn-cs"/>
+              </a:defRPr>
+            </a:lvl5pPr>
+            <a:lvl6pPr marL="2286000" indent="0" algn="l" defTabSz="914400" rtl="0" eaLnBrk="1" latinLnBrk="0" hangingPunct="1">
+              <a:lnSpc>
+                <a:spcPct val="110000"/>
+              </a:lnSpc>
+              <a:spcBef>
+                <a:spcPts val="700"/>
+              </a:spcBef>
+              <a:buClr>
+                <a:schemeClr val="tx2"/>
+              </a:buClr>
+              <a:buFont typeface="Gill Sans MT" panose="020B0502020104020203" pitchFamily="34" charset="0"/>
+              <a:buNone/>
+              <a:defRPr sz="1600" b="1" kern="1200">
+                <a:solidFill>
+                  <a:schemeClr val="tx1">
+                    <a:lumMod val="65000"/>
+                    <a:lumOff val="35000"/>
+                  </a:schemeClr>
+                </a:solidFill>
+                <a:latin typeface="+mn-lt"/>
+                <a:ea typeface="+mn-ea"/>
+                <a:cs typeface="+mn-cs"/>
+              </a:defRPr>
+            </a:lvl6pPr>
+            <a:lvl7pPr marL="2743200" indent="0" algn="l" defTabSz="914400" rtl="0" eaLnBrk="1" latinLnBrk="0" hangingPunct="1">
+              <a:lnSpc>
+                <a:spcPct val="110000"/>
+              </a:lnSpc>
+              <a:spcBef>
+                <a:spcPts val="700"/>
+              </a:spcBef>
+              <a:buClr>
+                <a:schemeClr val="tx2"/>
+              </a:buClr>
+              <a:buFont typeface="Arial" panose="020B0604020202020204" pitchFamily="34" charset="0"/>
+              <a:buNone/>
+              <a:defRPr sz="1600" b="1" kern="1200">
+                <a:solidFill>
+                  <a:schemeClr val="tx1">
+                    <a:lumMod val="65000"/>
+                    <a:lumOff val="35000"/>
+                  </a:schemeClr>
+                </a:solidFill>
+                <a:latin typeface="+mn-lt"/>
+                <a:ea typeface="+mn-ea"/>
+                <a:cs typeface="+mn-cs"/>
+              </a:defRPr>
+            </a:lvl7pPr>
+            <a:lvl8pPr marL="3200400" indent="0" algn="l" defTabSz="914400" rtl="0" eaLnBrk="1" latinLnBrk="0" hangingPunct="1">
+              <a:lnSpc>
+                <a:spcPct val="110000"/>
+              </a:lnSpc>
+              <a:spcBef>
+                <a:spcPts val="700"/>
+              </a:spcBef>
+              <a:buClr>
+                <a:schemeClr val="tx2"/>
+              </a:buClr>
+              <a:buFont typeface="Gill Sans MT" panose="020B0502020104020203" pitchFamily="34" charset="0"/>
+              <a:buNone/>
+              <a:defRPr sz="1600" b="1" kern="1200" baseline="0">
+                <a:solidFill>
+                  <a:schemeClr val="tx1">
+                    <a:lumMod val="65000"/>
+                    <a:lumOff val="35000"/>
+                  </a:schemeClr>
+                </a:solidFill>
+                <a:latin typeface="+mn-lt"/>
+                <a:ea typeface="+mn-ea"/>
+                <a:cs typeface="+mn-cs"/>
+              </a:defRPr>
+            </a:lvl8pPr>
+            <a:lvl9pPr marL="3657600" indent="0" algn="l" defTabSz="914400" rtl="0" eaLnBrk="1" latinLnBrk="0" hangingPunct="1">
+              <a:lnSpc>
+                <a:spcPct val="110000"/>
+              </a:lnSpc>
+              <a:spcBef>
+                <a:spcPts val="700"/>
+              </a:spcBef>
+              <a:buClr>
+                <a:schemeClr val="tx2"/>
+              </a:buClr>
+              <a:buFont typeface="Arial" panose="020B0604020202020204" pitchFamily="34" charset="0"/>
+              <a:buNone/>
+              <a:defRPr sz="1600" b="1" kern="1200" baseline="0">
+                <a:solidFill>
+                  <a:schemeClr val="tx1">
+                    <a:lumMod val="65000"/>
+                    <a:lumOff val="35000"/>
+                  </a:schemeClr>
+                </a:solidFill>
+                <a:latin typeface="+mn-lt"/>
+                <a:ea typeface="+mn-ea"/>
+                <a:cs typeface="+mn-cs"/>
+              </a:defRPr>
+            </a:lvl9pPr>
+          </a:lstStyle>
+          <a:p>
+            <a:pPr algn="ctr"/>
+            <a:r>
+              <a:rPr lang="en-US" dirty="0" smtClean="0"/>
+              <a:t>Connections</a:t>
+            </a:r>
+            <a:endParaRPr lang="en-US" dirty="0"/>
+          </a:p>
+        </p:txBody>
+      </p:sp>
+      <p:sp>
+        <p:nvSpPr>
+          <p:cNvPr id="9" name="Text Placeholder 3"/>
+          <p:cNvSpPr txBox="1">
+            <a:spLocks/>
+          </p:cNvSpPr>
+          <p:nvPr/>
+        </p:nvSpPr>
+        <p:spPr>
+          <a:xfrm>
+            <a:off x="8666218" y="1630252"/>
+            <a:ext cx="2796215" cy="480102"/>
+          </a:xfrm>
+          <a:prstGeom prst="rect">
+            <a:avLst/>
+          </a:prstGeom>
+        </p:spPr>
+        <p:txBody>
+          <a:bodyPr vert="horz" lIns="91440" tIns="45720" rIns="91440" bIns="45720" rtlCol="0" anchor="b">
+            <a:noAutofit/>
+          </a:bodyPr>
+          <a:lstStyle>
+            <a:lvl1pPr marL="0" indent="0" algn="l" defTabSz="914400" rtl="0" eaLnBrk="1" latinLnBrk="0" hangingPunct="1">
+              <a:lnSpc>
+                <a:spcPct val="100000"/>
+              </a:lnSpc>
+              <a:spcBef>
+                <a:spcPts val="700"/>
+              </a:spcBef>
+              <a:buClr>
+                <a:schemeClr val="tx2"/>
+              </a:buClr>
+              <a:buFont typeface="Arial" panose="020B0604020202020204" pitchFamily="34" charset="0"/>
+              <a:buNone/>
+              <a:defRPr sz="1900" b="1" kern="1200" cap="all" spc="200" baseline="0">
+                <a:solidFill>
+                  <a:schemeClr val="tx2"/>
+                </a:solidFill>
+                <a:latin typeface="+mn-lt"/>
+                <a:ea typeface="+mn-ea"/>
+                <a:cs typeface="+mn-cs"/>
+              </a:defRPr>
+            </a:lvl1pPr>
+            <a:lvl2pPr marL="457200" indent="0" algn="l" defTabSz="914400" rtl="0" eaLnBrk="1" latinLnBrk="0" hangingPunct="1">
+              <a:lnSpc>
+                <a:spcPct val="110000"/>
+              </a:lnSpc>
+              <a:spcBef>
+                <a:spcPts val="700"/>
+              </a:spcBef>
+              <a:buClr>
+                <a:schemeClr val="tx2"/>
+              </a:buClr>
+              <a:buFont typeface="Gill Sans MT" panose="020B0502020104020203" pitchFamily="34" charset="0"/>
+              <a:buNone/>
+              <a:defRPr sz="1900" b="1" kern="1200">
+                <a:solidFill>
+                  <a:schemeClr val="tx1">
+                    <a:lumMod val="65000"/>
+                    <a:lumOff val="35000"/>
+                  </a:schemeClr>
+                </a:solidFill>
+                <a:latin typeface="+mn-lt"/>
+                <a:ea typeface="+mn-ea"/>
+                <a:cs typeface="+mn-cs"/>
+              </a:defRPr>
+            </a:lvl2pPr>
+            <a:lvl3pPr marL="914400" indent="0" algn="l" defTabSz="914400" rtl="0" eaLnBrk="1" latinLnBrk="0" hangingPunct="1">
+              <a:lnSpc>
+                <a:spcPct val="110000"/>
+              </a:lnSpc>
+              <a:spcBef>
+                <a:spcPts val="700"/>
+              </a:spcBef>
+              <a:buClr>
+                <a:schemeClr val="tx2"/>
+              </a:buClr>
+              <a:buFont typeface="Arial" panose="020B0604020202020204" pitchFamily="34" charset="0"/>
+              <a:buNone/>
+              <a:defRPr sz="1800" b="1" kern="1200">
+                <a:solidFill>
+                  <a:schemeClr val="tx1">
+                    <a:lumMod val="65000"/>
+                    <a:lumOff val="35000"/>
+                  </a:schemeClr>
+                </a:solidFill>
+                <a:latin typeface="+mn-lt"/>
+                <a:ea typeface="+mn-ea"/>
+                <a:cs typeface="+mn-cs"/>
+              </a:defRPr>
+            </a:lvl3pPr>
+            <a:lvl4pPr marL="1371600" indent="0" algn="l" defTabSz="914400" rtl="0" eaLnBrk="1" latinLnBrk="0" hangingPunct="1">
+              <a:lnSpc>
+                <a:spcPct val="110000"/>
+              </a:lnSpc>
+              <a:spcBef>
+                <a:spcPts val="700"/>
+              </a:spcBef>
+              <a:buClr>
+                <a:schemeClr val="tx2"/>
+              </a:buClr>
+              <a:buFont typeface="Gill Sans MT" panose="020B0502020104020203" pitchFamily="34" charset="0"/>
+              <a:buNone/>
+              <a:defRPr sz="1600" b="1" kern="1200">
+                <a:solidFill>
+                  <a:schemeClr val="tx1">
+                    <a:lumMod val="65000"/>
+                    <a:lumOff val="35000"/>
+                  </a:schemeClr>
+                </a:solidFill>
+                <a:latin typeface="+mn-lt"/>
+                <a:ea typeface="+mn-ea"/>
+                <a:cs typeface="+mn-cs"/>
+              </a:defRPr>
+            </a:lvl4pPr>
+            <a:lvl5pPr marL="1828800" indent="0" algn="l" defTabSz="914400" rtl="0" eaLnBrk="1" latinLnBrk="0" hangingPunct="1">
+              <a:lnSpc>
+                <a:spcPct val="110000"/>
+              </a:lnSpc>
+              <a:spcBef>
+                <a:spcPts val="700"/>
+              </a:spcBef>
+              <a:buClr>
+                <a:schemeClr val="tx2"/>
+              </a:buClr>
+              <a:buFont typeface="Arial" panose="020B0604020202020204" pitchFamily="34" charset="0"/>
+              <a:buNone/>
+              <a:defRPr sz="1600" b="1" kern="1200">
+                <a:solidFill>
+                  <a:schemeClr val="tx1">
+                    <a:lumMod val="65000"/>
+                    <a:lumOff val="35000"/>
+                  </a:schemeClr>
+                </a:solidFill>
+                <a:latin typeface="+mn-lt"/>
+                <a:ea typeface="+mn-ea"/>
+                <a:cs typeface="+mn-cs"/>
+              </a:defRPr>
+            </a:lvl5pPr>
+            <a:lvl6pPr marL="2286000" indent="0" algn="l" defTabSz="914400" rtl="0" eaLnBrk="1" latinLnBrk="0" hangingPunct="1">
+              <a:lnSpc>
+                <a:spcPct val="110000"/>
+              </a:lnSpc>
+              <a:spcBef>
+                <a:spcPts val="700"/>
+              </a:spcBef>
+              <a:buClr>
+                <a:schemeClr val="tx2"/>
+              </a:buClr>
+              <a:buFont typeface="Gill Sans MT" panose="020B0502020104020203" pitchFamily="34" charset="0"/>
+              <a:buNone/>
+              <a:defRPr sz="1600" b="1" kern="1200">
+                <a:solidFill>
+                  <a:schemeClr val="tx1">
+                    <a:lumMod val="65000"/>
+                    <a:lumOff val="35000"/>
+                  </a:schemeClr>
+                </a:solidFill>
+                <a:latin typeface="+mn-lt"/>
+                <a:ea typeface="+mn-ea"/>
+                <a:cs typeface="+mn-cs"/>
+              </a:defRPr>
+            </a:lvl6pPr>
+            <a:lvl7pPr marL="2743200" indent="0" algn="l" defTabSz="914400" rtl="0" eaLnBrk="1" latinLnBrk="0" hangingPunct="1">
+              <a:lnSpc>
+                <a:spcPct val="110000"/>
+              </a:lnSpc>
+              <a:spcBef>
+                <a:spcPts val="700"/>
+              </a:spcBef>
+              <a:buClr>
+                <a:schemeClr val="tx2"/>
+              </a:buClr>
+              <a:buFont typeface="Arial" panose="020B0604020202020204" pitchFamily="34" charset="0"/>
+              <a:buNone/>
+              <a:defRPr sz="1600" b="1" kern="1200">
+                <a:solidFill>
+                  <a:schemeClr val="tx1">
+                    <a:lumMod val="65000"/>
+                    <a:lumOff val="35000"/>
+                  </a:schemeClr>
+                </a:solidFill>
+                <a:latin typeface="+mn-lt"/>
+                <a:ea typeface="+mn-ea"/>
+                <a:cs typeface="+mn-cs"/>
+              </a:defRPr>
+            </a:lvl7pPr>
+            <a:lvl8pPr marL="3200400" indent="0" algn="l" defTabSz="914400" rtl="0" eaLnBrk="1" latinLnBrk="0" hangingPunct="1">
+              <a:lnSpc>
+                <a:spcPct val="110000"/>
+              </a:lnSpc>
+              <a:spcBef>
+                <a:spcPts val="700"/>
+              </a:spcBef>
+              <a:buClr>
+                <a:schemeClr val="tx2"/>
+              </a:buClr>
+              <a:buFont typeface="Gill Sans MT" panose="020B0502020104020203" pitchFamily="34" charset="0"/>
+              <a:buNone/>
+              <a:defRPr sz="1600" b="1" kern="1200" baseline="0">
+                <a:solidFill>
+                  <a:schemeClr val="tx1">
+                    <a:lumMod val="65000"/>
+                    <a:lumOff val="35000"/>
+                  </a:schemeClr>
+                </a:solidFill>
+                <a:latin typeface="+mn-lt"/>
+                <a:ea typeface="+mn-ea"/>
+                <a:cs typeface="+mn-cs"/>
+              </a:defRPr>
+            </a:lvl8pPr>
+            <a:lvl9pPr marL="3657600" indent="0" algn="l" defTabSz="914400" rtl="0" eaLnBrk="1" latinLnBrk="0" hangingPunct="1">
+              <a:lnSpc>
+                <a:spcPct val="110000"/>
+              </a:lnSpc>
+              <a:spcBef>
+                <a:spcPts val="700"/>
+              </a:spcBef>
+              <a:buClr>
+                <a:schemeClr val="tx2"/>
+              </a:buClr>
+              <a:buFont typeface="Arial" panose="020B0604020202020204" pitchFamily="34" charset="0"/>
+              <a:buNone/>
+              <a:defRPr sz="1600" b="1" kern="1200" baseline="0">
+                <a:solidFill>
+                  <a:schemeClr val="tx1">
+                    <a:lumMod val="65000"/>
+                    <a:lumOff val="35000"/>
+                  </a:schemeClr>
+                </a:solidFill>
+                <a:latin typeface="+mn-lt"/>
+                <a:ea typeface="+mn-ea"/>
+                <a:cs typeface="+mn-cs"/>
+              </a:defRPr>
+            </a:lvl9pPr>
+          </a:lstStyle>
+          <a:p>
+            <a:pPr algn="ctr"/>
+            <a:r>
+              <a:rPr lang="en-US" dirty="0" smtClean="0"/>
+              <a:t>Following</a:t>
+            </a:r>
+            <a:endParaRPr lang="en-US" dirty="0"/>
+          </a:p>
+        </p:txBody>
+      </p:sp>
+      <p:sp>
+        <p:nvSpPr>
+          <p:cNvPr id="10" name="Content Placeholder 2"/>
+          <p:cNvSpPr>
+            <a:spLocks noGrp="1"/>
+          </p:cNvSpPr>
+          <p:nvPr>
+            <p:ph sz="half" idx="2"/>
+          </p:nvPr>
+        </p:nvSpPr>
+        <p:spPr>
+          <a:xfrm>
+            <a:off x="4633286" y="2242980"/>
+            <a:ext cx="2790593" cy="3879040"/>
+          </a:xfrm>
+        </p:spPr>
+        <p:txBody>
+          <a:bodyPr>
+            <a:normAutofit/>
+          </a:bodyPr>
+          <a:lstStyle/>
+          <a:p>
+            <a:r>
+              <a:rPr lang="en-US" sz="1900" dirty="0" smtClean="0"/>
+              <a:t>Do not feel the need to accept people you don’t know</a:t>
+            </a:r>
+          </a:p>
+          <a:p>
+            <a:r>
+              <a:rPr lang="en-US" sz="1900" dirty="0" smtClean="0"/>
+              <a:t>If you want to connect with somebody do not use a default message</a:t>
+            </a:r>
+          </a:p>
+          <a:p>
+            <a:r>
+              <a:rPr lang="en-US" sz="1900" dirty="0" smtClean="0"/>
+              <a:t>Write a personalized note</a:t>
+            </a:r>
+          </a:p>
+          <a:p>
+            <a:r>
+              <a:rPr lang="en-US" sz="1900" dirty="0" smtClean="0"/>
+              <a:t>Accept a connection within one business day</a:t>
+            </a:r>
+            <a:endParaRPr lang="en-US" sz="1900" dirty="0"/>
+          </a:p>
+        </p:txBody>
+      </p:sp>
+      <p:sp>
+        <p:nvSpPr>
+          <p:cNvPr id="11" name="Content Placeholder 2"/>
+          <p:cNvSpPr>
+            <a:spLocks noGrp="1"/>
+          </p:cNvSpPr>
+          <p:nvPr>
+            <p:ph sz="half" idx="2"/>
+          </p:nvPr>
+        </p:nvSpPr>
+        <p:spPr>
+          <a:xfrm>
+            <a:off x="8671840" y="2242979"/>
+            <a:ext cx="2790593" cy="3667165"/>
+          </a:xfrm>
+        </p:spPr>
+        <p:txBody>
+          <a:bodyPr>
+            <a:normAutofit/>
+          </a:bodyPr>
+          <a:lstStyle/>
+          <a:p>
+            <a:r>
+              <a:rPr lang="en-US" dirty="0" smtClean="0"/>
+              <a:t>Follow groups that you like and/or are relevant to your industry</a:t>
+            </a:r>
+          </a:p>
+          <a:p>
+            <a:r>
+              <a:rPr lang="en-US" dirty="0" smtClean="0"/>
+              <a:t>Follow companies that you like</a:t>
+            </a:r>
+          </a:p>
+          <a:p>
+            <a:r>
+              <a:rPr lang="en-US" dirty="0" smtClean="0"/>
+              <a:t>Follow leaders in your industry</a:t>
+            </a:r>
+            <a:endParaRPr lang="en-US" dirty="0"/>
+          </a:p>
+        </p:txBody>
+      </p:sp>
+    </p:spTree>
+    <p:extLst>
+      <p:ext uri="{BB962C8B-B14F-4D97-AF65-F5344CB8AC3E}">
+        <p14:creationId xmlns:p14="http://schemas.microsoft.com/office/powerpoint/2010/main" val="786106490"/>
+      </p:ext>
+    </p:extLst>
+  </p:cSld>
+  <p:clrMapOvr>
+    <a:masterClrMapping/>
+  </p:clrMapOvr>
+</p:sld>
+</file>
+
 <file path=ppt/slides/slide2.xml><?xml version="1.0" encoding="utf-8"?>
 <p:sld xmlns:a="http://schemas.openxmlformats.org/drawingml/2006/main" xmlns:r="http://schemas.openxmlformats.org/officeDocument/2006/relationships" xmlns:p="http://schemas.openxmlformats.org/presentationml/2006/main">
   <p:cSld>
@@ -8019,7 +10252,7 @@
             <a:spLocks noGrp="1"/>
           </p:cNvSpPr>
           <p:nvPr>
-            <p:ph type="title"/>
+            <p:ph type="ctrTitle"/>
           </p:nvPr>
         </p:nvSpPr>
         <p:spPr/>
@@ -8030,7 +10263,14 @@
             <a:pPr algn="ctr"/>
             <a:r>
               <a:rPr lang="en-US" dirty="0" smtClean="0"/>
-              <a:t>LinkedIn</a:t>
+              <a:t>Resume</a:t>
+            </a:r>
+            <a:br>
+              <a:rPr lang="en-US" dirty="0" smtClean="0"/>
+            </a:br>
+            <a:r>
+              <a:rPr lang="en-US" dirty="0" smtClean="0"/>
+              <a:t>Writing</a:t>
             </a:r>
             <a:endParaRPr lang="en-US" dirty="0"/>
           </a:p>
@@ -8038,12 +10278,12 @@
       </p:sp>
       <p:sp>
         <p:nvSpPr>
-          <p:cNvPr id="3" name="Content Placeholder 2"/>
+          <p:cNvPr id="4" name="Subtitle 3"/>
           <p:cNvSpPr>
             <a:spLocks noGrp="1"/>
           </p:cNvSpPr>
           <p:nvPr>
-            <p:ph idx="1"/>
+            <p:ph type="subTitle" idx="1"/>
           </p:nvPr>
         </p:nvSpPr>
         <p:spPr/>
@@ -8051,52 +10291,14 @@
           <a:bodyPr/>
           <a:lstStyle/>
           <a:p>
-            <a:r>
-              <a:rPr lang="en-US" dirty="0" smtClean="0"/>
-              <a:t>Change the “notify your network” to a no. This can be done on the right hand side OR in your privacy settings</a:t>
-            </a:r>
-          </a:p>
-          <a:p>
-            <a:r>
-              <a:rPr lang="en-US" dirty="0" smtClean="0"/>
-              <a:t>Headshot / Headline</a:t>
-            </a:r>
-          </a:p>
-          <a:p>
-            <a:r>
-              <a:rPr lang="en-US" dirty="0" smtClean="0"/>
-              <a:t>Summary / Industry / URL</a:t>
-            </a:r>
-          </a:p>
-          <a:p>
-            <a:r>
-              <a:rPr lang="en-US" dirty="0" smtClean="0"/>
-              <a:t>Experience / Education</a:t>
-            </a:r>
-          </a:p>
-          <a:p>
-            <a:r>
-              <a:rPr lang="en-US" dirty="0" smtClean="0"/>
-              <a:t>Skills / Endorsements</a:t>
-            </a:r>
-          </a:p>
-          <a:p>
-            <a:r>
-              <a:rPr lang="en-US" dirty="0" smtClean="0"/>
-              <a:t>Connections / </a:t>
-            </a:r>
-            <a:r>
-              <a:rPr lang="en-US" dirty="0" err="1" smtClean="0"/>
-              <a:t>Misc</a:t>
-            </a:r>
-            <a:endParaRPr lang="en-US" dirty="0"/>
+            <a:endParaRPr lang="en-US"/>
           </a:p>
         </p:txBody>
       </p:sp>
     </p:spTree>
     <p:extLst>
       <p:ext uri="{BB962C8B-B14F-4D97-AF65-F5344CB8AC3E}">
-        <p14:creationId xmlns:p14="http://schemas.microsoft.com/office/powerpoint/2010/main" val="1838135563"/>
+        <p14:creationId xmlns:p14="http://schemas.microsoft.com/office/powerpoint/2010/main" val="1672373949"/>
       </p:ext>
     </p:extLst>
   </p:cSld>
@@ -8125,99 +10327,189 @@
       </p:grpSpPr>
       <p:sp>
         <p:nvSpPr>
-          <p:cNvPr id="4" name="Title 3"/>
+          <p:cNvPr id="5" name="Title 4"/>
           <p:cNvSpPr>
             <a:spLocks noGrp="1"/>
           </p:cNvSpPr>
           <p:nvPr>
-            <p:ph type="title"/>
+            <p:ph type="title" idx="4294967295"/>
           </p:nvPr>
         </p:nvSpPr>
-        <p:spPr/>
+        <p:spPr>
+          <a:xfrm>
+            <a:off x="981319" y="422031"/>
+            <a:ext cx="10179050" cy="832338"/>
+          </a:xfrm>
+        </p:spPr>
         <p:txBody>
           <a:bodyPr/>
           <a:lstStyle/>
           <a:p>
-            <a:r>
-              <a:rPr lang="en-US" dirty="0" smtClean="0"/>
-              <a:t>Headshot</a:t>
-            </a:r>
-            <a:endParaRPr lang="en-US" dirty="0"/>
-          </a:p>
-        </p:txBody>
-      </p:sp>
-      <p:sp>
-        <p:nvSpPr>
-          <p:cNvPr id="5" name="Content Placeholder 4"/>
-          <p:cNvSpPr>
-            <a:spLocks noGrp="1"/>
-          </p:cNvSpPr>
-          <p:nvPr>
-            <p:ph idx="1"/>
-          </p:nvPr>
-        </p:nvSpPr>
-        <p:spPr/>
-        <p:txBody>
-          <a:bodyPr>
-            <a:normAutofit/>
+            <a:pPr algn="ctr"/>
+            <a:r>
+              <a:rPr lang="en-US" b="1" u="sng" dirty="0" smtClean="0"/>
+              <a:t>Your Highlight Reel</a:t>
+            </a:r>
+            <a:endParaRPr lang="en-US" b="1" u="sng" dirty="0"/>
+          </a:p>
+        </p:txBody>
+      </p:sp>
+      <p:sp>
+        <p:nvSpPr>
+          <p:cNvPr id="8" name="TextBox 7"/>
+          <p:cNvSpPr txBox="1"/>
+          <p:nvPr/>
+        </p:nvSpPr>
+        <p:spPr>
+          <a:xfrm>
+            <a:off x="1211137" y="2315252"/>
+            <a:ext cx="8532657" cy="1477328"/>
+          </a:xfrm>
+          <a:prstGeom prst="rect">
+            <a:avLst/>
+          </a:prstGeom>
+          <a:noFill/>
+        </p:spPr>
+        <p:txBody>
+          <a:bodyPr wrap="none" rtlCol="0">
+            <a:spAutoFit/>
           </a:bodyPr>
           <a:lstStyle/>
           <a:p>
-            <a:r>
-              <a:rPr lang="en-US" dirty="0" smtClean="0"/>
-              <a:t>This is the first thing people will see when visiting your profile</a:t>
-            </a:r>
-          </a:p>
-          <a:p>
-            <a:r>
-              <a:rPr lang="en-US" dirty="0" smtClean="0"/>
-              <a:t>Get an image that just shows your head and shoulders</a:t>
-            </a:r>
-          </a:p>
-          <a:p>
-            <a:r>
-              <a:rPr lang="en-US" dirty="0" smtClean="0"/>
-              <a:t>If it’s a more creative image feel free to use that</a:t>
-            </a:r>
-          </a:p>
-          <a:p>
-            <a:r>
-              <a:rPr lang="en-US" dirty="0" smtClean="0"/>
-              <a:t>Make sure to wear nice clothing</a:t>
-            </a:r>
-          </a:p>
-          <a:p>
-            <a:pPr lvl="1"/>
-            <a:r>
-              <a:rPr lang="en-US" dirty="0" smtClean="0"/>
-              <a:t>Clean clothing</a:t>
-            </a:r>
-          </a:p>
-          <a:p>
-            <a:pPr lvl="1"/>
-            <a:r>
-              <a:rPr lang="en-US" dirty="0" smtClean="0"/>
-              <a:t>Ironed clothing</a:t>
-            </a:r>
-          </a:p>
-          <a:p>
-            <a:pPr lvl="1"/>
-            <a:r>
-              <a:rPr lang="en-US" dirty="0" smtClean="0"/>
-              <a:t>No deep </a:t>
+            <a:pPr marL="285750" indent="-285750">
+              <a:buFont typeface="Arial" charset="0"/>
+              <a:buChar char="•"/>
+            </a:pPr>
+            <a:r>
+              <a:rPr lang="en-US" dirty="0" smtClean="0"/>
+              <a:t>Your Resume is meant to get you in the door, in front of </a:t>
             </a:r>
             <a:r>
               <a:rPr lang="en-US" smtClean="0"/>
-              <a:t>v-necks</a:t>
+              <a:t>a human being</a:t>
             </a:r>
             <a:endParaRPr lang="en-US" dirty="0" smtClean="0"/>
+          </a:p>
+          <a:p>
+            <a:pPr marL="285750" indent="-285750">
+              <a:buFont typeface="Arial" charset="0"/>
+              <a:buChar char="•"/>
+            </a:pPr>
+            <a:r>
+              <a:rPr lang="en-US" dirty="0" smtClean="0"/>
+              <a:t>You will have multiple versions of your resume</a:t>
+            </a:r>
+          </a:p>
+          <a:p>
+            <a:pPr marL="285750" indent="-285750">
+              <a:buFont typeface="Arial" charset="0"/>
+              <a:buChar char="•"/>
+            </a:pPr>
+            <a:r>
+              <a:rPr lang="en-US" dirty="0" smtClean="0"/>
+              <a:t>Recruiters / Human Resources spend an average of seven seconds looking at a resume</a:t>
+            </a:r>
+          </a:p>
+          <a:p>
+            <a:pPr marL="285750" indent="-285750">
+              <a:buFont typeface="Arial" charset="0"/>
+              <a:buChar char="•"/>
+            </a:pPr>
+            <a:r>
+              <a:rPr lang="en-US" dirty="0" smtClean="0"/>
+              <a:t>Who is your resume going to? Tech Person? Recruiter? HR Person?</a:t>
+            </a:r>
+          </a:p>
+          <a:p>
+            <a:pPr marL="285750" indent="-285750">
+              <a:buFont typeface="Arial" charset="0"/>
+              <a:buChar char="•"/>
+            </a:pPr>
+            <a:r>
+              <a:rPr lang="en-US" dirty="0" smtClean="0"/>
+              <a:t>Keep it to one page. EXTREMELY RARE to have multiple pages. </a:t>
+            </a:r>
+            <a:endParaRPr lang="en-US" dirty="0"/>
           </a:p>
         </p:txBody>
       </p:sp>
     </p:spTree>
     <p:extLst>
       <p:ext uri="{BB962C8B-B14F-4D97-AF65-F5344CB8AC3E}">
-        <p14:creationId xmlns:p14="http://schemas.microsoft.com/office/powerpoint/2010/main" val="514598276"/>
+        <p14:creationId xmlns:p14="http://schemas.microsoft.com/office/powerpoint/2010/main" val="159072659"/>
+      </p:ext>
+    </p:extLst>
+  </p:cSld>
+  <p:clrMapOvr>
+    <a:masterClrMapping/>
+  </p:clrMapOvr>
+</p:sld>
+</file>
+
+<file path=ppt/slides/slide9.xml><?xml version="1.0" encoding="utf-8"?>
+<p:sld xmlns:a="http://schemas.openxmlformats.org/drawingml/2006/main" xmlns:r="http://schemas.openxmlformats.org/officeDocument/2006/relationships" xmlns:p="http://schemas.openxmlformats.org/presentationml/2006/main">
+  <p:cSld>
+    <p:spTree>
+      <p:nvGrpSpPr>
+        <p:cNvPr id="1" name=""/>
+        <p:cNvGrpSpPr/>
+        <p:nvPr/>
+      </p:nvGrpSpPr>
+      <p:grpSpPr>
+        <a:xfrm>
+          <a:off x="0" y="0"/>
+          <a:ext cx="0" cy="0"/>
+          <a:chOff x="0" y="0"/>
+          <a:chExt cx="0" cy="0"/>
+        </a:xfrm>
+      </p:grpSpPr>
+      <p:sp>
+        <p:nvSpPr>
+          <p:cNvPr id="2" name="Title 1"/>
+          <p:cNvSpPr>
+            <a:spLocks noGrp="1"/>
+          </p:cNvSpPr>
+          <p:nvPr>
+            <p:ph type="ctrTitle"/>
+          </p:nvPr>
+        </p:nvSpPr>
+        <p:spPr/>
+        <p:txBody>
+          <a:bodyPr/>
+          <a:lstStyle/>
+          <a:p>
+            <a:pPr algn="ctr"/>
+            <a:r>
+              <a:rPr lang="en-US" dirty="0" smtClean="0"/>
+              <a:t>LinkedIn</a:t>
+            </a:r>
+            <a:endParaRPr lang="en-US" dirty="0"/>
+          </a:p>
+        </p:txBody>
+      </p:sp>
+      <p:sp>
+        <p:nvSpPr>
+          <p:cNvPr id="4" name="Subtitle 3"/>
+          <p:cNvSpPr>
+            <a:spLocks noGrp="1"/>
+          </p:cNvSpPr>
+          <p:nvPr>
+            <p:ph type="subTitle" idx="1"/>
+          </p:nvPr>
+        </p:nvSpPr>
+        <p:spPr/>
+        <p:txBody>
+          <a:bodyPr/>
+          <a:lstStyle/>
+          <a:p>
+            <a:endParaRPr lang="en-US"/>
+          </a:p>
+        </p:txBody>
+      </p:sp>
+    </p:spTree>
+    <p:extLst>
+      <p:ext uri="{BB962C8B-B14F-4D97-AF65-F5344CB8AC3E}">
+        <p14:creationId xmlns:p14="http://schemas.microsoft.com/office/powerpoint/2010/main" val="1838135563"/>
       </p:ext>
     </p:extLst>
   </p:cSld>

--- a/Job_Stuff/Jng_Job_Prezzie.pptx
+++ b/Job_Stuff/Jng_Job_Prezzie.pptx
@@ -13,15 +13,18 @@
     <p:sldId id="261" r:id="rId7"/>
     <p:sldId id="271" r:id="rId8"/>
     <p:sldId id="272" r:id="rId9"/>
-    <p:sldId id="262" r:id="rId10"/>
-    <p:sldId id="264" r:id="rId11"/>
-    <p:sldId id="263" r:id="rId12"/>
-    <p:sldId id="265" r:id="rId13"/>
-    <p:sldId id="266" r:id="rId14"/>
-    <p:sldId id="267" r:id="rId15"/>
-    <p:sldId id="268" r:id="rId16"/>
-    <p:sldId id="269" r:id="rId17"/>
-    <p:sldId id="270" r:id="rId18"/>
+    <p:sldId id="273" r:id="rId10"/>
+    <p:sldId id="274" r:id="rId11"/>
+    <p:sldId id="275" r:id="rId12"/>
+    <p:sldId id="262" r:id="rId13"/>
+    <p:sldId id="264" r:id="rId14"/>
+    <p:sldId id="263" r:id="rId15"/>
+    <p:sldId id="265" r:id="rId16"/>
+    <p:sldId id="266" r:id="rId17"/>
+    <p:sldId id="267" r:id="rId18"/>
+    <p:sldId id="268" r:id="rId19"/>
+    <p:sldId id="269" r:id="rId20"/>
+    <p:sldId id="270" r:id="rId21"/>
   </p:sldIdLst>
   <p:sldSz cx="12192000" cy="6858000"/>
   <p:notesSz cx="6858000" cy="9144000"/>
@@ -6862,6 +6865,503 @@
           <a:chExt cx="0" cy="0"/>
         </a:xfrm>
       </p:grpSpPr>
+      <p:sp>
+        <p:nvSpPr>
+          <p:cNvPr id="5" name="Title 4"/>
+          <p:cNvSpPr>
+            <a:spLocks noGrp="1"/>
+          </p:cNvSpPr>
+          <p:nvPr>
+            <p:ph type="title" idx="4294967295"/>
+          </p:nvPr>
+        </p:nvSpPr>
+        <p:spPr>
+          <a:xfrm>
+            <a:off x="981319" y="422031"/>
+            <a:ext cx="10179050" cy="832338"/>
+          </a:xfrm>
+        </p:spPr>
+        <p:txBody>
+          <a:bodyPr/>
+          <a:lstStyle/>
+          <a:p>
+            <a:pPr algn="ctr"/>
+            <a:r>
+              <a:rPr lang="en-US" b="1" u="sng" dirty="0" smtClean="0"/>
+              <a:t>Describing Your Byte experience</a:t>
+            </a:r>
+            <a:endParaRPr lang="en-US" b="1" u="sng" dirty="0"/>
+          </a:p>
+        </p:txBody>
+      </p:sp>
+      <p:sp>
+        <p:nvSpPr>
+          <p:cNvPr id="8" name="TextBox 7"/>
+          <p:cNvSpPr txBox="1"/>
+          <p:nvPr/>
+        </p:nvSpPr>
+        <p:spPr>
+          <a:xfrm>
+            <a:off x="981319" y="1646179"/>
+            <a:ext cx="10905881" cy="3046988"/>
+          </a:xfrm>
+          <a:prstGeom prst="rect">
+            <a:avLst/>
+          </a:prstGeom>
+          <a:noFill/>
+        </p:spPr>
+        <p:txBody>
+          <a:bodyPr wrap="square" rtlCol="0">
+            <a:spAutoFit/>
+          </a:bodyPr>
+          <a:lstStyle/>
+          <a:p>
+            <a:pPr marL="285750" indent="-285750">
+              <a:buFont typeface="Arial" charset="0"/>
+              <a:buChar char="•"/>
+            </a:pPr>
+            <a:r>
+              <a:rPr lang="en-US" sz="2400" dirty="0" smtClean="0"/>
+              <a:t>How can we appeal to a broad range of readers? It could be a:</a:t>
+            </a:r>
+          </a:p>
+          <a:p>
+            <a:pPr marL="742950" lvl="1" indent="-285750">
+              <a:buFont typeface="Arial" charset="0"/>
+              <a:buChar char="•"/>
+            </a:pPr>
+            <a:r>
+              <a:rPr lang="en-US" sz="2400" dirty="0" smtClean="0"/>
+              <a:t>HR administrator, technical recruiter, or a developer</a:t>
+            </a:r>
+          </a:p>
+          <a:p>
+            <a:pPr marL="742950" lvl="1" indent="-285750">
+              <a:buFont typeface="Arial" charset="0"/>
+              <a:buChar char="•"/>
+            </a:pPr>
+            <a:endParaRPr lang="en-US" sz="2400" dirty="0" smtClean="0"/>
+          </a:p>
+          <a:p>
+            <a:pPr marL="285750" indent="-285750">
+              <a:buFont typeface="Arial" charset="0"/>
+              <a:buChar char="•"/>
+            </a:pPr>
+            <a:r>
+              <a:rPr lang="en-US" sz="2400" dirty="0" smtClean="0"/>
+              <a:t>You’ll want to keep your bullets short and to the point</a:t>
+            </a:r>
+          </a:p>
+          <a:p>
+            <a:endParaRPr lang="en-US" sz="2400" dirty="0" smtClean="0"/>
+          </a:p>
+          <a:p>
+            <a:pPr marL="285750" indent="-285750">
+              <a:buFont typeface="Arial" charset="0"/>
+              <a:buChar char="•"/>
+            </a:pPr>
+            <a:r>
+              <a:rPr lang="en-US" sz="2400" dirty="0" smtClean="0"/>
+              <a:t>Action Verb </a:t>
+            </a:r>
+            <a:r>
+              <a:rPr lang="en-US" sz="2400" dirty="0" smtClean="0">
+                <a:sym typeface="Wingdings"/>
+              </a:rPr>
+              <a:t> What You Did  How You Did It</a:t>
+            </a:r>
+          </a:p>
+          <a:p>
+            <a:pPr marL="742950" lvl="1" indent="-285750">
+              <a:buFont typeface="Arial" charset="0"/>
+              <a:buChar char="•"/>
+            </a:pPr>
+            <a:r>
+              <a:rPr lang="en-US" sz="2400" dirty="0" smtClean="0">
+                <a:sym typeface="Wingdings"/>
+              </a:rPr>
+              <a:t>“Developed a </a:t>
+            </a:r>
+            <a:r>
+              <a:rPr lang="en-US" sz="2400" dirty="0" err="1" smtClean="0">
+                <a:sym typeface="Wingdings"/>
+              </a:rPr>
+              <a:t>RESTful</a:t>
+            </a:r>
+            <a:r>
+              <a:rPr lang="en-US" sz="2400" dirty="0" smtClean="0">
+                <a:sym typeface="Wingdings"/>
+              </a:rPr>
+              <a:t> whiskey </a:t>
+            </a:r>
+            <a:r>
+              <a:rPr lang="en-US" sz="2400" dirty="0" err="1" smtClean="0">
+                <a:sym typeface="Wingdings"/>
+              </a:rPr>
+              <a:t>api</a:t>
+            </a:r>
+            <a:r>
+              <a:rPr lang="en-US" sz="2400" dirty="0" smtClean="0">
+                <a:sym typeface="Wingdings"/>
+              </a:rPr>
+              <a:t> using </a:t>
+            </a:r>
+            <a:r>
+              <a:rPr lang="en-US" sz="2400" dirty="0" err="1" smtClean="0">
+                <a:sym typeface="Wingdings"/>
+              </a:rPr>
+              <a:t>Express.js</a:t>
+            </a:r>
+            <a:r>
+              <a:rPr lang="en-US" sz="2400" dirty="0" smtClean="0">
+                <a:sym typeface="Wingdings"/>
+              </a:rPr>
+              <a:t>, and SQLite3”</a:t>
+            </a:r>
+          </a:p>
+          <a:p>
+            <a:pPr marL="742950" lvl="1" indent="-285750">
+              <a:buFont typeface="Arial" charset="0"/>
+              <a:buChar char="•"/>
+            </a:pPr>
+            <a:r>
+              <a:rPr lang="en-US" sz="2400" dirty="0" smtClean="0">
+                <a:sym typeface="Wingdings"/>
+              </a:rPr>
+              <a:t>“Built a chat application using </a:t>
+            </a:r>
+            <a:r>
+              <a:rPr lang="en-US" sz="2400" dirty="0" err="1" smtClean="0">
+                <a:sym typeface="Wingdings"/>
+              </a:rPr>
+              <a:t>Socket.io</a:t>
+            </a:r>
+            <a:r>
+              <a:rPr lang="en-US" sz="2400" dirty="0" smtClean="0">
+                <a:sym typeface="Wingdings"/>
+              </a:rPr>
+              <a:t>, </a:t>
+            </a:r>
+            <a:r>
+              <a:rPr lang="en-US" sz="2400" dirty="0" err="1" smtClean="0">
+                <a:sym typeface="Wingdings"/>
+              </a:rPr>
+              <a:t>Django</a:t>
+            </a:r>
+            <a:r>
+              <a:rPr lang="en-US" sz="2400" dirty="0" smtClean="0">
+                <a:sym typeface="Wingdings"/>
+              </a:rPr>
+              <a:t>, Html, CSS, jQuery”</a:t>
+            </a:r>
+          </a:p>
+        </p:txBody>
+      </p:sp>
+    </p:spTree>
+    <p:extLst>
+      <p:ext uri="{BB962C8B-B14F-4D97-AF65-F5344CB8AC3E}">
+        <p14:creationId xmlns:p14="http://schemas.microsoft.com/office/powerpoint/2010/main" val="1960792992"/>
+      </p:ext>
+    </p:extLst>
+  </p:cSld>
+  <p:clrMapOvr>
+    <a:masterClrMapping/>
+  </p:clrMapOvr>
+</p:sld>
+</file>
+
+<file path=ppt/slides/slide11.xml><?xml version="1.0" encoding="utf-8"?>
+<p:sld xmlns:a="http://schemas.openxmlformats.org/drawingml/2006/main" xmlns:r="http://schemas.openxmlformats.org/officeDocument/2006/relationships" xmlns:p="http://schemas.openxmlformats.org/presentationml/2006/main">
+  <p:cSld>
+    <p:spTree>
+      <p:nvGrpSpPr>
+        <p:cNvPr id="1" name=""/>
+        <p:cNvGrpSpPr/>
+        <p:nvPr/>
+      </p:nvGrpSpPr>
+      <p:grpSpPr>
+        <a:xfrm>
+          <a:off x="0" y="0"/>
+          <a:ext cx="0" cy="0"/>
+          <a:chOff x="0" y="0"/>
+          <a:chExt cx="0" cy="0"/>
+        </a:xfrm>
+      </p:grpSpPr>
+      <p:sp>
+        <p:nvSpPr>
+          <p:cNvPr id="5" name="Title 4"/>
+          <p:cNvSpPr>
+            <a:spLocks noGrp="1"/>
+          </p:cNvSpPr>
+          <p:nvPr>
+            <p:ph type="title" idx="4294967295"/>
+          </p:nvPr>
+        </p:nvSpPr>
+        <p:spPr>
+          <a:xfrm>
+            <a:off x="981319" y="422031"/>
+            <a:ext cx="10179050" cy="832338"/>
+          </a:xfrm>
+        </p:spPr>
+        <p:txBody>
+          <a:bodyPr>
+            <a:normAutofit fontScale="90000"/>
+          </a:bodyPr>
+          <a:lstStyle/>
+          <a:p>
+            <a:pPr algn="ctr"/>
+            <a:r>
+              <a:rPr lang="en-US" b="1" u="sng" dirty="0" smtClean="0"/>
+              <a:t>Describing Your non-technical experience</a:t>
+            </a:r>
+            <a:endParaRPr lang="en-US" b="1" u="sng" dirty="0"/>
+          </a:p>
+        </p:txBody>
+      </p:sp>
+      <p:sp>
+        <p:nvSpPr>
+          <p:cNvPr id="8" name="TextBox 7"/>
+          <p:cNvSpPr txBox="1"/>
+          <p:nvPr/>
+        </p:nvSpPr>
+        <p:spPr>
+          <a:xfrm>
+            <a:off x="981319" y="2270648"/>
+            <a:ext cx="10905881" cy="4154984"/>
+          </a:xfrm>
+          <a:prstGeom prst="rect">
+            <a:avLst/>
+          </a:prstGeom>
+          <a:noFill/>
+        </p:spPr>
+        <p:txBody>
+          <a:bodyPr wrap="square" rtlCol="0">
+            <a:spAutoFit/>
+          </a:bodyPr>
+          <a:lstStyle/>
+          <a:p>
+            <a:pPr marL="342900" indent="-342900">
+              <a:buFont typeface="Arial" charset="0"/>
+              <a:buChar char="•"/>
+            </a:pPr>
+            <a:r>
+              <a:rPr lang="en-US" sz="2400" dirty="0" smtClean="0"/>
+              <a:t>Keep bullets short</a:t>
+            </a:r>
+          </a:p>
+          <a:p>
+            <a:pPr marL="342900" indent="-342900">
+              <a:buFont typeface="Arial" charset="0"/>
+              <a:buChar char="•"/>
+            </a:pPr>
+            <a:r>
+              <a:rPr lang="en-US" sz="2400" dirty="0" smtClean="0"/>
+              <a:t>Use numbers wherever possible</a:t>
+            </a:r>
+          </a:p>
+          <a:p>
+            <a:pPr marL="285750" indent="-285750">
+              <a:buFont typeface="Arial" charset="0"/>
+              <a:buChar char="•"/>
+            </a:pPr>
+            <a:r>
+              <a:rPr lang="en-US" sz="2400" dirty="0" smtClean="0"/>
+              <a:t>Describe your experience using an action tense. Do not describe them based on your “duties” or “responsibilities”</a:t>
+            </a:r>
+          </a:p>
+          <a:p>
+            <a:pPr marL="742950" lvl="1" indent="-285750">
+              <a:buFont typeface="Arial" charset="0"/>
+              <a:buChar char="•"/>
+            </a:pPr>
+            <a:r>
+              <a:rPr lang="en-US" sz="2400" dirty="0" smtClean="0"/>
+              <a:t>DO NOT! </a:t>
+            </a:r>
+            <a:r>
+              <a:rPr lang="en-US" sz="2400" dirty="0" smtClean="0">
+                <a:sym typeface="Wingdings"/>
+              </a:rPr>
+              <a:t></a:t>
+            </a:r>
+            <a:r>
+              <a:rPr lang="en-US" sz="2400" dirty="0" smtClean="0"/>
+              <a:t> “Responsible for building the </a:t>
+            </a:r>
+            <a:r>
+              <a:rPr lang="en-US" sz="2400" dirty="0" err="1" smtClean="0"/>
+              <a:t>api</a:t>
+            </a:r>
+            <a:r>
+              <a:rPr lang="en-US" sz="2400" dirty="0" smtClean="0"/>
+              <a:t> for a </a:t>
+            </a:r>
+            <a:r>
+              <a:rPr lang="en-US" sz="2400" dirty="0" err="1" smtClean="0"/>
+              <a:t>Django</a:t>
+            </a:r>
+            <a:r>
+              <a:rPr lang="en-US" sz="2400" dirty="0" smtClean="0"/>
+              <a:t> application about cars”</a:t>
+            </a:r>
+          </a:p>
+          <a:p>
+            <a:pPr marL="285750" indent="-285750">
+              <a:buFont typeface="Arial" charset="0"/>
+              <a:buChar char="•"/>
+            </a:pPr>
+            <a:r>
+              <a:rPr lang="en-US" sz="2400" dirty="0" smtClean="0"/>
+              <a:t>Action Verb </a:t>
+            </a:r>
+            <a:r>
+              <a:rPr lang="en-US" sz="2400" dirty="0" smtClean="0">
+                <a:sym typeface="Wingdings"/>
+              </a:rPr>
+              <a:t> What You Did  How You Did It</a:t>
+            </a:r>
+          </a:p>
+          <a:p>
+            <a:pPr marL="742950" lvl="1" indent="-285750">
+              <a:buFont typeface="Arial" charset="0"/>
+              <a:buChar char="•"/>
+            </a:pPr>
+            <a:r>
+              <a:rPr lang="en-US" sz="2400" dirty="0" smtClean="0">
+                <a:sym typeface="Wingdings"/>
+              </a:rPr>
+              <a:t>“Implemented a CMS workflow that targeted At Risk Students within one month of the </a:t>
+            </a:r>
+            <a:r>
+              <a:rPr lang="en-US" sz="2400" dirty="0" err="1" smtClean="0">
+                <a:sym typeface="Wingdings"/>
+              </a:rPr>
+              <a:t>symester</a:t>
+            </a:r>
+            <a:r>
+              <a:rPr lang="en-US" sz="2400" dirty="0" smtClean="0">
+                <a:sym typeface="Wingdings"/>
+              </a:rPr>
+              <a:t>”</a:t>
+            </a:r>
+          </a:p>
+          <a:p>
+            <a:pPr marL="742950" lvl="1" indent="-285750">
+              <a:buFont typeface="Arial" charset="0"/>
+              <a:buChar char="•"/>
+            </a:pPr>
+            <a:r>
+              <a:rPr lang="en-US" sz="2400" dirty="0" smtClean="0">
+                <a:sym typeface="Wingdings"/>
+              </a:rPr>
+              <a:t>“Developed advisement survey system that increased retention of first year students by 30%”</a:t>
+            </a:r>
+          </a:p>
+        </p:txBody>
+      </p:sp>
+    </p:spTree>
+    <p:extLst>
+      <p:ext uri="{BB962C8B-B14F-4D97-AF65-F5344CB8AC3E}">
+        <p14:creationId xmlns:p14="http://schemas.microsoft.com/office/powerpoint/2010/main" val="1683157630"/>
+      </p:ext>
+    </p:extLst>
+  </p:cSld>
+  <p:clrMapOvr>
+    <a:masterClrMapping/>
+  </p:clrMapOvr>
+</p:sld>
+</file>
+
+<file path=ppt/slides/slide12.xml><?xml version="1.0" encoding="utf-8"?>
+<p:sld xmlns:a="http://schemas.openxmlformats.org/drawingml/2006/main" xmlns:r="http://schemas.openxmlformats.org/officeDocument/2006/relationships" xmlns:p="http://schemas.openxmlformats.org/presentationml/2006/main">
+  <p:cSld>
+    <p:spTree>
+      <p:nvGrpSpPr>
+        <p:cNvPr id="1" name=""/>
+        <p:cNvGrpSpPr/>
+        <p:nvPr/>
+      </p:nvGrpSpPr>
+      <p:grpSpPr>
+        <a:xfrm>
+          <a:off x="0" y="0"/>
+          <a:ext cx="0" cy="0"/>
+          <a:chOff x="0" y="0"/>
+          <a:chExt cx="0" cy="0"/>
+        </a:xfrm>
+      </p:grpSpPr>
+      <p:sp>
+        <p:nvSpPr>
+          <p:cNvPr id="2" name="Title 1"/>
+          <p:cNvSpPr>
+            <a:spLocks noGrp="1"/>
+          </p:cNvSpPr>
+          <p:nvPr>
+            <p:ph type="ctrTitle"/>
+          </p:nvPr>
+        </p:nvSpPr>
+        <p:spPr/>
+        <p:txBody>
+          <a:bodyPr/>
+          <a:lstStyle/>
+          <a:p>
+            <a:pPr algn="ctr"/>
+            <a:r>
+              <a:rPr lang="en-US" dirty="0" smtClean="0"/>
+              <a:t>LinkedIn</a:t>
+            </a:r>
+            <a:endParaRPr lang="en-US" dirty="0"/>
+          </a:p>
+        </p:txBody>
+      </p:sp>
+      <p:sp>
+        <p:nvSpPr>
+          <p:cNvPr id="4" name="Subtitle 3"/>
+          <p:cNvSpPr>
+            <a:spLocks noGrp="1"/>
+          </p:cNvSpPr>
+          <p:nvPr>
+            <p:ph type="subTitle" idx="1"/>
+          </p:nvPr>
+        </p:nvSpPr>
+        <p:spPr/>
+        <p:txBody>
+          <a:bodyPr/>
+          <a:lstStyle/>
+          <a:p>
+            <a:endParaRPr lang="en-US"/>
+          </a:p>
+        </p:txBody>
+      </p:sp>
+    </p:spTree>
+    <p:extLst>
+      <p:ext uri="{BB962C8B-B14F-4D97-AF65-F5344CB8AC3E}">
+        <p14:creationId xmlns:p14="http://schemas.microsoft.com/office/powerpoint/2010/main" val="1838135563"/>
+      </p:ext>
+    </p:extLst>
+  </p:cSld>
+  <p:clrMapOvr>
+    <a:masterClrMapping/>
+  </p:clrMapOvr>
+</p:sld>
+</file>
+
+<file path=ppt/slides/slide13.xml><?xml version="1.0" encoding="utf-8"?>
+<p:sld xmlns:a="http://schemas.openxmlformats.org/drawingml/2006/main" xmlns:r="http://schemas.openxmlformats.org/officeDocument/2006/relationships" xmlns:p="http://schemas.openxmlformats.org/presentationml/2006/main">
+  <p:cSld>
+    <p:spTree>
+      <p:nvGrpSpPr>
+        <p:cNvPr id="1" name=""/>
+        <p:cNvGrpSpPr/>
+        <p:nvPr/>
+      </p:nvGrpSpPr>
+      <p:grpSpPr>
+        <a:xfrm>
+          <a:off x="0" y="0"/>
+          <a:ext cx="0" cy="0"/>
+          <a:chOff x="0" y="0"/>
+          <a:chExt cx="0" cy="0"/>
+        </a:xfrm>
+      </p:grpSpPr>
       <p:pic>
         <p:nvPicPr>
           <p:cNvPr id="4" name="Content Placeholder 3"/>
@@ -7033,7 +7533,7 @@
 </p:sld>
 </file>
 
-<file path=ppt/slides/slide11.xml><?xml version="1.0" encoding="utf-8"?>
+<file path=ppt/slides/slide14.xml><?xml version="1.0" encoding="utf-8"?>
 <p:sld xmlns:a="http://schemas.openxmlformats.org/drawingml/2006/main" xmlns:r="http://schemas.openxmlformats.org/officeDocument/2006/relationships" xmlns:p="http://schemas.openxmlformats.org/presentationml/2006/main">
   <p:cSld>
     <p:spTree>
@@ -7244,7 +7744,7 @@
 </p:sld>
 </file>
 
-<file path=ppt/slides/slide12.xml><?xml version="1.0" encoding="utf-8"?>
+<file path=ppt/slides/slide15.xml><?xml version="1.0" encoding="utf-8"?>
 <p:sld xmlns:a="http://schemas.openxmlformats.org/drawingml/2006/main" xmlns:r="http://schemas.openxmlformats.org/officeDocument/2006/relationships" xmlns:p="http://schemas.openxmlformats.org/presentationml/2006/main">
   <p:cSld>
     <p:spTree>
@@ -7405,7 +7905,7 @@
 </p:sld>
 </file>
 
-<file path=ppt/slides/slide13.xml><?xml version="1.0" encoding="utf-8"?>
+<file path=ppt/slides/slide16.xml><?xml version="1.0" encoding="utf-8"?>
 <p:sld xmlns:a="http://schemas.openxmlformats.org/drawingml/2006/main" xmlns:r="http://schemas.openxmlformats.org/officeDocument/2006/relationships" xmlns:p="http://schemas.openxmlformats.org/presentationml/2006/main">
   <p:cSld>
     <p:spTree>
@@ -7850,7 +8350,7 @@
 </p:sld>
 </file>
 
-<file path=ppt/slides/slide14.xml><?xml version="1.0" encoding="utf-8"?>
+<file path=ppt/slides/slide17.xml><?xml version="1.0" encoding="utf-8"?>
 <p:sld xmlns:a="http://schemas.openxmlformats.org/drawingml/2006/main" xmlns:r="http://schemas.openxmlformats.org/officeDocument/2006/relationships" xmlns:p="http://schemas.openxmlformats.org/presentationml/2006/main">
   <p:cSld>
     <p:spTree>
@@ -7939,7 +8439,7 @@
           <a:p>
             <a:r>
               <a:rPr lang="en-US" dirty="0" smtClean="0"/>
-              <a:t>Keep it short</a:t>
+              <a:t>Keep it short, creative, funny? </a:t>
             </a:r>
           </a:p>
           <a:p>
@@ -7969,7 +8469,7 @@
 </p:sld>
 </file>
 
-<file path=ppt/slides/slide15.xml><?xml version="1.0" encoding="utf-8"?>
+<file path=ppt/slides/slide18.xml><?xml version="1.0" encoding="utf-8"?>
 <p:sld xmlns:a="http://schemas.openxmlformats.org/drawingml/2006/main" xmlns:r="http://schemas.openxmlformats.org/officeDocument/2006/relationships" xmlns:p="http://schemas.openxmlformats.org/presentationml/2006/main">
   <p:cSld>
     <p:spTree>
@@ -8158,7 +8658,7 @@
 </p:sld>
 </file>
 
-<file path=ppt/slides/slide16.xml><?xml version="1.0" encoding="utf-8"?>
+<file path=ppt/slides/slide19.xml><?xml version="1.0" encoding="utf-8"?>
 <p:sld xmlns:a="http://schemas.openxmlformats.org/drawingml/2006/main" xmlns:r="http://schemas.openxmlformats.org/officeDocument/2006/relationships" xmlns:p="http://schemas.openxmlformats.org/presentationml/2006/main">
   <p:cSld>
     <p:spTree>
@@ -8344,7 +8844,117 @@
 </p:sld>
 </file>
 
-<file path=ppt/slides/slide17.xml><?xml version="1.0" encoding="utf-8"?>
+<file path=ppt/slides/slide2.xml><?xml version="1.0" encoding="utf-8"?>
+<p:sld xmlns:a="http://schemas.openxmlformats.org/drawingml/2006/main" xmlns:r="http://schemas.openxmlformats.org/officeDocument/2006/relationships" xmlns:p="http://schemas.openxmlformats.org/presentationml/2006/main">
+  <p:cSld>
+    <p:spTree>
+      <p:nvGrpSpPr>
+        <p:cNvPr id="1" name=""/>
+        <p:cNvGrpSpPr/>
+        <p:nvPr/>
+      </p:nvGrpSpPr>
+      <p:grpSpPr>
+        <a:xfrm>
+          <a:off x="0" y="0"/>
+          <a:ext cx="0" cy="0"/>
+          <a:chOff x="0" y="0"/>
+          <a:chExt cx="0" cy="0"/>
+        </a:xfrm>
+      </p:grpSpPr>
+      <p:sp>
+        <p:nvSpPr>
+          <p:cNvPr id="2" name="Title 1"/>
+          <p:cNvSpPr>
+            <a:spLocks noGrp="1"/>
+          </p:cNvSpPr>
+          <p:nvPr>
+            <p:ph type="title"/>
+          </p:nvPr>
+        </p:nvSpPr>
+        <p:spPr/>
+        <p:txBody>
+          <a:bodyPr/>
+          <a:lstStyle/>
+          <a:p>
+            <a:pPr algn="ctr"/>
+            <a:r>
+              <a:rPr lang="en-US" dirty="0" smtClean="0"/>
+              <a:t>Types of Applications</a:t>
+            </a:r>
+            <a:endParaRPr lang="en-US" dirty="0"/>
+          </a:p>
+        </p:txBody>
+      </p:sp>
+      <p:sp>
+        <p:nvSpPr>
+          <p:cNvPr id="3" name="Content Placeholder 2"/>
+          <p:cNvSpPr>
+            <a:spLocks noGrp="1"/>
+          </p:cNvSpPr>
+          <p:nvPr>
+            <p:ph idx="1"/>
+          </p:nvPr>
+        </p:nvSpPr>
+        <p:spPr/>
+        <p:txBody>
+          <a:bodyPr/>
+          <a:lstStyle/>
+          <a:p>
+            <a:pPr marL="0" indent="0" algn="ctr">
+              <a:buNone/>
+            </a:pPr>
+            <a:r>
+              <a:rPr lang="en-US" dirty="0" smtClean="0"/>
+              <a:t>Online</a:t>
+            </a:r>
+          </a:p>
+          <a:p>
+            <a:pPr marL="0" indent="0" algn="ctr">
+              <a:buNone/>
+            </a:pPr>
+            <a:endParaRPr lang="en-US" dirty="0"/>
+          </a:p>
+          <a:p>
+            <a:pPr marL="0" indent="0" algn="ctr">
+              <a:buNone/>
+            </a:pPr>
+            <a:r>
+              <a:rPr lang="en-US" dirty="0" smtClean="0"/>
+              <a:t>Recruiter</a:t>
+            </a:r>
+          </a:p>
+          <a:p>
+            <a:pPr marL="0" indent="0" algn="ctr">
+              <a:buNone/>
+            </a:pPr>
+            <a:endParaRPr lang="en-US" dirty="0"/>
+          </a:p>
+          <a:p>
+            <a:pPr marL="0" indent="0" algn="ctr">
+              <a:buNone/>
+            </a:pPr>
+            <a:r>
+              <a:rPr lang="en-US" dirty="0" smtClean="0"/>
+              <a:t>Referral</a:t>
+            </a:r>
+            <a:endParaRPr lang="en-US" dirty="0"/>
+          </a:p>
+        </p:txBody>
+      </p:sp>
+    </p:spTree>
+    <p:extLst>
+      <p:ext uri="{BB962C8B-B14F-4D97-AF65-F5344CB8AC3E}">
+        <p14:creationId xmlns:p14="http://schemas.microsoft.com/office/powerpoint/2010/main" val="1055938908"/>
+      </p:ext>
+    </p:extLst>
+  </p:cSld>
+  <p:clrMapOvr>
+    <a:masterClrMapping/>
+  </p:clrMapOvr>
+</p:sld>
+</file>
+
+<file path=ppt/slides/slide20.xml><?xml version="1.0" encoding="utf-8"?>
 <p:sld xmlns:a="http://schemas.openxmlformats.org/drawingml/2006/main" xmlns:r="http://schemas.openxmlformats.org/officeDocument/2006/relationships" xmlns:p="http://schemas.openxmlformats.org/presentationml/2006/main">
   <p:cSld>
     <p:spTree>
@@ -9064,116 +9674,6 @@
 </p:sld>
 </file>
 
-<file path=ppt/slides/slide2.xml><?xml version="1.0" encoding="utf-8"?>
-<p:sld xmlns:a="http://schemas.openxmlformats.org/drawingml/2006/main" xmlns:r="http://schemas.openxmlformats.org/officeDocument/2006/relationships" xmlns:p="http://schemas.openxmlformats.org/presentationml/2006/main">
-  <p:cSld>
-    <p:spTree>
-      <p:nvGrpSpPr>
-        <p:cNvPr id="1" name=""/>
-        <p:cNvGrpSpPr/>
-        <p:nvPr/>
-      </p:nvGrpSpPr>
-      <p:grpSpPr>
-        <a:xfrm>
-          <a:off x="0" y="0"/>
-          <a:ext cx="0" cy="0"/>
-          <a:chOff x="0" y="0"/>
-          <a:chExt cx="0" cy="0"/>
-        </a:xfrm>
-      </p:grpSpPr>
-      <p:sp>
-        <p:nvSpPr>
-          <p:cNvPr id="2" name="Title 1"/>
-          <p:cNvSpPr>
-            <a:spLocks noGrp="1"/>
-          </p:cNvSpPr>
-          <p:nvPr>
-            <p:ph type="title"/>
-          </p:nvPr>
-        </p:nvSpPr>
-        <p:spPr/>
-        <p:txBody>
-          <a:bodyPr/>
-          <a:lstStyle/>
-          <a:p>
-            <a:pPr algn="ctr"/>
-            <a:r>
-              <a:rPr lang="en-US" dirty="0" smtClean="0"/>
-              <a:t>Types of Applications</a:t>
-            </a:r>
-            <a:endParaRPr lang="en-US" dirty="0"/>
-          </a:p>
-        </p:txBody>
-      </p:sp>
-      <p:sp>
-        <p:nvSpPr>
-          <p:cNvPr id="3" name="Content Placeholder 2"/>
-          <p:cNvSpPr>
-            <a:spLocks noGrp="1"/>
-          </p:cNvSpPr>
-          <p:nvPr>
-            <p:ph idx="1"/>
-          </p:nvPr>
-        </p:nvSpPr>
-        <p:spPr/>
-        <p:txBody>
-          <a:bodyPr/>
-          <a:lstStyle/>
-          <a:p>
-            <a:pPr marL="0" indent="0" algn="ctr">
-              <a:buNone/>
-            </a:pPr>
-            <a:r>
-              <a:rPr lang="en-US" dirty="0" smtClean="0"/>
-              <a:t>Online</a:t>
-            </a:r>
-          </a:p>
-          <a:p>
-            <a:pPr marL="0" indent="0" algn="ctr">
-              <a:buNone/>
-            </a:pPr>
-            <a:endParaRPr lang="en-US" dirty="0"/>
-          </a:p>
-          <a:p>
-            <a:pPr marL="0" indent="0" algn="ctr">
-              <a:buNone/>
-            </a:pPr>
-            <a:r>
-              <a:rPr lang="en-US" dirty="0" smtClean="0"/>
-              <a:t>Recruiter</a:t>
-            </a:r>
-          </a:p>
-          <a:p>
-            <a:pPr marL="0" indent="0" algn="ctr">
-              <a:buNone/>
-            </a:pPr>
-            <a:endParaRPr lang="en-US" dirty="0"/>
-          </a:p>
-          <a:p>
-            <a:pPr marL="0" indent="0" algn="ctr">
-              <a:buNone/>
-            </a:pPr>
-            <a:r>
-              <a:rPr lang="en-US" dirty="0" smtClean="0"/>
-              <a:t>Referral</a:t>
-            </a:r>
-            <a:endParaRPr lang="en-US" dirty="0"/>
-          </a:p>
-        </p:txBody>
-      </p:sp>
-    </p:spTree>
-    <p:extLst>
-      <p:ext uri="{BB962C8B-B14F-4D97-AF65-F5344CB8AC3E}">
-        <p14:creationId xmlns:p14="http://schemas.microsoft.com/office/powerpoint/2010/main" val="1055938908"/>
-      </p:ext>
-    </p:extLst>
-  </p:cSld>
-  <p:clrMapOvr>
-    <a:masterClrMapping/>
-  </p:clrMapOvr>
-</p:sld>
-</file>
-
 <file path=ppt/slides/slide3.xml><?xml version="1.0" encoding="utf-8"?>
 <p:sld xmlns:a="http://schemas.openxmlformats.org/drawingml/2006/main" xmlns:r="http://schemas.openxmlformats.org/officeDocument/2006/relationships" xmlns:p="http://schemas.openxmlformats.org/presentationml/2006/main">
   <p:cSld>
@@ -10362,8 +10862,8 @@
         </p:nvSpPr>
         <p:spPr>
           <a:xfrm>
-            <a:off x="1211137" y="2315252"/>
-            <a:ext cx="8532657" cy="1477328"/>
+            <a:off x="1550020" y="1349298"/>
+            <a:ext cx="9511990" cy="2308324"/>
           </a:xfrm>
           <a:prstGeom prst="rect">
             <a:avLst/>
@@ -10371,7 +10871,7 @@
           <a:noFill/>
         </p:spPr>
         <p:txBody>
-          <a:bodyPr wrap="none" rtlCol="0">
+          <a:bodyPr wrap="square" rtlCol="0">
             <a:spAutoFit/>
           </a:bodyPr>
           <a:lstStyle/>
@@ -10381,14 +10881,13 @@
               <a:buChar char="•"/>
             </a:pPr>
             <a:r>
-              <a:rPr lang="en-US" dirty="0" smtClean="0"/>
-              <a:t>Your Resume is meant to get you in the door, in front of </a:t>
-            </a:r>
-            <a:r>
-              <a:rPr lang="en-US" smtClean="0"/>
-              <a:t>a human being</a:t>
-            </a:r>
-            <a:endParaRPr lang="en-US" dirty="0" smtClean="0"/>
+              <a:rPr lang="en-US" dirty="0"/>
+              <a:t>Employers take SEVEN seconds to look at your </a:t>
+            </a:r>
+            <a:r>
+              <a:rPr lang="en-US" dirty="0" smtClean="0"/>
+              <a:t>resume</a:t>
+            </a:r>
           </a:p>
           <a:p>
             <a:pPr marL="285750" indent="-285750">
@@ -10397,7 +10896,7 @@
             </a:pPr>
             <a:r>
               <a:rPr lang="en-US" dirty="0" smtClean="0"/>
-              <a:t>You will have multiple versions of your resume</a:t>
+              <a:t>Your Resume is meant to get you in the door, in front of a human being</a:t>
             </a:r>
           </a:p>
           <a:p>
@@ -10407,7 +10906,7 @@
             </a:pPr>
             <a:r>
               <a:rPr lang="en-US" dirty="0" smtClean="0"/>
-              <a:t>Recruiters / Human Resources spend an average of seven seconds looking at a resume</a:t>
+              <a:t>You will have multiple versions of your resume</a:t>
             </a:r>
           </a:p>
           <a:p>
@@ -10429,7 +10928,41 @@
               <a:rPr lang="en-US" dirty="0" smtClean="0"/>
               <a:t>Keep it to one page. EXTREMELY RARE to have multiple pages. </a:t>
             </a:r>
-            <a:endParaRPr lang="en-US" dirty="0"/>
+          </a:p>
+          <a:p>
+            <a:pPr marL="285750" indent="-285750">
+              <a:buFont typeface="Arial" charset="0"/>
+              <a:buChar char="•"/>
+            </a:pPr>
+            <a:r>
+              <a:rPr lang="en-US" dirty="0" smtClean="0"/>
+              <a:t>Send your resume in pdf format</a:t>
+            </a:r>
+          </a:p>
+          <a:p>
+            <a:pPr marL="285750" indent="-285750">
+              <a:buFont typeface="Arial" charset="0"/>
+              <a:buChar char="•"/>
+            </a:pPr>
+            <a:r>
+              <a:rPr lang="en-US" dirty="0" smtClean="0"/>
+              <a:t>Your name should be in the name of the file. (</a:t>
+            </a:r>
+            <a:r>
+              <a:rPr lang="en-US" smtClean="0"/>
+              <a:t>Jason_Ng_Resume.pdf</a:t>
+            </a:r>
+            <a:r>
+              <a:rPr lang="en-US" dirty="0" smtClean="0"/>
+              <a:t>)</a:t>
+            </a:r>
+          </a:p>
+          <a:p>
+            <a:pPr marL="285750" indent="-285750">
+              <a:buFont typeface="Arial" charset="0"/>
+              <a:buChar char="•"/>
+            </a:pPr>
+            <a:endParaRPr lang="en-US" dirty="0" smtClean="0"/>
           </a:p>
         </p:txBody>
       </p:sp>
@@ -10465,51 +10998,421 @@
       </p:grpSpPr>
       <p:sp>
         <p:nvSpPr>
-          <p:cNvPr id="2" name="Title 1"/>
+          <p:cNvPr id="5" name="Title 4"/>
           <p:cNvSpPr>
             <a:spLocks noGrp="1"/>
           </p:cNvSpPr>
           <p:nvPr>
-            <p:ph type="ctrTitle"/>
+            <p:ph type="title"/>
           </p:nvPr>
         </p:nvSpPr>
-        <p:spPr/>
+        <p:spPr>
+          <a:xfrm>
+            <a:off x="1257300" y="148581"/>
+            <a:ext cx="10172700" cy="793436"/>
+          </a:xfrm>
+        </p:spPr>
         <p:txBody>
           <a:bodyPr/>
           <a:lstStyle/>
           <a:p>
             <a:pPr algn="ctr"/>
             <a:r>
-              <a:rPr lang="en-US" dirty="0" smtClean="0"/>
-              <a:t>LinkedIn</a:t>
-            </a:r>
-            <a:endParaRPr lang="en-US" dirty="0"/>
-          </a:p>
-        </p:txBody>
-      </p:sp>
-      <p:sp>
-        <p:nvSpPr>
-          <p:cNvPr id="4" name="Subtitle 3"/>
+              <a:rPr lang="en-US" b="1" u="sng" dirty="0" smtClean="0"/>
+              <a:t>Organization and consistency</a:t>
+            </a:r>
+            <a:endParaRPr lang="en-US" b="1" u="sng" dirty="0"/>
+          </a:p>
+        </p:txBody>
+      </p:sp>
+      <p:sp>
+        <p:nvSpPr>
+          <p:cNvPr id="2" name="Text Placeholder 1"/>
           <p:cNvSpPr>
             <a:spLocks noGrp="1"/>
           </p:cNvSpPr>
           <p:nvPr>
-            <p:ph type="subTitle" idx="1"/>
+            <p:ph type="body" idx="1"/>
           </p:nvPr>
         </p:nvSpPr>
-        <p:spPr/>
+        <p:spPr>
+          <a:xfrm>
+            <a:off x="1257300" y="944456"/>
+            <a:ext cx="4800600" cy="632529"/>
+          </a:xfrm>
+        </p:spPr>
         <p:txBody>
           <a:bodyPr/>
           <a:lstStyle/>
           <a:p>
-            <a:endParaRPr lang="en-US"/>
+            <a:r>
+              <a:rPr lang="en-US" dirty="0" smtClean="0"/>
+              <a:t>Organization</a:t>
+            </a:r>
+            <a:endParaRPr lang="en-US" dirty="0"/>
+          </a:p>
+        </p:txBody>
+      </p:sp>
+      <p:sp>
+        <p:nvSpPr>
+          <p:cNvPr id="3" name="Content Placeholder 2"/>
+          <p:cNvSpPr>
+            <a:spLocks noGrp="1"/>
+          </p:cNvSpPr>
+          <p:nvPr>
+            <p:ph sz="half" idx="2"/>
+          </p:nvPr>
+        </p:nvSpPr>
+        <p:spPr>
+          <a:xfrm>
+            <a:off x="1257300" y="1797083"/>
+            <a:ext cx="4800600" cy="5060917"/>
+          </a:xfrm>
+        </p:spPr>
+        <p:txBody>
+          <a:bodyPr>
+            <a:noAutofit/>
+          </a:bodyPr>
+          <a:lstStyle/>
+          <a:p>
+            <a:pPr marL="285750" indent="-285750">
+              <a:buFont typeface="Arial" charset="0"/>
+              <a:buChar char="•"/>
+            </a:pPr>
+            <a:r>
+              <a:rPr lang="en-US" sz="1800" dirty="0" smtClean="0"/>
+              <a:t>Most relevant skills for that position at top</a:t>
+            </a:r>
+            <a:endParaRPr lang="en-US" sz="1800" dirty="0"/>
+          </a:p>
+          <a:p>
+            <a:pPr marL="285750" indent="-285750">
+              <a:buFont typeface="Arial" charset="0"/>
+              <a:buChar char="•"/>
+            </a:pPr>
+            <a:r>
+              <a:rPr lang="en-US" sz="1800" dirty="0" smtClean="0"/>
+              <a:t>Use common words in job description</a:t>
+            </a:r>
+            <a:endParaRPr lang="en-US" sz="1800" dirty="0"/>
+          </a:p>
+          <a:p>
+            <a:pPr marL="285750" indent="-285750">
+              <a:buFont typeface="Arial" charset="0"/>
+              <a:buChar char="•"/>
+            </a:pPr>
+            <a:r>
+              <a:rPr lang="en-US" sz="1800" dirty="0"/>
+              <a:t>Name and contact information at the top</a:t>
+            </a:r>
+          </a:p>
+          <a:p>
+            <a:pPr marL="742950" lvl="1" indent="-285750">
+              <a:buFont typeface="Arial" charset="0"/>
+              <a:buChar char="•"/>
+            </a:pPr>
+            <a:r>
+              <a:rPr lang="en-US" sz="1600" dirty="0" smtClean="0"/>
+              <a:t>Email</a:t>
+            </a:r>
+            <a:r>
+              <a:rPr lang="en-US" sz="1600" dirty="0"/>
+              <a:t>, Phone, Address, </a:t>
+            </a:r>
+            <a:r>
+              <a:rPr lang="en-US" sz="1600" dirty="0" err="1"/>
+              <a:t>Github</a:t>
+            </a:r>
+            <a:r>
+              <a:rPr lang="en-US" sz="1600" dirty="0"/>
+              <a:t>, Portfolio</a:t>
+            </a:r>
+          </a:p>
+          <a:p>
+            <a:pPr marL="285750" indent="-285750">
+              <a:buFont typeface="Arial" charset="0"/>
+              <a:buChar char="•"/>
+            </a:pPr>
+            <a:r>
+              <a:rPr lang="en-US" sz="1800" dirty="0" smtClean="0"/>
+              <a:t>Education/Skills on </a:t>
+            </a:r>
+            <a:r>
+              <a:rPr lang="en-US" sz="1800" dirty="0"/>
+              <a:t>the side or the bottom</a:t>
+            </a:r>
+          </a:p>
+          <a:p>
+            <a:pPr marL="285750" indent="-285750">
+              <a:buFont typeface="Arial" charset="0"/>
+              <a:buChar char="•"/>
+            </a:pPr>
+            <a:r>
+              <a:rPr lang="en-US" sz="1800" dirty="0" smtClean="0"/>
+              <a:t>RELEVANT experiences</a:t>
+            </a:r>
+            <a:endParaRPr lang="en-US" sz="1800" dirty="0"/>
+          </a:p>
+          <a:p>
+            <a:pPr marL="742950" lvl="1" indent="-285750">
+              <a:buFont typeface="Arial" charset="0"/>
+              <a:buChar char="•"/>
+            </a:pPr>
+            <a:r>
+              <a:rPr lang="en-US" sz="1600" dirty="0"/>
+              <a:t>Position Title, Company, Dates </a:t>
+            </a:r>
+            <a:r>
+              <a:rPr lang="en-US" sz="1600" dirty="0" smtClean="0"/>
+              <a:t>of employment, Location</a:t>
+            </a:r>
+          </a:p>
+          <a:p>
+            <a:pPr marL="742950" lvl="1" indent="-285750">
+              <a:buFont typeface="Arial" charset="0"/>
+              <a:buChar char="•"/>
+            </a:pPr>
+            <a:r>
+              <a:rPr lang="en-US" sz="1600" dirty="0"/>
+              <a:t>R</a:t>
+            </a:r>
+            <a:r>
+              <a:rPr lang="en-US" sz="1600" dirty="0" smtClean="0"/>
+              <a:t>elated </a:t>
+            </a:r>
+            <a:r>
+              <a:rPr lang="en-US" sz="1600" dirty="0"/>
+              <a:t>R</a:t>
+            </a:r>
+            <a:r>
+              <a:rPr lang="en-US" sz="1600" dirty="0" smtClean="0"/>
+              <a:t>esponsibilities / accomplishments</a:t>
+            </a:r>
+            <a:endParaRPr lang="en-US" sz="1600" dirty="0"/>
+          </a:p>
+          <a:p>
+            <a:pPr marL="285750" indent="-285750">
+              <a:buFont typeface="Arial" charset="0"/>
+              <a:buChar char="•"/>
+            </a:pPr>
+            <a:r>
+              <a:rPr lang="en-US" sz="1800" dirty="0"/>
+              <a:t>Position best content at the top</a:t>
+            </a:r>
+          </a:p>
+          <a:p>
+            <a:pPr marL="285750" indent="-285750">
+              <a:buFont typeface="Arial" charset="0"/>
+              <a:buChar char="•"/>
+            </a:pPr>
+            <a:r>
+              <a:rPr lang="en-US" sz="1800" dirty="0"/>
+              <a:t>The proportion of page taken should represent the importance in the experience or the amount of time spent at a job</a:t>
+            </a:r>
+          </a:p>
+          <a:p>
+            <a:pPr marL="285750" indent="-285750">
+              <a:buFont typeface="Arial" charset="0"/>
+              <a:buChar char="•"/>
+            </a:pPr>
+            <a:endParaRPr lang="en-US" sz="1800" dirty="0"/>
+          </a:p>
+          <a:p>
+            <a:endParaRPr lang="en-US" sz="1800" dirty="0"/>
+          </a:p>
+        </p:txBody>
+      </p:sp>
+      <p:sp>
+        <p:nvSpPr>
+          <p:cNvPr id="4" name="Text Placeholder 3"/>
+          <p:cNvSpPr>
+            <a:spLocks noGrp="1"/>
+          </p:cNvSpPr>
+          <p:nvPr>
+            <p:ph type="body" sz="quarter" idx="3"/>
+          </p:nvPr>
+        </p:nvSpPr>
+        <p:spPr>
+          <a:xfrm>
+            <a:off x="6629400" y="942017"/>
+            <a:ext cx="4800600" cy="632529"/>
+          </a:xfrm>
+        </p:spPr>
+        <p:txBody>
+          <a:bodyPr/>
+          <a:lstStyle/>
+          <a:p>
+            <a:r>
+              <a:rPr lang="en-US" dirty="0" smtClean="0"/>
+              <a:t>Consistency</a:t>
+            </a:r>
+            <a:endParaRPr lang="en-US" dirty="0"/>
+          </a:p>
+        </p:txBody>
+      </p:sp>
+      <p:sp>
+        <p:nvSpPr>
+          <p:cNvPr id="6" name="Content Placeholder 5"/>
+          <p:cNvSpPr>
+            <a:spLocks noGrp="1"/>
+          </p:cNvSpPr>
+          <p:nvPr>
+            <p:ph sz="quarter" idx="4"/>
+          </p:nvPr>
+        </p:nvSpPr>
+        <p:spPr>
+          <a:xfrm>
+            <a:off x="6629400" y="1797083"/>
+            <a:ext cx="4800600" cy="5060917"/>
+          </a:xfrm>
+        </p:spPr>
+        <p:txBody>
+          <a:bodyPr>
+            <a:noAutofit/>
+          </a:bodyPr>
+          <a:lstStyle/>
+          <a:p>
+            <a:pPr marL="285750" indent="-285750">
+              <a:buFont typeface="Arial" charset="0"/>
+              <a:buChar char="•"/>
+            </a:pPr>
+            <a:r>
+              <a:rPr lang="en-US" sz="1800" dirty="0"/>
+              <a:t>Fonts</a:t>
+            </a:r>
+          </a:p>
+          <a:p>
+            <a:pPr marL="742950" lvl="1" indent="-285750">
+              <a:buFont typeface="Arial" charset="0"/>
+              <a:buChar char="•"/>
+            </a:pPr>
+            <a:r>
+              <a:rPr lang="en-US" dirty="0"/>
+              <a:t>Use the same </a:t>
+            </a:r>
+            <a:r>
+              <a:rPr lang="en-US" dirty="0" smtClean="0"/>
+              <a:t>font </a:t>
+            </a:r>
+            <a:r>
+              <a:rPr lang="en-US" dirty="0"/>
+              <a:t>for the same </a:t>
+            </a:r>
+            <a:r>
+              <a:rPr lang="en-US" dirty="0" smtClean="0"/>
+              <a:t>tasks</a:t>
+            </a:r>
+          </a:p>
+          <a:p>
+            <a:pPr marL="1200150" lvl="2" indent="-285750">
+              <a:buFont typeface="Arial" charset="0"/>
+              <a:buChar char="•"/>
+            </a:pPr>
+            <a:r>
+              <a:rPr lang="en-US" sz="1600" dirty="0" smtClean="0"/>
+              <a:t>One </a:t>
+            </a:r>
+            <a:r>
+              <a:rPr lang="en-US" sz="1600" dirty="0"/>
+              <a:t>font for headers / </a:t>
+            </a:r>
+            <a:r>
+              <a:rPr lang="en-US" sz="1600" dirty="0" smtClean="0"/>
+              <a:t>titles</a:t>
+            </a:r>
+          </a:p>
+          <a:p>
+            <a:pPr marL="1200150" lvl="2" indent="-285750">
+              <a:buFont typeface="Arial" charset="0"/>
+              <a:buChar char="•"/>
+            </a:pPr>
+            <a:r>
+              <a:rPr lang="en-US" dirty="0" smtClean="0"/>
+              <a:t>One </a:t>
+            </a:r>
+            <a:r>
+              <a:rPr lang="en-US" dirty="0"/>
+              <a:t>font for bullets / descriptions</a:t>
+            </a:r>
+          </a:p>
+          <a:p>
+            <a:pPr marL="742950" lvl="1" indent="-285750">
+              <a:buFont typeface="Arial" charset="0"/>
+              <a:buChar char="•"/>
+            </a:pPr>
+            <a:r>
+              <a:rPr lang="en-US" dirty="0"/>
+              <a:t>Keep the font size the </a:t>
+            </a:r>
+            <a:r>
+              <a:rPr lang="en-US" dirty="0" smtClean="0"/>
+              <a:t>same</a:t>
+            </a:r>
+            <a:endParaRPr lang="en-US" dirty="0"/>
+          </a:p>
+          <a:p>
+            <a:pPr marL="285750" indent="-285750">
+              <a:buFont typeface="Arial" charset="0"/>
+              <a:buChar char="•"/>
+            </a:pPr>
+            <a:r>
+              <a:rPr lang="en-US" sz="1800" dirty="0" smtClean="0"/>
+              <a:t>All wording of same type should be the same.</a:t>
+            </a:r>
+          </a:p>
+          <a:p>
+            <a:pPr marL="742950" lvl="1" indent="-285750">
+              <a:buFont typeface="Arial" charset="0"/>
+              <a:buChar char="•"/>
+            </a:pPr>
+            <a:r>
+              <a:rPr lang="en-US" sz="1600" dirty="0" smtClean="0"/>
+              <a:t>If one job title is underlined, all job titles are underlined</a:t>
+            </a:r>
+          </a:p>
+          <a:p>
+            <a:pPr marL="285750" indent="-285750">
+              <a:buFont typeface="Arial" charset="0"/>
+              <a:buChar char="•"/>
+            </a:pPr>
+            <a:r>
+              <a:rPr lang="en-US" sz="1800" dirty="0" smtClean="0"/>
+              <a:t>Use </a:t>
+            </a:r>
+            <a:r>
+              <a:rPr lang="en-US" sz="1800" dirty="0"/>
+              <a:t>the same bullets throughout the whole resume</a:t>
+            </a:r>
+          </a:p>
+          <a:p>
+            <a:pPr marL="285750" indent="-285750">
+              <a:buFont typeface="Arial" charset="0"/>
+              <a:buChar char="•"/>
+            </a:pPr>
+            <a:r>
+              <a:rPr lang="en-US" sz="1800" dirty="0"/>
+              <a:t>Decide whether you are using periods or not</a:t>
+            </a:r>
+          </a:p>
+          <a:p>
+            <a:pPr marL="285750" indent="-285750">
+              <a:buFont typeface="Arial" charset="0"/>
+              <a:buChar char="•"/>
+            </a:pPr>
+            <a:r>
+              <a:rPr lang="en-US" sz="1800" dirty="0"/>
+              <a:t>Keep all tenses the same (IN THE PAST)</a:t>
+            </a:r>
+          </a:p>
+          <a:p>
+            <a:endParaRPr lang="en-US" sz="1800" dirty="0"/>
           </a:p>
         </p:txBody>
       </p:sp>
     </p:spTree>
     <p:extLst>
       <p:ext uri="{BB962C8B-B14F-4D97-AF65-F5344CB8AC3E}">
-        <p14:creationId xmlns:p14="http://schemas.microsoft.com/office/powerpoint/2010/main" val="1838135563"/>
+        <p14:creationId xmlns:p14="http://schemas.microsoft.com/office/powerpoint/2010/main" val="1978493926"/>
       </p:ext>
     </p:extLst>
   </p:cSld>

--- a/Job_Stuff/Jng_Job_Prezzie.pptx
+++ b/Job_Stuff/Jng_Job_Prezzie.pptx
@@ -6,25 +6,26 @@
   </p:sldMasterIdLst>
   <p:sldIdLst>
     <p:sldId id="256" r:id="rId2"/>
-    <p:sldId id="257" r:id="rId3"/>
-    <p:sldId id="258" r:id="rId4"/>
-    <p:sldId id="260" r:id="rId5"/>
-    <p:sldId id="259" r:id="rId6"/>
-    <p:sldId id="261" r:id="rId7"/>
-    <p:sldId id="271" r:id="rId8"/>
-    <p:sldId id="272" r:id="rId9"/>
-    <p:sldId id="273" r:id="rId10"/>
-    <p:sldId id="274" r:id="rId11"/>
-    <p:sldId id="275" r:id="rId12"/>
-    <p:sldId id="262" r:id="rId13"/>
-    <p:sldId id="264" r:id="rId14"/>
-    <p:sldId id="263" r:id="rId15"/>
-    <p:sldId id="265" r:id="rId16"/>
-    <p:sldId id="266" r:id="rId17"/>
-    <p:sldId id="267" r:id="rId18"/>
-    <p:sldId id="268" r:id="rId19"/>
-    <p:sldId id="269" r:id="rId20"/>
-    <p:sldId id="270" r:id="rId21"/>
+    <p:sldId id="277" r:id="rId3"/>
+    <p:sldId id="276" r:id="rId4"/>
+    <p:sldId id="258" r:id="rId5"/>
+    <p:sldId id="260" r:id="rId6"/>
+    <p:sldId id="259" r:id="rId7"/>
+    <p:sldId id="261" r:id="rId8"/>
+    <p:sldId id="271" r:id="rId9"/>
+    <p:sldId id="272" r:id="rId10"/>
+    <p:sldId id="273" r:id="rId11"/>
+    <p:sldId id="274" r:id="rId12"/>
+    <p:sldId id="275" r:id="rId13"/>
+    <p:sldId id="262" r:id="rId14"/>
+    <p:sldId id="264" r:id="rId15"/>
+    <p:sldId id="263" r:id="rId16"/>
+    <p:sldId id="265" r:id="rId17"/>
+    <p:sldId id="266" r:id="rId18"/>
+    <p:sldId id="267" r:id="rId19"/>
+    <p:sldId id="268" r:id="rId20"/>
+    <p:sldId id="269" r:id="rId21"/>
+    <p:sldId id="270" r:id="rId22"/>
   </p:sldIdLst>
   <p:sldSz cx="12192000" cy="6858000"/>
   <p:notesSz cx="6858000" cy="9144000"/>
@@ -6872,13 +6873,13 @@
             <a:spLocks noGrp="1"/>
           </p:cNvSpPr>
           <p:nvPr>
-            <p:ph type="title" idx="4294967295"/>
+            <p:ph type="title"/>
           </p:nvPr>
         </p:nvSpPr>
         <p:spPr>
           <a:xfrm>
-            <a:off x="981319" y="422031"/>
-            <a:ext cx="10179050" cy="832338"/>
+            <a:off x="1257300" y="148581"/>
+            <a:ext cx="10172700" cy="793436"/>
           </a:xfrm>
         </p:spPr>
         <p:txBody>
@@ -6888,7 +6889,7 @@
             <a:pPr algn="ctr"/>
             <a:r>
               <a:rPr lang="en-US" b="1" u="sng" dirty="0" smtClean="0"/>
-              <a:t>Describing Your Byte experience</a:t>
+              <a:t>Organization and consistency</a:t>
             </a:r>
             <a:endParaRPr lang="en-US" b="1" u="sng" dirty="0"/>
           </a:p>
@@ -6896,23 +6897,51 @@
       </p:sp>
       <p:sp>
         <p:nvSpPr>
-          <p:cNvPr id="8" name="TextBox 7"/>
-          <p:cNvSpPr txBox="1"/>
-          <p:nvPr/>
+          <p:cNvPr id="2" name="Text Placeholder 1"/>
+          <p:cNvSpPr>
+            <a:spLocks noGrp="1"/>
+          </p:cNvSpPr>
+          <p:nvPr>
+            <p:ph type="body" idx="1"/>
+          </p:nvPr>
         </p:nvSpPr>
         <p:spPr>
           <a:xfrm>
-            <a:off x="981319" y="1646179"/>
-            <a:ext cx="10905881" cy="3046988"/>
+            <a:off x="1257300" y="944456"/>
+            <a:ext cx="4800600" cy="632529"/>
           </a:xfrm>
-          <a:prstGeom prst="rect">
-            <a:avLst/>
-          </a:prstGeom>
-          <a:noFill/>
         </p:spPr>
         <p:txBody>
-          <a:bodyPr wrap="square" rtlCol="0">
-            <a:spAutoFit/>
+          <a:bodyPr/>
+          <a:lstStyle/>
+          <a:p>
+            <a:r>
+              <a:rPr lang="en-US" dirty="0" smtClean="0"/>
+              <a:t>Organization</a:t>
+            </a:r>
+            <a:endParaRPr lang="en-US" dirty="0"/>
+          </a:p>
+        </p:txBody>
+      </p:sp>
+      <p:sp>
+        <p:nvSpPr>
+          <p:cNvPr id="3" name="Content Placeholder 2"/>
+          <p:cNvSpPr>
+            <a:spLocks noGrp="1"/>
+          </p:cNvSpPr>
+          <p:nvPr>
+            <p:ph sz="half" idx="2"/>
+          </p:nvPr>
+        </p:nvSpPr>
+        <p:spPr>
+          <a:xfrm>
+            <a:off x="1257300" y="1797083"/>
+            <a:ext cx="4800600" cy="5060917"/>
+          </a:xfrm>
+        </p:spPr>
+        <p:txBody>
+          <a:bodyPr>
+            <a:noAutofit/>
           </a:bodyPr>
           <a:lstStyle/>
           <a:p>
@@ -6921,8 +6950,30 @@
               <a:buChar char="•"/>
             </a:pPr>
             <a:r>
-              <a:rPr lang="en-US" sz="2400" dirty="0" smtClean="0"/>
-              <a:t>How can we appeal to a broad range of readers? It could be a:</a:t>
+              <a:rPr lang="en-US" sz="1800" dirty="0" smtClean="0"/>
+              <a:t>Most relevant skills for that position at top</a:t>
+            </a:r>
+            <a:endParaRPr lang="en-US" sz="1800" dirty="0"/>
+          </a:p>
+          <a:p>
+            <a:pPr marL="285750" indent="-285750">
+              <a:buFont typeface="Arial" charset="0"/>
+              <a:buChar char="•"/>
+            </a:pPr>
+            <a:r>
+              <a:rPr lang="en-US" sz="1800" dirty="0" smtClean="0"/>
+              <a:t>Use common words in job description</a:t>
+            </a:r>
+            <a:endParaRPr lang="en-US" sz="1800" dirty="0"/>
+          </a:p>
+          <a:p>
+            <a:pPr marL="285750" indent="-285750">
+              <a:buFont typeface="Arial" charset="0"/>
+              <a:buChar char="•"/>
+            </a:pPr>
+            <a:r>
+              <a:rPr lang="en-US" sz="1800" dirty="0"/>
+              <a:t>Name and contact information at the top</a:t>
             </a:r>
           </a:p>
           <a:p>
@@ -6931,16 +6982,83 @@
               <a:buChar char="•"/>
             </a:pPr>
             <a:r>
-              <a:rPr lang="en-US" sz="2400" dirty="0" smtClean="0"/>
-              <a:t>HR administrator, technical recruiter, or a developer</a:t>
-            </a:r>
+              <a:rPr lang="en-US" sz="1600" dirty="0" smtClean="0"/>
+              <a:t>Email</a:t>
+            </a:r>
+            <a:r>
+              <a:rPr lang="en-US" sz="1600" dirty="0"/>
+              <a:t>, Phone, Address, </a:t>
+            </a:r>
+            <a:r>
+              <a:rPr lang="en-US" sz="1600" dirty="0" err="1"/>
+              <a:t>Github</a:t>
+            </a:r>
+            <a:r>
+              <a:rPr lang="en-US" sz="1600" dirty="0"/>
+              <a:t>, Portfolio</a:t>
+            </a:r>
+          </a:p>
+          <a:p>
+            <a:pPr marL="285750" indent="-285750">
+              <a:buFont typeface="Arial" charset="0"/>
+              <a:buChar char="•"/>
+            </a:pPr>
+            <a:r>
+              <a:rPr lang="en-US" sz="1800" dirty="0" smtClean="0"/>
+              <a:t>Education/Skills on </a:t>
+            </a:r>
+            <a:r>
+              <a:rPr lang="en-US" sz="1800" dirty="0"/>
+              <a:t>the side or the bottom</a:t>
+            </a:r>
+          </a:p>
+          <a:p>
+            <a:pPr marL="285750" indent="-285750">
+              <a:buFont typeface="Arial" charset="0"/>
+              <a:buChar char="•"/>
+            </a:pPr>
+            <a:r>
+              <a:rPr lang="en-US" sz="1800" dirty="0" smtClean="0"/>
+              <a:t>RELEVANT experiences</a:t>
+            </a:r>
+            <a:endParaRPr lang="en-US" sz="1800" dirty="0"/>
           </a:p>
           <a:p>
             <a:pPr marL="742950" lvl="1" indent="-285750">
               <a:buFont typeface="Arial" charset="0"/>
               <a:buChar char="•"/>
             </a:pPr>
-            <a:endParaRPr lang="en-US" sz="2400" dirty="0" smtClean="0"/>
+            <a:r>
+              <a:rPr lang="en-US" sz="1600" dirty="0"/>
+              <a:t>Position Title, Company, Dates </a:t>
+            </a:r>
+            <a:r>
+              <a:rPr lang="en-US" sz="1600" dirty="0" smtClean="0"/>
+              <a:t>of employment, Location</a:t>
+            </a:r>
+          </a:p>
+          <a:p>
+            <a:pPr marL="742950" lvl="1" indent="-285750">
+              <a:buFont typeface="Arial" charset="0"/>
+              <a:buChar char="•"/>
+            </a:pPr>
+            <a:r>
+              <a:rPr lang="en-US" sz="1600" dirty="0"/>
+              <a:t>R</a:t>
+            </a:r>
+            <a:r>
+              <a:rPr lang="en-US" sz="1600" dirty="0" smtClean="0"/>
+              <a:t>elated </a:t>
+            </a:r>
+            <a:r>
+              <a:rPr lang="en-US" sz="1600" dirty="0"/>
+              <a:t>R</a:t>
+            </a:r>
+            <a:r>
+              <a:rPr lang="en-US" sz="1600" dirty="0" smtClean="0"/>
+              <a:t>esponsibilities / accomplishments</a:t>
+            </a:r>
+            <a:endParaRPr lang="en-US" sz="1600" dirty="0"/>
           </a:p>
           <a:p>
             <a:pPr marL="285750" indent="-285750">
@@ -6948,12 +7066,9 @@
               <a:buChar char="•"/>
             </a:pPr>
             <a:r>
-              <a:rPr lang="en-US" sz="2400" dirty="0" smtClean="0"/>
-              <a:t>You’ll want to keep your bullets short and to the point</a:t>
-            </a:r>
-          </a:p>
-          <a:p>
-            <a:endParaRPr lang="en-US" sz="2400" dirty="0" smtClean="0"/>
+              <a:rPr lang="en-US" sz="1800" dirty="0"/>
+              <a:t>Position best content at the top</a:t>
+            </a:r>
           </a:p>
           <a:p>
             <a:pPr marL="285750" indent="-285750">
@@ -6961,14 +7076,79 @@
               <a:buChar char="•"/>
             </a:pPr>
             <a:r>
-              <a:rPr lang="en-US" sz="2400" dirty="0" smtClean="0"/>
-              <a:t>Action Verb </a:t>
-            </a:r>
-            <a:r>
-              <a:rPr lang="en-US" sz="2400" dirty="0" smtClean="0">
-                <a:sym typeface="Wingdings"/>
-              </a:rPr>
-              <a:t> What You Did  How You Did It</a:t>
+              <a:rPr lang="en-US" sz="1800" dirty="0"/>
+              <a:t>The proportion of page taken should represent the importance in the experience or the amount of time spent at a job</a:t>
+            </a:r>
+          </a:p>
+          <a:p>
+            <a:pPr marL="285750" indent="-285750">
+              <a:buFont typeface="Arial" charset="0"/>
+              <a:buChar char="•"/>
+            </a:pPr>
+            <a:endParaRPr lang="en-US" sz="1800" dirty="0"/>
+          </a:p>
+          <a:p>
+            <a:endParaRPr lang="en-US" sz="1800" dirty="0"/>
+          </a:p>
+        </p:txBody>
+      </p:sp>
+      <p:sp>
+        <p:nvSpPr>
+          <p:cNvPr id="4" name="Text Placeholder 3"/>
+          <p:cNvSpPr>
+            <a:spLocks noGrp="1"/>
+          </p:cNvSpPr>
+          <p:nvPr>
+            <p:ph type="body" sz="quarter" idx="3"/>
+          </p:nvPr>
+        </p:nvSpPr>
+        <p:spPr>
+          <a:xfrm>
+            <a:off x="6629400" y="942017"/>
+            <a:ext cx="4800600" cy="632529"/>
+          </a:xfrm>
+        </p:spPr>
+        <p:txBody>
+          <a:bodyPr/>
+          <a:lstStyle/>
+          <a:p>
+            <a:r>
+              <a:rPr lang="en-US" dirty="0" smtClean="0"/>
+              <a:t>Consistency</a:t>
+            </a:r>
+            <a:endParaRPr lang="en-US" dirty="0"/>
+          </a:p>
+        </p:txBody>
+      </p:sp>
+      <p:sp>
+        <p:nvSpPr>
+          <p:cNvPr id="6" name="Content Placeholder 5"/>
+          <p:cNvSpPr>
+            <a:spLocks noGrp="1"/>
+          </p:cNvSpPr>
+          <p:nvPr>
+            <p:ph sz="quarter" idx="4"/>
+          </p:nvPr>
+        </p:nvSpPr>
+        <p:spPr>
+          <a:xfrm>
+            <a:off x="6629400" y="1797083"/>
+            <a:ext cx="4800600" cy="5060917"/>
+          </a:xfrm>
+        </p:spPr>
+        <p:txBody>
+          <a:bodyPr>
+            <a:noAutofit/>
+          </a:bodyPr>
+          <a:lstStyle/>
+          <a:p>
+            <a:pPr marL="285750" indent="-285750">
+              <a:buFont typeface="Arial" charset="0"/>
+              <a:buChar char="•"/>
+            </a:pPr>
+            <a:r>
+              <a:rPr lang="en-US" sz="1800" dirty="0"/>
+              <a:t>Fonts</a:t>
             </a:r>
           </a:p>
           <a:p>
@@ -6977,46 +7157,52 @@
               <a:buChar char="•"/>
             </a:pPr>
             <a:r>
-              <a:rPr lang="en-US" sz="2400" dirty="0" smtClean="0">
-                <a:sym typeface="Wingdings"/>
-              </a:rPr>
-              <a:t>“Developed a </a:t>
-            </a:r>
-            <a:r>
-              <a:rPr lang="en-US" sz="2400" dirty="0" err="1" smtClean="0">
-                <a:sym typeface="Wingdings"/>
-              </a:rPr>
-              <a:t>RESTful</a:t>
-            </a:r>
-            <a:r>
-              <a:rPr lang="en-US" sz="2400" dirty="0" smtClean="0">
-                <a:sym typeface="Wingdings"/>
-              </a:rPr>
-              <a:t> whiskey </a:t>
-            </a:r>
-            <a:r>
-              <a:rPr lang="en-US" sz="2400" dirty="0" err="1" smtClean="0">
-                <a:sym typeface="Wingdings"/>
-              </a:rPr>
-              <a:t>api</a:t>
-            </a:r>
-            <a:r>
-              <a:rPr lang="en-US" sz="2400" dirty="0" smtClean="0">
-                <a:sym typeface="Wingdings"/>
-              </a:rPr>
-              <a:t> using </a:t>
-            </a:r>
-            <a:r>
-              <a:rPr lang="en-US" sz="2400" dirty="0" err="1" smtClean="0">
-                <a:sym typeface="Wingdings"/>
-              </a:rPr>
-              <a:t>Express.js</a:t>
-            </a:r>
-            <a:r>
-              <a:rPr lang="en-US" sz="2400" dirty="0" smtClean="0">
-                <a:sym typeface="Wingdings"/>
-              </a:rPr>
-              <a:t>, and SQLite3”</a:t>
+              <a:rPr lang="en-US" dirty="0"/>
+              <a:t>Use the same </a:t>
+            </a:r>
+            <a:r>
+              <a:rPr lang="en-US" dirty="0" smtClean="0"/>
+              <a:t>font </a:t>
+            </a:r>
+            <a:r>
+              <a:rPr lang="en-US" dirty="0"/>
+              <a:t>for the same </a:t>
+            </a:r>
+            <a:r>
+              <a:rPr lang="en-US" dirty="0" smtClean="0"/>
+              <a:t>tasks</a:t>
+            </a:r>
+          </a:p>
+          <a:p>
+            <a:pPr marL="1200150" lvl="2" indent="-285750">
+              <a:buFont typeface="Arial" charset="0"/>
+              <a:buChar char="•"/>
+            </a:pPr>
+            <a:r>
+              <a:rPr lang="en-US" sz="1600" dirty="0" smtClean="0"/>
+              <a:t>One </a:t>
+            </a:r>
+            <a:r>
+              <a:rPr lang="en-US" sz="1600" dirty="0"/>
+              <a:t>font for headers / </a:t>
+            </a:r>
+            <a:r>
+              <a:rPr lang="en-US" sz="1600" dirty="0" smtClean="0"/>
+              <a:t>titles</a:t>
+            </a:r>
+          </a:p>
+          <a:p>
+            <a:pPr marL="1200150" lvl="2" indent="-285750">
+              <a:buFont typeface="Arial" charset="0"/>
+              <a:buChar char="•"/>
+            </a:pPr>
+            <a:r>
+              <a:rPr lang="en-US" dirty="0" smtClean="0"/>
+              <a:t>One </a:t>
+            </a:r>
+            <a:r>
+              <a:rPr lang="en-US" dirty="0"/>
+              <a:t>font for bullets / descriptions</a:t>
             </a:r>
           </a:p>
           <a:p>
@@ -7025,42 +7211,78 @@
               <a:buChar char="•"/>
             </a:pPr>
             <a:r>
-              <a:rPr lang="en-US" sz="2400" dirty="0" smtClean="0">
-                <a:sym typeface="Wingdings"/>
-              </a:rPr>
-              <a:t>“Built a chat application using </a:t>
-            </a:r>
-            <a:r>
-              <a:rPr lang="en-US" sz="2400" dirty="0" err="1" smtClean="0">
-                <a:sym typeface="Wingdings"/>
-              </a:rPr>
-              <a:t>Socket.io</a:t>
-            </a:r>
-            <a:r>
-              <a:rPr lang="en-US" sz="2400" dirty="0" smtClean="0">
-                <a:sym typeface="Wingdings"/>
-              </a:rPr>
-              <a:t>, </a:t>
-            </a:r>
-            <a:r>
-              <a:rPr lang="en-US" sz="2400" dirty="0" err="1" smtClean="0">
-                <a:sym typeface="Wingdings"/>
-              </a:rPr>
-              <a:t>Django</a:t>
-            </a:r>
-            <a:r>
-              <a:rPr lang="en-US" sz="2400" dirty="0" smtClean="0">
-                <a:sym typeface="Wingdings"/>
-              </a:rPr>
-              <a:t>, Html, CSS, jQuery”</a:t>
-            </a:r>
+              <a:rPr lang="en-US" dirty="0"/>
+              <a:t>Keep the font size the </a:t>
+            </a:r>
+            <a:r>
+              <a:rPr lang="en-US" dirty="0" smtClean="0"/>
+              <a:t>same</a:t>
+            </a:r>
+            <a:endParaRPr lang="en-US" dirty="0"/>
+          </a:p>
+          <a:p>
+            <a:pPr marL="285750" indent="-285750">
+              <a:buFont typeface="Arial" charset="0"/>
+              <a:buChar char="•"/>
+            </a:pPr>
+            <a:r>
+              <a:rPr lang="en-US" sz="1800" dirty="0" smtClean="0"/>
+              <a:t>All wording of same type should be the same.</a:t>
+            </a:r>
+          </a:p>
+          <a:p>
+            <a:pPr marL="742950" lvl="1" indent="-285750">
+              <a:buFont typeface="Arial" charset="0"/>
+              <a:buChar char="•"/>
+            </a:pPr>
+            <a:r>
+              <a:rPr lang="en-US" sz="1600" dirty="0" smtClean="0"/>
+              <a:t>If one job title is underlined, all job titles are underlined</a:t>
+            </a:r>
+          </a:p>
+          <a:p>
+            <a:pPr marL="285750" indent="-285750">
+              <a:buFont typeface="Arial" charset="0"/>
+              <a:buChar char="•"/>
+            </a:pPr>
+            <a:r>
+              <a:rPr lang="en-US" sz="1800" dirty="0" smtClean="0"/>
+              <a:t>Use </a:t>
+            </a:r>
+            <a:r>
+              <a:rPr lang="en-US" sz="1800" dirty="0"/>
+              <a:t>the same bullets throughout the whole resume</a:t>
+            </a:r>
+          </a:p>
+          <a:p>
+            <a:pPr marL="285750" indent="-285750">
+              <a:buFont typeface="Arial" charset="0"/>
+              <a:buChar char="•"/>
+            </a:pPr>
+            <a:r>
+              <a:rPr lang="en-US" sz="1800" dirty="0"/>
+              <a:t>Decide whether you are using periods or not</a:t>
+            </a:r>
+          </a:p>
+          <a:p>
+            <a:pPr marL="285750" indent="-285750">
+              <a:buFont typeface="Arial" charset="0"/>
+              <a:buChar char="•"/>
+            </a:pPr>
+            <a:r>
+              <a:rPr lang="en-US" sz="1800" dirty="0"/>
+              <a:t>Keep all tenses the same (IN THE PAST)</a:t>
+            </a:r>
+          </a:p>
+          <a:p>
+            <a:endParaRPr lang="en-US" sz="1800" dirty="0"/>
           </a:p>
         </p:txBody>
       </p:sp>
     </p:spTree>
     <p:extLst>
       <p:ext uri="{BB962C8B-B14F-4D97-AF65-F5344CB8AC3E}">
-        <p14:creationId xmlns:p14="http://schemas.microsoft.com/office/powerpoint/2010/main" val="1960792992"/>
+        <p14:creationId xmlns:p14="http://schemas.microsoft.com/office/powerpoint/2010/main" val="1978493926"/>
       </p:ext>
     </p:extLst>
   </p:cSld>
@@ -7104,15 +7326,13 @@
           </a:xfrm>
         </p:spPr>
         <p:txBody>
-          <a:bodyPr>
-            <a:normAutofit fontScale="90000"/>
-          </a:bodyPr>
+          <a:bodyPr/>
           <a:lstStyle/>
           <a:p>
             <a:pPr algn="ctr"/>
             <a:r>
               <a:rPr lang="en-US" b="1" u="sng" dirty="0" smtClean="0"/>
-              <a:t>Describing Your non-technical experience</a:t>
+              <a:t>Describing Your Byte experience</a:t>
             </a:r>
             <a:endParaRPr lang="en-US" b="1" u="sng" dirty="0"/>
           </a:p>
@@ -7126,8 +7346,8 @@
         </p:nvSpPr>
         <p:spPr>
           <a:xfrm>
-            <a:off x="981319" y="2270648"/>
-            <a:ext cx="10905881" cy="4154984"/>
+            <a:off x="981319" y="1646179"/>
+            <a:ext cx="10905881" cy="3046988"/>
           </a:xfrm>
           <a:prstGeom prst="rect">
             <a:avLst/>
@@ -7140,33 +7360,13 @@
           </a:bodyPr>
           <a:lstStyle/>
           <a:p>
-            <a:pPr marL="342900" indent="-342900">
-              <a:buFont typeface="Arial" charset="0"/>
-              <a:buChar char="•"/>
-            </a:pPr>
-            <a:r>
-              <a:rPr lang="en-US" sz="2400" dirty="0" smtClean="0"/>
-              <a:t>Keep bullets short</a:t>
-            </a:r>
-          </a:p>
-          <a:p>
-            <a:pPr marL="342900" indent="-342900">
-              <a:buFont typeface="Arial" charset="0"/>
-              <a:buChar char="•"/>
-            </a:pPr>
-            <a:r>
-              <a:rPr lang="en-US" sz="2400" dirty="0" smtClean="0"/>
-              <a:t>Use numbers wherever possible</a:t>
-            </a:r>
-          </a:p>
-          <a:p>
             <a:pPr marL="285750" indent="-285750">
               <a:buFont typeface="Arial" charset="0"/>
               <a:buChar char="•"/>
             </a:pPr>
             <a:r>
               <a:rPr lang="en-US" sz="2400" dirty="0" smtClean="0"/>
-              <a:t>Describe your experience using an action tense. Do not describe them based on your “duties” or “responsibilities”</a:t>
+              <a:t>How can we appeal to a broad range of readers? It could be a:</a:t>
             </a:r>
           </a:p>
           <a:p>
@@ -7176,34 +7376,15 @@
             </a:pPr>
             <a:r>
               <a:rPr lang="en-US" sz="2400" dirty="0" smtClean="0"/>
-              <a:t>DO NOT! </a:t>
-            </a:r>
-            <a:r>
-              <a:rPr lang="en-US" sz="2400" dirty="0" smtClean="0">
-                <a:sym typeface="Wingdings"/>
-              </a:rPr>
-              <a:t></a:t>
-            </a:r>
-            <a:r>
-              <a:rPr lang="en-US" sz="2400" dirty="0" smtClean="0"/>
-              <a:t> “Responsible for building the </a:t>
-            </a:r>
-            <a:r>
-              <a:rPr lang="en-US" sz="2400" dirty="0" err="1" smtClean="0"/>
-              <a:t>api</a:t>
-            </a:r>
-            <a:r>
-              <a:rPr lang="en-US" sz="2400" dirty="0" smtClean="0"/>
-              <a:t> for a </a:t>
-            </a:r>
-            <a:r>
-              <a:rPr lang="en-US" sz="2400" dirty="0" err="1" smtClean="0"/>
-              <a:t>Django</a:t>
-            </a:r>
-            <a:r>
-              <a:rPr lang="en-US" sz="2400" dirty="0" smtClean="0"/>
-              <a:t> application about cars”</a:t>
-            </a:r>
+              <a:t>HR administrator, technical recruiter, or a developer</a:t>
+            </a:r>
+          </a:p>
+          <a:p>
+            <a:pPr marL="742950" lvl="1" indent="-285750">
+              <a:buFont typeface="Arial" charset="0"/>
+              <a:buChar char="•"/>
+            </a:pPr>
+            <a:endParaRPr lang="en-US" sz="2400" dirty="0" smtClean="0"/>
           </a:p>
           <a:p>
             <a:pPr marL="285750" indent="-285750">
@@ -7212,6 +7393,19 @@
             </a:pPr>
             <a:r>
               <a:rPr lang="en-US" sz="2400" dirty="0" smtClean="0"/>
+              <a:t>You’ll want to keep your bullets short and to the point</a:t>
+            </a:r>
+          </a:p>
+          <a:p>
+            <a:endParaRPr lang="en-US" sz="2400" dirty="0" smtClean="0"/>
+          </a:p>
+          <a:p>
+            <a:pPr marL="285750" indent="-285750">
+              <a:buFont typeface="Arial" charset="0"/>
+              <a:buChar char="•"/>
+            </a:pPr>
+            <a:r>
+              <a:rPr lang="en-US" sz="2400" dirty="0" smtClean="0"/>
               <a:t>Action Verb </a:t>
             </a:r>
             <a:r>
@@ -7230,19 +7424,43 @@
               <a:rPr lang="en-US" sz="2400" dirty="0" smtClean="0">
                 <a:sym typeface="Wingdings"/>
               </a:rPr>
-              <a:t>“Implemented a CMS workflow that targeted At Risk Students within one month of the </a:t>
+              <a:t>“Developed a </a:t>
             </a:r>
             <a:r>
               <a:rPr lang="en-US" sz="2400" dirty="0" err="1" smtClean="0">
                 <a:sym typeface="Wingdings"/>
               </a:rPr>
-              <a:t>symester</a:t>
+              <a:t>RESTful</a:t>
             </a:r>
             <a:r>
               <a:rPr lang="en-US" sz="2400" dirty="0" smtClean="0">
                 <a:sym typeface="Wingdings"/>
               </a:rPr>
-              <a:t>”</a:t>
+              <a:t> whiskey </a:t>
+            </a:r>
+            <a:r>
+              <a:rPr lang="en-US" sz="2400" dirty="0" err="1" smtClean="0">
+                <a:sym typeface="Wingdings"/>
+              </a:rPr>
+              <a:t>api</a:t>
+            </a:r>
+            <a:r>
+              <a:rPr lang="en-US" sz="2400" dirty="0" smtClean="0">
+                <a:sym typeface="Wingdings"/>
+              </a:rPr>
+              <a:t> using </a:t>
+            </a:r>
+            <a:r>
+              <a:rPr lang="en-US" sz="2400" dirty="0" err="1" smtClean="0">
+                <a:sym typeface="Wingdings"/>
+              </a:rPr>
+              <a:t>Express.js</a:t>
+            </a:r>
+            <a:r>
+              <a:rPr lang="en-US" sz="2400" dirty="0" smtClean="0">
+                <a:sym typeface="Wingdings"/>
+              </a:rPr>
+              <a:t>, and SQLite3”</a:t>
             </a:r>
           </a:p>
           <a:p>
@@ -7254,7 +7472,31 @@
               <a:rPr lang="en-US" sz="2400" dirty="0" smtClean="0">
                 <a:sym typeface="Wingdings"/>
               </a:rPr>
-              <a:t>“Developed advisement survey system that increased retention of first year students by 30%”</a:t>
+              <a:t>“Built a chat application using </a:t>
+            </a:r>
+            <a:r>
+              <a:rPr lang="en-US" sz="2400" dirty="0" err="1" smtClean="0">
+                <a:sym typeface="Wingdings"/>
+              </a:rPr>
+              <a:t>Socket.io</a:t>
+            </a:r>
+            <a:r>
+              <a:rPr lang="en-US" sz="2400" dirty="0" smtClean="0">
+                <a:sym typeface="Wingdings"/>
+              </a:rPr>
+              <a:t>, </a:t>
+            </a:r>
+            <a:r>
+              <a:rPr lang="en-US" sz="2400" dirty="0" err="1" smtClean="0">
+                <a:sym typeface="Wingdings"/>
+              </a:rPr>
+              <a:t>Django</a:t>
+            </a:r>
+            <a:r>
+              <a:rPr lang="en-US" sz="2400" dirty="0" smtClean="0">
+                <a:sym typeface="Wingdings"/>
+              </a:rPr>
+              <a:t>, Html, CSS, jQuery”</a:t>
             </a:r>
           </a:p>
         </p:txBody>
@@ -7262,7 +7504,7 @@
     </p:spTree>
     <p:extLst>
       <p:ext uri="{BB962C8B-B14F-4D97-AF65-F5344CB8AC3E}">
-        <p14:creationId xmlns:p14="http://schemas.microsoft.com/office/powerpoint/2010/main" val="1683157630"/>
+        <p14:creationId xmlns:p14="http://schemas.microsoft.com/office/powerpoint/2010/main" val="1960792992"/>
       </p:ext>
     </p:extLst>
   </p:cSld>
@@ -7291,6 +7533,208 @@
       </p:grpSpPr>
       <p:sp>
         <p:nvSpPr>
+          <p:cNvPr id="5" name="Title 4"/>
+          <p:cNvSpPr>
+            <a:spLocks noGrp="1"/>
+          </p:cNvSpPr>
+          <p:nvPr>
+            <p:ph type="title" idx="4294967295"/>
+          </p:nvPr>
+        </p:nvSpPr>
+        <p:spPr>
+          <a:xfrm>
+            <a:off x="981319" y="422031"/>
+            <a:ext cx="10179050" cy="832338"/>
+          </a:xfrm>
+        </p:spPr>
+        <p:txBody>
+          <a:bodyPr>
+            <a:normAutofit fontScale="90000"/>
+          </a:bodyPr>
+          <a:lstStyle/>
+          <a:p>
+            <a:pPr algn="ctr"/>
+            <a:r>
+              <a:rPr lang="en-US" b="1" u="sng" dirty="0" smtClean="0"/>
+              <a:t>Describing Your non-technical experience</a:t>
+            </a:r>
+            <a:endParaRPr lang="en-US" b="1" u="sng" dirty="0"/>
+          </a:p>
+        </p:txBody>
+      </p:sp>
+      <p:sp>
+        <p:nvSpPr>
+          <p:cNvPr id="8" name="TextBox 7"/>
+          <p:cNvSpPr txBox="1"/>
+          <p:nvPr/>
+        </p:nvSpPr>
+        <p:spPr>
+          <a:xfrm>
+            <a:off x="981319" y="2270648"/>
+            <a:ext cx="10905881" cy="4154984"/>
+          </a:xfrm>
+          <a:prstGeom prst="rect">
+            <a:avLst/>
+          </a:prstGeom>
+          <a:noFill/>
+        </p:spPr>
+        <p:txBody>
+          <a:bodyPr wrap="square" rtlCol="0">
+            <a:spAutoFit/>
+          </a:bodyPr>
+          <a:lstStyle/>
+          <a:p>
+            <a:pPr marL="342900" indent="-342900">
+              <a:buFont typeface="Arial" charset="0"/>
+              <a:buChar char="•"/>
+            </a:pPr>
+            <a:r>
+              <a:rPr lang="en-US" sz="2400" dirty="0" smtClean="0"/>
+              <a:t>Keep bullets short</a:t>
+            </a:r>
+          </a:p>
+          <a:p>
+            <a:pPr marL="342900" indent="-342900">
+              <a:buFont typeface="Arial" charset="0"/>
+              <a:buChar char="•"/>
+            </a:pPr>
+            <a:r>
+              <a:rPr lang="en-US" sz="2400" dirty="0" smtClean="0"/>
+              <a:t>Use numbers wherever possible</a:t>
+            </a:r>
+          </a:p>
+          <a:p>
+            <a:pPr marL="285750" indent="-285750">
+              <a:buFont typeface="Arial" charset="0"/>
+              <a:buChar char="•"/>
+            </a:pPr>
+            <a:r>
+              <a:rPr lang="en-US" sz="2400" dirty="0" smtClean="0"/>
+              <a:t>Describe your experience using an action tense. Do not describe them based on your “duties” or “responsibilities”</a:t>
+            </a:r>
+          </a:p>
+          <a:p>
+            <a:pPr marL="742950" lvl="1" indent="-285750">
+              <a:buFont typeface="Arial" charset="0"/>
+              <a:buChar char="•"/>
+            </a:pPr>
+            <a:r>
+              <a:rPr lang="en-US" sz="2400" dirty="0" smtClean="0"/>
+              <a:t>DO NOT! </a:t>
+            </a:r>
+            <a:r>
+              <a:rPr lang="en-US" sz="2400" dirty="0" smtClean="0">
+                <a:sym typeface="Wingdings"/>
+              </a:rPr>
+              <a:t></a:t>
+            </a:r>
+            <a:r>
+              <a:rPr lang="en-US" sz="2400" dirty="0" smtClean="0"/>
+              <a:t> “Responsible for building the </a:t>
+            </a:r>
+            <a:r>
+              <a:rPr lang="en-US" sz="2400" dirty="0" err="1" smtClean="0"/>
+              <a:t>api</a:t>
+            </a:r>
+            <a:r>
+              <a:rPr lang="en-US" sz="2400" dirty="0" smtClean="0"/>
+              <a:t> for a </a:t>
+            </a:r>
+            <a:r>
+              <a:rPr lang="en-US" sz="2400" dirty="0" err="1" smtClean="0"/>
+              <a:t>Django</a:t>
+            </a:r>
+            <a:r>
+              <a:rPr lang="en-US" sz="2400" dirty="0" smtClean="0"/>
+              <a:t> application about cars”</a:t>
+            </a:r>
+          </a:p>
+          <a:p>
+            <a:pPr marL="285750" indent="-285750">
+              <a:buFont typeface="Arial" charset="0"/>
+              <a:buChar char="•"/>
+            </a:pPr>
+            <a:r>
+              <a:rPr lang="en-US" sz="2400" dirty="0" smtClean="0"/>
+              <a:t>Action Verb </a:t>
+            </a:r>
+            <a:r>
+              <a:rPr lang="en-US" sz="2400" dirty="0" smtClean="0">
+                <a:sym typeface="Wingdings"/>
+              </a:rPr>
+              <a:t> What You Did  How You Did It</a:t>
+            </a:r>
+          </a:p>
+          <a:p>
+            <a:pPr marL="742950" lvl="1" indent="-285750">
+              <a:buFont typeface="Arial" charset="0"/>
+              <a:buChar char="•"/>
+            </a:pPr>
+            <a:r>
+              <a:rPr lang="en-US" sz="2400" dirty="0" smtClean="0">
+                <a:sym typeface="Wingdings"/>
+              </a:rPr>
+              <a:t>“Implemented a CMS workflow that targeted At Risk Students within one month of the </a:t>
+            </a:r>
+            <a:r>
+              <a:rPr lang="en-US" sz="2400" dirty="0" err="1" smtClean="0">
+                <a:sym typeface="Wingdings"/>
+              </a:rPr>
+              <a:t>symester</a:t>
+            </a:r>
+            <a:r>
+              <a:rPr lang="en-US" sz="2400" dirty="0" smtClean="0">
+                <a:sym typeface="Wingdings"/>
+              </a:rPr>
+              <a:t>”</a:t>
+            </a:r>
+          </a:p>
+          <a:p>
+            <a:pPr marL="742950" lvl="1" indent="-285750">
+              <a:buFont typeface="Arial" charset="0"/>
+              <a:buChar char="•"/>
+            </a:pPr>
+            <a:r>
+              <a:rPr lang="en-US" sz="2400" dirty="0" smtClean="0">
+                <a:sym typeface="Wingdings"/>
+              </a:rPr>
+              <a:t>“Developed advisement survey system that increased retention of first year students by 30%”</a:t>
+            </a:r>
+          </a:p>
+        </p:txBody>
+      </p:sp>
+    </p:spTree>
+    <p:extLst>
+      <p:ext uri="{BB962C8B-B14F-4D97-AF65-F5344CB8AC3E}">
+        <p14:creationId xmlns:p14="http://schemas.microsoft.com/office/powerpoint/2010/main" val="1683157630"/>
+      </p:ext>
+    </p:extLst>
+  </p:cSld>
+  <p:clrMapOvr>
+    <a:masterClrMapping/>
+  </p:clrMapOvr>
+</p:sld>
+</file>
+
+<file path=ppt/slides/slide13.xml><?xml version="1.0" encoding="utf-8"?>
+<p:sld xmlns:a="http://schemas.openxmlformats.org/drawingml/2006/main" xmlns:r="http://schemas.openxmlformats.org/officeDocument/2006/relationships" xmlns:p="http://schemas.openxmlformats.org/presentationml/2006/main">
+  <p:cSld>
+    <p:spTree>
+      <p:nvGrpSpPr>
+        <p:cNvPr id="1" name=""/>
+        <p:cNvGrpSpPr/>
+        <p:nvPr/>
+      </p:nvGrpSpPr>
+      <p:grpSpPr>
+        <a:xfrm>
+          <a:off x="0" y="0"/>
+          <a:ext cx="0" cy="0"/>
+          <a:chOff x="0" y="0"/>
+          <a:chExt cx="0" cy="0"/>
+        </a:xfrm>
+      </p:grpSpPr>
+      <p:sp>
+        <p:nvSpPr>
           <p:cNvPr id="2" name="Title 1"/>
           <p:cNvSpPr>
             <a:spLocks noGrp="1"/>
@@ -7345,7 +7789,7 @@
 </p:sld>
 </file>
 
-<file path=ppt/slides/slide13.xml><?xml version="1.0" encoding="utf-8"?>
+<file path=ppt/slides/slide14.xml><?xml version="1.0" encoding="utf-8"?>
 <p:sld xmlns:a="http://schemas.openxmlformats.org/drawingml/2006/main" xmlns:r="http://schemas.openxmlformats.org/officeDocument/2006/relationships" xmlns:p="http://schemas.openxmlformats.org/presentationml/2006/main">
   <p:cSld>
     <p:spTree>
@@ -7533,217 +7977,6 @@
 </p:sld>
 </file>
 
-<file path=ppt/slides/slide14.xml><?xml version="1.0" encoding="utf-8"?>
-<p:sld xmlns:a="http://schemas.openxmlformats.org/drawingml/2006/main" xmlns:r="http://schemas.openxmlformats.org/officeDocument/2006/relationships" xmlns:p="http://schemas.openxmlformats.org/presentationml/2006/main">
-  <p:cSld>
-    <p:spTree>
-      <p:nvGrpSpPr>
-        <p:cNvPr id="1" name=""/>
-        <p:cNvGrpSpPr/>
-        <p:nvPr/>
-      </p:nvGrpSpPr>
-      <p:grpSpPr>
-        <a:xfrm>
-          <a:off x="0" y="0"/>
-          <a:ext cx="0" cy="0"/>
-          <a:chOff x="0" y="0"/>
-          <a:chExt cx="0" cy="0"/>
-        </a:xfrm>
-      </p:grpSpPr>
-      <p:sp>
-        <p:nvSpPr>
-          <p:cNvPr id="2" name="Text Placeholder 1"/>
-          <p:cNvSpPr>
-            <a:spLocks noGrp="1"/>
-          </p:cNvSpPr>
-          <p:nvPr>
-            <p:ph type="body" idx="1"/>
-          </p:nvPr>
-        </p:nvSpPr>
-        <p:spPr>
-          <a:xfrm>
-            <a:off x="1257300" y="101203"/>
-            <a:ext cx="4800600" cy="632529"/>
-          </a:xfrm>
-        </p:spPr>
-        <p:txBody>
-          <a:bodyPr/>
-          <a:lstStyle/>
-          <a:p>
-            <a:r>
-              <a:rPr lang="en-US" dirty="0" smtClean="0"/>
-              <a:t>Your Headshot</a:t>
-            </a:r>
-            <a:endParaRPr lang="en-US" dirty="0"/>
-          </a:p>
-        </p:txBody>
-      </p:sp>
-      <p:sp>
-        <p:nvSpPr>
-          <p:cNvPr id="5" name="Content Placeholder 4"/>
-          <p:cNvSpPr>
-            <a:spLocks noGrp="1"/>
-          </p:cNvSpPr>
-          <p:nvPr>
-            <p:ph sz="half" idx="2"/>
-          </p:nvPr>
-        </p:nvSpPr>
-        <p:spPr>
-          <a:xfrm>
-            <a:off x="1257300" y="1017698"/>
-            <a:ext cx="4800600" cy="2996398"/>
-          </a:xfrm>
-        </p:spPr>
-        <p:txBody>
-          <a:bodyPr>
-            <a:normAutofit fontScale="85000" lnSpcReduction="10000"/>
-          </a:bodyPr>
-          <a:lstStyle/>
-          <a:p>
-            <a:r>
-              <a:rPr lang="en-US" dirty="0" smtClean="0"/>
-              <a:t>This is the first thing people will see when visiting your profile</a:t>
-            </a:r>
-          </a:p>
-          <a:p>
-            <a:r>
-              <a:rPr lang="en-US" dirty="0" smtClean="0"/>
-              <a:t>Get an image that just shows your head and shoulders</a:t>
-            </a:r>
-          </a:p>
-          <a:p>
-            <a:r>
-              <a:rPr lang="en-US" dirty="0" smtClean="0"/>
-              <a:t>If it’s a more creative image feel free to use that</a:t>
-            </a:r>
-          </a:p>
-          <a:p>
-            <a:r>
-              <a:rPr lang="en-US" dirty="0" smtClean="0"/>
-              <a:t>Make sure to wear nice clothing</a:t>
-            </a:r>
-          </a:p>
-          <a:p>
-            <a:pPr lvl="1"/>
-            <a:r>
-              <a:rPr lang="en-US" dirty="0" smtClean="0"/>
-              <a:t>Clean clothing</a:t>
-            </a:r>
-          </a:p>
-          <a:p>
-            <a:pPr lvl="1"/>
-            <a:r>
-              <a:rPr lang="en-US" dirty="0" smtClean="0"/>
-              <a:t>Ironed clothing</a:t>
-            </a:r>
-          </a:p>
-          <a:p>
-            <a:pPr lvl="1"/>
-            <a:r>
-              <a:rPr lang="en-US" dirty="0" smtClean="0"/>
-              <a:t>No deep </a:t>
-            </a:r>
-            <a:r>
-              <a:rPr lang="en-US" dirty="0" err="1" smtClean="0"/>
-              <a:t>v-necks</a:t>
-            </a:r>
-            <a:endParaRPr lang="en-US" dirty="0" smtClean="0"/>
-          </a:p>
-        </p:txBody>
-      </p:sp>
-      <p:sp>
-        <p:nvSpPr>
-          <p:cNvPr id="3" name="Text Placeholder 2"/>
-          <p:cNvSpPr>
-            <a:spLocks noGrp="1"/>
-          </p:cNvSpPr>
-          <p:nvPr>
-            <p:ph type="body" sz="quarter" idx="3"/>
-          </p:nvPr>
-        </p:nvSpPr>
-        <p:spPr>
-          <a:xfrm>
-            <a:off x="6633864" y="101203"/>
-            <a:ext cx="4800600" cy="632529"/>
-          </a:xfrm>
-        </p:spPr>
-        <p:txBody>
-          <a:bodyPr/>
-          <a:lstStyle/>
-          <a:p>
-            <a:r>
-              <a:rPr lang="en-US" dirty="0" smtClean="0"/>
-              <a:t>Your headline</a:t>
-            </a:r>
-            <a:endParaRPr lang="en-US" dirty="0"/>
-          </a:p>
-        </p:txBody>
-      </p:sp>
-      <p:sp>
-        <p:nvSpPr>
-          <p:cNvPr id="6" name="Content Placeholder 5"/>
-          <p:cNvSpPr>
-            <a:spLocks noGrp="1"/>
-          </p:cNvSpPr>
-          <p:nvPr>
-            <p:ph sz="quarter" idx="4"/>
-          </p:nvPr>
-        </p:nvSpPr>
-        <p:spPr>
-          <a:xfrm>
-            <a:off x="6633864" y="1017698"/>
-            <a:ext cx="4800600" cy="2996398"/>
-          </a:xfrm>
-        </p:spPr>
-        <p:txBody>
-          <a:bodyPr/>
-          <a:lstStyle/>
-          <a:p>
-            <a:r>
-              <a:rPr lang="en-US" dirty="0" smtClean="0"/>
-              <a:t>Be Creative</a:t>
-            </a:r>
-          </a:p>
-          <a:p>
-            <a:r>
-              <a:rPr lang="en-US" dirty="0" smtClean="0"/>
-              <a:t>Do NOT write “Student” </a:t>
-            </a:r>
-          </a:p>
-          <a:p>
-            <a:r>
-              <a:rPr lang="en-US" dirty="0" smtClean="0"/>
-              <a:t>Show what you’re interested in</a:t>
-            </a:r>
-          </a:p>
-          <a:p>
-            <a:r>
-              <a:rPr lang="en-US" dirty="0" smtClean="0"/>
-              <a:t>This should definitely include something about programming</a:t>
-            </a:r>
-          </a:p>
-          <a:p>
-            <a:r>
-              <a:rPr lang="en-US" dirty="0" smtClean="0"/>
-              <a:t>Can also including something not about programming</a:t>
-            </a:r>
-            <a:endParaRPr lang="en-US" dirty="0"/>
-          </a:p>
-        </p:txBody>
-      </p:sp>
-    </p:spTree>
-    <p:extLst>
-      <p:ext uri="{BB962C8B-B14F-4D97-AF65-F5344CB8AC3E}">
-        <p14:creationId xmlns:p14="http://schemas.microsoft.com/office/powerpoint/2010/main" val="514598276"/>
-      </p:ext>
-    </p:extLst>
-  </p:cSld>
-  <p:clrMapOvr>
-    <a:masterClrMapping/>
-  </p:clrMapOvr>
-</p:sld>
-</file>
-
 <file path=ppt/slides/slide15.xml><?xml version="1.0" encoding="utf-8"?>
 <p:sld xmlns:a="http://schemas.openxmlformats.org/drawingml/2006/main" xmlns:r="http://schemas.openxmlformats.org/officeDocument/2006/relationships" xmlns:p="http://schemas.openxmlformats.org/presentationml/2006/main">
   <p:cSld>
@@ -7763,6 +7996,217 @@
       </p:grpSpPr>
       <p:sp>
         <p:nvSpPr>
+          <p:cNvPr id="2" name="Text Placeholder 1"/>
+          <p:cNvSpPr>
+            <a:spLocks noGrp="1"/>
+          </p:cNvSpPr>
+          <p:nvPr>
+            <p:ph type="body" idx="1"/>
+          </p:nvPr>
+        </p:nvSpPr>
+        <p:spPr>
+          <a:xfrm>
+            <a:off x="1257300" y="101203"/>
+            <a:ext cx="4800600" cy="632529"/>
+          </a:xfrm>
+        </p:spPr>
+        <p:txBody>
+          <a:bodyPr/>
+          <a:lstStyle/>
+          <a:p>
+            <a:r>
+              <a:rPr lang="en-US" dirty="0" smtClean="0"/>
+              <a:t>Your Headshot</a:t>
+            </a:r>
+            <a:endParaRPr lang="en-US" dirty="0"/>
+          </a:p>
+        </p:txBody>
+      </p:sp>
+      <p:sp>
+        <p:nvSpPr>
+          <p:cNvPr id="5" name="Content Placeholder 4"/>
+          <p:cNvSpPr>
+            <a:spLocks noGrp="1"/>
+          </p:cNvSpPr>
+          <p:nvPr>
+            <p:ph sz="half" idx="2"/>
+          </p:nvPr>
+        </p:nvSpPr>
+        <p:spPr>
+          <a:xfrm>
+            <a:off x="1257300" y="1017698"/>
+            <a:ext cx="4800600" cy="2996398"/>
+          </a:xfrm>
+        </p:spPr>
+        <p:txBody>
+          <a:bodyPr>
+            <a:normAutofit fontScale="85000" lnSpcReduction="10000"/>
+          </a:bodyPr>
+          <a:lstStyle/>
+          <a:p>
+            <a:r>
+              <a:rPr lang="en-US" dirty="0" smtClean="0"/>
+              <a:t>This is the first thing people will see when visiting your profile</a:t>
+            </a:r>
+          </a:p>
+          <a:p>
+            <a:r>
+              <a:rPr lang="en-US" dirty="0" smtClean="0"/>
+              <a:t>Get an image that just shows your head and shoulders</a:t>
+            </a:r>
+          </a:p>
+          <a:p>
+            <a:r>
+              <a:rPr lang="en-US" dirty="0" smtClean="0"/>
+              <a:t>If it’s a more creative image feel free to use that</a:t>
+            </a:r>
+          </a:p>
+          <a:p>
+            <a:r>
+              <a:rPr lang="en-US" dirty="0" smtClean="0"/>
+              <a:t>Make sure to wear nice clothing</a:t>
+            </a:r>
+          </a:p>
+          <a:p>
+            <a:pPr lvl="1"/>
+            <a:r>
+              <a:rPr lang="en-US" dirty="0" smtClean="0"/>
+              <a:t>Clean clothing</a:t>
+            </a:r>
+          </a:p>
+          <a:p>
+            <a:pPr lvl="1"/>
+            <a:r>
+              <a:rPr lang="en-US" dirty="0" smtClean="0"/>
+              <a:t>Ironed clothing</a:t>
+            </a:r>
+          </a:p>
+          <a:p>
+            <a:pPr lvl="1"/>
+            <a:r>
+              <a:rPr lang="en-US" dirty="0" smtClean="0"/>
+              <a:t>No deep </a:t>
+            </a:r>
+            <a:r>
+              <a:rPr lang="en-US" dirty="0" err="1" smtClean="0"/>
+              <a:t>v-necks</a:t>
+            </a:r>
+            <a:endParaRPr lang="en-US" dirty="0" smtClean="0"/>
+          </a:p>
+        </p:txBody>
+      </p:sp>
+      <p:sp>
+        <p:nvSpPr>
+          <p:cNvPr id="3" name="Text Placeholder 2"/>
+          <p:cNvSpPr>
+            <a:spLocks noGrp="1"/>
+          </p:cNvSpPr>
+          <p:nvPr>
+            <p:ph type="body" sz="quarter" idx="3"/>
+          </p:nvPr>
+        </p:nvSpPr>
+        <p:spPr>
+          <a:xfrm>
+            <a:off x="6633864" y="101203"/>
+            <a:ext cx="4800600" cy="632529"/>
+          </a:xfrm>
+        </p:spPr>
+        <p:txBody>
+          <a:bodyPr/>
+          <a:lstStyle/>
+          <a:p>
+            <a:r>
+              <a:rPr lang="en-US" dirty="0" smtClean="0"/>
+              <a:t>Your headline</a:t>
+            </a:r>
+            <a:endParaRPr lang="en-US" dirty="0"/>
+          </a:p>
+        </p:txBody>
+      </p:sp>
+      <p:sp>
+        <p:nvSpPr>
+          <p:cNvPr id="6" name="Content Placeholder 5"/>
+          <p:cNvSpPr>
+            <a:spLocks noGrp="1"/>
+          </p:cNvSpPr>
+          <p:nvPr>
+            <p:ph sz="quarter" idx="4"/>
+          </p:nvPr>
+        </p:nvSpPr>
+        <p:spPr>
+          <a:xfrm>
+            <a:off x="6633864" y="1017698"/>
+            <a:ext cx="4800600" cy="2996398"/>
+          </a:xfrm>
+        </p:spPr>
+        <p:txBody>
+          <a:bodyPr/>
+          <a:lstStyle/>
+          <a:p>
+            <a:r>
+              <a:rPr lang="en-US" dirty="0" smtClean="0"/>
+              <a:t>Be Creative</a:t>
+            </a:r>
+          </a:p>
+          <a:p>
+            <a:r>
+              <a:rPr lang="en-US" dirty="0" smtClean="0"/>
+              <a:t>Do NOT write “Student” </a:t>
+            </a:r>
+          </a:p>
+          <a:p>
+            <a:r>
+              <a:rPr lang="en-US" dirty="0" smtClean="0"/>
+              <a:t>Show what you’re interested in</a:t>
+            </a:r>
+          </a:p>
+          <a:p>
+            <a:r>
+              <a:rPr lang="en-US" dirty="0" smtClean="0"/>
+              <a:t>This should definitely include something about programming</a:t>
+            </a:r>
+          </a:p>
+          <a:p>
+            <a:r>
+              <a:rPr lang="en-US" dirty="0" smtClean="0"/>
+              <a:t>Can also including something not about programming</a:t>
+            </a:r>
+            <a:endParaRPr lang="en-US" dirty="0"/>
+          </a:p>
+        </p:txBody>
+      </p:sp>
+    </p:spTree>
+    <p:extLst>
+      <p:ext uri="{BB962C8B-B14F-4D97-AF65-F5344CB8AC3E}">
+        <p14:creationId xmlns:p14="http://schemas.microsoft.com/office/powerpoint/2010/main" val="514598276"/>
+      </p:ext>
+    </p:extLst>
+  </p:cSld>
+  <p:clrMapOvr>
+    <a:masterClrMapping/>
+  </p:clrMapOvr>
+</p:sld>
+</file>
+
+<file path=ppt/slides/slide16.xml><?xml version="1.0" encoding="utf-8"?>
+<p:sld xmlns:a="http://schemas.openxmlformats.org/drawingml/2006/main" xmlns:r="http://schemas.openxmlformats.org/officeDocument/2006/relationships" xmlns:p="http://schemas.openxmlformats.org/presentationml/2006/main">
+  <p:cSld>
+    <p:spTree>
+      <p:nvGrpSpPr>
+        <p:cNvPr id="1" name=""/>
+        <p:cNvGrpSpPr/>
+        <p:nvPr/>
+      </p:nvGrpSpPr>
+      <p:grpSpPr>
+        <a:xfrm>
+          <a:off x="0" y="0"/>
+          <a:ext cx="0" cy="0"/>
+          <a:chOff x="0" y="0"/>
+          <a:chExt cx="0" cy="0"/>
+        </a:xfrm>
+      </p:grpSpPr>
+      <p:sp>
+        <p:nvSpPr>
           <p:cNvPr id="5" name="Title 4"/>
           <p:cNvSpPr>
             <a:spLocks noGrp="1"/>
@@ -7905,7 +8349,7 @@
 </p:sld>
 </file>
 
-<file path=ppt/slides/slide16.xml><?xml version="1.0" encoding="utf-8"?>
+<file path=ppt/slides/slide17.xml><?xml version="1.0" encoding="utf-8"?>
 <p:sld xmlns:a="http://schemas.openxmlformats.org/drawingml/2006/main" xmlns:r="http://schemas.openxmlformats.org/officeDocument/2006/relationships" xmlns:p="http://schemas.openxmlformats.org/presentationml/2006/main">
   <p:cSld>
     <p:spTree>
@@ -8350,7 +8794,7 @@
 </p:sld>
 </file>
 
-<file path=ppt/slides/slide17.xml><?xml version="1.0" encoding="utf-8"?>
+<file path=ppt/slides/slide18.xml><?xml version="1.0" encoding="utf-8"?>
 <p:sld xmlns:a="http://schemas.openxmlformats.org/drawingml/2006/main" xmlns:r="http://schemas.openxmlformats.org/officeDocument/2006/relationships" xmlns:p="http://schemas.openxmlformats.org/presentationml/2006/main">
   <p:cSld>
     <p:spTree>
@@ -8469,7 +8913,7 @@
 </p:sld>
 </file>
 
-<file path=ppt/slides/slide18.xml><?xml version="1.0" encoding="utf-8"?>
+<file path=ppt/slides/slide19.xml><?xml version="1.0" encoding="utf-8"?>
 <p:sld xmlns:a="http://schemas.openxmlformats.org/drawingml/2006/main" xmlns:r="http://schemas.openxmlformats.org/officeDocument/2006/relationships" xmlns:p="http://schemas.openxmlformats.org/presentationml/2006/main">
   <p:cSld>
     <p:spTree>
@@ -8658,7 +9102,110 @@
 </p:sld>
 </file>
 
-<file path=ppt/slides/slide19.xml><?xml version="1.0" encoding="utf-8"?>
+<file path=ppt/slides/slide2.xml><?xml version="1.0" encoding="utf-8"?>
+<p:sld xmlns:a="http://schemas.openxmlformats.org/drawingml/2006/main" xmlns:r="http://schemas.openxmlformats.org/officeDocument/2006/relationships" xmlns:p="http://schemas.openxmlformats.org/presentationml/2006/main">
+  <p:cSld>
+    <p:spTree>
+      <p:nvGrpSpPr>
+        <p:cNvPr id="1" name=""/>
+        <p:cNvGrpSpPr/>
+        <p:nvPr/>
+      </p:nvGrpSpPr>
+      <p:grpSpPr>
+        <a:xfrm>
+          <a:off x="0" y="0"/>
+          <a:ext cx="0" cy="0"/>
+          <a:chOff x="0" y="0"/>
+          <a:chExt cx="0" cy="0"/>
+        </a:xfrm>
+      </p:grpSpPr>
+      <p:sp>
+        <p:nvSpPr>
+          <p:cNvPr id="2" name="Title 1"/>
+          <p:cNvSpPr>
+            <a:spLocks noGrp="1"/>
+          </p:cNvSpPr>
+          <p:nvPr>
+            <p:ph type="title"/>
+          </p:nvPr>
+        </p:nvSpPr>
+        <p:spPr/>
+        <p:txBody>
+          <a:bodyPr/>
+          <a:lstStyle/>
+          <a:p>
+            <a:r>
+              <a:rPr lang="en-US" dirty="0" smtClean="0"/>
+              <a:t>Topics</a:t>
+            </a:r>
+            <a:endParaRPr lang="en-US" dirty="0"/>
+          </a:p>
+        </p:txBody>
+      </p:sp>
+      <p:sp>
+        <p:nvSpPr>
+          <p:cNvPr id="3" name="Content Placeholder 2"/>
+          <p:cNvSpPr>
+            <a:spLocks noGrp="1"/>
+          </p:cNvSpPr>
+          <p:nvPr>
+            <p:ph idx="1"/>
+          </p:nvPr>
+        </p:nvSpPr>
+        <p:spPr/>
+        <p:txBody>
+          <a:bodyPr/>
+          <a:lstStyle/>
+          <a:p>
+            <a:r>
+              <a:rPr lang="en-US" dirty="0" smtClean="0"/>
+              <a:t>The different application processes</a:t>
+            </a:r>
+          </a:p>
+          <a:p>
+            <a:r>
+              <a:rPr lang="en-US" dirty="0" smtClean="0"/>
+              <a:t>How to write your resume</a:t>
+            </a:r>
+          </a:p>
+          <a:p>
+            <a:r>
+              <a:rPr lang="en-US" dirty="0" smtClean="0"/>
+              <a:t>How to set up your LinkedIn profile</a:t>
+            </a:r>
+          </a:p>
+          <a:p>
+            <a:r>
+              <a:rPr lang="en-US" dirty="0" smtClean="0"/>
+              <a:t>What to do for networking </a:t>
+            </a:r>
+          </a:p>
+          <a:p>
+            <a:r>
+              <a:rPr lang="en-US" smtClean="0"/>
+              <a:t>What to do for interviews</a:t>
+            </a:r>
+            <a:endParaRPr lang="en-US" dirty="0" smtClean="0"/>
+          </a:p>
+          <a:p>
+            <a:endParaRPr lang="en-US" dirty="0"/>
+          </a:p>
+        </p:txBody>
+      </p:sp>
+    </p:spTree>
+    <p:extLst>
+      <p:ext uri="{BB962C8B-B14F-4D97-AF65-F5344CB8AC3E}">
+        <p14:creationId xmlns:p14="http://schemas.microsoft.com/office/powerpoint/2010/main" val="695467868"/>
+      </p:ext>
+    </p:extLst>
+  </p:cSld>
+  <p:clrMapOvr>
+    <a:masterClrMapping/>
+  </p:clrMapOvr>
+</p:sld>
+</file>
+
+<file path=ppt/slides/slide20.xml><?xml version="1.0" encoding="utf-8"?>
 <p:sld xmlns:a="http://schemas.openxmlformats.org/drawingml/2006/main" xmlns:r="http://schemas.openxmlformats.org/officeDocument/2006/relationships" xmlns:p="http://schemas.openxmlformats.org/presentationml/2006/main">
   <p:cSld>
     <p:spTree>
@@ -8844,117 +9391,7 @@
 </p:sld>
 </file>
 
-<file path=ppt/slides/slide2.xml><?xml version="1.0" encoding="utf-8"?>
-<p:sld xmlns:a="http://schemas.openxmlformats.org/drawingml/2006/main" xmlns:r="http://schemas.openxmlformats.org/officeDocument/2006/relationships" xmlns:p="http://schemas.openxmlformats.org/presentationml/2006/main">
-  <p:cSld>
-    <p:spTree>
-      <p:nvGrpSpPr>
-        <p:cNvPr id="1" name=""/>
-        <p:cNvGrpSpPr/>
-        <p:nvPr/>
-      </p:nvGrpSpPr>
-      <p:grpSpPr>
-        <a:xfrm>
-          <a:off x="0" y="0"/>
-          <a:ext cx="0" cy="0"/>
-          <a:chOff x="0" y="0"/>
-          <a:chExt cx="0" cy="0"/>
-        </a:xfrm>
-      </p:grpSpPr>
-      <p:sp>
-        <p:nvSpPr>
-          <p:cNvPr id="2" name="Title 1"/>
-          <p:cNvSpPr>
-            <a:spLocks noGrp="1"/>
-          </p:cNvSpPr>
-          <p:nvPr>
-            <p:ph type="title"/>
-          </p:nvPr>
-        </p:nvSpPr>
-        <p:spPr/>
-        <p:txBody>
-          <a:bodyPr/>
-          <a:lstStyle/>
-          <a:p>
-            <a:pPr algn="ctr"/>
-            <a:r>
-              <a:rPr lang="en-US" dirty="0" smtClean="0"/>
-              <a:t>Types of Applications</a:t>
-            </a:r>
-            <a:endParaRPr lang="en-US" dirty="0"/>
-          </a:p>
-        </p:txBody>
-      </p:sp>
-      <p:sp>
-        <p:nvSpPr>
-          <p:cNvPr id="3" name="Content Placeholder 2"/>
-          <p:cNvSpPr>
-            <a:spLocks noGrp="1"/>
-          </p:cNvSpPr>
-          <p:nvPr>
-            <p:ph idx="1"/>
-          </p:nvPr>
-        </p:nvSpPr>
-        <p:spPr/>
-        <p:txBody>
-          <a:bodyPr/>
-          <a:lstStyle/>
-          <a:p>
-            <a:pPr marL="0" indent="0" algn="ctr">
-              <a:buNone/>
-            </a:pPr>
-            <a:r>
-              <a:rPr lang="en-US" dirty="0" smtClean="0"/>
-              <a:t>Online</a:t>
-            </a:r>
-          </a:p>
-          <a:p>
-            <a:pPr marL="0" indent="0" algn="ctr">
-              <a:buNone/>
-            </a:pPr>
-            <a:endParaRPr lang="en-US" dirty="0"/>
-          </a:p>
-          <a:p>
-            <a:pPr marL="0" indent="0" algn="ctr">
-              <a:buNone/>
-            </a:pPr>
-            <a:r>
-              <a:rPr lang="en-US" dirty="0" smtClean="0"/>
-              <a:t>Recruiter</a:t>
-            </a:r>
-          </a:p>
-          <a:p>
-            <a:pPr marL="0" indent="0" algn="ctr">
-              <a:buNone/>
-            </a:pPr>
-            <a:endParaRPr lang="en-US" dirty="0"/>
-          </a:p>
-          <a:p>
-            <a:pPr marL="0" indent="0" algn="ctr">
-              <a:buNone/>
-            </a:pPr>
-            <a:r>
-              <a:rPr lang="en-US" dirty="0" smtClean="0"/>
-              <a:t>Referral</a:t>
-            </a:r>
-            <a:endParaRPr lang="en-US" dirty="0"/>
-          </a:p>
-        </p:txBody>
-      </p:sp>
-    </p:spTree>
-    <p:extLst>
-      <p:ext uri="{BB962C8B-B14F-4D97-AF65-F5344CB8AC3E}">
-        <p14:creationId xmlns:p14="http://schemas.microsoft.com/office/powerpoint/2010/main" val="1055938908"/>
-      </p:ext>
-    </p:extLst>
-  </p:cSld>
-  <p:clrMapOvr>
-    <a:masterClrMapping/>
-  </p:clrMapOvr>
-</p:sld>
-</file>
-
-<file path=ppt/slides/slide20.xml><?xml version="1.0" encoding="utf-8"?>
+<file path=ppt/slides/slide21.xml><?xml version="1.0" encoding="utf-8"?>
 <p:sld xmlns:a="http://schemas.openxmlformats.org/drawingml/2006/main" xmlns:r="http://schemas.openxmlformats.org/officeDocument/2006/relationships" xmlns:p="http://schemas.openxmlformats.org/presentationml/2006/main">
   <p:cSld>
     <p:spTree>
@@ -9693,12 +10130,12 @@
       </p:grpSpPr>
       <p:sp>
         <p:nvSpPr>
-          <p:cNvPr id="4" name="Title 3"/>
+          <p:cNvPr id="2" name="Title 1"/>
           <p:cNvSpPr>
             <a:spLocks noGrp="1"/>
           </p:cNvSpPr>
           <p:nvPr>
-            <p:ph type="title"/>
+            <p:ph type="ctrTitle"/>
           </p:nvPr>
         </p:nvSpPr>
         <p:spPr/>
@@ -9708,7 +10145,7 @@
           <a:p>
             <a:r>
               <a:rPr lang="en-US" dirty="0" smtClean="0"/>
-              <a:t>Disadvantages	</a:t>
+              <a:t>Types of Applications</a:t>
             </a:r>
             <a:endParaRPr lang="en-US" dirty="0"/>
           </a:p>
@@ -9716,48 +10153,12 @@
       </p:sp>
       <p:sp>
         <p:nvSpPr>
-          <p:cNvPr id="5" name="Content Placeholder 4"/>
+          <p:cNvPr id="3" name="Subtitle 2"/>
           <p:cNvSpPr>
             <a:spLocks noGrp="1"/>
           </p:cNvSpPr>
           <p:nvPr>
-            <p:ph idx="1"/>
-          </p:nvPr>
-        </p:nvSpPr>
-        <p:spPr>
-          <a:xfrm>
-            <a:off x="765051" y="1741336"/>
-            <a:ext cx="6158418" cy="1226948"/>
-          </a:xfrm>
-        </p:spPr>
-        <p:txBody>
-          <a:bodyPr>
-            <a:normAutofit/>
-          </a:bodyPr>
-          <a:lstStyle/>
-          <a:p>
-            <a:r>
-              <a:rPr lang="en-US" sz="2400" dirty="0" smtClean="0"/>
-              <a:t>You can apply to MANY jobs quickly</a:t>
-            </a:r>
-          </a:p>
-          <a:p>
-            <a:r>
-              <a:rPr lang="en-US" sz="2400" dirty="0" smtClean="0"/>
-              <a:t>You can apply at your convenience. </a:t>
-            </a:r>
-            <a:endParaRPr lang="en-US" sz="2400" dirty="0"/>
-          </a:p>
-        </p:txBody>
-      </p:sp>
-      <p:sp>
-        <p:nvSpPr>
-          <p:cNvPr id="6" name="Text Placeholder 5"/>
-          <p:cNvSpPr>
-            <a:spLocks noGrp="1"/>
-          </p:cNvSpPr>
-          <p:nvPr>
-            <p:ph type="body" sz="half" idx="2"/>
+            <p:ph type="subTitle" idx="1"/>
           </p:nvPr>
         </p:nvSpPr>
         <p:spPr/>
@@ -9765,237 +10166,18 @@
           <a:bodyPr/>
           <a:lstStyle/>
           <a:p>
-            <a:pPr marL="285750" indent="-285750">
-              <a:buFont typeface="Arial" charset="0"/>
-              <a:buChar char="•"/>
-            </a:pPr>
             <a:r>
               <a:rPr lang="en-US" dirty="0" smtClean="0"/>
-              <a:t>You will not stand out from the other applications</a:t>
-            </a:r>
-          </a:p>
-          <a:p>
-            <a:pPr marL="285750" indent="-285750">
-              <a:buFont typeface="Arial" charset="0"/>
-              <a:buChar char="•"/>
-            </a:pPr>
-            <a:r>
-              <a:rPr lang="en-US" dirty="0" smtClean="0"/>
-              <a:t>It’s hard to track your progress for that application</a:t>
-            </a:r>
-          </a:p>
-          <a:p>
-            <a:pPr marL="285750" indent="-285750">
-              <a:buFont typeface="Arial" charset="0"/>
-              <a:buChar char="•"/>
-            </a:pPr>
-            <a:r>
-              <a:rPr lang="en-US" dirty="0" smtClean="0"/>
-              <a:t>It’s hard to follow up</a:t>
-            </a:r>
-          </a:p>
-          <a:p>
-            <a:pPr marL="285750" indent="-285750">
-              <a:buFont typeface="Arial" charset="0"/>
-              <a:buChar char="•"/>
-            </a:pPr>
-            <a:r>
-              <a:rPr lang="en-US" dirty="0" smtClean="0"/>
-              <a:t>Should be doing some research for each company you are applying to</a:t>
+              <a:t>Online / Recruiter / Referral</a:t>
             </a:r>
             <a:endParaRPr lang="en-US" dirty="0"/>
-          </a:p>
-        </p:txBody>
-      </p:sp>
-      <p:sp>
-        <p:nvSpPr>
-          <p:cNvPr id="7" name="TextBox 6"/>
-          <p:cNvSpPr txBox="1"/>
-          <p:nvPr/>
-        </p:nvSpPr>
-        <p:spPr>
-          <a:xfrm>
-            <a:off x="843021" y="302182"/>
-            <a:ext cx="6002477" cy="646331"/>
-          </a:xfrm>
-          <a:prstGeom prst="rect">
-            <a:avLst/>
-          </a:prstGeom>
-          <a:noFill/>
-        </p:spPr>
-        <p:txBody>
-          <a:bodyPr wrap="none" rtlCol="0">
-            <a:spAutoFit/>
-          </a:bodyPr>
-          <a:lstStyle/>
-          <a:p>
-            <a:r>
-              <a:rPr lang="en-US" sz="3600" dirty="0" smtClean="0"/>
-              <a:t>Applying For </a:t>
-            </a:r>
-            <a:r>
-              <a:rPr lang="en-US" sz="3600" smtClean="0"/>
-              <a:t>Jobs On-The-Line</a:t>
-            </a:r>
-            <a:endParaRPr lang="en-US" sz="3600" dirty="0"/>
-          </a:p>
-        </p:txBody>
-      </p:sp>
-      <p:sp>
-        <p:nvSpPr>
-          <p:cNvPr id="8" name="Title 3"/>
-          <p:cNvSpPr txBox="1">
-            <a:spLocks/>
-          </p:cNvSpPr>
-          <p:nvPr/>
-        </p:nvSpPr>
-        <p:spPr>
-          <a:xfrm>
-            <a:off x="765051" y="1392702"/>
-            <a:ext cx="3092115" cy="429316"/>
-          </a:xfrm>
-          <a:prstGeom prst="rect">
-            <a:avLst/>
-          </a:prstGeom>
-        </p:spPr>
-        <p:txBody>
-          <a:bodyPr vert="horz" lIns="91440" tIns="45720" rIns="91440" bIns="45720" rtlCol="0" anchor="b">
-            <a:normAutofit/>
-          </a:bodyPr>
-          <a:lstStyle>
-            <a:lvl1pPr algn="l" defTabSz="914400" rtl="0" eaLnBrk="1" latinLnBrk="0" hangingPunct="1">
-              <a:lnSpc>
-                <a:spcPct val="100000"/>
-              </a:lnSpc>
-              <a:spcBef>
-                <a:spcPct val="0"/>
-              </a:spcBef>
-              <a:buNone/>
-              <a:defRPr sz="1900" b="1" i="0" kern="1200" cap="all" spc="300" baseline="0">
-                <a:solidFill>
-                  <a:schemeClr val="accent1"/>
-                </a:solidFill>
-                <a:latin typeface="+mn-lt"/>
-                <a:ea typeface="+mj-ea"/>
-                <a:cs typeface="+mj-cs"/>
-              </a:defRPr>
-            </a:lvl1pPr>
-          </a:lstStyle>
-          <a:p>
-            <a:r>
-              <a:rPr lang="en-US" smtClean="0"/>
-              <a:t>advantages	</a:t>
-            </a:r>
-            <a:endParaRPr lang="en-US" dirty="0"/>
-          </a:p>
-        </p:txBody>
-      </p:sp>
-      <p:sp>
-        <p:nvSpPr>
-          <p:cNvPr id="10" name="Title 3"/>
-          <p:cNvSpPr txBox="1">
-            <a:spLocks/>
-          </p:cNvSpPr>
-          <p:nvPr/>
-        </p:nvSpPr>
-        <p:spPr>
-          <a:xfrm>
-            <a:off x="765051" y="4175761"/>
-            <a:ext cx="3092115" cy="429316"/>
-          </a:xfrm>
-          <a:prstGeom prst="rect">
-            <a:avLst/>
-          </a:prstGeom>
-        </p:spPr>
-        <p:txBody>
-          <a:bodyPr vert="horz" lIns="91440" tIns="45720" rIns="91440" bIns="45720" rtlCol="0" anchor="b">
-            <a:normAutofit/>
-          </a:bodyPr>
-          <a:lstStyle>
-            <a:lvl1pPr algn="l" defTabSz="914400" rtl="0" eaLnBrk="1" latinLnBrk="0" hangingPunct="1">
-              <a:lnSpc>
-                <a:spcPct val="100000"/>
-              </a:lnSpc>
-              <a:spcBef>
-                <a:spcPct val="0"/>
-              </a:spcBef>
-              <a:buNone/>
-              <a:defRPr sz="1900" b="1" i="0" kern="1200" cap="all" spc="300" baseline="0">
-                <a:solidFill>
-                  <a:schemeClr val="accent1"/>
-                </a:solidFill>
-                <a:latin typeface="+mn-lt"/>
-                <a:ea typeface="+mj-ea"/>
-                <a:cs typeface="+mj-cs"/>
-              </a:defRPr>
-            </a:lvl1pPr>
-          </a:lstStyle>
-          <a:p>
-            <a:r>
-              <a:rPr lang="en-US" dirty="0" smtClean="0"/>
-              <a:t>FOLLOW UP</a:t>
-            </a:r>
-            <a:endParaRPr lang="en-US" dirty="0"/>
-          </a:p>
-        </p:txBody>
-      </p:sp>
-      <p:sp>
-        <p:nvSpPr>
-          <p:cNvPr id="11" name="Rectangle 10"/>
-          <p:cNvSpPr/>
-          <p:nvPr/>
-        </p:nvSpPr>
-        <p:spPr>
-          <a:xfrm>
-            <a:off x="843021" y="4765822"/>
-            <a:ext cx="6096000" cy="1200329"/>
-          </a:xfrm>
-          <a:prstGeom prst="rect">
-            <a:avLst/>
-          </a:prstGeom>
-        </p:spPr>
-        <p:txBody>
-          <a:bodyPr>
-            <a:spAutoFit/>
-          </a:bodyPr>
-          <a:lstStyle/>
-          <a:p>
-            <a:pPr marL="342900" indent="-342900">
-              <a:buFont typeface="Arial" charset="0"/>
-              <a:buChar char="•"/>
-            </a:pPr>
-            <a:r>
-              <a:rPr lang="en-US" sz="2400" dirty="0" smtClean="0"/>
-              <a:t>Follow up in 3-5 business days</a:t>
-            </a:r>
-          </a:p>
-          <a:p>
-            <a:pPr marL="342900" indent="-342900">
-              <a:buFont typeface="Arial" charset="0"/>
-              <a:buChar char="•"/>
-            </a:pPr>
-            <a:r>
-              <a:rPr lang="en-US" sz="2400" dirty="0" smtClean="0"/>
-              <a:t>Follow up via email</a:t>
-            </a:r>
-          </a:p>
-          <a:p>
-            <a:pPr marL="342900" indent="-342900">
-              <a:buFont typeface="Arial" charset="0"/>
-              <a:buChar char="•"/>
-            </a:pPr>
-            <a:r>
-              <a:rPr lang="en-US" sz="2400" dirty="0" smtClean="0"/>
-              <a:t>Only once!</a:t>
-            </a:r>
-            <a:endParaRPr lang="en-US" sz="2400" dirty="0"/>
           </a:p>
         </p:txBody>
       </p:sp>
     </p:spTree>
     <p:extLst>
       <p:ext uri="{BB962C8B-B14F-4D97-AF65-F5344CB8AC3E}">
-        <p14:creationId xmlns:p14="http://schemas.microsoft.com/office/powerpoint/2010/main" val="1065680437"/>
+        <p14:creationId xmlns:p14="http://schemas.microsoft.com/office/powerpoint/2010/main" val="1196973019"/>
       </p:ext>
     </p:extLst>
   </p:cSld>
@@ -10057,66 +10239,52 @@
         </p:nvSpPr>
         <p:spPr>
           <a:xfrm>
-            <a:off x="765051" y="1982762"/>
-            <a:ext cx="6158418" cy="1871785"/>
+            <a:off x="765051" y="1741336"/>
+            <a:ext cx="6158418" cy="1226948"/>
           </a:xfrm>
         </p:spPr>
-        <p:txBody>
-          <a:bodyPr>
-            <a:normAutofit lnSpcReduction="10000"/>
-          </a:bodyPr>
-          <a:lstStyle/>
-          <a:p>
-            <a:r>
-              <a:rPr lang="en-US" sz="2400" dirty="0" smtClean="0"/>
-              <a:t>More Inside Info</a:t>
-            </a:r>
-          </a:p>
-          <a:p>
-            <a:r>
-              <a:rPr lang="en-US" sz="2400" dirty="0" smtClean="0"/>
-              <a:t>A Recruiter will be selling you</a:t>
-            </a:r>
-          </a:p>
-          <a:p>
-            <a:r>
-              <a:rPr lang="en-US" sz="2400" dirty="0" smtClean="0"/>
-              <a:t>Easier to follow up with a recruiter</a:t>
-            </a:r>
-          </a:p>
-          <a:p>
-            <a:r>
-              <a:rPr lang="en-US" sz="2400" dirty="0" smtClean="0"/>
-              <a:t>Cover Letters aren’t required as much</a:t>
-            </a:r>
-            <a:endParaRPr lang="en-US" sz="2400" dirty="0"/>
-          </a:p>
-        </p:txBody>
-      </p:sp>
-      <p:sp>
-        <p:nvSpPr>
-          <p:cNvPr id="6" name="Text Placeholder 5"/>
-          <p:cNvSpPr>
-            <a:spLocks noGrp="1"/>
-          </p:cNvSpPr>
-          <p:nvPr>
-            <p:ph type="body" sz="half" idx="2"/>
-          </p:nvPr>
-        </p:nvSpPr>
-        <p:spPr/>
         <p:txBody>
           <a:bodyPr>
             <a:normAutofit/>
           </a:bodyPr>
           <a:lstStyle/>
           <a:p>
+            <a:r>
+              <a:rPr lang="en-US" sz="2400" dirty="0" smtClean="0"/>
+              <a:t>You can apply to MANY jobs quickly</a:t>
+            </a:r>
+          </a:p>
+          <a:p>
+            <a:r>
+              <a:rPr lang="en-US" sz="2400" dirty="0" smtClean="0"/>
+              <a:t>You can apply at your convenience. </a:t>
+            </a:r>
+            <a:endParaRPr lang="en-US" sz="2400" dirty="0"/>
+          </a:p>
+        </p:txBody>
+      </p:sp>
+      <p:sp>
+        <p:nvSpPr>
+          <p:cNvPr id="6" name="Text Placeholder 5"/>
+          <p:cNvSpPr>
+            <a:spLocks noGrp="1"/>
+          </p:cNvSpPr>
+          <p:nvPr>
+            <p:ph type="body" sz="half" idx="2"/>
+          </p:nvPr>
+        </p:nvSpPr>
+        <p:spPr/>
+        <p:txBody>
+          <a:bodyPr/>
+          <a:lstStyle/>
+          <a:p>
             <a:pPr marL="285750" indent="-285750">
               <a:buFont typeface="Arial" charset="0"/>
               <a:buChar char="•"/>
             </a:pPr>
             <a:r>
               <a:rPr lang="en-US" dirty="0" smtClean="0"/>
-              <a:t>You will not have any control over the application for this position</a:t>
+              <a:t>You will not stand out from the other applications</a:t>
             </a:r>
           </a:p>
           <a:p>
@@ -10126,7 +10294,7 @@
             </a:pPr>
             <a:r>
               <a:rPr lang="en-US" dirty="0" smtClean="0"/>
-              <a:t>You will not get proper feedback</a:t>
+              <a:t>It’s hard to track your progress for that application</a:t>
             </a:r>
           </a:p>
           <a:p>
@@ -10136,7 +10304,7 @@
             </a:pPr>
             <a:r>
               <a:rPr lang="en-US" dirty="0" smtClean="0"/>
-              <a:t>Who will be paying the recruiter fee?</a:t>
+              <a:t>It’s hard to follow up</a:t>
             </a:r>
           </a:p>
           <a:p>
@@ -10146,8 +10314,9 @@
             </a:pPr>
             <a:r>
               <a:rPr lang="en-US" dirty="0" smtClean="0"/>
-              <a:t>Is there another candidate the recruiter has for that position? </a:t>
-            </a:r>
+              <a:t>Should be doing some research for each company you are applying to</a:t>
+            </a:r>
+            <a:endParaRPr lang="en-US" dirty="0"/>
           </a:p>
         </p:txBody>
       </p:sp>
@@ -10159,8 +10328,8 @@
         </p:nvSpPr>
         <p:spPr>
           <a:xfrm>
-            <a:off x="332401" y="409203"/>
-            <a:ext cx="7023718" cy="646331"/>
+            <a:off x="843021" y="302182"/>
+            <a:ext cx="6002477" cy="646331"/>
           </a:xfrm>
           <a:prstGeom prst="rect">
             <a:avLst/>
@@ -10179,7 +10348,7 @@
             </a:r>
             <a:r>
               <a:rPr lang="en-US" sz="3600" smtClean="0"/>
-              <a:t>Jobs Through Recruiter</a:t>
+              <a:t>Jobs On-The-Line</a:t>
             </a:r>
             <a:endParaRPr lang="en-US" sz="3600" dirty="0"/>
           </a:p>
@@ -10292,7 +10461,7 @@
         <p:spPr>
           <a:xfrm>
             <a:off x="843021" y="4765822"/>
-            <a:ext cx="6096000" cy="1569660"/>
+            <a:ext cx="6096000" cy="1200329"/>
           </a:xfrm>
           <a:prstGeom prst="rect">
             <a:avLst/>
@@ -10310,7 +10479,7 @@
             </a:pPr>
             <a:r>
               <a:rPr lang="en-US" sz="2400" dirty="0" smtClean="0"/>
-              <a:t>Wait 1-2 business days to follow up</a:t>
+              <a:t>Follow up in 3-5 business days</a:t>
             </a:r>
           </a:p>
           <a:p>
@@ -10320,7 +10489,7 @@
             </a:pPr>
             <a:r>
               <a:rPr lang="en-US" sz="2400" dirty="0" smtClean="0"/>
-              <a:t>Follow up with Recruiter via call</a:t>
+              <a:t>Follow up via email</a:t>
             </a:r>
           </a:p>
           <a:p>
@@ -10330,7 +10499,7 @@
             </a:pPr>
             <a:r>
               <a:rPr lang="en-US" sz="2400" dirty="0" smtClean="0"/>
-              <a:t>Follow up with Recruiter via email after call if needed</a:t>
+              <a:t>Only once!</a:t>
             </a:r>
             <a:endParaRPr lang="en-US" sz="2400" dirty="0"/>
           </a:p>
@@ -10339,7 +10508,7 @@
     </p:spTree>
     <p:extLst>
       <p:ext uri="{BB962C8B-B14F-4D97-AF65-F5344CB8AC3E}">
-        <p14:creationId xmlns:p14="http://schemas.microsoft.com/office/powerpoint/2010/main" val="1366226063"/>
+        <p14:creationId xmlns:p14="http://schemas.microsoft.com/office/powerpoint/2010/main" val="1065680437"/>
       </p:ext>
     </p:extLst>
   </p:cSld>
@@ -10401,8 +10570,8 @@
         </p:nvSpPr>
         <p:spPr>
           <a:xfrm>
-            <a:off x="765051" y="1922015"/>
-            <a:ext cx="6158418" cy="2253745"/>
+            <a:off x="765051" y="1982762"/>
+            <a:ext cx="6158418" cy="1871785"/>
           </a:xfrm>
         </p:spPr>
         <p:txBody>
@@ -10413,19 +10582,25 @@
           <a:p>
             <a:r>
               <a:rPr lang="en-US" sz="2400" dirty="0" smtClean="0"/>
-              <a:t>Access to reliable insider information</a:t>
+              <a:t>More Inside Info</a:t>
             </a:r>
           </a:p>
           <a:p>
             <a:r>
               <a:rPr lang="en-US" sz="2400" dirty="0" smtClean="0"/>
-              <a:t>If you are referred through an employee, their opinion has more weight</a:t>
+              <a:t>A Recruiter will be selling you</a:t>
             </a:r>
           </a:p>
           <a:p>
             <a:r>
               <a:rPr lang="en-US" sz="2400" dirty="0" smtClean="0"/>
-              <a:t>More likely to get in the door, even without a resume or cover letter</a:t>
+              <a:t>Easier to follow up with a recruiter</a:t>
+            </a:r>
+          </a:p>
+          <a:p>
+            <a:r>
+              <a:rPr lang="en-US" sz="2400" dirty="0" smtClean="0"/>
+              <a:t>Cover Letters aren’t required as much</a:t>
             </a:r>
             <a:endParaRPr lang="en-US" sz="2400" dirty="0"/>
           </a:p>
@@ -10443,7 +10618,9 @@
         </p:nvSpPr>
         <p:spPr/>
         <p:txBody>
-          <a:bodyPr/>
+          <a:bodyPr>
+            <a:normAutofit/>
+          </a:bodyPr>
           <a:lstStyle/>
           <a:p>
             <a:pPr marL="285750" indent="-285750">
@@ -10452,7 +10629,7 @@
             </a:pPr>
             <a:r>
               <a:rPr lang="en-US" dirty="0" smtClean="0"/>
-              <a:t>Not too many disadvantages.</a:t>
+              <a:t>You will not have any control over the application for this position</a:t>
             </a:r>
           </a:p>
           <a:p>
@@ -10462,9 +10639,28 @@
             </a:pPr>
             <a:r>
               <a:rPr lang="en-US" dirty="0" smtClean="0"/>
-              <a:t>Approach with caution as to not insult your referral or yourself</a:t>
-            </a:r>
-            <a:endParaRPr lang="en-US" dirty="0"/>
+              <a:t>You will not get proper feedback</a:t>
+            </a:r>
+          </a:p>
+          <a:p>
+            <a:pPr marL="285750" indent="-285750">
+              <a:buFont typeface="Arial" charset="0"/>
+              <a:buChar char="•"/>
+            </a:pPr>
+            <a:r>
+              <a:rPr lang="en-US" dirty="0" smtClean="0"/>
+              <a:t>Who will be paying the recruiter fee?</a:t>
+            </a:r>
+          </a:p>
+          <a:p>
+            <a:pPr marL="285750" indent="-285750">
+              <a:buFont typeface="Arial" charset="0"/>
+              <a:buChar char="•"/>
+            </a:pPr>
+            <a:r>
+              <a:rPr lang="en-US" dirty="0" smtClean="0"/>
+              <a:t>Is there another candidate the recruiter has for that position? </a:t>
+            </a:r>
           </a:p>
         </p:txBody>
       </p:sp>
@@ -10476,8 +10672,8 @@
         </p:nvSpPr>
         <p:spPr>
           <a:xfrm>
-            <a:off x="520386" y="248889"/>
-            <a:ext cx="6741269" cy="646331"/>
+            <a:off x="332401" y="409203"/>
+            <a:ext cx="7023718" cy="646331"/>
           </a:xfrm>
           <a:prstGeom prst="rect">
             <a:avLst/>
@@ -10492,7 +10688,11 @@
           <a:p>
             <a:r>
               <a:rPr lang="en-US" sz="3600" dirty="0" smtClean="0"/>
-              <a:t>Applying For Jobs Through Referral</a:t>
+              <a:t>Applying For </a:t>
+            </a:r>
+            <a:r>
+              <a:rPr lang="en-US" sz="3600" smtClean="0"/>
+              <a:t>Jobs Through Recruiter</a:t>
             </a:r>
             <a:endParaRPr lang="en-US" sz="3600" dirty="0"/>
           </a:p>
@@ -10605,7 +10805,7 @@
         <p:spPr>
           <a:xfrm>
             <a:off x="843021" y="4765822"/>
-            <a:ext cx="6096000" cy="1938992"/>
+            <a:ext cx="6096000" cy="1569660"/>
           </a:xfrm>
           <a:prstGeom prst="rect">
             <a:avLst/>
@@ -10623,7 +10823,7 @@
             </a:pPr>
             <a:r>
               <a:rPr lang="en-US" sz="2400" dirty="0" smtClean="0"/>
-              <a:t>Follow up in 2-4 business days</a:t>
+              <a:t>Wait 1-2 business days to follow up</a:t>
             </a:r>
           </a:p>
           <a:p>
@@ -10633,7 +10833,7 @@
             </a:pPr>
             <a:r>
               <a:rPr lang="en-US" sz="2400" dirty="0" smtClean="0"/>
-              <a:t>Follow up with the person you were put into contact with.</a:t>
+              <a:t>Follow up with Recruiter via call</a:t>
             </a:r>
           </a:p>
           <a:p>
@@ -10643,7 +10843,7 @@
             </a:pPr>
             <a:r>
               <a:rPr lang="en-US" sz="2400" dirty="0" smtClean="0"/>
-              <a:t>Ideally only one follow up, use own judgment if more</a:t>
+              <a:t>Follow up with Recruiter via email after call if needed</a:t>
             </a:r>
             <a:endParaRPr lang="en-US" sz="2400" dirty="0"/>
           </a:p>
@@ -10652,7 +10852,7 @@
     </p:spTree>
     <p:extLst>
       <p:ext uri="{BB962C8B-B14F-4D97-AF65-F5344CB8AC3E}">
-        <p14:creationId xmlns:p14="http://schemas.microsoft.com/office/powerpoint/2010/main" val="689479517"/>
+        <p14:creationId xmlns:p14="http://schemas.microsoft.com/office/powerpoint/2010/main" val="1366226063"/>
       </p:ext>
     </p:extLst>
   </p:cSld>
@@ -10681,7 +10881,7 @@
       </p:grpSpPr>
       <p:sp>
         <p:nvSpPr>
-          <p:cNvPr id="5" name="Title 4"/>
+          <p:cNvPr id="4" name="Title 3"/>
           <p:cNvSpPr>
             <a:spLocks noGrp="1"/>
           </p:cNvSpPr>
@@ -10689,36 +10889,283 @@
             <p:ph type="title"/>
           </p:nvPr>
         </p:nvSpPr>
+        <p:spPr/>
+        <p:txBody>
+          <a:bodyPr/>
+          <a:lstStyle/>
+          <a:p>
+            <a:r>
+              <a:rPr lang="en-US" dirty="0" smtClean="0"/>
+              <a:t>Disadvantages	</a:t>
+            </a:r>
+            <a:endParaRPr lang="en-US" dirty="0"/>
+          </a:p>
+        </p:txBody>
+      </p:sp>
+      <p:sp>
+        <p:nvSpPr>
+          <p:cNvPr id="5" name="Content Placeholder 4"/>
+          <p:cNvSpPr>
+            <a:spLocks noGrp="1"/>
+          </p:cNvSpPr>
+          <p:nvPr>
+            <p:ph idx="1"/>
+          </p:nvPr>
+        </p:nvSpPr>
         <p:spPr>
           <a:xfrm>
-            <a:off x="1078524" y="2956772"/>
-            <a:ext cx="11113476" cy="1492132"/>
+            <a:off x="765051" y="1922015"/>
+            <a:ext cx="6158418" cy="2253745"/>
           </a:xfrm>
         </p:spPr>
         <p:txBody>
+          <a:bodyPr>
+            <a:normAutofit lnSpcReduction="10000"/>
+          </a:bodyPr>
+          <a:lstStyle/>
+          <a:p>
+            <a:r>
+              <a:rPr lang="en-US" sz="2400" dirty="0" smtClean="0"/>
+              <a:t>Access to reliable insider information</a:t>
+            </a:r>
+          </a:p>
+          <a:p>
+            <a:r>
+              <a:rPr lang="en-US" sz="2400" dirty="0" smtClean="0"/>
+              <a:t>If you are referred through an employee, their opinion has more weight</a:t>
+            </a:r>
+          </a:p>
+          <a:p>
+            <a:r>
+              <a:rPr lang="en-US" sz="2400" dirty="0" smtClean="0"/>
+              <a:t>More likely to get in the door, even without a resume or cover letter</a:t>
+            </a:r>
+            <a:endParaRPr lang="en-US" sz="2400" dirty="0"/>
+          </a:p>
+        </p:txBody>
+      </p:sp>
+      <p:sp>
+        <p:nvSpPr>
+          <p:cNvPr id="6" name="Text Placeholder 5"/>
+          <p:cNvSpPr>
+            <a:spLocks noGrp="1"/>
+          </p:cNvSpPr>
+          <p:nvPr>
+            <p:ph type="body" sz="half" idx="2"/>
+          </p:nvPr>
+        </p:nvSpPr>
+        <p:spPr/>
+        <p:txBody>
           <a:bodyPr/>
           <a:lstStyle/>
           <a:p>
+            <a:pPr marL="285750" indent="-285750">
+              <a:buFont typeface="Arial" charset="0"/>
+              <a:buChar char="•"/>
+            </a:pPr>
             <a:r>
               <a:rPr lang="en-US" dirty="0" smtClean="0"/>
-              <a:t>Resume / </a:t>
-            </a:r>
-            <a:r>
-              <a:rPr lang="en-US" dirty="0" err="1" smtClean="0"/>
-              <a:t>Linkedin</a:t>
-            </a:r>
+              <a:t>Not too many disadvantages.</a:t>
+            </a:r>
+          </a:p>
+          <a:p>
+            <a:pPr marL="285750" indent="-285750">
+              <a:buFont typeface="Arial" charset="0"/>
+              <a:buChar char="•"/>
+            </a:pPr>
             <a:r>
               <a:rPr lang="en-US" dirty="0" smtClean="0"/>
-              <a:t> / online presence</a:t>
+              <a:t>Approach with caution as to not insult your referral or yourself</a:t>
             </a:r>
             <a:endParaRPr lang="en-US" dirty="0"/>
+          </a:p>
+        </p:txBody>
+      </p:sp>
+      <p:sp>
+        <p:nvSpPr>
+          <p:cNvPr id="7" name="TextBox 6"/>
+          <p:cNvSpPr txBox="1"/>
+          <p:nvPr/>
+        </p:nvSpPr>
+        <p:spPr>
+          <a:xfrm>
+            <a:off x="520386" y="248889"/>
+            <a:ext cx="6741269" cy="646331"/>
+          </a:xfrm>
+          <a:prstGeom prst="rect">
+            <a:avLst/>
+          </a:prstGeom>
+          <a:noFill/>
+        </p:spPr>
+        <p:txBody>
+          <a:bodyPr wrap="none" rtlCol="0">
+            <a:spAutoFit/>
+          </a:bodyPr>
+          <a:lstStyle/>
+          <a:p>
+            <a:r>
+              <a:rPr lang="en-US" sz="3600" dirty="0" smtClean="0"/>
+              <a:t>Applying For Jobs Through Referral</a:t>
+            </a:r>
+            <a:endParaRPr lang="en-US" sz="3600" dirty="0"/>
+          </a:p>
+        </p:txBody>
+      </p:sp>
+      <p:sp>
+        <p:nvSpPr>
+          <p:cNvPr id="8" name="Title 3"/>
+          <p:cNvSpPr txBox="1">
+            <a:spLocks/>
+          </p:cNvSpPr>
+          <p:nvPr/>
+        </p:nvSpPr>
+        <p:spPr>
+          <a:xfrm>
+            <a:off x="765051" y="1392702"/>
+            <a:ext cx="3092115" cy="429316"/>
+          </a:xfrm>
+          <a:prstGeom prst="rect">
+            <a:avLst/>
+          </a:prstGeom>
+        </p:spPr>
+        <p:txBody>
+          <a:bodyPr vert="horz" lIns="91440" tIns="45720" rIns="91440" bIns="45720" rtlCol="0" anchor="b">
+            <a:normAutofit/>
+          </a:bodyPr>
+          <a:lstStyle>
+            <a:lvl1pPr algn="l" defTabSz="914400" rtl="0" eaLnBrk="1" latinLnBrk="0" hangingPunct="1">
+              <a:lnSpc>
+                <a:spcPct val="100000"/>
+              </a:lnSpc>
+              <a:spcBef>
+                <a:spcPct val="0"/>
+              </a:spcBef>
+              <a:buNone/>
+              <a:defRPr sz="1900" b="1" i="0" kern="1200" cap="all" spc="300" baseline="0">
+                <a:solidFill>
+                  <a:schemeClr val="accent1"/>
+                </a:solidFill>
+                <a:latin typeface="+mn-lt"/>
+                <a:ea typeface="+mj-ea"/>
+                <a:cs typeface="+mj-cs"/>
+              </a:defRPr>
+            </a:lvl1pPr>
+          </a:lstStyle>
+          <a:p>
+            <a:r>
+              <a:rPr lang="en-US" smtClean="0"/>
+              <a:t>advantages	</a:t>
+            </a:r>
+            <a:endParaRPr lang="en-US" dirty="0"/>
+          </a:p>
+        </p:txBody>
+      </p:sp>
+      <p:sp>
+        <p:nvSpPr>
+          <p:cNvPr id="10" name="Title 3"/>
+          <p:cNvSpPr txBox="1">
+            <a:spLocks/>
+          </p:cNvSpPr>
+          <p:nvPr/>
+        </p:nvSpPr>
+        <p:spPr>
+          <a:xfrm>
+            <a:off x="765051" y="4175761"/>
+            <a:ext cx="3092115" cy="429316"/>
+          </a:xfrm>
+          <a:prstGeom prst="rect">
+            <a:avLst/>
+          </a:prstGeom>
+        </p:spPr>
+        <p:txBody>
+          <a:bodyPr vert="horz" lIns="91440" tIns="45720" rIns="91440" bIns="45720" rtlCol="0" anchor="b">
+            <a:normAutofit/>
+          </a:bodyPr>
+          <a:lstStyle>
+            <a:lvl1pPr algn="l" defTabSz="914400" rtl="0" eaLnBrk="1" latinLnBrk="0" hangingPunct="1">
+              <a:lnSpc>
+                <a:spcPct val="100000"/>
+              </a:lnSpc>
+              <a:spcBef>
+                <a:spcPct val="0"/>
+              </a:spcBef>
+              <a:buNone/>
+              <a:defRPr sz="1900" b="1" i="0" kern="1200" cap="all" spc="300" baseline="0">
+                <a:solidFill>
+                  <a:schemeClr val="accent1"/>
+                </a:solidFill>
+                <a:latin typeface="+mn-lt"/>
+                <a:ea typeface="+mj-ea"/>
+                <a:cs typeface="+mj-cs"/>
+              </a:defRPr>
+            </a:lvl1pPr>
+          </a:lstStyle>
+          <a:p>
+            <a:r>
+              <a:rPr lang="en-US" dirty="0" smtClean="0"/>
+              <a:t>FOLLOW UP</a:t>
+            </a:r>
+            <a:endParaRPr lang="en-US" dirty="0"/>
+          </a:p>
+        </p:txBody>
+      </p:sp>
+      <p:sp>
+        <p:nvSpPr>
+          <p:cNvPr id="11" name="Rectangle 10"/>
+          <p:cNvSpPr/>
+          <p:nvPr/>
+        </p:nvSpPr>
+        <p:spPr>
+          <a:xfrm>
+            <a:off x="843021" y="4765822"/>
+            <a:ext cx="6096000" cy="1938992"/>
+          </a:xfrm>
+          <a:prstGeom prst="rect">
+            <a:avLst/>
+          </a:prstGeom>
+        </p:spPr>
+        <p:txBody>
+          <a:bodyPr>
+            <a:spAutoFit/>
+          </a:bodyPr>
+          <a:lstStyle/>
+          <a:p>
+            <a:pPr marL="342900" indent="-342900">
+              <a:buFont typeface="Arial" charset="0"/>
+              <a:buChar char="•"/>
+            </a:pPr>
+            <a:r>
+              <a:rPr lang="en-US" sz="2400" dirty="0" smtClean="0"/>
+              <a:t>Follow up in 2-4 business days</a:t>
+            </a:r>
+          </a:p>
+          <a:p>
+            <a:pPr marL="342900" indent="-342900">
+              <a:buFont typeface="Arial" charset="0"/>
+              <a:buChar char="•"/>
+            </a:pPr>
+            <a:r>
+              <a:rPr lang="en-US" sz="2400" dirty="0" smtClean="0"/>
+              <a:t>Follow up with the person you were put into contact with.</a:t>
+            </a:r>
+          </a:p>
+          <a:p>
+            <a:pPr marL="342900" indent="-342900">
+              <a:buFont typeface="Arial" charset="0"/>
+              <a:buChar char="•"/>
+            </a:pPr>
+            <a:r>
+              <a:rPr lang="en-US" sz="2400" dirty="0" smtClean="0"/>
+              <a:t>Ideally only one follow up, use own judgment if more</a:t>
+            </a:r>
+            <a:endParaRPr lang="en-US" sz="2400" dirty="0"/>
           </a:p>
         </p:txBody>
       </p:sp>
     </p:spTree>
     <p:extLst>
       <p:ext uri="{BB962C8B-B14F-4D97-AF65-F5344CB8AC3E}">
-        <p14:creationId xmlns:p14="http://schemas.microsoft.com/office/powerpoint/2010/main" val="368481736"/>
+        <p14:creationId xmlns:p14="http://schemas.microsoft.com/office/powerpoint/2010/main" val="689479517"/>
       </p:ext>
     </p:extLst>
   </p:cSld>
@@ -10747,58 +11194,44 @@
       </p:grpSpPr>
       <p:sp>
         <p:nvSpPr>
-          <p:cNvPr id="2" name="Title 1"/>
+          <p:cNvPr id="5" name="Title 4"/>
           <p:cNvSpPr>
             <a:spLocks noGrp="1"/>
           </p:cNvSpPr>
           <p:nvPr>
-            <p:ph type="ctrTitle"/>
+            <p:ph type="title"/>
           </p:nvPr>
         </p:nvSpPr>
-        <p:spPr/>
+        <p:spPr>
+          <a:xfrm>
+            <a:off x="1078524" y="2956772"/>
+            <a:ext cx="11113476" cy="1492132"/>
+          </a:xfrm>
+        </p:spPr>
         <p:txBody>
           <a:bodyPr/>
           <a:lstStyle/>
           <a:p>
-            <a:pPr algn="ctr"/>
             <a:r>
               <a:rPr lang="en-US" dirty="0" smtClean="0"/>
-              <a:t>Resume</a:t>
-            </a:r>
-            <a:br>
+              <a:t>Resume / </a:t>
+            </a:r>
+            <a:r>
+              <a:rPr lang="en-US" dirty="0" err="1" smtClean="0"/>
+              <a:t>Linkedin</a:t>
+            </a:r>
+            <a:r>
               <a:rPr lang="en-US" dirty="0" smtClean="0"/>
-            </a:br>
-            <a:r>
-              <a:rPr lang="en-US" dirty="0" smtClean="0"/>
-              <a:t>Writing</a:t>
+              <a:t> / online presence</a:t>
             </a:r>
             <a:endParaRPr lang="en-US" dirty="0"/>
-          </a:p>
-        </p:txBody>
-      </p:sp>
-      <p:sp>
-        <p:nvSpPr>
-          <p:cNvPr id="4" name="Subtitle 3"/>
-          <p:cNvSpPr>
-            <a:spLocks noGrp="1"/>
-          </p:cNvSpPr>
-          <p:nvPr>
-            <p:ph type="subTitle" idx="1"/>
-          </p:nvPr>
-        </p:nvSpPr>
-        <p:spPr/>
-        <p:txBody>
-          <a:bodyPr/>
-          <a:lstStyle/>
-          <a:p>
-            <a:endParaRPr lang="en-US"/>
           </a:p>
         </p:txBody>
       </p:sp>
     </p:spTree>
     <p:extLst>
       <p:ext uri="{BB962C8B-B14F-4D97-AF65-F5344CB8AC3E}">
-        <p14:creationId xmlns:p14="http://schemas.microsoft.com/office/powerpoint/2010/main" val="1672373949"/>
+        <p14:creationId xmlns:p14="http://schemas.microsoft.com/office/powerpoint/2010/main" val="368481736"/>
       </p:ext>
     </p:extLst>
   </p:cSld>
@@ -10827,149 +11260,58 @@
       </p:grpSpPr>
       <p:sp>
         <p:nvSpPr>
-          <p:cNvPr id="5" name="Title 4"/>
+          <p:cNvPr id="2" name="Title 1"/>
           <p:cNvSpPr>
             <a:spLocks noGrp="1"/>
           </p:cNvSpPr>
           <p:nvPr>
-            <p:ph type="title" idx="4294967295"/>
+            <p:ph type="ctrTitle"/>
           </p:nvPr>
         </p:nvSpPr>
-        <p:spPr>
-          <a:xfrm>
-            <a:off x="981319" y="422031"/>
-            <a:ext cx="10179050" cy="832338"/>
-          </a:xfrm>
-        </p:spPr>
+        <p:spPr/>
         <p:txBody>
           <a:bodyPr/>
           <a:lstStyle/>
           <a:p>
             <a:pPr algn="ctr"/>
             <a:r>
-              <a:rPr lang="en-US" b="1" u="sng" dirty="0" smtClean="0"/>
-              <a:t>Your Highlight Reel</a:t>
-            </a:r>
-            <a:endParaRPr lang="en-US" b="1" u="sng" dirty="0"/>
-          </a:p>
-        </p:txBody>
-      </p:sp>
-      <p:sp>
-        <p:nvSpPr>
-          <p:cNvPr id="8" name="TextBox 7"/>
-          <p:cNvSpPr txBox="1"/>
-          <p:nvPr/>
-        </p:nvSpPr>
-        <p:spPr>
-          <a:xfrm>
-            <a:off x="1550020" y="1349298"/>
-            <a:ext cx="9511990" cy="2308324"/>
-          </a:xfrm>
-          <a:prstGeom prst="rect">
-            <a:avLst/>
-          </a:prstGeom>
-          <a:noFill/>
-        </p:spPr>
-        <p:txBody>
-          <a:bodyPr wrap="square" rtlCol="0">
-            <a:spAutoFit/>
-          </a:bodyPr>
+              <a:rPr lang="en-US" dirty="0" smtClean="0"/>
+              <a:t>Resume</a:t>
+            </a:r>
+            <a:br>
+              <a:rPr lang="en-US" dirty="0" smtClean="0"/>
+            </a:br>
+            <a:r>
+              <a:rPr lang="en-US" dirty="0" smtClean="0"/>
+              <a:t>Writing</a:t>
+            </a:r>
+            <a:endParaRPr lang="en-US" dirty="0"/>
+          </a:p>
+        </p:txBody>
+      </p:sp>
+      <p:sp>
+        <p:nvSpPr>
+          <p:cNvPr id="4" name="Subtitle 3"/>
+          <p:cNvSpPr>
+            <a:spLocks noGrp="1"/>
+          </p:cNvSpPr>
+          <p:nvPr>
+            <p:ph type="subTitle" idx="1"/>
+          </p:nvPr>
+        </p:nvSpPr>
+        <p:spPr/>
+        <p:txBody>
+          <a:bodyPr/>
           <a:lstStyle/>
           <a:p>
-            <a:pPr marL="285750" indent="-285750">
-              <a:buFont typeface="Arial" charset="0"/>
-              <a:buChar char="•"/>
-            </a:pPr>
-            <a:r>
-              <a:rPr lang="en-US" dirty="0"/>
-              <a:t>Employers take SEVEN seconds to look at your </a:t>
-            </a:r>
-            <a:r>
-              <a:rPr lang="en-US" dirty="0" smtClean="0"/>
-              <a:t>resume</a:t>
-            </a:r>
-          </a:p>
-          <a:p>
-            <a:pPr marL="285750" indent="-285750">
-              <a:buFont typeface="Arial" charset="0"/>
-              <a:buChar char="•"/>
-            </a:pPr>
-            <a:r>
-              <a:rPr lang="en-US" dirty="0" smtClean="0"/>
-              <a:t>Your Resume is meant to get you in the door, in front of a human being</a:t>
-            </a:r>
-          </a:p>
-          <a:p>
-            <a:pPr marL="285750" indent="-285750">
-              <a:buFont typeface="Arial" charset="0"/>
-              <a:buChar char="•"/>
-            </a:pPr>
-            <a:r>
-              <a:rPr lang="en-US" dirty="0" smtClean="0"/>
-              <a:t>You will have multiple versions of your resume</a:t>
-            </a:r>
-          </a:p>
-          <a:p>
-            <a:pPr marL="285750" indent="-285750">
-              <a:buFont typeface="Arial" charset="0"/>
-              <a:buChar char="•"/>
-            </a:pPr>
-            <a:r>
-              <a:rPr lang="en-US" dirty="0" smtClean="0"/>
-              <a:t>Who is your resume going to? Tech Person? Recruiter? HR Person?</a:t>
-            </a:r>
-          </a:p>
-          <a:p>
-            <a:pPr marL="285750" indent="-285750">
-              <a:buFont typeface="Arial" charset="0"/>
-              <a:buChar char="•"/>
-            </a:pPr>
-            <a:r>
-              <a:rPr lang="en-US" dirty="0" smtClean="0"/>
-              <a:t>Keep it to one page. EXTREMELY RARE to have multiple pages. </a:t>
-            </a:r>
-          </a:p>
-          <a:p>
-            <a:pPr marL="285750" indent="-285750">
-              <a:buFont typeface="Arial" charset="0"/>
-              <a:buChar char="•"/>
-            </a:pPr>
-            <a:r>
-              <a:rPr lang="en-US" dirty="0" smtClean="0"/>
-              <a:t>Send your resume in pdf format</a:t>
-            </a:r>
-          </a:p>
-          <a:p>
-            <a:pPr marL="285750" indent="-285750">
-              <a:buFont typeface="Arial" charset="0"/>
-              <a:buChar char="•"/>
-            </a:pPr>
-            <a:r>
-              <a:rPr lang="en-US" dirty="0" smtClean="0"/>
-              <a:t>Your name should be in the name of the file. (</a:t>
-            </a:r>
-            <a:r>
-              <a:rPr lang="en-US" smtClean="0"/>
-              <a:t>Jason_Ng_Resume.pdf</a:t>
-            </a:r>
-            <a:r>
-              <a:rPr lang="en-US" dirty="0" smtClean="0"/>
-              <a:t>)</a:t>
-            </a:r>
-          </a:p>
-          <a:p>
-            <a:pPr marL="285750" indent="-285750">
-              <a:buFont typeface="Arial" charset="0"/>
-              <a:buChar char="•"/>
-            </a:pPr>
-            <a:endParaRPr lang="en-US" dirty="0" smtClean="0"/>
+            <a:endParaRPr lang="en-US"/>
           </a:p>
         </p:txBody>
       </p:sp>
     </p:spTree>
     <p:extLst>
       <p:ext uri="{BB962C8B-B14F-4D97-AF65-F5344CB8AC3E}">
-        <p14:creationId xmlns:p14="http://schemas.microsoft.com/office/powerpoint/2010/main" val="159072659"/>
+        <p14:creationId xmlns:p14="http://schemas.microsoft.com/office/powerpoint/2010/main" val="1672373949"/>
       </p:ext>
     </p:extLst>
   </p:cSld>
@@ -11003,13 +11345,13 @@
             <a:spLocks noGrp="1"/>
           </p:cNvSpPr>
           <p:nvPr>
-            <p:ph type="title"/>
+            <p:ph type="title" idx="4294967295"/>
           </p:nvPr>
         </p:nvSpPr>
         <p:spPr>
           <a:xfrm>
-            <a:off x="1257300" y="148581"/>
-            <a:ext cx="10172700" cy="793436"/>
+            <a:off x="981319" y="422031"/>
+            <a:ext cx="10179050" cy="832338"/>
           </a:xfrm>
         </p:spPr>
         <p:txBody>
@@ -11019,7 +11361,7 @@
             <a:pPr algn="ctr"/>
             <a:r>
               <a:rPr lang="en-US" b="1" u="sng" dirty="0" smtClean="0"/>
-              <a:t>Organization and consistency</a:t>
+              <a:t>Your Highlight Reel</a:t>
             </a:r>
             <a:endParaRPr lang="en-US" b="1" u="sng" dirty="0"/>
           </a:p>
@@ -11027,51 +11369,23 @@
       </p:sp>
       <p:sp>
         <p:nvSpPr>
-          <p:cNvPr id="2" name="Text Placeholder 1"/>
-          <p:cNvSpPr>
-            <a:spLocks noGrp="1"/>
-          </p:cNvSpPr>
-          <p:nvPr>
-            <p:ph type="body" idx="1"/>
-          </p:nvPr>
+          <p:cNvPr id="8" name="TextBox 7"/>
+          <p:cNvSpPr txBox="1"/>
+          <p:nvPr/>
         </p:nvSpPr>
         <p:spPr>
           <a:xfrm>
-            <a:off x="1257300" y="944456"/>
-            <a:ext cx="4800600" cy="632529"/>
+            <a:off x="1561171" y="2096430"/>
+            <a:ext cx="9511990" cy="3046988"/>
           </a:xfrm>
+          <a:prstGeom prst="rect">
+            <a:avLst/>
+          </a:prstGeom>
+          <a:noFill/>
         </p:spPr>
         <p:txBody>
-          <a:bodyPr/>
-          <a:lstStyle/>
-          <a:p>
-            <a:r>
-              <a:rPr lang="en-US" dirty="0" smtClean="0"/>
-              <a:t>Organization</a:t>
-            </a:r>
-            <a:endParaRPr lang="en-US" dirty="0"/>
-          </a:p>
-        </p:txBody>
-      </p:sp>
-      <p:sp>
-        <p:nvSpPr>
-          <p:cNvPr id="3" name="Content Placeholder 2"/>
-          <p:cNvSpPr>
-            <a:spLocks noGrp="1"/>
-          </p:cNvSpPr>
-          <p:nvPr>
-            <p:ph sz="half" idx="2"/>
-          </p:nvPr>
-        </p:nvSpPr>
-        <p:spPr>
-          <a:xfrm>
-            <a:off x="1257300" y="1797083"/>
-            <a:ext cx="4800600" cy="5060917"/>
-          </a:xfrm>
-        </p:spPr>
-        <p:txBody>
-          <a:bodyPr>
-            <a:noAutofit/>
+          <a:bodyPr wrap="square" rtlCol="0">
+            <a:spAutoFit/>
           </a:bodyPr>
           <a:lstStyle/>
           <a:p>
@@ -11080,10 +11394,13 @@
               <a:buChar char="•"/>
             </a:pPr>
             <a:r>
-              <a:rPr lang="en-US" sz="1800" dirty="0" smtClean="0"/>
-              <a:t>Most relevant skills for that position at top</a:t>
-            </a:r>
-            <a:endParaRPr lang="en-US" sz="1800" dirty="0"/>
+              <a:rPr lang="en-US" sz="2400" dirty="0"/>
+              <a:t>Employers take SEVEN seconds to look at your </a:t>
+            </a:r>
+            <a:r>
+              <a:rPr lang="en-US" sz="2400" dirty="0" smtClean="0"/>
+              <a:t>resume</a:t>
+            </a:r>
           </a:p>
           <a:p>
             <a:pPr marL="285750" indent="-285750">
@@ -11091,10 +11408,9 @@
               <a:buChar char="•"/>
             </a:pPr>
             <a:r>
-              <a:rPr lang="en-US" sz="1800" dirty="0" smtClean="0"/>
-              <a:t>Use common words in job description</a:t>
-            </a:r>
-            <a:endParaRPr lang="en-US" sz="1800" dirty="0"/>
+              <a:rPr lang="en-US" sz="2400" dirty="0" smtClean="0"/>
+              <a:t>Your Resume is meant to get you in the door, in front of a human being</a:t>
+            </a:r>
           </a:p>
           <a:p>
             <a:pPr marL="285750" indent="-285750">
@@ -11102,8 +11418,28 @@
               <a:buChar char="•"/>
             </a:pPr>
             <a:r>
-              <a:rPr lang="en-US" sz="1800" dirty="0"/>
-              <a:t>Name and contact information at the top</a:t>
+              <a:rPr lang="en-US" sz="2400" dirty="0" smtClean="0"/>
+              <a:t>You will have multiple versions of your resume</a:t>
+            </a:r>
+          </a:p>
+          <a:p>
+            <a:pPr marL="285750" indent="-285750">
+              <a:buFont typeface="Arial" charset="0"/>
+              <a:buChar char="•"/>
+            </a:pPr>
+            <a:r>
+              <a:rPr lang="en-US" sz="2400" dirty="0" smtClean="0"/>
+              <a:t>Keep your resume to one page. </a:t>
+            </a:r>
+          </a:p>
+          <a:p>
+            <a:pPr marL="285750" indent="-285750">
+              <a:buFont typeface="Arial" charset="0"/>
+              <a:buChar char="•"/>
+            </a:pPr>
+            <a:r>
+              <a:rPr lang="en-US" sz="2400" dirty="0" smtClean="0"/>
+              <a:t>Send your resume in pdf format</a:t>
             </a:r>
           </a:p>
           <a:p>
@@ -11112,307 +11448,34 @@
               <a:buChar char="•"/>
             </a:pPr>
             <a:r>
-              <a:rPr lang="en-US" sz="1600" dirty="0" smtClean="0"/>
-              <a:t>Email</a:t>
-            </a:r>
-            <a:r>
-              <a:rPr lang="en-US" sz="1600" dirty="0"/>
-              <a:t>, Phone, Address, </a:t>
-            </a:r>
-            <a:r>
-              <a:rPr lang="en-US" sz="1600" dirty="0" err="1"/>
-              <a:t>Github</a:t>
-            </a:r>
-            <a:r>
-              <a:rPr lang="en-US" sz="1600" dirty="0"/>
-              <a:t>, Portfolio</a:t>
-            </a:r>
+              <a:rPr lang="en-US" sz="2400" dirty="0" smtClean="0"/>
+              <a:t>Your name should be in the name of the file. </a:t>
+            </a:r>
+          </a:p>
+          <a:p>
+            <a:pPr marL="742950" lvl="1" indent="-285750">
+              <a:buFont typeface="Arial" charset="0"/>
+              <a:buChar char="•"/>
+            </a:pPr>
+            <a:r>
+              <a:rPr lang="en-US" sz="2400" dirty="0" err="1" smtClean="0"/>
+              <a:t>Jason_Ng_Resume.pdf</a:t>
+            </a:r>
+            <a:endParaRPr lang="en-US" sz="2400" dirty="0" smtClean="0"/>
           </a:p>
           <a:p>
             <a:pPr marL="285750" indent="-285750">
               <a:buFont typeface="Arial" charset="0"/>
               <a:buChar char="•"/>
             </a:pPr>
-            <a:r>
-              <a:rPr lang="en-US" sz="1800" dirty="0" smtClean="0"/>
-              <a:t>Education/Skills on </a:t>
-            </a:r>
-            <a:r>
-              <a:rPr lang="en-US" sz="1800" dirty="0"/>
-              <a:t>the side or the bottom</a:t>
-            </a:r>
-          </a:p>
-          <a:p>
-            <a:pPr marL="285750" indent="-285750">
-              <a:buFont typeface="Arial" charset="0"/>
-              <a:buChar char="•"/>
-            </a:pPr>
-            <a:r>
-              <a:rPr lang="en-US" sz="1800" dirty="0" smtClean="0"/>
-              <a:t>RELEVANT experiences</a:t>
-            </a:r>
-            <a:endParaRPr lang="en-US" sz="1800" dirty="0"/>
-          </a:p>
-          <a:p>
-            <a:pPr marL="742950" lvl="1" indent="-285750">
-              <a:buFont typeface="Arial" charset="0"/>
-              <a:buChar char="•"/>
-            </a:pPr>
-            <a:r>
-              <a:rPr lang="en-US" sz="1600" dirty="0"/>
-              <a:t>Position Title, Company, Dates </a:t>
-            </a:r>
-            <a:r>
-              <a:rPr lang="en-US" sz="1600" dirty="0" smtClean="0"/>
-              <a:t>of employment, Location</a:t>
-            </a:r>
-          </a:p>
-          <a:p>
-            <a:pPr marL="742950" lvl="1" indent="-285750">
-              <a:buFont typeface="Arial" charset="0"/>
-              <a:buChar char="•"/>
-            </a:pPr>
-            <a:r>
-              <a:rPr lang="en-US" sz="1600" dirty="0"/>
-              <a:t>R</a:t>
-            </a:r>
-            <a:r>
-              <a:rPr lang="en-US" sz="1600" dirty="0" smtClean="0"/>
-              <a:t>elated </a:t>
-            </a:r>
-            <a:r>
-              <a:rPr lang="en-US" sz="1600" dirty="0"/>
-              <a:t>R</a:t>
-            </a:r>
-            <a:r>
-              <a:rPr lang="en-US" sz="1600" dirty="0" smtClean="0"/>
-              <a:t>esponsibilities / accomplishments</a:t>
-            </a:r>
-            <a:endParaRPr lang="en-US" sz="1600" dirty="0"/>
-          </a:p>
-          <a:p>
-            <a:pPr marL="285750" indent="-285750">
-              <a:buFont typeface="Arial" charset="0"/>
-              <a:buChar char="•"/>
-            </a:pPr>
-            <a:r>
-              <a:rPr lang="en-US" sz="1800" dirty="0"/>
-              <a:t>Position best content at the top</a:t>
-            </a:r>
-          </a:p>
-          <a:p>
-            <a:pPr marL="285750" indent="-285750">
-              <a:buFont typeface="Arial" charset="0"/>
-              <a:buChar char="•"/>
-            </a:pPr>
-            <a:r>
-              <a:rPr lang="en-US" sz="1800" dirty="0"/>
-              <a:t>The proportion of page taken should represent the importance in the experience or the amount of time spent at a job</a:t>
-            </a:r>
-          </a:p>
-          <a:p>
-            <a:pPr marL="285750" indent="-285750">
-              <a:buFont typeface="Arial" charset="0"/>
-              <a:buChar char="•"/>
-            </a:pPr>
-            <a:endParaRPr lang="en-US" sz="1800" dirty="0"/>
-          </a:p>
-          <a:p>
-            <a:endParaRPr lang="en-US" sz="1800" dirty="0"/>
-          </a:p>
-        </p:txBody>
-      </p:sp>
-      <p:sp>
-        <p:nvSpPr>
-          <p:cNvPr id="4" name="Text Placeholder 3"/>
-          <p:cNvSpPr>
-            <a:spLocks noGrp="1"/>
-          </p:cNvSpPr>
-          <p:nvPr>
-            <p:ph type="body" sz="quarter" idx="3"/>
-          </p:nvPr>
-        </p:nvSpPr>
-        <p:spPr>
-          <a:xfrm>
-            <a:off x="6629400" y="942017"/>
-            <a:ext cx="4800600" cy="632529"/>
-          </a:xfrm>
-        </p:spPr>
-        <p:txBody>
-          <a:bodyPr/>
-          <a:lstStyle/>
-          <a:p>
-            <a:r>
-              <a:rPr lang="en-US" dirty="0" smtClean="0"/>
-              <a:t>Consistency</a:t>
-            </a:r>
-            <a:endParaRPr lang="en-US" dirty="0"/>
-          </a:p>
-        </p:txBody>
-      </p:sp>
-      <p:sp>
-        <p:nvSpPr>
-          <p:cNvPr id="6" name="Content Placeholder 5"/>
-          <p:cNvSpPr>
-            <a:spLocks noGrp="1"/>
-          </p:cNvSpPr>
-          <p:nvPr>
-            <p:ph sz="quarter" idx="4"/>
-          </p:nvPr>
-        </p:nvSpPr>
-        <p:spPr>
-          <a:xfrm>
-            <a:off x="6629400" y="1797083"/>
-            <a:ext cx="4800600" cy="5060917"/>
-          </a:xfrm>
-        </p:spPr>
-        <p:txBody>
-          <a:bodyPr>
-            <a:noAutofit/>
-          </a:bodyPr>
-          <a:lstStyle/>
-          <a:p>
-            <a:pPr marL="285750" indent="-285750">
-              <a:buFont typeface="Arial" charset="0"/>
-              <a:buChar char="•"/>
-            </a:pPr>
-            <a:r>
-              <a:rPr lang="en-US" sz="1800" dirty="0"/>
-              <a:t>Fonts</a:t>
-            </a:r>
-          </a:p>
-          <a:p>
-            <a:pPr marL="742950" lvl="1" indent="-285750">
-              <a:buFont typeface="Arial" charset="0"/>
-              <a:buChar char="•"/>
-            </a:pPr>
-            <a:r>
-              <a:rPr lang="en-US" dirty="0"/>
-              <a:t>Use the same </a:t>
-            </a:r>
-            <a:r>
-              <a:rPr lang="en-US" dirty="0" smtClean="0"/>
-              <a:t>font </a:t>
-            </a:r>
-            <a:r>
-              <a:rPr lang="en-US" dirty="0"/>
-              <a:t>for the same </a:t>
-            </a:r>
-            <a:r>
-              <a:rPr lang="en-US" dirty="0" smtClean="0"/>
-              <a:t>tasks</a:t>
-            </a:r>
-          </a:p>
-          <a:p>
-            <a:pPr marL="1200150" lvl="2" indent="-285750">
-              <a:buFont typeface="Arial" charset="0"/>
-              <a:buChar char="•"/>
-            </a:pPr>
-            <a:r>
-              <a:rPr lang="en-US" sz="1600" dirty="0" smtClean="0"/>
-              <a:t>One </a:t>
-            </a:r>
-            <a:r>
-              <a:rPr lang="en-US" sz="1600" dirty="0"/>
-              <a:t>font for headers / </a:t>
-            </a:r>
-            <a:r>
-              <a:rPr lang="en-US" sz="1600" dirty="0" smtClean="0"/>
-              <a:t>titles</a:t>
-            </a:r>
-          </a:p>
-          <a:p>
-            <a:pPr marL="1200150" lvl="2" indent="-285750">
-              <a:buFont typeface="Arial" charset="0"/>
-              <a:buChar char="•"/>
-            </a:pPr>
-            <a:r>
-              <a:rPr lang="en-US" dirty="0" smtClean="0"/>
-              <a:t>One </a:t>
-            </a:r>
-            <a:r>
-              <a:rPr lang="en-US" dirty="0"/>
-              <a:t>font for bullets / descriptions</a:t>
-            </a:r>
-          </a:p>
-          <a:p>
-            <a:pPr marL="742950" lvl="1" indent="-285750">
-              <a:buFont typeface="Arial" charset="0"/>
-              <a:buChar char="•"/>
-            </a:pPr>
-            <a:r>
-              <a:rPr lang="en-US" dirty="0"/>
-              <a:t>Keep the font size the </a:t>
-            </a:r>
-            <a:r>
-              <a:rPr lang="en-US" dirty="0" smtClean="0"/>
-              <a:t>same</a:t>
-            </a:r>
-            <a:endParaRPr lang="en-US" dirty="0"/>
-          </a:p>
-          <a:p>
-            <a:pPr marL="285750" indent="-285750">
-              <a:buFont typeface="Arial" charset="0"/>
-              <a:buChar char="•"/>
-            </a:pPr>
-            <a:r>
-              <a:rPr lang="en-US" sz="1800" dirty="0" smtClean="0"/>
-              <a:t>All wording of same type should be the same.</a:t>
-            </a:r>
-          </a:p>
-          <a:p>
-            <a:pPr marL="742950" lvl="1" indent="-285750">
-              <a:buFont typeface="Arial" charset="0"/>
-              <a:buChar char="•"/>
-            </a:pPr>
-            <a:r>
-              <a:rPr lang="en-US" sz="1600" dirty="0" smtClean="0"/>
-              <a:t>If one job title is underlined, all job titles are underlined</a:t>
-            </a:r>
-          </a:p>
-          <a:p>
-            <a:pPr marL="285750" indent="-285750">
-              <a:buFont typeface="Arial" charset="0"/>
-              <a:buChar char="•"/>
-            </a:pPr>
-            <a:r>
-              <a:rPr lang="en-US" sz="1800" dirty="0" smtClean="0"/>
-              <a:t>Use </a:t>
-            </a:r>
-            <a:r>
-              <a:rPr lang="en-US" sz="1800" dirty="0"/>
-              <a:t>the same bullets throughout the whole resume</a:t>
-            </a:r>
-          </a:p>
-          <a:p>
-            <a:pPr marL="285750" indent="-285750">
-              <a:buFont typeface="Arial" charset="0"/>
-              <a:buChar char="•"/>
-            </a:pPr>
-            <a:r>
-              <a:rPr lang="en-US" sz="1800" dirty="0"/>
-              <a:t>Decide whether you are using periods or not</a:t>
-            </a:r>
-          </a:p>
-          <a:p>
-            <a:pPr marL="285750" indent="-285750">
-              <a:buFont typeface="Arial" charset="0"/>
-              <a:buChar char="•"/>
-            </a:pPr>
-            <a:r>
-              <a:rPr lang="en-US" sz="1800" dirty="0"/>
-              <a:t>Keep all tenses the same (IN THE PAST)</a:t>
-            </a:r>
-          </a:p>
-          <a:p>
-            <a:endParaRPr lang="en-US" sz="1800" dirty="0"/>
+            <a:endParaRPr lang="en-US" sz="2400" dirty="0" smtClean="0"/>
           </a:p>
         </p:txBody>
       </p:sp>
     </p:spTree>
     <p:extLst>
       <p:ext uri="{BB962C8B-B14F-4D97-AF65-F5344CB8AC3E}">
-        <p14:creationId xmlns:p14="http://schemas.microsoft.com/office/powerpoint/2010/main" val="1978493926"/>
+        <p14:creationId xmlns:p14="http://schemas.microsoft.com/office/powerpoint/2010/main" val="159072659"/>
       </p:ext>
     </p:extLst>
   </p:cSld>

--- a/Job_Stuff/Jng_Job_Prezzie.pptx
+++ b/Job_Stuff/Jng_Job_Prezzie.pptx
@@ -26,6 +26,12 @@
     <p:sldId id="268" r:id="rId20"/>
     <p:sldId id="269" r:id="rId21"/>
     <p:sldId id="270" r:id="rId22"/>
+    <p:sldId id="280" r:id="rId23"/>
+    <p:sldId id="281" r:id="rId24"/>
+    <p:sldId id="278" r:id="rId25"/>
+    <p:sldId id="279" r:id="rId26"/>
+    <p:sldId id="282" r:id="rId27"/>
+    <p:sldId id="283" r:id="rId28"/>
   </p:sldIdLst>
   <p:sldSz cx="12192000" cy="6858000"/>
   <p:notesSz cx="6858000" cy="9144000"/>
@@ -9182,10 +9188,9 @@
           </a:p>
           <a:p>
             <a:r>
-              <a:rPr lang="en-US" smtClean="0"/>
+              <a:rPr lang="en-US" dirty="0" smtClean="0"/>
               <a:t>What to do for interviews</a:t>
             </a:r>
-            <a:endParaRPr lang="en-US" dirty="0" smtClean="0"/>
           </a:p>
           <a:p>
             <a:endParaRPr lang="en-US" dirty="0"/>
@@ -10102,6 +10107,557 @@
     <p:extLst>
       <p:ext uri="{BB962C8B-B14F-4D97-AF65-F5344CB8AC3E}">
         <p14:creationId xmlns:p14="http://schemas.microsoft.com/office/powerpoint/2010/main" val="786106490"/>
+      </p:ext>
+    </p:extLst>
+  </p:cSld>
+  <p:clrMapOvr>
+    <a:masterClrMapping/>
+  </p:clrMapOvr>
+</p:sld>
+</file>
+
+<file path=ppt/slides/slide22.xml><?xml version="1.0" encoding="utf-8"?>
+<p:sld xmlns:a="http://schemas.openxmlformats.org/drawingml/2006/main" xmlns:r="http://schemas.openxmlformats.org/officeDocument/2006/relationships" xmlns:p="http://schemas.openxmlformats.org/presentationml/2006/main">
+  <p:cSld>
+    <p:spTree>
+      <p:nvGrpSpPr>
+        <p:cNvPr id="1" name=""/>
+        <p:cNvGrpSpPr/>
+        <p:nvPr/>
+      </p:nvGrpSpPr>
+      <p:grpSpPr>
+        <a:xfrm>
+          <a:off x="0" y="0"/>
+          <a:ext cx="0" cy="0"/>
+          <a:chOff x="0" y="0"/>
+          <a:chExt cx="0" cy="0"/>
+        </a:xfrm>
+      </p:grpSpPr>
+      <p:sp>
+        <p:nvSpPr>
+          <p:cNvPr id="2" name="Title 1"/>
+          <p:cNvSpPr>
+            <a:spLocks noGrp="1"/>
+          </p:cNvSpPr>
+          <p:nvPr>
+            <p:ph type="ctrTitle"/>
+          </p:nvPr>
+        </p:nvSpPr>
+        <p:spPr/>
+        <p:txBody>
+          <a:bodyPr/>
+          <a:lstStyle/>
+          <a:p>
+            <a:pPr algn="ctr"/>
+            <a:r>
+              <a:rPr lang="en-US" dirty="0" smtClean="0"/>
+              <a:t>Application Work Flow</a:t>
+            </a:r>
+            <a:endParaRPr lang="en-US" dirty="0"/>
+          </a:p>
+        </p:txBody>
+      </p:sp>
+      <p:sp>
+        <p:nvSpPr>
+          <p:cNvPr id="4" name="Subtitle 3"/>
+          <p:cNvSpPr>
+            <a:spLocks noGrp="1"/>
+          </p:cNvSpPr>
+          <p:nvPr>
+            <p:ph type="subTitle" idx="1"/>
+          </p:nvPr>
+        </p:nvSpPr>
+        <p:spPr/>
+        <p:txBody>
+          <a:bodyPr/>
+          <a:lstStyle/>
+          <a:p>
+            <a:endParaRPr lang="en-US"/>
+          </a:p>
+        </p:txBody>
+      </p:sp>
+    </p:spTree>
+    <p:extLst>
+      <p:ext uri="{BB962C8B-B14F-4D97-AF65-F5344CB8AC3E}">
+        <p14:creationId xmlns:p14="http://schemas.microsoft.com/office/powerpoint/2010/main" val="1981773937"/>
+      </p:ext>
+    </p:extLst>
+  </p:cSld>
+  <p:clrMapOvr>
+    <a:masterClrMapping/>
+  </p:clrMapOvr>
+</p:sld>
+</file>
+
+<file path=ppt/slides/slide23.xml><?xml version="1.0" encoding="utf-8"?>
+<p:sld xmlns:a="http://schemas.openxmlformats.org/drawingml/2006/main" xmlns:r="http://schemas.openxmlformats.org/officeDocument/2006/relationships" xmlns:p="http://schemas.openxmlformats.org/presentationml/2006/main">
+  <p:cSld>
+    <p:spTree>
+      <p:nvGrpSpPr>
+        <p:cNvPr id="1" name=""/>
+        <p:cNvGrpSpPr/>
+        <p:nvPr/>
+      </p:nvGrpSpPr>
+      <p:grpSpPr>
+        <a:xfrm>
+          <a:off x="0" y="0"/>
+          <a:ext cx="0" cy="0"/>
+          <a:chOff x="0" y="0"/>
+          <a:chExt cx="0" cy="0"/>
+        </a:xfrm>
+      </p:grpSpPr>
+      <p:sp>
+        <p:nvSpPr>
+          <p:cNvPr id="2" name="Title 1"/>
+          <p:cNvSpPr>
+            <a:spLocks noGrp="1"/>
+          </p:cNvSpPr>
+          <p:nvPr>
+            <p:ph type="title"/>
+          </p:nvPr>
+        </p:nvSpPr>
+        <p:spPr/>
+        <p:txBody>
+          <a:bodyPr/>
+          <a:lstStyle/>
+          <a:p>
+            <a:pPr algn="ctr"/>
+            <a:r>
+              <a:rPr lang="en-US" dirty="0" err="1" smtClean="0"/>
+              <a:t>Trello</a:t>
+            </a:r>
+            <a:r>
+              <a:rPr lang="en-US" dirty="0" smtClean="0"/>
+              <a:t> Board</a:t>
+            </a:r>
+            <a:endParaRPr lang="en-US" dirty="0"/>
+          </a:p>
+        </p:txBody>
+      </p:sp>
+      <p:sp>
+        <p:nvSpPr>
+          <p:cNvPr id="3" name="Content Placeholder 2"/>
+          <p:cNvSpPr>
+            <a:spLocks noGrp="1"/>
+          </p:cNvSpPr>
+          <p:nvPr>
+            <p:ph idx="1"/>
+          </p:nvPr>
+        </p:nvSpPr>
+        <p:spPr/>
+        <p:txBody>
+          <a:bodyPr/>
+          <a:lstStyle/>
+          <a:p>
+            <a:r>
+              <a:rPr lang="en-US" dirty="0" smtClean="0"/>
+              <a:t>Make a </a:t>
+            </a:r>
+            <a:r>
+              <a:rPr lang="en-US" dirty="0" err="1" smtClean="0"/>
+              <a:t>Trello</a:t>
+            </a:r>
+            <a:r>
+              <a:rPr lang="en-US" dirty="0" smtClean="0"/>
+              <a:t> Board for your application process</a:t>
+            </a:r>
+          </a:p>
+          <a:p>
+            <a:r>
+              <a:rPr lang="en-US" dirty="0" smtClean="0"/>
+              <a:t>Columns for each of the following</a:t>
+            </a:r>
+          </a:p>
+          <a:p>
+            <a:pPr lvl="1"/>
+            <a:r>
+              <a:rPr lang="en-US" dirty="0" smtClean="0"/>
+              <a:t>Profiles, Places to Consider,  Position to Apply,  Applied, Interview, Offers, Rejections / Did Not Want</a:t>
+            </a:r>
+          </a:p>
+          <a:p>
+            <a:r>
+              <a:rPr lang="en-US" dirty="0" smtClean="0"/>
+              <a:t>Use </a:t>
+            </a:r>
+            <a:r>
+              <a:rPr lang="en-US" dirty="0" err="1" smtClean="0"/>
+              <a:t>Trello’s</a:t>
+            </a:r>
+            <a:r>
+              <a:rPr lang="en-US" dirty="0"/>
+              <a:t> </a:t>
+            </a:r>
+            <a:r>
+              <a:rPr lang="en-US" dirty="0" smtClean="0"/>
+              <a:t>Cards</a:t>
+            </a:r>
+          </a:p>
+          <a:p>
+            <a:pPr lvl="1"/>
+            <a:r>
+              <a:rPr lang="en-US" dirty="0" smtClean="0"/>
+              <a:t>Make a checklist (resume sent / cover letter sent / thank you email / etc.)</a:t>
+            </a:r>
+          </a:p>
+          <a:p>
+            <a:pPr lvl="1"/>
+            <a:r>
+              <a:rPr lang="en-US" dirty="0" smtClean="0"/>
+              <a:t>Save a link to the job posting</a:t>
+            </a:r>
+          </a:p>
+          <a:p>
+            <a:pPr lvl="1"/>
+            <a:r>
+              <a:rPr lang="en-US" dirty="0" smtClean="0"/>
+              <a:t>Make a due date</a:t>
+            </a:r>
+          </a:p>
+          <a:p>
+            <a:endParaRPr lang="en-US" dirty="0"/>
+          </a:p>
+        </p:txBody>
+      </p:sp>
+    </p:spTree>
+    <p:extLst>
+      <p:ext uri="{BB962C8B-B14F-4D97-AF65-F5344CB8AC3E}">
+        <p14:creationId xmlns:p14="http://schemas.microsoft.com/office/powerpoint/2010/main" val="1377875606"/>
+      </p:ext>
+    </p:extLst>
+  </p:cSld>
+  <p:clrMapOvr>
+    <a:masterClrMapping/>
+  </p:clrMapOvr>
+</p:sld>
+</file>
+
+<file path=ppt/slides/slide24.xml><?xml version="1.0" encoding="utf-8"?>
+<p:sld xmlns:a="http://schemas.openxmlformats.org/drawingml/2006/main" xmlns:r="http://schemas.openxmlformats.org/officeDocument/2006/relationships" xmlns:p="http://schemas.openxmlformats.org/presentationml/2006/main">
+  <p:cSld>
+    <p:spTree>
+      <p:nvGrpSpPr>
+        <p:cNvPr id="1" name=""/>
+        <p:cNvGrpSpPr/>
+        <p:nvPr/>
+      </p:nvGrpSpPr>
+      <p:grpSpPr>
+        <a:xfrm>
+          <a:off x="0" y="0"/>
+          <a:ext cx="0" cy="0"/>
+          <a:chOff x="0" y="0"/>
+          <a:chExt cx="0" cy="0"/>
+        </a:xfrm>
+      </p:grpSpPr>
+      <p:sp>
+        <p:nvSpPr>
+          <p:cNvPr id="2" name="Title 1"/>
+          <p:cNvSpPr>
+            <a:spLocks noGrp="1"/>
+          </p:cNvSpPr>
+          <p:nvPr>
+            <p:ph type="ctrTitle"/>
+          </p:nvPr>
+        </p:nvSpPr>
+        <p:spPr/>
+        <p:txBody>
+          <a:bodyPr/>
+          <a:lstStyle/>
+          <a:p>
+            <a:pPr algn="ctr"/>
+            <a:r>
+              <a:rPr lang="en-US" dirty="0" smtClean="0"/>
+              <a:t>Networking</a:t>
+            </a:r>
+            <a:br>
+              <a:rPr lang="en-US" dirty="0" smtClean="0"/>
+            </a:br>
+            <a:r>
+              <a:rPr lang="en-US" dirty="0" smtClean="0"/>
+              <a:t>Interviewing</a:t>
+            </a:r>
+            <a:endParaRPr lang="en-US" dirty="0"/>
+          </a:p>
+        </p:txBody>
+      </p:sp>
+      <p:sp>
+        <p:nvSpPr>
+          <p:cNvPr id="4" name="Subtitle 3"/>
+          <p:cNvSpPr>
+            <a:spLocks noGrp="1"/>
+          </p:cNvSpPr>
+          <p:nvPr>
+            <p:ph type="subTitle" idx="1"/>
+          </p:nvPr>
+        </p:nvSpPr>
+        <p:spPr/>
+        <p:txBody>
+          <a:bodyPr/>
+          <a:lstStyle/>
+          <a:p>
+            <a:endParaRPr lang="en-US"/>
+          </a:p>
+        </p:txBody>
+      </p:sp>
+    </p:spTree>
+    <p:extLst>
+      <p:ext uri="{BB962C8B-B14F-4D97-AF65-F5344CB8AC3E}">
+        <p14:creationId xmlns:p14="http://schemas.microsoft.com/office/powerpoint/2010/main" val="1861597957"/>
+      </p:ext>
+    </p:extLst>
+  </p:cSld>
+  <p:clrMapOvr>
+    <a:masterClrMapping/>
+  </p:clrMapOvr>
+</p:sld>
+</file>
+
+<file path=ppt/slides/slide25.xml><?xml version="1.0" encoding="utf-8"?>
+<p:sld xmlns:a="http://schemas.openxmlformats.org/drawingml/2006/main" xmlns:r="http://schemas.openxmlformats.org/officeDocument/2006/relationships" xmlns:p="http://schemas.openxmlformats.org/presentationml/2006/main">
+  <p:cSld>
+    <p:spTree>
+      <p:nvGrpSpPr>
+        <p:cNvPr id="1" name=""/>
+        <p:cNvGrpSpPr/>
+        <p:nvPr/>
+      </p:nvGrpSpPr>
+      <p:grpSpPr>
+        <a:xfrm>
+          <a:off x="0" y="0"/>
+          <a:ext cx="0" cy="0"/>
+          <a:chOff x="0" y="0"/>
+          <a:chExt cx="0" cy="0"/>
+        </a:xfrm>
+      </p:grpSpPr>
+      <p:sp>
+        <p:nvSpPr>
+          <p:cNvPr id="2" name="Title 1"/>
+          <p:cNvSpPr>
+            <a:spLocks noGrp="1"/>
+          </p:cNvSpPr>
+          <p:nvPr>
+            <p:ph type="title"/>
+          </p:nvPr>
+        </p:nvSpPr>
+        <p:spPr/>
+        <p:txBody>
+          <a:bodyPr/>
+          <a:lstStyle/>
+          <a:p>
+            <a:pPr algn="ctr"/>
+            <a:r>
+              <a:rPr lang="en-US" dirty="0" smtClean="0"/>
+              <a:t>Networking</a:t>
+            </a:r>
+            <a:endParaRPr lang="en-US" dirty="0"/>
+          </a:p>
+        </p:txBody>
+      </p:sp>
+      <p:sp>
+        <p:nvSpPr>
+          <p:cNvPr id="3" name="Content Placeholder 2"/>
+          <p:cNvSpPr>
+            <a:spLocks noGrp="1"/>
+          </p:cNvSpPr>
+          <p:nvPr>
+            <p:ph idx="1"/>
+          </p:nvPr>
+        </p:nvSpPr>
+        <p:spPr/>
+        <p:txBody>
+          <a:bodyPr/>
+          <a:lstStyle/>
+          <a:p>
+            <a:r>
+              <a:rPr lang="en-US" dirty="0" smtClean="0"/>
+              <a:t>Elevator Pitch</a:t>
+            </a:r>
+          </a:p>
+          <a:p>
+            <a:r>
+              <a:rPr lang="en-US" dirty="0" smtClean="0"/>
+              <a:t>Unique New York</a:t>
+            </a:r>
+          </a:p>
+          <a:p>
+            <a:endParaRPr lang="en-US" dirty="0"/>
+          </a:p>
+        </p:txBody>
+      </p:sp>
+    </p:spTree>
+    <p:extLst>
+      <p:ext uri="{BB962C8B-B14F-4D97-AF65-F5344CB8AC3E}">
+        <p14:creationId xmlns:p14="http://schemas.microsoft.com/office/powerpoint/2010/main" val="645410488"/>
+      </p:ext>
+    </p:extLst>
+  </p:cSld>
+  <p:clrMapOvr>
+    <a:masterClrMapping/>
+  </p:clrMapOvr>
+</p:sld>
+</file>
+
+<file path=ppt/slides/slide26.xml><?xml version="1.0" encoding="utf-8"?>
+<p:sld xmlns:a="http://schemas.openxmlformats.org/drawingml/2006/main" xmlns:r="http://schemas.openxmlformats.org/officeDocument/2006/relationships" xmlns:p="http://schemas.openxmlformats.org/presentationml/2006/main">
+  <p:cSld>
+    <p:spTree>
+      <p:nvGrpSpPr>
+        <p:cNvPr id="1" name=""/>
+        <p:cNvGrpSpPr/>
+        <p:nvPr/>
+      </p:nvGrpSpPr>
+      <p:grpSpPr>
+        <a:xfrm>
+          <a:off x="0" y="0"/>
+          <a:ext cx="0" cy="0"/>
+          <a:chOff x="0" y="0"/>
+          <a:chExt cx="0" cy="0"/>
+        </a:xfrm>
+      </p:grpSpPr>
+      <p:sp>
+        <p:nvSpPr>
+          <p:cNvPr id="2" name="Title 1"/>
+          <p:cNvSpPr>
+            <a:spLocks noGrp="1"/>
+          </p:cNvSpPr>
+          <p:nvPr>
+            <p:ph type="title"/>
+          </p:nvPr>
+        </p:nvSpPr>
+        <p:spPr/>
+        <p:txBody>
+          <a:bodyPr/>
+          <a:lstStyle/>
+          <a:p>
+            <a:pPr algn="ctr"/>
+            <a:r>
+              <a:rPr lang="en-US" dirty="0" smtClean="0"/>
+              <a:t>Cover Letters</a:t>
+            </a:r>
+            <a:endParaRPr lang="en-US" dirty="0"/>
+          </a:p>
+        </p:txBody>
+      </p:sp>
+      <p:sp>
+        <p:nvSpPr>
+          <p:cNvPr id="3" name="Content Placeholder 2"/>
+          <p:cNvSpPr>
+            <a:spLocks noGrp="1"/>
+          </p:cNvSpPr>
+          <p:nvPr>
+            <p:ph idx="1"/>
+          </p:nvPr>
+        </p:nvSpPr>
+        <p:spPr/>
+        <p:txBody>
+          <a:bodyPr/>
+          <a:lstStyle/>
+          <a:p>
+            <a:r>
+              <a:rPr lang="en-US" dirty="0" smtClean="0"/>
+              <a:t>Elevator Pitch</a:t>
+            </a:r>
+          </a:p>
+          <a:p>
+            <a:r>
+              <a:rPr lang="en-US" dirty="0" smtClean="0"/>
+              <a:t>Unique New York</a:t>
+            </a:r>
+          </a:p>
+          <a:p>
+            <a:endParaRPr lang="en-US" dirty="0"/>
+          </a:p>
+        </p:txBody>
+      </p:sp>
+    </p:spTree>
+    <p:extLst>
+      <p:ext uri="{BB962C8B-B14F-4D97-AF65-F5344CB8AC3E}">
+        <p14:creationId xmlns:p14="http://schemas.microsoft.com/office/powerpoint/2010/main" val="2127695900"/>
+      </p:ext>
+    </p:extLst>
+  </p:cSld>
+  <p:clrMapOvr>
+    <a:masterClrMapping/>
+  </p:clrMapOvr>
+</p:sld>
+</file>
+
+<file path=ppt/slides/slide27.xml><?xml version="1.0" encoding="utf-8"?>
+<p:sld xmlns:a="http://schemas.openxmlformats.org/drawingml/2006/main" xmlns:r="http://schemas.openxmlformats.org/officeDocument/2006/relationships" xmlns:p="http://schemas.openxmlformats.org/presentationml/2006/main">
+  <p:cSld>
+    <p:spTree>
+      <p:nvGrpSpPr>
+        <p:cNvPr id="1" name=""/>
+        <p:cNvGrpSpPr/>
+        <p:nvPr/>
+      </p:nvGrpSpPr>
+      <p:grpSpPr>
+        <a:xfrm>
+          <a:off x="0" y="0"/>
+          <a:ext cx="0" cy="0"/>
+          <a:chOff x="0" y="0"/>
+          <a:chExt cx="0" cy="0"/>
+        </a:xfrm>
+      </p:grpSpPr>
+      <p:sp>
+        <p:nvSpPr>
+          <p:cNvPr id="2" name="Title 1"/>
+          <p:cNvSpPr>
+            <a:spLocks noGrp="1"/>
+          </p:cNvSpPr>
+          <p:nvPr>
+            <p:ph type="title"/>
+          </p:nvPr>
+        </p:nvSpPr>
+        <p:spPr/>
+        <p:txBody>
+          <a:bodyPr/>
+          <a:lstStyle/>
+          <a:p>
+            <a:pPr algn="ctr"/>
+            <a:r>
+              <a:rPr lang="en-US" dirty="0" smtClean="0"/>
+              <a:t>Thank You Notes</a:t>
+            </a:r>
+            <a:endParaRPr lang="en-US" dirty="0"/>
+          </a:p>
+        </p:txBody>
+      </p:sp>
+      <p:sp>
+        <p:nvSpPr>
+          <p:cNvPr id="3" name="Content Placeholder 2"/>
+          <p:cNvSpPr>
+            <a:spLocks noGrp="1"/>
+          </p:cNvSpPr>
+          <p:nvPr>
+            <p:ph idx="1"/>
+          </p:nvPr>
+        </p:nvSpPr>
+        <p:spPr/>
+        <p:txBody>
+          <a:bodyPr/>
+          <a:lstStyle/>
+          <a:p>
+            <a:r>
+              <a:rPr lang="en-US" dirty="0" smtClean="0"/>
+              <a:t>Elevator Pitch</a:t>
+            </a:r>
+          </a:p>
+          <a:p>
+            <a:r>
+              <a:rPr lang="en-US" dirty="0" smtClean="0"/>
+              <a:t>Unique New York</a:t>
+            </a:r>
+          </a:p>
+          <a:p>
+            <a:endParaRPr lang="en-US" dirty="0"/>
+          </a:p>
+        </p:txBody>
+      </p:sp>
+    </p:spTree>
+    <p:extLst>
+      <p:ext uri="{BB962C8B-B14F-4D97-AF65-F5344CB8AC3E}">
+        <p14:creationId xmlns:p14="http://schemas.microsoft.com/office/powerpoint/2010/main" val="1132332536"/>
       </p:ext>
     </p:extLst>
   </p:cSld>

--- a/Job_Stuff/Jng_Job_Prezzie.pptx
+++ b/Job_Stuff/Jng_Job_Prezzie.pptx
@@ -32,6 +32,8 @@
     <p:sldId id="279" r:id="rId26"/>
     <p:sldId id="282" r:id="rId27"/>
     <p:sldId id="283" r:id="rId28"/>
+    <p:sldId id="285" r:id="rId29"/>
+    <p:sldId id="284" r:id="rId30"/>
   </p:sldIdLst>
   <p:sldSz cx="12192000" cy="6858000"/>
   <p:notesSz cx="6858000" cy="9144000"/>
@@ -10555,14 +10557,29 @@
           <a:p>
             <a:r>
               <a:rPr lang="en-US" dirty="0" smtClean="0"/>
-              <a:t>Elevator Pitch</a:t>
-            </a:r>
-          </a:p>
-          <a:p>
-            <a:r>
-              <a:rPr lang="en-US" dirty="0" smtClean="0"/>
-              <a:t>Unique New York</a:t>
-            </a:r>
+              <a:t>Keep it short</a:t>
+            </a:r>
+          </a:p>
+          <a:p>
+            <a:r>
+              <a:rPr lang="en-US" dirty="0" smtClean="0"/>
+              <a:t>Give a detailed account of why you are qualified</a:t>
+            </a:r>
+          </a:p>
+          <a:p>
+            <a:r>
+              <a:rPr lang="en-US" dirty="0" smtClean="0"/>
+              <a:t>Talk about your skills, previous experiences, relatable soft skills</a:t>
+            </a:r>
+          </a:p>
+          <a:p>
+            <a:r>
+              <a:rPr lang="en-US" dirty="0" smtClean="0"/>
+              <a:t>Show your interest in that position and the company</a:t>
+            </a:r>
+          </a:p>
+          <a:p>
+            <a:endParaRPr lang="en-US" dirty="0" smtClean="0"/>
           </a:p>
           <a:p>
             <a:endParaRPr lang="en-US" dirty="0"/>
@@ -10640,16 +10657,26 @@
           <a:p>
             <a:r>
               <a:rPr lang="en-US" dirty="0" smtClean="0"/>
-              <a:t>Elevator Pitch</a:t>
-            </a:r>
-          </a:p>
-          <a:p>
-            <a:r>
-              <a:rPr lang="en-US" dirty="0" smtClean="0"/>
-              <a:t>Unique New York</a:t>
-            </a:r>
-          </a:p>
-          <a:p>
+              <a:t>Follow up quickly. 1-2 business days</a:t>
+            </a:r>
+          </a:p>
+          <a:p>
+            <a:r>
+              <a:rPr lang="en-US" dirty="0" smtClean="0"/>
+              <a:t>Address anything that you felt you did poorly on during the interview</a:t>
+            </a:r>
+          </a:p>
+          <a:p>
+            <a:r>
+              <a:rPr lang="en-US" dirty="0" smtClean="0"/>
+              <a:t>Mention something you did great on during the interview</a:t>
+            </a:r>
+          </a:p>
+          <a:p>
+            <a:r>
+              <a:rPr lang="en-US" dirty="0" smtClean="0"/>
+              <a:t>Make sure to actually write thank you</a:t>
+            </a:r>
             <a:endParaRPr lang="en-US" dirty="0"/>
           </a:p>
         </p:txBody>
@@ -10658,6 +10685,201 @@
     <p:extLst>
       <p:ext uri="{BB962C8B-B14F-4D97-AF65-F5344CB8AC3E}">
         <p14:creationId xmlns:p14="http://schemas.microsoft.com/office/powerpoint/2010/main" val="1132332536"/>
+      </p:ext>
+    </p:extLst>
+  </p:cSld>
+  <p:clrMapOvr>
+    <a:masterClrMapping/>
+  </p:clrMapOvr>
+</p:sld>
+</file>
+
+<file path=ppt/slides/slide28.xml><?xml version="1.0" encoding="utf-8"?>
+<p:sld xmlns:a="http://schemas.openxmlformats.org/drawingml/2006/main" xmlns:r="http://schemas.openxmlformats.org/officeDocument/2006/relationships" xmlns:p="http://schemas.openxmlformats.org/presentationml/2006/main">
+  <p:cSld>
+    <p:spTree>
+      <p:nvGrpSpPr>
+        <p:cNvPr id="1" name=""/>
+        <p:cNvGrpSpPr/>
+        <p:nvPr/>
+      </p:nvGrpSpPr>
+      <p:grpSpPr>
+        <a:xfrm>
+          <a:off x="0" y="0"/>
+          <a:ext cx="0" cy="0"/>
+          <a:chOff x="0" y="0"/>
+          <a:chExt cx="0" cy="0"/>
+        </a:xfrm>
+      </p:grpSpPr>
+      <p:sp>
+        <p:nvSpPr>
+          <p:cNvPr id="2" name="Title 1"/>
+          <p:cNvSpPr>
+            <a:spLocks noGrp="1"/>
+          </p:cNvSpPr>
+          <p:nvPr>
+            <p:ph type="ctrTitle"/>
+          </p:nvPr>
+        </p:nvSpPr>
+        <p:spPr/>
+        <p:txBody>
+          <a:bodyPr/>
+          <a:lstStyle/>
+          <a:p>
+            <a:pPr algn="ctr"/>
+            <a:r>
+              <a:rPr lang="en-US" dirty="0" smtClean="0"/>
+              <a:t>Resources</a:t>
+            </a:r>
+            <a:endParaRPr lang="en-US" dirty="0"/>
+          </a:p>
+        </p:txBody>
+      </p:sp>
+      <p:sp>
+        <p:nvSpPr>
+          <p:cNvPr id="4" name="Subtitle 3"/>
+          <p:cNvSpPr>
+            <a:spLocks noGrp="1"/>
+          </p:cNvSpPr>
+          <p:nvPr>
+            <p:ph type="subTitle" idx="1"/>
+          </p:nvPr>
+        </p:nvSpPr>
+        <p:spPr/>
+        <p:txBody>
+          <a:bodyPr/>
+          <a:lstStyle/>
+          <a:p>
+            <a:endParaRPr lang="en-US"/>
+          </a:p>
+        </p:txBody>
+      </p:sp>
+    </p:spTree>
+    <p:extLst>
+      <p:ext uri="{BB962C8B-B14F-4D97-AF65-F5344CB8AC3E}">
+        <p14:creationId xmlns:p14="http://schemas.microsoft.com/office/powerpoint/2010/main" val="839557260"/>
+      </p:ext>
+    </p:extLst>
+  </p:cSld>
+  <p:clrMapOvr>
+    <a:masterClrMapping/>
+  </p:clrMapOvr>
+</p:sld>
+</file>
+
+<file path=ppt/slides/slide29.xml><?xml version="1.0" encoding="utf-8"?>
+<p:sld xmlns:a="http://schemas.openxmlformats.org/drawingml/2006/main" xmlns:r="http://schemas.openxmlformats.org/officeDocument/2006/relationships" xmlns:p="http://schemas.openxmlformats.org/presentationml/2006/main">
+  <p:cSld>
+    <p:spTree>
+      <p:nvGrpSpPr>
+        <p:cNvPr id="1" name=""/>
+        <p:cNvGrpSpPr/>
+        <p:nvPr/>
+      </p:nvGrpSpPr>
+      <p:grpSpPr>
+        <a:xfrm>
+          <a:off x="0" y="0"/>
+          <a:ext cx="0" cy="0"/>
+          <a:chOff x="0" y="0"/>
+          <a:chExt cx="0" cy="0"/>
+        </a:xfrm>
+      </p:grpSpPr>
+      <p:sp>
+        <p:nvSpPr>
+          <p:cNvPr id="3" name="Content Placeholder 2"/>
+          <p:cNvSpPr>
+            <a:spLocks noGrp="1"/>
+          </p:cNvSpPr>
+          <p:nvPr>
+            <p:ph idx="1"/>
+          </p:nvPr>
+        </p:nvSpPr>
+        <p:spPr>
+          <a:xfrm>
+            <a:off x="1251678" y="367989"/>
+            <a:ext cx="10178322" cy="5511603"/>
+          </a:xfrm>
+        </p:spPr>
+        <p:txBody>
+          <a:bodyPr/>
+          <a:lstStyle/>
+          <a:p>
+            <a:r>
+              <a:rPr lang="en-US" dirty="0" smtClean="0"/>
+              <a:t>Job Sites</a:t>
+            </a:r>
+          </a:p>
+          <a:p>
+            <a:pPr lvl="1"/>
+            <a:r>
+              <a:rPr lang="en-US" dirty="0" smtClean="0"/>
+              <a:t>Dice</a:t>
+            </a:r>
+          </a:p>
+          <a:p>
+            <a:pPr lvl="1"/>
+            <a:r>
+              <a:rPr lang="en-US" dirty="0" err="1" smtClean="0"/>
+              <a:t>Angel.co</a:t>
+            </a:r>
+            <a:endParaRPr lang="en-US" dirty="0" smtClean="0"/>
+          </a:p>
+          <a:p>
+            <a:pPr lvl="1"/>
+            <a:r>
+              <a:rPr lang="en-US" dirty="0" err="1" smtClean="0"/>
+              <a:t>Glassdoor</a:t>
+            </a:r>
+            <a:endParaRPr lang="en-US" dirty="0" smtClean="0"/>
+          </a:p>
+          <a:p>
+            <a:pPr lvl="1"/>
+            <a:r>
+              <a:rPr lang="en-US" dirty="0" err="1" smtClean="0"/>
+              <a:t>CyberCoders</a:t>
+            </a:r>
+            <a:endParaRPr lang="en-US" dirty="0" smtClean="0"/>
+          </a:p>
+          <a:p>
+            <a:pPr lvl="1"/>
+            <a:endParaRPr lang="en-US" dirty="0" smtClean="0"/>
+          </a:p>
+          <a:p>
+            <a:r>
+              <a:rPr lang="en-US" dirty="0" err="1" smtClean="0"/>
+              <a:t>Misc</a:t>
+            </a:r>
+            <a:r>
+              <a:rPr lang="en-US" dirty="0" smtClean="0"/>
+              <a:t> Resources</a:t>
+            </a:r>
+          </a:p>
+          <a:p>
+            <a:pPr lvl="1"/>
+            <a:r>
+              <a:rPr lang="en-US" dirty="0" err="1" smtClean="0"/>
+              <a:t>Creddle.io</a:t>
+            </a:r>
+            <a:endParaRPr lang="en-US" dirty="0" smtClean="0"/>
+          </a:p>
+          <a:p>
+            <a:pPr lvl="1"/>
+            <a:r>
+              <a:rPr lang="en-US" dirty="0" err="1" smtClean="0"/>
+              <a:t>Trello</a:t>
+            </a:r>
+            <a:endParaRPr lang="en-US" smtClean="0"/>
+          </a:p>
+          <a:p>
+            <a:pPr lvl="1"/>
+            <a:endParaRPr lang="en-US" dirty="0"/>
+          </a:p>
+        </p:txBody>
+      </p:sp>
+    </p:spTree>
+    <p:extLst>
+      <p:ext uri="{BB962C8B-B14F-4D97-AF65-F5344CB8AC3E}">
+        <p14:creationId xmlns:p14="http://schemas.microsoft.com/office/powerpoint/2010/main" val="1238721638"/>
       </p:ext>
     </p:extLst>
   </p:cSld>

--- a/Job_Stuff/Jng_Job_Prezzie.pptx
+++ b/Job_Stuff/Jng_Job_Prezzie.pptx
@@ -13,27 +13,32 @@
     <p:sldId id="259" r:id="rId7"/>
     <p:sldId id="261" r:id="rId8"/>
     <p:sldId id="271" r:id="rId9"/>
-    <p:sldId id="272" r:id="rId10"/>
-    <p:sldId id="273" r:id="rId11"/>
-    <p:sldId id="274" r:id="rId12"/>
-    <p:sldId id="275" r:id="rId13"/>
-    <p:sldId id="262" r:id="rId14"/>
-    <p:sldId id="264" r:id="rId15"/>
-    <p:sldId id="263" r:id="rId16"/>
-    <p:sldId id="265" r:id="rId17"/>
-    <p:sldId id="266" r:id="rId18"/>
-    <p:sldId id="267" r:id="rId19"/>
-    <p:sldId id="268" r:id="rId20"/>
-    <p:sldId id="269" r:id="rId21"/>
-    <p:sldId id="270" r:id="rId22"/>
-    <p:sldId id="280" r:id="rId23"/>
-    <p:sldId id="281" r:id="rId24"/>
-    <p:sldId id="278" r:id="rId25"/>
-    <p:sldId id="279" r:id="rId26"/>
-    <p:sldId id="282" r:id="rId27"/>
-    <p:sldId id="283" r:id="rId28"/>
-    <p:sldId id="285" r:id="rId29"/>
-    <p:sldId id="284" r:id="rId30"/>
+    <p:sldId id="288" r:id="rId10"/>
+    <p:sldId id="272" r:id="rId11"/>
+    <p:sldId id="273" r:id="rId12"/>
+    <p:sldId id="274" r:id="rId13"/>
+    <p:sldId id="275" r:id="rId14"/>
+    <p:sldId id="262" r:id="rId15"/>
+    <p:sldId id="264" r:id="rId16"/>
+    <p:sldId id="263" r:id="rId17"/>
+    <p:sldId id="265" r:id="rId18"/>
+    <p:sldId id="266" r:id="rId19"/>
+    <p:sldId id="267" r:id="rId20"/>
+    <p:sldId id="268" r:id="rId21"/>
+    <p:sldId id="269" r:id="rId22"/>
+    <p:sldId id="270" r:id="rId23"/>
+    <p:sldId id="280" r:id="rId24"/>
+    <p:sldId id="281" r:id="rId25"/>
+    <p:sldId id="278" r:id="rId26"/>
+    <p:sldId id="279" r:id="rId27"/>
+    <p:sldId id="286" r:id="rId28"/>
+    <p:sldId id="287" r:id="rId29"/>
+    <p:sldId id="290" r:id="rId30"/>
+    <p:sldId id="283" r:id="rId31"/>
+    <p:sldId id="285" r:id="rId32"/>
+    <p:sldId id="284" r:id="rId33"/>
+    <p:sldId id="291" r:id="rId34"/>
+    <p:sldId id="292" r:id="rId35"/>
   </p:sldIdLst>
   <p:sldSz cx="12192000" cy="6858000"/>
   <p:notesSz cx="6858000" cy="9144000"/>
@@ -1352,7 +1357,7 @@
             <a:fld id="{9334D819-9F07-4261-B09B-9E467E5D9002}" type="datetimeFigureOut">
               <a:rPr lang="en-US" dirty="0"/>
               <a:pPr/>
-              <a:t>5/31/16</a:t>
+              <a:t>6/1/16</a:t>
             </a:fld>
             <a:endParaRPr lang="en-US" dirty="0"/>
           </a:p>
@@ -1586,7 +1591,7 @@
           <a:p>
             <a:fld id="{9334D819-9F07-4261-B09B-9E467E5D9002}" type="datetimeFigureOut">
               <a:rPr lang="en-US" dirty="0"/>
-              <a:t>5/31/16</a:t>
+              <a:t>6/1/16</a:t>
             </a:fld>
             <a:endParaRPr lang="en-US" dirty="0"/>
           </a:p>
@@ -1761,7 +1766,7 @@
           <a:p>
             <a:fld id="{9334D819-9F07-4261-B09B-9E467E5D9002}" type="datetimeFigureOut">
               <a:rPr lang="en-US" dirty="0"/>
-              <a:t>5/31/16</a:t>
+              <a:t>6/1/16</a:t>
             </a:fld>
             <a:endParaRPr lang="en-US" dirty="0"/>
           </a:p>
@@ -1926,7 +1931,7 @@
           <a:p>
             <a:fld id="{9334D819-9F07-4261-B09B-9E467E5D9002}" type="datetimeFigureOut">
               <a:rPr lang="en-US" dirty="0"/>
-              <a:t>5/31/16</a:t>
+              <a:t>6/1/16</a:t>
             </a:fld>
             <a:endParaRPr lang="en-US" dirty="0"/>
           </a:p>
@@ -2198,7 +2203,7 @@
             <a:fld id="{9334D819-9F07-4261-B09B-9E467E5D9002}" type="datetimeFigureOut">
               <a:rPr lang="en-US" dirty="0"/>
               <a:pPr/>
-              <a:t>5/31/16</a:t>
+              <a:t>6/1/16</a:t>
             </a:fld>
             <a:endParaRPr lang="en-US" dirty="0"/>
           </a:p>
@@ -3395,7 +3400,7 @@
           <a:p>
             <a:fld id="{9334D819-9F07-4261-B09B-9E467E5D9002}" type="datetimeFigureOut">
               <a:rPr lang="en-US" dirty="0"/>
-              <a:t>5/31/16</a:t>
+              <a:t>6/1/16</a:t>
             </a:fld>
             <a:endParaRPr lang="en-US" dirty="0"/>
           </a:p>
@@ -3780,7 +3785,7 @@
           <a:p>
             <a:fld id="{9334D819-9F07-4261-B09B-9E467E5D9002}" type="datetimeFigureOut">
               <a:rPr lang="en-US" dirty="0"/>
-              <a:t>5/31/16</a:t>
+              <a:t>6/1/16</a:t>
             </a:fld>
             <a:endParaRPr lang="en-US" dirty="0"/>
           </a:p>
@@ -3898,7 +3903,7 @@
           <a:p>
             <a:fld id="{9334D819-9F07-4261-B09B-9E467E5D9002}" type="datetimeFigureOut">
               <a:rPr lang="en-US" dirty="0"/>
-              <a:t>5/31/16</a:t>
+              <a:t>6/1/16</a:t>
             </a:fld>
             <a:endParaRPr lang="en-US" dirty="0"/>
           </a:p>
@@ -3988,7 +3993,7 @@
           <a:p>
             <a:fld id="{9334D819-9F07-4261-B09B-9E467E5D9002}" type="datetimeFigureOut">
               <a:rPr lang="en-US" dirty="0"/>
-              <a:t>5/31/16</a:t>
+              <a:t>6/1/16</a:t>
             </a:fld>
             <a:endParaRPr lang="en-US" dirty="0"/>
           </a:p>
@@ -4746,7 +4751,7 @@
           <a:p>
             <a:fld id="{9334D819-9F07-4261-B09B-9E467E5D9002}" type="datetimeFigureOut">
               <a:rPr lang="en-US" dirty="0"/>
-              <a:t>5/31/16</a:t>
+              <a:t>6/1/16</a:t>
             </a:fld>
             <a:endParaRPr lang="en-US" dirty="0"/>
           </a:p>
@@ -5581,7 +5586,7 @@
           <a:p>
             <a:fld id="{9334D819-9F07-4261-B09B-9E467E5D9002}" type="datetimeFigureOut">
               <a:rPr lang="en-US" dirty="0"/>
-              <a:t>5/31/16</a:t>
+              <a:t>6/1/16</a:t>
             </a:fld>
             <a:endParaRPr lang="en-US" dirty="0"/>
           </a:p>
@@ -5804,7 +5809,7 @@
             <a:fld id="{9334D819-9F07-4261-B09B-9E467E5D9002}" type="datetimeFigureOut">
               <a:rPr lang="en-US" dirty="0"/>
               <a:pPr/>
-              <a:t>5/31/16</a:t>
+              <a:t>6/1/16</a:t>
             </a:fld>
             <a:endParaRPr lang="en-US" dirty="0"/>
           </a:p>
@@ -6881,13 +6886,13 @@
             <a:spLocks noGrp="1"/>
           </p:cNvSpPr>
           <p:nvPr>
-            <p:ph type="title"/>
+            <p:ph type="title" idx="4294967295"/>
           </p:nvPr>
         </p:nvSpPr>
         <p:spPr>
           <a:xfrm>
-            <a:off x="1257300" y="148581"/>
-            <a:ext cx="10172700" cy="793436"/>
+            <a:off x="981319" y="422031"/>
+            <a:ext cx="10179050" cy="832338"/>
           </a:xfrm>
         </p:spPr>
         <p:txBody>
@@ -6897,7 +6902,7 @@
             <a:pPr algn="ctr"/>
             <a:r>
               <a:rPr lang="en-US" b="1" u="sng" dirty="0" smtClean="0"/>
-              <a:t>Organization and consistency</a:t>
+              <a:t>Your Highlight Reel</a:t>
             </a:r>
             <a:endParaRPr lang="en-US" b="1" u="sng" dirty="0"/>
           </a:p>
@@ -6905,51 +6910,23 @@
       </p:sp>
       <p:sp>
         <p:nvSpPr>
-          <p:cNvPr id="2" name="Text Placeholder 1"/>
-          <p:cNvSpPr>
-            <a:spLocks noGrp="1"/>
-          </p:cNvSpPr>
-          <p:nvPr>
-            <p:ph type="body" idx="1"/>
-          </p:nvPr>
+          <p:cNvPr id="8" name="TextBox 7"/>
+          <p:cNvSpPr txBox="1"/>
+          <p:nvPr/>
         </p:nvSpPr>
         <p:spPr>
           <a:xfrm>
-            <a:off x="1257300" y="944456"/>
-            <a:ext cx="4800600" cy="632529"/>
+            <a:off x="1561171" y="2096430"/>
+            <a:ext cx="9511990" cy="3416320"/>
           </a:xfrm>
+          <a:prstGeom prst="rect">
+            <a:avLst/>
+          </a:prstGeom>
+          <a:noFill/>
         </p:spPr>
         <p:txBody>
-          <a:bodyPr/>
-          <a:lstStyle/>
-          <a:p>
-            <a:r>
-              <a:rPr lang="en-US" dirty="0" smtClean="0"/>
-              <a:t>Organization</a:t>
-            </a:r>
-            <a:endParaRPr lang="en-US" dirty="0"/>
-          </a:p>
-        </p:txBody>
-      </p:sp>
-      <p:sp>
-        <p:nvSpPr>
-          <p:cNvPr id="3" name="Content Placeholder 2"/>
-          <p:cNvSpPr>
-            <a:spLocks noGrp="1"/>
-          </p:cNvSpPr>
-          <p:nvPr>
-            <p:ph sz="half" idx="2"/>
-          </p:nvPr>
-        </p:nvSpPr>
-        <p:spPr>
-          <a:xfrm>
-            <a:off x="1257300" y="1797083"/>
-            <a:ext cx="4800600" cy="5060917"/>
-          </a:xfrm>
-        </p:spPr>
-        <p:txBody>
-          <a:bodyPr>
-            <a:noAutofit/>
+          <a:bodyPr wrap="square" rtlCol="0">
+            <a:spAutoFit/>
           </a:bodyPr>
           <a:lstStyle/>
           <a:p>
@@ -6958,10 +6935,13 @@
               <a:buChar char="•"/>
             </a:pPr>
             <a:r>
-              <a:rPr lang="en-US" sz="1800" dirty="0" smtClean="0"/>
-              <a:t>Most relevant skills for that position at top</a:t>
-            </a:r>
-            <a:endParaRPr lang="en-US" sz="1800" dirty="0"/>
+              <a:rPr lang="en-US" sz="2400" dirty="0"/>
+              <a:t>Employers take SEVEN seconds to look at your </a:t>
+            </a:r>
+            <a:r>
+              <a:rPr lang="en-US" sz="2400" dirty="0" smtClean="0"/>
+              <a:t>resume</a:t>
+            </a:r>
           </a:p>
           <a:p>
             <a:pPr marL="285750" indent="-285750">
@@ -6969,10 +6949,9 @@
               <a:buChar char="•"/>
             </a:pPr>
             <a:r>
-              <a:rPr lang="en-US" sz="1800" dirty="0" smtClean="0"/>
-              <a:t>Use common words in job description</a:t>
-            </a:r>
-            <a:endParaRPr lang="en-US" sz="1800" dirty="0"/>
+              <a:rPr lang="en-US" sz="2400" dirty="0" smtClean="0"/>
+              <a:t>Your Resume is meant to get you in the door, in front of a human being</a:t>
+            </a:r>
           </a:p>
           <a:p>
             <a:pPr marL="285750" indent="-285750">
@@ -6980,8 +6959,32 @@
               <a:buChar char="•"/>
             </a:pPr>
             <a:r>
-              <a:rPr lang="en-US" sz="1800" dirty="0"/>
-              <a:t>Name and contact information at the top</a:t>
+              <a:rPr lang="en-US" sz="2400" dirty="0" smtClean="0"/>
+              <a:t>You will have multiple versions of your resume</a:t>
+            </a:r>
+          </a:p>
+          <a:p>
+            <a:pPr marL="285750" indent="-285750">
+              <a:buFont typeface="Arial" charset="0"/>
+              <a:buChar char="•"/>
+            </a:pPr>
+            <a:r>
+              <a:rPr lang="en-US" sz="2400" dirty="0" smtClean="0"/>
+              <a:t>Keep your resume to one page. </a:t>
+            </a:r>
+          </a:p>
+          <a:p>
+            <a:pPr marL="285750" indent="-285750">
+              <a:buFont typeface="Arial" charset="0"/>
+              <a:buChar char="•"/>
+            </a:pPr>
+            <a:r>
+              <a:rPr lang="en-US" sz="2400" dirty="0" smtClean="0"/>
+              <a:t>Send your resume in pdf </a:t>
+            </a:r>
+            <a:r>
+              <a:rPr lang="en-US" sz="2400" dirty="0" smtClean="0"/>
+              <a:t>format</a:t>
             </a:r>
           </a:p>
           <a:p>
@@ -6990,307 +6993,45 @@
               <a:buChar char="•"/>
             </a:pPr>
             <a:r>
-              <a:rPr lang="en-US" sz="1600" dirty="0" smtClean="0"/>
-              <a:t>Email</a:t>
-            </a:r>
-            <a:r>
-              <a:rPr lang="en-US" sz="1600" dirty="0"/>
-              <a:t>, Phone, Address, </a:t>
-            </a:r>
-            <a:r>
-              <a:rPr lang="en-US" sz="1600" dirty="0" err="1"/>
-              <a:t>Github</a:t>
-            </a:r>
-            <a:r>
-              <a:rPr lang="en-US" sz="1600" dirty="0"/>
-              <a:t>, Portfolio</a:t>
-            </a:r>
+              <a:rPr lang="en-US" sz="2400" dirty="0" smtClean="0"/>
+              <a:t>Text editors like MS Word may change the format</a:t>
+            </a:r>
+            <a:endParaRPr lang="en-US" sz="2400" dirty="0" smtClean="0"/>
+          </a:p>
+          <a:p>
+            <a:pPr marL="742950" lvl="1" indent="-285750">
+              <a:buFont typeface="Arial" charset="0"/>
+              <a:buChar char="•"/>
+            </a:pPr>
+            <a:r>
+              <a:rPr lang="en-US" sz="2400" dirty="0" smtClean="0"/>
+              <a:t>Your name should be in the name of the file. </a:t>
+            </a:r>
+          </a:p>
+          <a:p>
+            <a:pPr marL="742950" lvl="1" indent="-285750">
+              <a:buFont typeface="Arial" charset="0"/>
+              <a:buChar char="•"/>
+            </a:pPr>
+            <a:r>
+              <a:rPr lang="en-US" sz="2400" dirty="0" err="1" smtClean="0"/>
+              <a:t>Jason_Ng_Resume.pdf</a:t>
+            </a:r>
+            <a:endParaRPr lang="en-US" sz="2400" dirty="0" smtClean="0"/>
           </a:p>
           <a:p>
             <a:pPr marL="285750" indent="-285750">
               <a:buFont typeface="Arial" charset="0"/>
               <a:buChar char="•"/>
             </a:pPr>
-            <a:r>
-              <a:rPr lang="en-US" sz="1800" dirty="0" smtClean="0"/>
-              <a:t>Education/Skills on </a:t>
-            </a:r>
-            <a:r>
-              <a:rPr lang="en-US" sz="1800" dirty="0"/>
-              <a:t>the side or the bottom</a:t>
-            </a:r>
-          </a:p>
-          <a:p>
-            <a:pPr marL="285750" indent="-285750">
-              <a:buFont typeface="Arial" charset="0"/>
-              <a:buChar char="•"/>
-            </a:pPr>
-            <a:r>
-              <a:rPr lang="en-US" sz="1800" dirty="0" smtClean="0"/>
-              <a:t>RELEVANT experiences</a:t>
-            </a:r>
-            <a:endParaRPr lang="en-US" sz="1800" dirty="0"/>
-          </a:p>
-          <a:p>
-            <a:pPr marL="742950" lvl="1" indent="-285750">
-              <a:buFont typeface="Arial" charset="0"/>
-              <a:buChar char="•"/>
-            </a:pPr>
-            <a:r>
-              <a:rPr lang="en-US" sz="1600" dirty="0"/>
-              <a:t>Position Title, Company, Dates </a:t>
-            </a:r>
-            <a:r>
-              <a:rPr lang="en-US" sz="1600" dirty="0" smtClean="0"/>
-              <a:t>of employment, Location</a:t>
-            </a:r>
-          </a:p>
-          <a:p>
-            <a:pPr marL="742950" lvl="1" indent="-285750">
-              <a:buFont typeface="Arial" charset="0"/>
-              <a:buChar char="•"/>
-            </a:pPr>
-            <a:r>
-              <a:rPr lang="en-US" sz="1600" dirty="0"/>
-              <a:t>R</a:t>
-            </a:r>
-            <a:r>
-              <a:rPr lang="en-US" sz="1600" dirty="0" smtClean="0"/>
-              <a:t>elated </a:t>
-            </a:r>
-            <a:r>
-              <a:rPr lang="en-US" sz="1600" dirty="0"/>
-              <a:t>R</a:t>
-            </a:r>
-            <a:r>
-              <a:rPr lang="en-US" sz="1600" dirty="0" smtClean="0"/>
-              <a:t>esponsibilities / accomplishments</a:t>
-            </a:r>
-            <a:endParaRPr lang="en-US" sz="1600" dirty="0"/>
-          </a:p>
-          <a:p>
-            <a:pPr marL="285750" indent="-285750">
-              <a:buFont typeface="Arial" charset="0"/>
-              <a:buChar char="•"/>
-            </a:pPr>
-            <a:r>
-              <a:rPr lang="en-US" sz="1800" dirty="0"/>
-              <a:t>Position best content at the top</a:t>
-            </a:r>
-          </a:p>
-          <a:p>
-            <a:pPr marL="285750" indent="-285750">
-              <a:buFont typeface="Arial" charset="0"/>
-              <a:buChar char="•"/>
-            </a:pPr>
-            <a:r>
-              <a:rPr lang="en-US" sz="1800" dirty="0"/>
-              <a:t>The proportion of page taken should represent the importance in the experience or the amount of time spent at a job</a:t>
-            </a:r>
-          </a:p>
-          <a:p>
-            <a:pPr marL="285750" indent="-285750">
-              <a:buFont typeface="Arial" charset="0"/>
-              <a:buChar char="•"/>
-            </a:pPr>
-            <a:endParaRPr lang="en-US" sz="1800" dirty="0"/>
-          </a:p>
-          <a:p>
-            <a:endParaRPr lang="en-US" sz="1800" dirty="0"/>
-          </a:p>
-        </p:txBody>
-      </p:sp>
-      <p:sp>
-        <p:nvSpPr>
-          <p:cNvPr id="4" name="Text Placeholder 3"/>
-          <p:cNvSpPr>
-            <a:spLocks noGrp="1"/>
-          </p:cNvSpPr>
-          <p:nvPr>
-            <p:ph type="body" sz="quarter" idx="3"/>
-          </p:nvPr>
-        </p:nvSpPr>
-        <p:spPr>
-          <a:xfrm>
-            <a:off x="6629400" y="942017"/>
-            <a:ext cx="4800600" cy="632529"/>
-          </a:xfrm>
-        </p:spPr>
-        <p:txBody>
-          <a:bodyPr/>
-          <a:lstStyle/>
-          <a:p>
-            <a:r>
-              <a:rPr lang="en-US" dirty="0" smtClean="0"/>
-              <a:t>Consistency</a:t>
-            </a:r>
-            <a:endParaRPr lang="en-US" dirty="0"/>
-          </a:p>
-        </p:txBody>
-      </p:sp>
-      <p:sp>
-        <p:nvSpPr>
-          <p:cNvPr id="6" name="Content Placeholder 5"/>
-          <p:cNvSpPr>
-            <a:spLocks noGrp="1"/>
-          </p:cNvSpPr>
-          <p:nvPr>
-            <p:ph sz="quarter" idx="4"/>
-          </p:nvPr>
-        </p:nvSpPr>
-        <p:spPr>
-          <a:xfrm>
-            <a:off x="6629400" y="1797083"/>
-            <a:ext cx="4800600" cy="5060917"/>
-          </a:xfrm>
-        </p:spPr>
-        <p:txBody>
-          <a:bodyPr>
-            <a:noAutofit/>
-          </a:bodyPr>
-          <a:lstStyle/>
-          <a:p>
-            <a:pPr marL="285750" indent="-285750">
-              <a:buFont typeface="Arial" charset="0"/>
-              <a:buChar char="•"/>
-            </a:pPr>
-            <a:r>
-              <a:rPr lang="en-US" sz="1800" dirty="0"/>
-              <a:t>Fonts</a:t>
-            </a:r>
-          </a:p>
-          <a:p>
-            <a:pPr marL="742950" lvl="1" indent="-285750">
-              <a:buFont typeface="Arial" charset="0"/>
-              <a:buChar char="•"/>
-            </a:pPr>
-            <a:r>
-              <a:rPr lang="en-US" dirty="0"/>
-              <a:t>Use the same </a:t>
-            </a:r>
-            <a:r>
-              <a:rPr lang="en-US" dirty="0" smtClean="0"/>
-              <a:t>font </a:t>
-            </a:r>
-            <a:r>
-              <a:rPr lang="en-US" dirty="0"/>
-              <a:t>for the same </a:t>
-            </a:r>
-            <a:r>
-              <a:rPr lang="en-US" dirty="0" smtClean="0"/>
-              <a:t>tasks</a:t>
-            </a:r>
-          </a:p>
-          <a:p>
-            <a:pPr marL="1200150" lvl="2" indent="-285750">
-              <a:buFont typeface="Arial" charset="0"/>
-              <a:buChar char="•"/>
-            </a:pPr>
-            <a:r>
-              <a:rPr lang="en-US" sz="1600" dirty="0" smtClean="0"/>
-              <a:t>One </a:t>
-            </a:r>
-            <a:r>
-              <a:rPr lang="en-US" sz="1600" dirty="0"/>
-              <a:t>font for headers / </a:t>
-            </a:r>
-            <a:r>
-              <a:rPr lang="en-US" sz="1600" dirty="0" smtClean="0"/>
-              <a:t>titles</a:t>
-            </a:r>
-          </a:p>
-          <a:p>
-            <a:pPr marL="1200150" lvl="2" indent="-285750">
-              <a:buFont typeface="Arial" charset="0"/>
-              <a:buChar char="•"/>
-            </a:pPr>
-            <a:r>
-              <a:rPr lang="en-US" dirty="0" smtClean="0"/>
-              <a:t>One </a:t>
-            </a:r>
-            <a:r>
-              <a:rPr lang="en-US" dirty="0"/>
-              <a:t>font for bullets / descriptions</a:t>
-            </a:r>
-          </a:p>
-          <a:p>
-            <a:pPr marL="742950" lvl="1" indent="-285750">
-              <a:buFont typeface="Arial" charset="0"/>
-              <a:buChar char="•"/>
-            </a:pPr>
-            <a:r>
-              <a:rPr lang="en-US" dirty="0"/>
-              <a:t>Keep the font size the </a:t>
-            </a:r>
-            <a:r>
-              <a:rPr lang="en-US" dirty="0" smtClean="0"/>
-              <a:t>same</a:t>
-            </a:r>
-            <a:endParaRPr lang="en-US" dirty="0"/>
-          </a:p>
-          <a:p>
-            <a:pPr marL="285750" indent="-285750">
-              <a:buFont typeface="Arial" charset="0"/>
-              <a:buChar char="•"/>
-            </a:pPr>
-            <a:r>
-              <a:rPr lang="en-US" sz="1800" dirty="0" smtClean="0"/>
-              <a:t>All wording of same type should be the same.</a:t>
-            </a:r>
-          </a:p>
-          <a:p>
-            <a:pPr marL="742950" lvl="1" indent="-285750">
-              <a:buFont typeface="Arial" charset="0"/>
-              <a:buChar char="•"/>
-            </a:pPr>
-            <a:r>
-              <a:rPr lang="en-US" sz="1600" dirty="0" smtClean="0"/>
-              <a:t>If one job title is underlined, all job titles are underlined</a:t>
-            </a:r>
-          </a:p>
-          <a:p>
-            <a:pPr marL="285750" indent="-285750">
-              <a:buFont typeface="Arial" charset="0"/>
-              <a:buChar char="•"/>
-            </a:pPr>
-            <a:r>
-              <a:rPr lang="en-US" sz="1800" dirty="0" smtClean="0"/>
-              <a:t>Use </a:t>
-            </a:r>
-            <a:r>
-              <a:rPr lang="en-US" sz="1800" dirty="0"/>
-              <a:t>the same bullets throughout the whole resume</a:t>
-            </a:r>
-          </a:p>
-          <a:p>
-            <a:pPr marL="285750" indent="-285750">
-              <a:buFont typeface="Arial" charset="0"/>
-              <a:buChar char="•"/>
-            </a:pPr>
-            <a:r>
-              <a:rPr lang="en-US" sz="1800" dirty="0"/>
-              <a:t>Decide whether you are using periods or not</a:t>
-            </a:r>
-          </a:p>
-          <a:p>
-            <a:pPr marL="285750" indent="-285750">
-              <a:buFont typeface="Arial" charset="0"/>
-              <a:buChar char="•"/>
-            </a:pPr>
-            <a:r>
-              <a:rPr lang="en-US" sz="1800" dirty="0"/>
-              <a:t>Keep all tenses the same (IN THE PAST)</a:t>
-            </a:r>
-          </a:p>
-          <a:p>
-            <a:endParaRPr lang="en-US" sz="1800" dirty="0"/>
+            <a:endParaRPr lang="en-US" sz="2400" dirty="0" smtClean="0"/>
           </a:p>
         </p:txBody>
       </p:sp>
     </p:spTree>
     <p:extLst>
       <p:ext uri="{BB962C8B-B14F-4D97-AF65-F5344CB8AC3E}">
-        <p14:creationId xmlns:p14="http://schemas.microsoft.com/office/powerpoint/2010/main" val="1978493926"/>
+        <p14:creationId xmlns:p14="http://schemas.microsoft.com/office/powerpoint/2010/main" val="159072659"/>
       </p:ext>
     </p:extLst>
   </p:cSld>
@@ -7324,13 +7065,13 @@
             <a:spLocks noGrp="1"/>
           </p:cNvSpPr>
           <p:nvPr>
-            <p:ph type="title" idx="4294967295"/>
+            <p:ph type="title"/>
           </p:nvPr>
         </p:nvSpPr>
         <p:spPr>
           <a:xfrm>
-            <a:off x="981319" y="422031"/>
-            <a:ext cx="10179050" cy="832338"/>
+            <a:off x="1257300" y="148581"/>
+            <a:ext cx="10172700" cy="793436"/>
           </a:xfrm>
         </p:spPr>
         <p:txBody>
@@ -7340,7 +7081,7 @@
             <a:pPr algn="ctr"/>
             <a:r>
               <a:rPr lang="en-US" b="1" u="sng" dirty="0" smtClean="0"/>
-              <a:t>Describing Your Byte experience</a:t>
+              <a:t>Organization and consistency</a:t>
             </a:r>
             <a:endParaRPr lang="en-US" b="1" u="sng" dirty="0"/>
           </a:p>
@@ -7348,23 +7089,51 @@
       </p:sp>
       <p:sp>
         <p:nvSpPr>
-          <p:cNvPr id="8" name="TextBox 7"/>
-          <p:cNvSpPr txBox="1"/>
-          <p:nvPr/>
+          <p:cNvPr id="2" name="Text Placeholder 1"/>
+          <p:cNvSpPr>
+            <a:spLocks noGrp="1"/>
+          </p:cNvSpPr>
+          <p:nvPr>
+            <p:ph type="body" idx="1"/>
+          </p:nvPr>
         </p:nvSpPr>
         <p:spPr>
           <a:xfrm>
-            <a:off x="981319" y="1646179"/>
-            <a:ext cx="10905881" cy="3046988"/>
+            <a:off x="1257300" y="944456"/>
+            <a:ext cx="4800600" cy="632529"/>
           </a:xfrm>
-          <a:prstGeom prst="rect">
-            <a:avLst/>
-          </a:prstGeom>
-          <a:noFill/>
         </p:spPr>
         <p:txBody>
-          <a:bodyPr wrap="square" rtlCol="0">
-            <a:spAutoFit/>
+          <a:bodyPr/>
+          <a:lstStyle/>
+          <a:p>
+            <a:r>
+              <a:rPr lang="en-US" dirty="0" smtClean="0"/>
+              <a:t>Organization</a:t>
+            </a:r>
+            <a:endParaRPr lang="en-US" dirty="0"/>
+          </a:p>
+        </p:txBody>
+      </p:sp>
+      <p:sp>
+        <p:nvSpPr>
+          <p:cNvPr id="3" name="Content Placeholder 2"/>
+          <p:cNvSpPr>
+            <a:spLocks noGrp="1"/>
+          </p:cNvSpPr>
+          <p:nvPr>
+            <p:ph sz="half" idx="2"/>
+          </p:nvPr>
+        </p:nvSpPr>
+        <p:spPr>
+          <a:xfrm>
+            <a:off x="1257300" y="1797083"/>
+            <a:ext cx="4800600" cy="5060917"/>
+          </a:xfrm>
+        </p:spPr>
+        <p:txBody>
+          <a:bodyPr>
+            <a:noAutofit/>
           </a:bodyPr>
           <a:lstStyle/>
           <a:p>
@@ -7373,8 +7142,33 @@
               <a:buChar char="•"/>
             </a:pPr>
             <a:r>
-              <a:rPr lang="en-US" sz="2400" dirty="0" smtClean="0"/>
-              <a:t>How can we appeal to a broad range of readers? It could be a:</a:t>
+              <a:rPr lang="en-US" sz="1800" dirty="0"/>
+              <a:t>Position best content at the top</a:t>
+            </a:r>
+          </a:p>
+          <a:p>
+            <a:pPr marL="285750" indent="-285750">
+              <a:buFont typeface="Arial" charset="0"/>
+              <a:buChar char="•"/>
+            </a:pPr>
+            <a:r>
+              <a:rPr lang="en-US" sz="1800" dirty="0" smtClean="0"/>
+              <a:t>Use </a:t>
+            </a:r>
+            <a:r>
+              <a:rPr lang="en-US" sz="1800" dirty="0" smtClean="0"/>
+              <a:t>common words in job description</a:t>
+            </a:r>
+            <a:endParaRPr lang="en-US" sz="1800" dirty="0"/>
+          </a:p>
+          <a:p>
+            <a:pPr marL="285750" indent="-285750">
+              <a:buFont typeface="Arial" charset="0"/>
+              <a:buChar char="•"/>
+            </a:pPr>
+            <a:r>
+              <a:rPr lang="en-US" sz="1800" dirty="0"/>
+              <a:t>Name and contact information at the top</a:t>
             </a:r>
           </a:p>
           <a:p>
@@ -7383,16 +7177,87 @@
               <a:buChar char="•"/>
             </a:pPr>
             <a:r>
-              <a:rPr lang="en-US" sz="2400" dirty="0" smtClean="0"/>
-              <a:t>HR administrator, technical recruiter, or a developer</a:t>
-            </a:r>
+              <a:rPr lang="en-US" sz="1600" dirty="0" smtClean="0"/>
+              <a:t>Email</a:t>
+            </a:r>
+            <a:r>
+              <a:rPr lang="en-US" sz="1600" dirty="0"/>
+              <a:t>, Phone, Address, </a:t>
+            </a:r>
+            <a:r>
+              <a:rPr lang="en-US" sz="1600" dirty="0" err="1"/>
+              <a:t>Github</a:t>
+            </a:r>
+            <a:r>
+              <a:rPr lang="en-US" sz="1600" dirty="0"/>
+              <a:t>, Portfolio</a:t>
+            </a:r>
+          </a:p>
+          <a:p>
+            <a:pPr marL="285750" indent="-285750">
+              <a:buFont typeface="Arial" charset="0"/>
+              <a:buChar char="•"/>
+            </a:pPr>
+            <a:r>
+              <a:rPr lang="en-US" sz="1800" dirty="0" smtClean="0"/>
+              <a:t>Education/Skills on </a:t>
+            </a:r>
+            <a:r>
+              <a:rPr lang="en-US" sz="1800" dirty="0"/>
+              <a:t>the side or the bottom</a:t>
+            </a:r>
+          </a:p>
+          <a:p>
+            <a:pPr marL="285750" indent="-285750">
+              <a:buFont typeface="Arial" charset="0"/>
+              <a:buChar char="•"/>
+            </a:pPr>
+            <a:r>
+              <a:rPr lang="en-US" sz="1800" dirty="0" smtClean="0"/>
+              <a:t>RELEVANT experiences</a:t>
+            </a:r>
+            <a:endParaRPr lang="en-US" sz="1800" dirty="0"/>
           </a:p>
           <a:p>
             <a:pPr marL="742950" lvl="1" indent="-285750">
               <a:buFont typeface="Arial" charset="0"/>
               <a:buChar char="•"/>
             </a:pPr>
-            <a:endParaRPr lang="en-US" sz="2400" dirty="0" smtClean="0"/>
+            <a:r>
+              <a:rPr lang="en-US" sz="1600" dirty="0" smtClean="0"/>
+              <a:t>Position, </a:t>
+            </a:r>
+            <a:r>
+              <a:rPr lang="en-US" sz="1600" dirty="0"/>
+              <a:t>Company, Dates </a:t>
+            </a:r>
+            <a:r>
+              <a:rPr lang="en-US" sz="1600" dirty="0" smtClean="0"/>
+              <a:t>of employment, Location</a:t>
+            </a:r>
+          </a:p>
+          <a:p>
+            <a:pPr marL="742950" lvl="1" indent="-285750">
+              <a:buFont typeface="Arial" charset="0"/>
+              <a:buChar char="•"/>
+            </a:pPr>
+            <a:r>
+              <a:rPr lang="en-US" sz="1600" dirty="0"/>
+              <a:t>R</a:t>
+            </a:r>
+            <a:r>
+              <a:rPr lang="en-US" sz="1600" dirty="0" smtClean="0"/>
+              <a:t>elated </a:t>
+            </a:r>
+            <a:r>
+              <a:rPr lang="en-US" sz="1600" dirty="0"/>
+              <a:t>R</a:t>
+            </a:r>
+            <a:r>
+              <a:rPr lang="en-US" sz="1600" dirty="0" smtClean="0"/>
+              <a:t>esponsibilities / accomplishments</a:t>
+            </a:r>
+            <a:endParaRPr lang="en-US" sz="1600" dirty="0"/>
           </a:p>
           <a:p>
             <a:pPr marL="285750" indent="-285750">
@@ -7400,12 +7265,17 @@
               <a:buChar char="•"/>
             </a:pPr>
             <a:r>
-              <a:rPr lang="en-US" sz="2400" dirty="0" smtClean="0"/>
-              <a:t>You’ll want to keep your bullets short and to the point</a:t>
-            </a:r>
-          </a:p>
-          <a:p>
-            <a:endParaRPr lang="en-US" sz="2400" dirty="0" smtClean="0"/>
+              <a:rPr lang="en-US" sz="1800" dirty="0" smtClean="0"/>
+              <a:t>The </a:t>
+            </a:r>
+            <a:r>
+              <a:rPr lang="en-US" sz="1800" dirty="0"/>
+              <a:t>proportion of page taken should represent the importance in the experience or the amount of time spent at a </a:t>
+            </a:r>
+            <a:r>
+              <a:rPr lang="en-US" sz="1800" dirty="0" smtClean="0"/>
+              <a:t>job</a:t>
+            </a:r>
           </a:p>
           <a:p>
             <a:pPr marL="285750" indent="-285750">
@@ -7413,14 +7283,85 @@
               <a:buChar char="•"/>
             </a:pPr>
             <a:r>
-              <a:rPr lang="en-US" sz="2400" dirty="0" smtClean="0"/>
-              <a:t>Action Verb </a:t>
-            </a:r>
-            <a:r>
-              <a:rPr lang="en-US" sz="2400" dirty="0" smtClean="0">
-                <a:sym typeface="Wingdings"/>
-              </a:rPr>
-              <a:t> What You Did  How You Did It</a:t>
+              <a:rPr lang="en-US" sz="1800" dirty="0"/>
+              <a:t>Most relevant skills for position at top of section</a:t>
+            </a:r>
+          </a:p>
+          <a:p>
+            <a:pPr marL="0" indent="0">
+              <a:buNone/>
+            </a:pPr>
+            <a:endParaRPr lang="en-US" sz="1800" dirty="0"/>
+          </a:p>
+          <a:p>
+            <a:pPr marL="285750" indent="-285750">
+              <a:buFont typeface="Arial" charset="0"/>
+              <a:buChar char="•"/>
+            </a:pPr>
+            <a:endParaRPr lang="en-US" sz="1800" dirty="0"/>
+          </a:p>
+          <a:p>
+            <a:endParaRPr lang="en-US" sz="1800" dirty="0"/>
+          </a:p>
+        </p:txBody>
+      </p:sp>
+      <p:sp>
+        <p:nvSpPr>
+          <p:cNvPr id="4" name="Text Placeholder 3"/>
+          <p:cNvSpPr>
+            <a:spLocks noGrp="1"/>
+          </p:cNvSpPr>
+          <p:nvPr>
+            <p:ph type="body" sz="quarter" idx="3"/>
+          </p:nvPr>
+        </p:nvSpPr>
+        <p:spPr>
+          <a:xfrm>
+            <a:off x="6629400" y="942017"/>
+            <a:ext cx="4800600" cy="632529"/>
+          </a:xfrm>
+        </p:spPr>
+        <p:txBody>
+          <a:bodyPr/>
+          <a:lstStyle/>
+          <a:p>
+            <a:r>
+              <a:rPr lang="en-US" dirty="0" smtClean="0"/>
+              <a:t>Consistency</a:t>
+            </a:r>
+            <a:endParaRPr lang="en-US" dirty="0"/>
+          </a:p>
+        </p:txBody>
+      </p:sp>
+      <p:sp>
+        <p:nvSpPr>
+          <p:cNvPr id="6" name="Content Placeholder 5"/>
+          <p:cNvSpPr>
+            <a:spLocks noGrp="1"/>
+          </p:cNvSpPr>
+          <p:nvPr>
+            <p:ph sz="quarter" idx="4"/>
+          </p:nvPr>
+        </p:nvSpPr>
+        <p:spPr>
+          <a:xfrm>
+            <a:off x="6629400" y="1797083"/>
+            <a:ext cx="4800600" cy="5060917"/>
+          </a:xfrm>
+        </p:spPr>
+        <p:txBody>
+          <a:bodyPr>
+            <a:noAutofit/>
+          </a:bodyPr>
+          <a:lstStyle/>
+          <a:p>
+            <a:pPr marL="285750" indent="-285750">
+              <a:buFont typeface="Arial" charset="0"/>
+              <a:buChar char="•"/>
+            </a:pPr>
+            <a:r>
+              <a:rPr lang="en-US" sz="1800" dirty="0"/>
+              <a:t>Fonts</a:t>
             </a:r>
           </a:p>
           <a:p>
@@ -7429,46 +7370,52 @@
               <a:buChar char="•"/>
             </a:pPr>
             <a:r>
-              <a:rPr lang="en-US" sz="2400" dirty="0" smtClean="0">
-                <a:sym typeface="Wingdings"/>
-              </a:rPr>
-              <a:t>“Developed a </a:t>
-            </a:r>
-            <a:r>
-              <a:rPr lang="en-US" sz="2400" dirty="0" err="1" smtClean="0">
-                <a:sym typeface="Wingdings"/>
-              </a:rPr>
-              <a:t>RESTful</a:t>
-            </a:r>
-            <a:r>
-              <a:rPr lang="en-US" sz="2400" dirty="0" smtClean="0">
-                <a:sym typeface="Wingdings"/>
-              </a:rPr>
-              <a:t> whiskey </a:t>
-            </a:r>
-            <a:r>
-              <a:rPr lang="en-US" sz="2400" dirty="0" err="1" smtClean="0">
-                <a:sym typeface="Wingdings"/>
-              </a:rPr>
-              <a:t>api</a:t>
-            </a:r>
-            <a:r>
-              <a:rPr lang="en-US" sz="2400" dirty="0" smtClean="0">
-                <a:sym typeface="Wingdings"/>
-              </a:rPr>
-              <a:t> using </a:t>
-            </a:r>
-            <a:r>
-              <a:rPr lang="en-US" sz="2400" dirty="0" err="1" smtClean="0">
-                <a:sym typeface="Wingdings"/>
-              </a:rPr>
-              <a:t>Express.js</a:t>
-            </a:r>
-            <a:r>
-              <a:rPr lang="en-US" sz="2400" dirty="0" smtClean="0">
-                <a:sym typeface="Wingdings"/>
-              </a:rPr>
-              <a:t>, and SQLite3”</a:t>
+              <a:rPr lang="en-US" dirty="0"/>
+              <a:t>Use the same </a:t>
+            </a:r>
+            <a:r>
+              <a:rPr lang="en-US" dirty="0" smtClean="0"/>
+              <a:t>font </a:t>
+            </a:r>
+            <a:r>
+              <a:rPr lang="en-US" dirty="0"/>
+              <a:t>for the same </a:t>
+            </a:r>
+            <a:r>
+              <a:rPr lang="en-US" dirty="0" smtClean="0"/>
+              <a:t>tasks</a:t>
+            </a:r>
+          </a:p>
+          <a:p>
+            <a:pPr marL="1200150" lvl="2" indent="-285750">
+              <a:buFont typeface="Arial" charset="0"/>
+              <a:buChar char="•"/>
+            </a:pPr>
+            <a:r>
+              <a:rPr lang="en-US" sz="1600" dirty="0" smtClean="0"/>
+              <a:t>One </a:t>
+            </a:r>
+            <a:r>
+              <a:rPr lang="en-US" sz="1600" dirty="0"/>
+              <a:t>font for headers / </a:t>
+            </a:r>
+            <a:r>
+              <a:rPr lang="en-US" sz="1600" dirty="0" smtClean="0"/>
+              <a:t>titles</a:t>
+            </a:r>
+          </a:p>
+          <a:p>
+            <a:pPr marL="1200150" lvl="2" indent="-285750">
+              <a:buFont typeface="Arial" charset="0"/>
+              <a:buChar char="•"/>
+            </a:pPr>
+            <a:r>
+              <a:rPr lang="en-US" dirty="0" smtClean="0"/>
+              <a:t>One </a:t>
+            </a:r>
+            <a:r>
+              <a:rPr lang="en-US" dirty="0"/>
+              <a:t>font for bullets / descriptions</a:t>
             </a:r>
           </a:p>
           <a:p>
@@ -7477,42 +7424,78 @@
               <a:buChar char="•"/>
             </a:pPr>
             <a:r>
-              <a:rPr lang="en-US" sz="2400" dirty="0" smtClean="0">
-                <a:sym typeface="Wingdings"/>
-              </a:rPr>
-              <a:t>“Built a chat application using </a:t>
-            </a:r>
-            <a:r>
-              <a:rPr lang="en-US" sz="2400" dirty="0" err="1" smtClean="0">
-                <a:sym typeface="Wingdings"/>
-              </a:rPr>
-              <a:t>Socket.io</a:t>
-            </a:r>
-            <a:r>
-              <a:rPr lang="en-US" sz="2400" dirty="0" smtClean="0">
-                <a:sym typeface="Wingdings"/>
-              </a:rPr>
-              <a:t>, </a:t>
-            </a:r>
-            <a:r>
-              <a:rPr lang="en-US" sz="2400" dirty="0" err="1" smtClean="0">
-                <a:sym typeface="Wingdings"/>
-              </a:rPr>
-              <a:t>Django</a:t>
-            </a:r>
-            <a:r>
-              <a:rPr lang="en-US" sz="2400" dirty="0" smtClean="0">
-                <a:sym typeface="Wingdings"/>
-              </a:rPr>
-              <a:t>, Html, CSS, jQuery”</a:t>
-            </a:r>
+              <a:rPr lang="en-US" dirty="0"/>
+              <a:t>Keep the font size the </a:t>
+            </a:r>
+            <a:r>
+              <a:rPr lang="en-US" dirty="0" smtClean="0"/>
+              <a:t>same</a:t>
+            </a:r>
+            <a:endParaRPr lang="en-US" dirty="0"/>
+          </a:p>
+          <a:p>
+            <a:pPr marL="285750" indent="-285750">
+              <a:buFont typeface="Arial" charset="0"/>
+              <a:buChar char="•"/>
+            </a:pPr>
+            <a:r>
+              <a:rPr lang="en-US" sz="1800" dirty="0" smtClean="0"/>
+              <a:t>All wording of same type should be the same.</a:t>
+            </a:r>
+          </a:p>
+          <a:p>
+            <a:pPr marL="742950" lvl="1" indent="-285750">
+              <a:buFont typeface="Arial" charset="0"/>
+              <a:buChar char="•"/>
+            </a:pPr>
+            <a:r>
+              <a:rPr lang="en-US" sz="1600" dirty="0" smtClean="0"/>
+              <a:t>If one job title is underlined, all job titles are underlined</a:t>
+            </a:r>
+          </a:p>
+          <a:p>
+            <a:pPr marL="285750" indent="-285750">
+              <a:buFont typeface="Arial" charset="0"/>
+              <a:buChar char="•"/>
+            </a:pPr>
+            <a:r>
+              <a:rPr lang="en-US" sz="1800" dirty="0" smtClean="0"/>
+              <a:t>Use </a:t>
+            </a:r>
+            <a:r>
+              <a:rPr lang="en-US" sz="1800" dirty="0"/>
+              <a:t>the same bullets throughout the whole resume</a:t>
+            </a:r>
+          </a:p>
+          <a:p>
+            <a:pPr marL="285750" indent="-285750">
+              <a:buFont typeface="Arial" charset="0"/>
+              <a:buChar char="•"/>
+            </a:pPr>
+            <a:r>
+              <a:rPr lang="en-US" sz="1800" dirty="0"/>
+              <a:t>Decide whether you are using periods or not</a:t>
+            </a:r>
+          </a:p>
+          <a:p>
+            <a:pPr marL="285750" indent="-285750">
+              <a:buFont typeface="Arial" charset="0"/>
+              <a:buChar char="•"/>
+            </a:pPr>
+            <a:r>
+              <a:rPr lang="en-US" sz="1800" dirty="0"/>
+              <a:t>Keep all tenses the same (IN THE PAST)</a:t>
+            </a:r>
+          </a:p>
+          <a:p>
+            <a:endParaRPr lang="en-US" sz="1800" dirty="0"/>
           </a:p>
         </p:txBody>
       </p:sp>
     </p:spTree>
     <p:extLst>
       <p:ext uri="{BB962C8B-B14F-4D97-AF65-F5344CB8AC3E}">
-        <p14:creationId xmlns:p14="http://schemas.microsoft.com/office/powerpoint/2010/main" val="1960792992"/>
+        <p14:creationId xmlns:p14="http://schemas.microsoft.com/office/powerpoint/2010/main" val="1978493926"/>
       </p:ext>
     </p:extLst>
   </p:cSld>
@@ -7556,15 +7539,13 @@
           </a:xfrm>
         </p:spPr>
         <p:txBody>
-          <a:bodyPr>
-            <a:normAutofit fontScale="90000"/>
-          </a:bodyPr>
+          <a:bodyPr/>
           <a:lstStyle/>
           <a:p>
             <a:pPr algn="ctr"/>
             <a:r>
               <a:rPr lang="en-US" b="1" u="sng" dirty="0" smtClean="0"/>
-              <a:t>Describing Your non-technical experience</a:t>
+              <a:t>Describing Your Byte experience</a:t>
             </a:r>
             <a:endParaRPr lang="en-US" b="1" u="sng" dirty="0"/>
           </a:p>
@@ -7578,8 +7559,8 @@
         </p:nvSpPr>
         <p:spPr>
           <a:xfrm>
-            <a:off x="981319" y="2270648"/>
-            <a:ext cx="10905881" cy="4154984"/>
+            <a:off x="981319" y="1646179"/>
+            <a:ext cx="10905881" cy="3046988"/>
           </a:xfrm>
           <a:prstGeom prst="rect">
             <a:avLst/>
@@ -7592,33 +7573,13 @@
           </a:bodyPr>
           <a:lstStyle/>
           <a:p>
-            <a:pPr marL="342900" indent="-342900">
-              <a:buFont typeface="Arial" charset="0"/>
-              <a:buChar char="•"/>
-            </a:pPr>
-            <a:r>
-              <a:rPr lang="en-US" sz="2400" dirty="0" smtClean="0"/>
-              <a:t>Keep bullets short</a:t>
-            </a:r>
-          </a:p>
-          <a:p>
-            <a:pPr marL="342900" indent="-342900">
-              <a:buFont typeface="Arial" charset="0"/>
-              <a:buChar char="•"/>
-            </a:pPr>
-            <a:r>
-              <a:rPr lang="en-US" sz="2400" dirty="0" smtClean="0"/>
-              <a:t>Use numbers wherever possible</a:t>
-            </a:r>
-          </a:p>
-          <a:p>
             <a:pPr marL="285750" indent="-285750">
               <a:buFont typeface="Arial" charset="0"/>
               <a:buChar char="•"/>
             </a:pPr>
             <a:r>
               <a:rPr lang="en-US" sz="2400" dirty="0" smtClean="0"/>
-              <a:t>Describe your experience using an action tense. Do not describe them based on your “duties” or “responsibilities”</a:t>
+              <a:t>How can we appeal to a broad range of readers? It could be a:</a:t>
             </a:r>
           </a:p>
           <a:p>
@@ -7628,34 +7589,15 @@
             </a:pPr>
             <a:r>
               <a:rPr lang="en-US" sz="2400" dirty="0" smtClean="0"/>
-              <a:t>DO NOT! </a:t>
-            </a:r>
-            <a:r>
-              <a:rPr lang="en-US" sz="2400" dirty="0" smtClean="0">
-                <a:sym typeface="Wingdings"/>
-              </a:rPr>
-              <a:t></a:t>
-            </a:r>
-            <a:r>
-              <a:rPr lang="en-US" sz="2400" dirty="0" smtClean="0"/>
-              <a:t> “Responsible for building the </a:t>
-            </a:r>
-            <a:r>
-              <a:rPr lang="en-US" sz="2400" dirty="0" err="1" smtClean="0"/>
-              <a:t>api</a:t>
-            </a:r>
-            <a:r>
-              <a:rPr lang="en-US" sz="2400" dirty="0" smtClean="0"/>
-              <a:t> for a </a:t>
-            </a:r>
-            <a:r>
-              <a:rPr lang="en-US" sz="2400" dirty="0" err="1" smtClean="0"/>
-              <a:t>Django</a:t>
-            </a:r>
-            <a:r>
-              <a:rPr lang="en-US" sz="2400" dirty="0" smtClean="0"/>
-              <a:t> application about cars”</a:t>
-            </a:r>
+              <a:t>HR administrator, technical recruiter, or a developer</a:t>
+            </a:r>
+          </a:p>
+          <a:p>
+            <a:pPr marL="742950" lvl="1" indent="-285750">
+              <a:buFont typeface="Arial" charset="0"/>
+              <a:buChar char="•"/>
+            </a:pPr>
+            <a:endParaRPr lang="en-US" sz="2400" dirty="0" smtClean="0"/>
           </a:p>
           <a:p>
             <a:pPr marL="285750" indent="-285750">
@@ -7664,6 +7606,19 @@
             </a:pPr>
             <a:r>
               <a:rPr lang="en-US" sz="2400" dirty="0" smtClean="0"/>
+              <a:t>You’ll want to keep your bullets short and to the point</a:t>
+            </a:r>
+          </a:p>
+          <a:p>
+            <a:endParaRPr lang="en-US" sz="2400" dirty="0" smtClean="0"/>
+          </a:p>
+          <a:p>
+            <a:pPr marL="285750" indent="-285750">
+              <a:buFont typeface="Arial" charset="0"/>
+              <a:buChar char="•"/>
+            </a:pPr>
+            <a:r>
+              <a:rPr lang="en-US" sz="2400" dirty="0" smtClean="0"/>
               <a:t>Action Verb </a:t>
             </a:r>
             <a:r>
@@ -7682,19 +7637,43 @@
               <a:rPr lang="en-US" sz="2400" dirty="0" smtClean="0">
                 <a:sym typeface="Wingdings"/>
               </a:rPr>
-              <a:t>“Implemented a CMS workflow that targeted At Risk Students within one month of the </a:t>
+              <a:t>“Developed a </a:t>
             </a:r>
             <a:r>
               <a:rPr lang="en-US" sz="2400" dirty="0" err="1" smtClean="0">
                 <a:sym typeface="Wingdings"/>
               </a:rPr>
-              <a:t>symester</a:t>
+              <a:t>RESTful</a:t>
             </a:r>
             <a:r>
               <a:rPr lang="en-US" sz="2400" dirty="0" smtClean="0">
                 <a:sym typeface="Wingdings"/>
               </a:rPr>
-              <a:t>”</a:t>
+              <a:t> whiskey </a:t>
+            </a:r>
+            <a:r>
+              <a:rPr lang="en-US" sz="2400" dirty="0" err="1" smtClean="0">
+                <a:sym typeface="Wingdings"/>
+              </a:rPr>
+              <a:t>api</a:t>
+            </a:r>
+            <a:r>
+              <a:rPr lang="en-US" sz="2400" dirty="0" smtClean="0">
+                <a:sym typeface="Wingdings"/>
+              </a:rPr>
+              <a:t> using </a:t>
+            </a:r>
+            <a:r>
+              <a:rPr lang="en-US" sz="2400" dirty="0" err="1" smtClean="0">
+                <a:sym typeface="Wingdings"/>
+              </a:rPr>
+              <a:t>Express.js</a:t>
+            </a:r>
+            <a:r>
+              <a:rPr lang="en-US" sz="2400" dirty="0" smtClean="0">
+                <a:sym typeface="Wingdings"/>
+              </a:rPr>
+              <a:t>, and SQLite3”</a:t>
             </a:r>
           </a:p>
           <a:p>
@@ -7706,7 +7685,31 @@
               <a:rPr lang="en-US" sz="2400" dirty="0" smtClean="0">
                 <a:sym typeface="Wingdings"/>
               </a:rPr>
-              <a:t>“Developed advisement survey system that increased retention of first year students by 30%”</a:t>
+              <a:t>“Built a chat application using </a:t>
+            </a:r>
+            <a:r>
+              <a:rPr lang="en-US" sz="2400" dirty="0" err="1" smtClean="0">
+                <a:sym typeface="Wingdings"/>
+              </a:rPr>
+              <a:t>Socket.io</a:t>
+            </a:r>
+            <a:r>
+              <a:rPr lang="en-US" sz="2400" dirty="0" smtClean="0">
+                <a:sym typeface="Wingdings"/>
+              </a:rPr>
+              <a:t>, </a:t>
+            </a:r>
+            <a:r>
+              <a:rPr lang="en-US" sz="2400" dirty="0" err="1" smtClean="0">
+                <a:sym typeface="Wingdings"/>
+              </a:rPr>
+              <a:t>Django</a:t>
+            </a:r>
+            <a:r>
+              <a:rPr lang="en-US" sz="2400" dirty="0" smtClean="0">
+                <a:sym typeface="Wingdings"/>
+              </a:rPr>
+              <a:t>, Html, CSS, jQuery”</a:t>
             </a:r>
           </a:p>
         </p:txBody>
@@ -7714,7 +7717,7 @@
     </p:spTree>
     <p:extLst>
       <p:ext uri="{BB962C8B-B14F-4D97-AF65-F5344CB8AC3E}">
-        <p14:creationId xmlns:p14="http://schemas.microsoft.com/office/powerpoint/2010/main" val="1683157630"/>
+        <p14:creationId xmlns:p14="http://schemas.microsoft.com/office/powerpoint/2010/main" val="1960792992"/>
       </p:ext>
     </p:extLst>
   </p:cSld>
@@ -7743,51 +7746,180 @@
       </p:grpSpPr>
       <p:sp>
         <p:nvSpPr>
-          <p:cNvPr id="2" name="Title 1"/>
+          <p:cNvPr id="5" name="Title 4"/>
           <p:cNvSpPr>
             <a:spLocks noGrp="1"/>
           </p:cNvSpPr>
           <p:nvPr>
-            <p:ph type="ctrTitle"/>
-          </p:nvPr>
-        </p:nvSpPr>
-        <p:spPr/>
-        <p:txBody>
-          <a:bodyPr/>
+            <p:ph type="title" idx="4294967295"/>
+          </p:nvPr>
+        </p:nvSpPr>
+        <p:spPr>
+          <a:xfrm>
+            <a:off x="981319" y="422031"/>
+            <a:ext cx="10179050" cy="832338"/>
+          </a:xfrm>
+        </p:spPr>
+        <p:txBody>
+          <a:bodyPr>
+            <a:normAutofit fontScale="90000"/>
+          </a:bodyPr>
           <a:lstStyle/>
           <a:p>
             <a:pPr algn="ctr"/>
             <a:r>
-              <a:rPr lang="en-US" dirty="0" smtClean="0"/>
-              <a:t>LinkedIn</a:t>
-            </a:r>
-            <a:endParaRPr lang="en-US" dirty="0"/>
-          </a:p>
-        </p:txBody>
-      </p:sp>
-      <p:sp>
-        <p:nvSpPr>
-          <p:cNvPr id="4" name="Subtitle 3"/>
-          <p:cNvSpPr>
-            <a:spLocks noGrp="1"/>
-          </p:cNvSpPr>
-          <p:nvPr>
-            <p:ph type="subTitle" idx="1"/>
-          </p:nvPr>
-        </p:nvSpPr>
-        <p:spPr/>
-        <p:txBody>
-          <a:bodyPr/>
+              <a:rPr lang="en-US" b="1" u="sng" dirty="0" smtClean="0"/>
+              <a:t>Describing Your non-technical experience</a:t>
+            </a:r>
+            <a:endParaRPr lang="en-US" b="1" u="sng" dirty="0"/>
+          </a:p>
+        </p:txBody>
+      </p:sp>
+      <p:sp>
+        <p:nvSpPr>
+          <p:cNvPr id="8" name="TextBox 7"/>
+          <p:cNvSpPr txBox="1"/>
+          <p:nvPr/>
+        </p:nvSpPr>
+        <p:spPr>
+          <a:xfrm>
+            <a:off x="981319" y="2270648"/>
+            <a:ext cx="10905881" cy="4154984"/>
+          </a:xfrm>
+          <a:prstGeom prst="rect">
+            <a:avLst/>
+          </a:prstGeom>
+          <a:noFill/>
+        </p:spPr>
+        <p:txBody>
+          <a:bodyPr wrap="square" rtlCol="0">
+            <a:spAutoFit/>
+          </a:bodyPr>
           <a:lstStyle/>
           <a:p>
-            <a:endParaRPr lang="en-US"/>
+            <a:pPr marL="342900" indent="-342900">
+              <a:buFont typeface="Arial" charset="0"/>
+              <a:buChar char="•"/>
+            </a:pPr>
+            <a:r>
+              <a:rPr lang="en-US" sz="2400" dirty="0" smtClean="0"/>
+              <a:t>Keep bullets short</a:t>
+            </a:r>
+          </a:p>
+          <a:p>
+            <a:pPr marL="342900" indent="-342900">
+              <a:buFont typeface="Arial" charset="0"/>
+              <a:buChar char="•"/>
+            </a:pPr>
+            <a:r>
+              <a:rPr lang="en-US" sz="2400" dirty="0" smtClean="0"/>
+              <a:t>Use numbers wherever possible</a:t>
+            </a:r>
+          </a:p>
+          <a:p>
+            <a:pPr marL="285750" indent="-285750">
+              <a:buFont typeface="Arial" charset="0"/>
+              <a:buChar char="•"/>
+            </a:pPr>
+            <a:r>
+              <a:rPr lang="en-US" sz="2400" dirty="0" smtClean="0"/>
+              <a:t>Describe your experience using an action tense. Do not describe them based on your “duties” or “responsibilities”</a:t>
+            </a:r>
+          </a:p>
+          <a:p>
+            <a:pPr marL="742950" lvl="1" indent="-285750">
+              <a:buFont typeface="Arial" charset="0"/>
+              <a:buChar char="•"/>
+            </a:pPr>
+            <a:r>
+              <a:rPr lang="en-US" sz="2400" dirty="0" smtClean="0"/>
+              <a:t>DO NOT! </a:t>
+            </a:r>
+            <a:r>
+              <a:rPr lang="en-US" sz="2400" dirty="0" smtClean="0">
+                <a:sym typeface="Wingdings"/>
+              </a:rPr>
+              <a:t></a:t>
+            </a:r>
+            <a:r>
+              <a:rPr lang="en-US" sz="2400" dirty="0" smtClean="0"/>
+              <a:t> “Responsible for building the </a:t>
+            </a:r>
+            <a:r>
+              <a:rPr lang="en-US" sz="2400" dirty="0" err="1" smtClean="0"/>
+              <a:t>api</a:t>
+            </a:r>
+            <a:r>
+              <a:rPr lang="en-US" sz="2400" dirty="0" smtClean="0"/>
+              <a:t> for a </a:t>
+            </a:r>
+            <a:r>
+              <a:rPr lang="en-US" sz="2400" dirty="0" err="1" smtClean="0"/>
+              <a:t>Django</a:t>
+            </a:r>
+            <a:r>
+              <a:rPr lang="en-US" sz="2400" dirty="0" smtClean="0"/>
+              <a:t> application about cars”</a:t>
+            </a:r>
+          </a:p>
+          <a:p>
+            <a:pPr marL="285750" indent="-285750">
+              <a:buFont typeface="Arial" charset="0"/>
+              <a:buChar char="•"/>
+            </a:pPr>
+            <a:r>
+              <a:rPr lang="en-US" sz="2400" dirty="0" smtClean="0"/>
+              <a:t>Action Verb </a:t>
+            </a:r>
+            <a:r>
+              <a:rPr lang="en-US" sz="2400" dirty="0" smtClean="0">
+                <a:sym typeface="Wingdings"/>
+              </a:rPr>
+              <a:t> What You Did  How You Did It</a:t>
+            </a:r>
+          </a:p>
+          <a:p>
+            <a:pPr marL="742950" lvl="1" indent="-285750">
+              <a:buFont typeface="Arial" charset="0"/>
+              <a:buChar char="•"/>
+            </a:pPr>
+            <a:r>
+              <a:rPr lang="en-US" sz="2400" dirty="0" smtClean="0">
+                <a:sym typeface="Wingdings"/>
+              </a:rPr>
+              <a:t>“Implemented a CMS workflow that targeted At Risk Students within one month of the </a:t>
+            </a:r>
+            <a:r>
+              <a:rPr lang="en-US" sz="2400" dirty="0" smtClean="0">
+                <a:sym typeface="Wingdings"/>
+              </a:rPr>
+              <a:t>semester</a:t>
+            </a:r>
+            <a:r>
+              <a:rPr lang="en-US" sz="2400" dirty="0" smtClean="0">
+                <a:sym typeface="Wingdings"/>
+              </a:rPr>
+              <a:t>”</a:t>
+            </a:r>
+          </a:p>
+          <a:p>
+            <a:pPr marL="742950" lvl="1" indent="-285750">
+              <a:buFont typeface="Arial" charset="0"/>
+              <a:buChar char="•"/>
+            </a:pPr>
+            <a:r>
+              <a:rPr lang="en-US" sz="2400" dirty="0" smtClean="0">
+                <a:sym typeface="Wingdings"/>
+              </a:rPr>
+              <a:t>“Developed advisement survey system that increased retention of first year students by 30%”</a:t>
+            </a:r>
           </a:p>
         </p:txBody>
       </p:sp>
     </p:spTree>
     <p:extLst>
       <p:ext uri="{BB962C8B-B14F-4D97-AF65-F5344CB8AC3E}">
-        <p14:creationId xmlns:p14="http://schemas.microsoft.com/office/powerpoint/2010/main" val="1838135563"/>
+        <p14:creationId xmlns:p14="http://schemas.microsoft.com/office/powerpoint/2010/main" val="1683157630"/>
       </p:ext>
     </p:extLst>
   </p:cSld>
@@ -7814,6 +7946,86 @@
           <a:chExt cx="0" cy="0"/>
         </a:xfrm>
       </p:grpSpPr>
+      <p:sp>
+        <p:nvSpPr>
+          <p:cNvPr id="2" name="Title 1"/>
+          <p:cNvSpPr>
+            <a:spLocks noGrp="1"/>
+          </p:cNvSpPr>
+          <p:nvPr>
+            <p:ph type="ctrTitle"/>
+          </p:nvPr>
+        </p:nvSpPr>
+        <p:spPr/>
+        <p:txBody>
+          <a:bodyPr/>
+          <a:lstStyle/>
+          <a:p>
+            <a:pPr algn="ctr"/>
+            <a:r>
+              <a:rPr lang="en-US" dirty="0" smtClean="0"/>
+              <a:t>LinkedIn</a:t>
+            </a:r>
+            <a:endParaRPr lang="en-US" dirty="0"/>
+          </a:p>
+        </p:txBody>
+      </p:sp>
+      <p:sp>
+        <p:nvSpPr>
+          <p:cNvPr id="4" name="Subtitle 3"/>
+          <p:cNvSpPr>
+            <a:spLocks noGrp="1"/>
+          </p:cNvSpPr>
+          <p:nvPr>
+            <p:ph type="subTitle" idx="1"/>
+          </p:nvPr>
+        </p:nvSpPr>
+        <p:spPr/>
+        <p:txBody>
+          <a:bodyPr/>
+          <a:lstStyle/>
+          <a:p>
+            <a:endParaRPr lang="en-US"/>
+          </a:p>
+        </p:txBody>
+      </p:sp>
+    </p:spTree>
+    <p:extLst>
+      <p:ext uri="{BB962C8B-B14F-4D97-AF65-F5344CB8AC3E}">
+        <p14:creationId xmlns:p14="http://schemas.microsoft.com/office/powerpoint/2010/main" val="1838135563"/>
+      </p:ext>
+    </p:extLst>
+  </p:cSld>
+  <p:clrMapOvr>
+    <a:masterClrMapping/>
+  </p:clrMapOvr>
+  <p:timing>
+    <p:tnLst>
+      <p:par>
+        <p:cTn id="1" dur="indefinite" restart="never" nodeType="tmRoot"/>
+      </p:par>
+    </p:tnLst>
+  </p:timing>
+</p:sld>
+</file>
+
+<file path=ppt/slides/slide15.xml><?xml version="1.0" encoding="utf-8"?>
+<p:sld xmlns:a="http://schemas.openxmlformats.org/drawingml/2006/main" xmlns:r="http://schemas.openxmlformats.org/officeDocument/2006/relationships" xmlns:p="http://schemas.openxmlformats.org/presentationml/2006/main">
+  <p:cSld>
+    <p:spTree>
+      <p:nvGrpSpPr>
+        <p:cNvPr id="1" name=""/>
+        <p:cNvGrpSpPr/>
+        <p:nvPr/>
+      </p:nvGrpSpPr>
+      <p:grpSpPr>
+        <a:xfrm>
+          <a:off x="0" y="0"/>
+          <a:ext cx="0" cy="0"/>
+          <a:chOff x="0" y="0"/>
+          <a:chExt cx="0" cy="0"/>
+        </a:xfrm>
+      </p:grpSpPr>
       <p:pic>
         <p:nvPicPr>
           <p:cNvPr id="4" name="Content Placeholder 3"/>
@@ -7982,217 +8194,13 @@
   <p:clrMapOvr>
     <a:masterClrMapping/>
   </p:clrMapOvr>
-</p:sld>
-</file>
-
-<file path=ppt/slides/slide15.xml><?xml version="1.0" encoding="utf-8"?>
-<p:sld xmlns:a="http://schemas.openxmlformats.org/drawingml/2006/main" xmlns:r="http://schemas.openxmlformats.org/officeDocument/2006/relationships" xmlns:p="http://schemas.openxmlformats.org/presentationml/2006/main">
-  <p:cSld>
-    <p:spTree>
-      <p:nvGrpSpPr>
-        <p:cNvPr id="1" name=""/>
-        <p:cNvGrpSpPr/>
-        <p:nvPr/>
-      </p:nvGrpSpPr>
-      <p:grpSpPr>
-        <a:xfrm>
-          <a:off x="0" y="0"/>
-          <a:ext cx="0" cy="0"/>
-          <a:chOff x="0" y="0"/>
-          <a:chExt cx="0" cy="0"/>
-        </a:xfrm>
-      </p:grpSpPr>
-      <p:sp>
-        <p:nvSpPr>
-          <p:cNvPr id="2" name="Text Placeholder 1"/>
-          <p:cNvSpPr>
-            <a:spLocks noGrp="1"/>
-          </p:cNvSpPr>
-          <p:nvPr>
-            <p:ph type="body" idx="1"/>
-          </p:nvPr>
-        </p:nvSpPr>
-        <p:spPr>
-          <a:xfrm>
-            <a:off x="1257300" y="101203"/>
-            <a:ext cx="4800600" cy="632529"/>
-          </a:xfrm>
-        </p:spPr>
-        <p:txBody>
-          <a:bodyPr/>
-          <a:lstStyle/>
-          <a:p>
-            <a:r>
-              <a:rPr lang="en-US" dirty="0" smtClean="0"/>
-              <a:t>Your Headshot</a:t>
-            </a:r>
-            <a:endParaRPr lang="en-US" dirty="0"/>
-          </a:p>
-        </p:txBody>
-      </p:sp>
-      <p:sp>
-        <p:nvSpPr>
-          <p:cNvPr id="5" name="Content Placeholder 4"/>
-          <p:cNvSpPr>
-            <a:spLocks noGrp="1"/>
-          </p:cNvSpPr>
-          <p:nvPr>
-            <p:ph sz="half" idx="2"/>
-          </p:nvPr>
-        </p:nvSpPr>
-        <p:spPr>
-          <a:xfrm>
-            <a:off x="1257300" y="1017698"/>
-            <a:ext cx="4800600" cy="2996398"/>
-          </a:xfrm>
-        </p:spPr>
-        <p:txBody>
-          <a:bodyPr>
-            <a:normAutofit fontScale="85000" lnSpcReduction="10000"/>
-          </a:bodyPr>
-          <a:lstStyle/>
-          <a:p>
-            <a:r>
-              <a:rPr lang="en-US" dirty="0" smtClean="0"/>
-              <a:t>This is the first thing people will see when visiting your profile</a:t>
-            </a:r>
-          </a:p>
-          <a:p>
-            <a:r>
-              <a:rPr lang="en-US" dirty="0" smtClean="0"/>
-              <a:t>Get an image that just shows your head and shoulders</a:t>
-            </a:r>
-          </a:p>
-          <a:p>
-            <a:r>
-              <a:rPr lang="en-US" dirty="0" smtClean="0"/>
-              <a:t>If it’s a more creative image feel free to use that</a:t>
-            </a:r>
-          </a:p>
-          <a:p>
-            <a:r>
-              <a:rPr lang="en-US" dirty="0" smtClean="0"/>
-              <a:t>Make sure to wear nice clothing</a:t>
-            </a:r>
-          </a:p>
-          <a:p>
-            <a:pPr lvl="1"/>
-            <a:r>
-              <a:rPr lang="en-US" dirty="0" smtClean="0"/>
-              <a:t>Clean clothing</a:t>
-            </a:r>
-          </a:p>
-          <a:p>
-            <a:pPr lvl="1"/>
-            <a:r>
-              <a:rPr lang="en-US" dirty="0" smtClean="0"/>
-              <a:t>Ironed clothing</a:t>
-            </a:r>
-          </a:p>
-          <a:p>
-            <a:pPr lvl="1"/>
-            <a:r>
-              <a:rPr lang="en-US" dirty="0" smtClean="0"/>
-              <a:t>No deep </a:t>
-            </a:r>
-            <a:r>
-              <a:rPr lang="en-US" dirty="0" err="1" smtClean="0"/>
-              <a:t>v-necks</a:t>
-            </a:r>
-            <a:endParaRPr lang="en-US" dirty="0" smtClean="0"/>
-          </a:p>
-        </p:txBody>
-      </p:sp>
-      <p:sp>
-        <p:nvSpPr>
-          <p:cNvPr id="3" name="Text Placeholder 2"/>
-          <p:cNvSpPr>
-            <a:spLocks noGrp="1"/>
-          </p:cNvSpPr>
-          <p:nvPr>
-            <p:ph type="body" sz="quarter" idx="3"/>
-          </p:nvPr>
-        </p:nvSpPr>
-        <p:spPr>
-          <a:xfrm>
-            <a:off x="6633864" y="101203"/>
-            <a:ext cx="4800600" cy="632529"/>
-          </a:xfrm>
-        </p:spPr>
-        <p:txBody>
-          <a:bodyPr/>
-          <a:lstStyle/>
-          <a:p>
-            <a:r>
-              <a:rPr lang="en-US" dirty="0" smtClean="0"/>
-              <a:t>Your headline</a:t>
-            </a:r>
-            <a:endParaRPr lang="en-US" dirty="0"/>
-          </a:p>
-        </p:txBody>
-      </p:sp>
-      <p:sp>
-        <p:nvSpPr>
-          <p:cNvPr id="6" name="Content Placeholder 5"/>
-          <p:cNvSpPr>
-            <a:spLocks noGrp="1"/>
-          </p:cNvSpPr>
-          <p:nvPr>
-            <p:ph sz="quarter" idx="4"/>
-          </p:nvPr>
-        </p:nvSpPr>
-        <p:spPr>
-          <a:xfrm>
-            <a:off x="6633864" y="1017698"/>
-            <a:ext cx="4800600" cy="2996398"/>
-          </a:xfrm>
-        </p:spPr>
-        <p:txBody>
-          <a:bodyPr/>
-          <a:lstStyle/>
-          <a:p>
-            <a:r>
-              <a:rPr lang="en-US" dirty="0" smtClean="0"/>
-              <a:t>Be Creative</a:t>
-            </a:r>
-          </a:p>
-          <a:p>
-            <a:r>
-              <a:rPr lang="en-US" dirty="0" smtClean="0"/>
-              <a:t>Do NOT write “Student” </a:t>
-            </a:r>
-          </a:p>
-          <a:p>
-            <a:r>
-              <a:rPr lang="en-US" dirty="0" smtClean="0"/>
-              <a:t>Show what you’re interested in</a:t>
-            </a:r>
-          </a:p>
-          <a:p>
-            <a:r>
-              <a:rPr lang="en-US" dirty="0" smtClean="0"/>
-              <a:t>This should definitely include something about programming</a:t>
-            </a:r>
-          </a:p>
-          <a:p>
-            <a:r>
-              <a:rPr lang="en-US" dirty="0" smtClean="0"/>
-              <a:t>Can also including something not about programming</a:t>
-            </a:r>
-            <a:endParaRPr lang="en-US" dirty="0"/>
-          </a:p>
-        </p:txBody>
-      </p:sp>
-    </p:spTree>
-    <p:extLst>
-      <p:ext uri="{BB962C8B-B14F-4D97-AF65-F5344CB8AC3E}">
-        <p14:creationId xmlns:p14="http://schemas.microsoft.com/office/powerpoint/2010/main" val="514598276"/>
-      </p:ext>
-    </p:extLst>
-  </p:cSld>
-  <p:clrMapOvr>
-    <a:masterClrMapping/>
-  </p:clrMapOvr>
+  <p:timing>
+    <p:tnLst>
+      <p:par>
+        <p:cTn id="1" dur="indefinite" restart="never" nodeType="tmRoot"/>
+      </p:par>
+    </p:tnLst>
+  </p:timing>
 </p:sld>
 </file>
 
@@ -8215,6 +8223,239 @@
       </p:grpSpPr>
       <p:sp>
         <p:nvSpPr>
+          <p:cNvPr id="2" name="Text Placeholder 1"/>
+          <p:cNvSpPr>
+            <a:spLocks noGrp="1"/>
+          </p:cNvSpPr>
+          <p:nvPr>
+            <p:ph type="body" idx="1"/>
+          </p:nvPr>
+        </p:nvSpPr>
+        <p:spPr>
+          <a:xfrm>
+            <a:off x="1257300" y="101203"/>
+            <a:ext cx="4800600" cy="632529"/>
+          </a:xfrm>
+        </p:spPr>
+        <p:txBody>
+          <a:bodyPr/>
+          <a:lstStyle/>
+          <a:p>
+            <a:r>
+              <a:rPr lang="en-US" dirty="0" smtClean="0"/>
+              <a:t>Your Headshot</a:t>
+            </a:r>
+            <a:endParaRPr lang="en-US" dirty="0"/>
+          </a:p>
+        </p:txBody>
+      </p:sp>
+      <p:sp>
+        <p:nvSpPr>
+          <p:cNvPr id="5" name="Content Placeholder 4"/>
+          <p:cNvSpPr>
+            <a:spLocks noGrp="1"/>
+          </p:cNvSpPr>
+          <p:nvPr>
+            <p:ph sz="half" idx="2"/>
+          </p:nvPr>
+        </p:nvSpPr>
+        <p:spPr>
+          <a:xfrm>
+            <a:off x="1257300" y="1017697"/>
+            <a:ext cx="4800600" cy="5394254"/>
+          </a:xfrm>
+        </p:spPr>
+        <p:txBody>
+          <a:bodyPr>
+            <a:normAutofit/>
+          </a:bodyPr>
+          <a:lstStyle/>
+          <a:p>
+            <a:r>
+              <a:rPr lang="en-US" dirty="0" smtClean="0"/>
+              <a:t>Your profile picture is the first thing that appears on searches.</a:t>
+            </a:r>
+          </a:p>
+          <a:p>
+            <a:r>
+              <a:rPr lang="en-US" dirty="0" smtClean="0"/>
+              <a:t>It is the first thing people will look at when they visit your profile</a:t>
+            </a:r>
+            <a:endParaRPr lang="en-US" dirty="0" smtClean="0"/>
+          </a:p>
+          <a:p>
+            <a:r>
+              <a:rPr lang="en-US" dirty="0" smtClean="0"/>
+              <a:t>Get an image that just shows your head and shoulders</a:t>
+            </a:r>
+          </a:p>
+          <a:p>
+            <a:r>
+              <a:rPr lang="en-US" dirty="0" smtClean="0"/>
+              <a:t>If it’s a more creative image feel free to use that</a:t>
+            </a:r>
+          </a:p>
+          <a:p>
+            <a:r>
+              <a:rPr lang="en-US" dirty="0" smtClean="0"/>
+              <a:t>Make sure to wear nice clothing</a:t>
+            </a:r>
+          </a:p>
+          <a:p>
+            <a:pPr lvl="1"/>
+            <a:r>
+              <a:rPr lang="en-US" dirty="0" smtClean="0"/>
+              <a:t>Clean clothing</a:t>
+            </a:r>
+          </a:p>
+          <a:p>
+            <a:pPr lvl="1"/>
+            <a:r>
+              <a:rPr lang="en-US" dirty="0" smtClean="0"/>
+              <a:t>Ironed clothing</a:t>
+            </a:r>
+          </a:p>
+          <a:p>
+            <a:pPr lvl="1"/>
+            <a:r>
+              <a:rPr lang="en-US" dirty="0" smtClean="0"/>
+              <a:t>No deep </a:t>
+            </a:r>
+            <a:r>
+              <a:rPr lang="en-US" dirty="0" err="1" smtClean="0"/>
+              <a:t>v-necks</a:t>
+            </a:r>
+            <a:endParaRPr lang="en-US" dirty="0" smtClean="0"/>
+          </a:p>
+          <a:p>
+            <a:pPr lvl="1"/>
+            <a:r>
+              <a:rPr lang="en-US" dirty="0" smtClean="0"/>
+              <a:t>Fix your collars</a:t>
+            </a:r>
+            <a:endParaRPr lang="en-US" dirty="0" smtClean="0"/>
+          </a:p>
+        </p:txBody>
+      </p:sp>
+      <p:sp>
+        <p:nvSpPr>
+          <p:cNvPr id="3" name="Text Placeholder 2"/>
+          <p:cNvSpPr>
+            <a:spLocks noGrp="1"/>
+          </p:cNvSpPr>
+          <p:nvPr>
+            <p:ph type="body" sz="quarter" idx="3"/>
+          </p:nvPr>
+        </p:nvSpPr>
+        <p:spPr>
+          <a:xfrm>
+            <a:off x="6633864" y="101203"/>
+            <a:ext cx="4800600" cy="632529"/>
+          </a:xfrm>
+        </p:spPr>
+        <p:txBody>
+          <a:bodyPr/>
+          <a:lstStyle/>
+          <a:p>
+            <a:r>
+              <a:rPr lang="en-US" dirty="0" smtClean="0"/>
+              <a:t>Your headline</a:t>
+            </a:r>
+            <a:endParaRPr lang="en-US" dirty="0"/>
+          </a:p>
+        </p:txBody>
+      </p:sp>
+      <p:sp>
+        <p:nvSpPr>
+          <p:cNvPr id="6" name="Content Placeholder 5"/>
+          <p:cNvSpPr>
+            <a:spLocks noGrp="1"/>
+          </p:cNvSpPr>
+          <p:nvPr>
+            <p:ph sz="quarter" idx="4"/>
+          </p:nvPr>
+        </p:nvSpPr>
+        <p:spPr>
+          <a:xfrm>
+            <a:off x="6633864" y="1017698"/>
+            <a:ext cx="4800600" cy="2996398"/>
+          </a:xfrm>
+        </p:spPr>
+        <p:txBody>
+          <a:bodyPr/>
+          <a:lstStyle/>
+          <a:p>
+            <a:r>
+              <a:rPr lang="en-US" dirty="0" smtClean="0"/>
+              <a:t>Be Creative</a:t>
+            </a:r>
+          </a:p>
+          <a:p>
+            <a:r>
+              <a:rPr lang="en-US" dirty="0" smtClean="0"/>
+              <a:t>Do NOT write “Student” </a:t>
+            </a:r>
+          </a:p>
+          <a:p>
+            <a:r>
+              <a:rPr lang="en-US" dirty="0" smtClean="0"/>
+              <a:t>Show what you’re interested in</a:t>
+            </a:r>
+          </a:p>
+          <a:p>
+            <a:r>
+              <a:rPr lang="en-US" dirty="0" smtClean="0"/>
+              <a:t>This should definitely include something about programming</a:t>
+            </a:r>
+          </a:p>
+          <a:p>
+            <a:r>
+              <a:rPr lang="en-US" dirty="0" smtClean="0"/>
+              <a:t>Can also including something not about programming</a:t>
+            </a:r>
+            <a:endParaRPr lang="en-US" dirty="0"/>
+          </a:p>
+        </p:txBody>
+      </p:sp>
+    </p:spTree>
+    <p:extLst>
+      <p:ext uri="{BB962C8B-B14F-4D97-AF65-F5344CB8AC3E}">
+        <p14:creationId xmlns:p14="http://schemas.microsoft.com/office/powerpoint/2010/main" val="514598276"/>
+      </p:ext>
+    </p:extLst>
+  </p:cSld>
+  <p:clrMapOvr>
+    <a:masterClrMapping/>
+  </p:clrMapOvr>
+  <p:timing>
+    <p:tnLst>
+      <p:par>
+        <p:cTn id="1" dur="indefinite" restart="never" nodeType="tmRoot"/>
+      </p:par>
+    </p:tnLst>
+  </p:timing>
+</p:sld>
+</file>
+
+<file path=ppt/slides/slide17.xml><?xml version="1.0" encoding="utf-8"?>
+<p:sld xmlns:a="http://schemas.openxmlformats.org/drawingml/2006/main" xmlns:r="http://schemas.openxmlformats.org/officeDocument/2006/relationships" xmlns:p="http://schemas.openxmlformats.org/presentationml/2006/main">
+  <p:cSld>
+    <p:spTree>
+      <p:nvGrpSpPr>
+        <p:cNvPr id="1" name=""/>
+        <p:cNvGrpSpPr/>
+        <p:nvPr/>
+      </p:nvGrpSpPr>
+      <p:grpSpPr>
+        <a:xfrm>
+          <a:off x="0" y="0"/>
+          <a:ext cx="0" cy="0"/>
+          <a:chOff x="0" y="0"/>
+          <a:chExt cx="0" cy="0"/>
+        </a:xfrm>
+      </p:grpSpPr>
+      <p:sp>
+        <p:nvSpPr>
           <p:cNvPr id="5" name="Title 4"/>
           <p:cNvSpPr>
             <a:spLocks noGrp="1"/>
@@ -8354,10 +8595,17 @@
   <p:clrMapOvr>
     <a:masterClrMapping/>
   </p:clrMapOvr>
+  <p:timing>
+    <p:tnLst>
+      <p:par>
+        <p:cTn id="1" dur="indefinite" restart="never" nodeType="tmRoot"/>
+      </p:par>
+    </p:tnLst>
+  </p:timing>
 </p:sld>
 </file>
 
-<file path=ppt/slides/slide17.xml><?xml version="1.0" encoding="utf-8"?>
+<file path=ppt/slides/slide18.xml><?xml version="1.0" encoding="utf-8"?>
 <p:sld xmlns:a="http://schemas.openxmlformats.org/drawingml/2006/main" xmlns:r="http://schemas.openxmlformats.org/officeDocument/2006/relationships" xmlns:p="http://schemas.openxmlformats.org/presentationml/2006/main">
   <p:cSld>
     <p:spTree>
@@ -8785,7 +9033,6 @@
               <a:rPr lang="en-US" dirty="0" smtClean="0"/>
               <a:t>Do NOT use any social media accounts unless they are relevant to work, or the industry you hope to join</a:t>
             </a:r>
-            <a:endParaRPr lang="en-US" dirty="0" smtClean="0"/>
           </a:p>
         </p:txBody>
       </p:sp>
@@ -8793,125 +9040,6 @@
     <p:extLst>
       <p:ext uri="{BB962C8B-B14F-4D97-AF65-F5344CB8AC3E}">
         <p14:creationId xmlns:p14="http://schemas.microsoft.com/office/powerpoint/2010/main" val="1892397967"/>
-      </p:ext>
-    </p:extLst>
-  </p:cSld>
-  <p:clrMapOvr>
-    <a:masterClrMapping/>
-  </p:clrMapOvr>
-</p:sld>
-</file>
-
-<file path=ppt/slides/slide18.xml><?xml version="1.0" encoding="utf-8"?>
-<p:sld xmlns:a="http://schemas.openxmlformats.org/drawingml/2006/main" xmlns:r="http://schemas.openxmlformats.org/officeDocument/2006/relationships" xmlns:p="http://schemas.openxmlformats.org/presentationml/2006/main">
-  <p:cSld>
-    <p:spTree>
-      <p:nvGrpSpPr>
-        <p:cNvPr id="1" name=""/>
-        <p:cNvGrpSpPr/>
-        <p:nvPr/>
-      </p:nvGrpSpPr>
-      <p:grpSpPr>
-        <a:xfrm>
-          <a:off x="0" y="0"/>
-          <a:ext cx="0" cy="0"/>
-          <a:chOff x="0" y="0"/>
-          <a:chExt cx="0" cy="0"/>
-        </a:xfrm>
-      </p:grpSpPr>
-      <p:sp>
-        <p:nvSpPr>
-          <p:cNvPr id="2" name="Title 1"/>
-          <p:cNvSpPr>
-            <a:spLocks noGrp="1"/>
-          </p:cNvSpPr>
-          <p:nvPr>
-            <p:ph type="title"/>
-          </p:nvPr>
-        </p:nvSpPr>
-        <p:spPr/>
-        <p:txBody>
-          <a:bodyPr/>
-          <a:lstStyle/>
-          <a:p>
-            <a:pPr algn="ctr"/>
-            <a:r>
-              <a:rPr lang="en-US" dirty="0" smtClean="0"/>
-              <a:t>Your Summary</a:t>
-            </a:r>
-            <a:endParaRPr lang="en-US" dirty="0"/>
-          </a:p>
-        </p:txBody>
-      </p:sp>
-      <p:sp>
-        <p:nvSpPr>
-          <p:cNvPr id="3" name="Content Placeholder 2"/>
-          <p:cNvSpPr>
-            <a:spLocks noGrp="1"/>
-          </p:cNvSpPr>
-          <p:nvPr>
-            <p:ph idx="1"/>
-          </p:nvPr>
-        </p:nvSpPr>
-        <p:spPr/>
-        <p:txBody>
-          <a:bodyPr/>
-          <a:lstStyle/>
-          <a:p>
-            <a:r>
-              <a:rPr lang="en-US" dirty="0" smtClean="0"/>
-              <a:t>Who are you?</a:t>
-            </a:r>
-          </a:p>
-          <a:p>
-            <a:r>
-              <a:rPr lang="en-US" dirty="0" smtClean="0"/>
-              <a:t>What did you use to do?</a:t>
-            </a:r>
-            <a:endParaRPr lang="en-US" dirty="0" smtClean="0"/>
-          </a:p>
-          <a:p>
-            <a:r>
-              <a:rPr lang="en-US" dirty="0" smtClean="0"/>
-              <a:t>What are you currently doing?</a:t>
-            </a:r>
-          </a:p>
-          <a:p>
-            <a:r>
-              <a:rPr lang="en-US" dirty="0" smtClean="0"/>
-              <a:t>Where do you want to go? What are you looking for?</a:t>
-            </a:r>
-          </a:p>
-          <a:p>
-            <a:r>
-              <a:rPr lang="en-US" dirty="0" smtClean="0"/>
-              <a:t>Write this in first person</a:t>
-            </a:r>
-          </a:p>
-          <a:p>
-            <a:r>
-              <a:rPr lang="en-US" dirty="0" smtClean="0"/>
-              <a:t>Keep it short, creative, funny? </a:t>
-            </a:r>
-          </a:p>
-          <a:p>
-            <a:r>
-              <a:rPr lang="en-US" dirty="0" smtClean="0"/>
-              <a:t>Emphasize important aspects of your experience</a:t>
-            </a:r>
-          </a:p>
-          <a:p>
-            <a:endParaRPr lang="en-US" dirty="0" smtClean="0"/>
-          </a:p>
-          <a:p>
-            <a:endParaRPr lang="en-US" dirty="0"/>
-          </a:p>
-        </p:txBody>
-      </p:sp>
-    </p:spTree>
-    <p:extLst>
-      <p:ext uri="{BB962C8B-B14F-4D97-AF65-F5344CB8AC3E}">
-        <p14:creationId xmlns:p14="http://schemas.microsoft.com/office/powerpoint/2010/main" val="975754196"/>
       </p:ext>
     </p:extLst>
   </p:cSld>
@@ -8956,6 +9084,226 @@
             <a:pPr algn="ctr"/>
             <a:r>
               <a:rPr lang="en-US" dirty="0" smtClean="0"/>
+              <a:t>Your Summary</a:t>
+            </a:r>
+            <a:endParaRPr lang="en-US" dirty="0"/>
+          </a:p>
+        </p:txBody>
+      </p:sp>
+      <p:sp>
+        <p:nvSpPr>
+          <p:cNvPr id="3" name="Content Placeholder 2"/>
+          <p:cNvSpPr>
+            <a:spLocks noGrp="1"/>
+          </p:cNvSpPr>
+          <p:nvPr>
+            <p:ph idx="1"/>
+          </p:nvPr>
+        </p:nvSpPr>
+        <p:spPr/>
+        <p:txBody>
+          <a:bodyPr/>
+          <a:lstStyle/>
+          <a:p>
+            <a:r>
+              <a:rPr lang="en-US" dirty="0" smtClean="0"/>
+              <a:t>Who are you?</a:t>
+            </a:r>
+          </a:p>
+          <a:p>
+            <a:r>
+              <a:rPr lang="en-US" dirty="0" smtClean="0"/>
+              <a:t>What did you use to do?</a:t>
+            </a:r>
+          </a:p>
+          <a:p>
+            <a:r>
+              <a:rPr lang="en-US" dirty="0" smtClean="0"/>
+              <a:t>What are you currently doing?</a:t>
+            </a:r>
+          </a:p>
+          <a:p>
+            <a:r>
+              <a:rPr lang="en-US" dirty="0" smtClean="0"/>
+              <a:t>Where do you want to go? What are you looking for?</a:t>
+            </a:r>
+          </a:p>
+          <a:p>
+            <a:r>
+              <a:rPr lang="en-US" dirty="0" smtClean="0"/>
+              <a:t>Write this in first person</a:t>
+            </a:r>
+          </a:p>
+          <a:p>
+            <a:r>
+              <a:rPr lang="en-US" dirty="0" smtClean="0"/>
+              <a:t>Keep it short, creative, funny? </a:t>
+            </a:r>
+          </a:p>
+          <a:p>
+            <a:r>
+              <a:rPr lang="en-US" dirty="0" smtClean="0"/>
+              <a:t>Emphasize important aspects of your experience</a:t>
+            </a:r>
+          </a:p>
+          <a:p>
+            <a:endParaRPr lang="en-US" dirty="0" smtClean="0"/>
+          </a:p>
+          <a:p>
+            <a:endParaRPr lang="en-US" dirty="0"/>
+          </a:p>
+        </p:txBody>
+      </p:sp>
+    </p:spTree>
+    <p:extLst>
+      <p:ext uri="{BB962C8B-B14F-4D97-AF65-F5344CB8AC3E}">
+        <p14:creationId xmlns:p14="http://schemas.microsoft.com/office/powerpoint/2010/main" val="975754196"/>
+      </p:ext>
+    </p:extLst>
+  </p:cSld>
+  <p:clrMapOvr>
+    <a:masterClrMapping/>
+  </p:clrMapOvr>
+</p:sld>
+</file>
+
+<file path=ppt/slides/slide2.xml><?xml version="1.0" encoding="utf-8"?>
+<p:sld xmlns:a="http://schemas.openxmlformats.org/drawingml/2006/main" xmlns:r="http://schemas.openxmlformats.org/officeDocument/2006/relationships" xmlns:p="http://schemas.openxmlformats.org/presentationml/2006/main">
+  <p:cSld>
+    <p:spTree>
+      <p:nvGrpSpPr>
+        <p:cNvPr id="1" name=""/>
+        <p:cNvGrpSpPr/>
+        <p:nvPr/>
+      </p:nvGrpSpPr>
+      <p:grpSpPr>
+        <a:xfrm>
+          <a:off x="0" y="0"/>
+          <a:ext cx="0" cy="0"/>
+          <a:chOff x="0" y="0"/>
+          <a:chExt cx="0" cy="0"/>
+        </a:xfrm>
+      </p:grpSpPr>
+      <p:sp>
+        <p:nvSpPr>
+          <p:cNvPr id="2" name="Title 1"/>
+          <p:cNvSpPr>
+            <a:spLocks noGrp="1"/>
+          </p:cNvSpPr>
+          <p:nvPr>
+            <p:ph type="title"/>
+          </p:nvPr>
+        </p:nvSpPr>
+        <p:spPr/>
+        <p:txBody>
+          <a:bodyPr/>
+          <a:lstStyle/>
+          <a:p>
+            <a:r>
+              <a:rPr lang="en-US" dirty="0" smtClean="0"/>
+              <a:t>Topics</a:t>
+            </a:r>
+            <a:endParaRPr lang="en-US" dirty="0"/>
+          </a:p>
+        </p:txBody>
+      </p:sp>
+      <p:sp>
+        <p:nvSpPr>
+          <p:cNvPr id="3" name="Content Placeholder 2"/>
+          <p:cNvSpPr>
+            <a:spLocks noGrp="1"/>
+          </p:cNvSpPr>
+          <p:nvPr>
+            <p:ph idx="1"/>
+          </p:nvPr>
+        </p:nvSpPr>
+        <p:spPr/>
+        <p:txBody>
+          <a:bodyPr/>
+          <a:lstStyle/>
+          <a:p>
+            <a:r>
+              <a:rPr lang="en-US" dirty="0" smtClean="0"/>
+              <a:t>The different application processes</a:t>
+            </a:r>
+          </a:p>
+          <a:p>
+            <a:r>
+              <a:rPr lang="en-US" dirty="0" smtClean="0"/>
+              <a:t>How to write your resume</a:t>
+            </a:r>
+          </a:p>
+          <a:p>
+            <a:r>
+              <a:rPr lang="en-US" dirty="0" smtClean="0"/>
+              <a:t>How to set up your LinkedIn profile</a:t>
+            </a:r>
+          </a:p>
+          <a:p>
+            <a:r>
+              <a:rPr lang="en-US" dirty="0" smtClean="0"/>
+              <a:t>What to do for networking </a:t>
+            </a:r>
+          </a:p>
+          <a:p>
+            <a:r>
+              <a:rPr lang="en-US" dirty="0" smtClean="0"/>
+              <a:t>What to do for interviews</a:t>
+            </a:r>
+          </a:p>
+          <a:p>
+            <a:endParaRPr lang="en-US" dirty="0"/>
+          </a:p>
+        </p:txBody>
+      </p:sp>
+    </p:spTree>
+    <p:extLst>
+      <p:ext uri="{BB962C8B-B14F-4D97-AF65-F5344CB8AC3E}">
+        <p14:creationId xmlns:p14="http://schemas.microsoft.com/office/powerpoint/2010/main" val="695467868"/>
+      </p:ext>
+    </p:extLst>
+  </p:cSld>
+  <p:clrMapOvr>
+    <a:masterClrMapping/>
+  </p:clrMapOvr>
+</p:sld>
+</file>
+
+<file path=ppt/slides/slide20.xml><?xml version="1.0" encoding="utf-8"?>
+<p:sld xmlns:a="http://schemas.openxmlformats.org/drawingml/2006/main" xmlns:r="http://schemas.openxmlformats.org/officeDocument/2006/relationships" xmlns:p="http://schemas.openxmlformats.org/presentationml/2006/main">
+  <p:cSld>
+    <p:spTree>
+      <p:nvGrpSpPr>
+        <p:cNvPr id="1" name=""/>
+        <p:cNvGrpSpPr/>
+        <p:nvPr/>
+      </p:nvGrpSpPr>
+      <p:grpSpPr>
+        <a:xfrm>
+          <a:off x="0" y="0"/>
+          <a:ext cx="0" cy="0"/>
+          <a:chOff x="0" y="0"/>
+          <a:chExt cx="0" cy="0"/>
+        </a:xfrm>
+      </p:grpSpPr>
+      <p:sp>
+        <p:nvSpPr>
+          <p:cNvPr id="2" name="Title 1"/>
+          <p:cNvSpPr>
+            <a:spLocks noGrp="1"/>
+          </p:cNvSpPr>
+          <p:nvPr>
+            <p:ph type="title"/>
+          </p:nvPr>
+        </p:nvSpPr>
+        <p:spPr/>
+        <p:txBody>
+          <a:bodyPr/>
+          <a:lstStyle/>
+          <a:p>
+            <a:pPr algn="ctr"/>
+            <a:r>
+              <a:rPr lang="en-US" dirty="0" smtClean="0"/>
               <a:t>Your Byte Education</a:t>
             </a:r>
             <a:endParaRPr lang="en-US" dirty="0"/>
@@ -8998,11 +9346,7 @@
           <a:p>
             <a:r>
               <a:rPr lang="en-US" dirty="0" smtClean="0"/>
-              <a:t>What languages you used, what projects you worke</a:t>
-            </a:r>
-            <a:r>
-              <a:rPr lang="en-US" dirty="0" smtClean="0"/>
-              <a:t>d on, pair programming, and the like</a:t>
+              <a:t>What languages you used, what projects you worked on, pair programming, and the like</a:t>
             </a:r>
           </a:p>
           <a:p>
@@ -9110,109 +9454,7 @@
 </p:sld>
 </file>
 
-<file path=ppt/slides/slide2.xml><?xml version="1.0" encoding="utf-8"?>
-<p:sld xmlns:a="http://schemas.openxmlformats.org/drawingml/2006/main" xmlns:r="http://schemas.openxmlformats.org/officeDocument/2006/relationships" xmlns:p="http://schemas.openxmlformats.org/presentationml/2006/main">
-  <p:cSld>
-    <p:spTree>
-      <p:nvGrpSpPr>
-        <p:cNvPr id="1" name=""/>
-        <p:cNvGrpSpPr/>
-        <p:nvPr/>
-      </p:nvGrpSpPr>
-      <p:grpSpPr>
-        <a:xfrm>
-          <a:off x="0" y="0"/>
-          <a:ext cx="0" cy="0"/>
-          <a:chOff x="0" y="0"/>
-          <a:chExt cx="0" cy="0"/>
-        </a:xfrm>
-      </p:grpSpPr>
-      <p:sp>
-        <p:nvSpPr>
-          <p:cNvPr id="2" name="Title 1"/>
-          <p:cNvSpPr>
-            <a:spLocks noGrp="1"/>
-          </p:cNvSpPr>
-          <p:nvPr>
-            <p:ph type="title"/>
-          </p:nvPr>
-        </p:nvSpPr>
-        <p:spPr/>
-        <p:txBody>
-          <a:bodyPr/>
-          <a:lstStyle/>
-          <a:p>
-            <a:r>
-              <a:rPr lang="en-US" dirty="0" smtClean="0"/>
-              <a:t>Topics</a:t>
-            </a:r>
-            <a:endParaRPr lang="en-US" dirty="0"/>
-          </a:p>
-        </p:txBody>
-      </p:sp>
-      <p:sp>
-        <p:nvSpPr>
-          <p:cNvPr id="3" name="Content Placeholder 2"/>
-          <p:cNvSpPr>
-            <a:spLocks noGrp="1"/>
-          </p:cNvSpPr>
-          <p:nvPr>
-            <p:ph idx="1"/>
-          </p:nvPr>
-        </p:nvSpPr>
-        <p:spPr/>
-        <p:txBody>
-          <a:bodyPr/>
-          <a:lstStyle/>
-          <a:p>
-            <a:r>
-              <a:rPr lang="en-US" dirty="0" smtClean="0"/>
-              <a:t>The different application processes</a:t>
-            </a:r>
-          </a:p>
-          <a:p>
-            <a:r>
-              <a:rPr lang="en-US" dirty="0" smtClean="0"/>
-              <a:t>How to write your resume</a:t>
-            </a:r>
-          </a:p>
-          <a:p>
-            <a:r>
-              <a:rPr lang="en-US" dirty="0" smtClean="0"/>
-              <a:t>How to set up your LinkedIn profile</a:t>
-            </a:r>
-          </a:p>
-          <a:p>
-            <a:r>
-              <a:rPr lang="en-US" dirty="0" smtClean="0"/>
-              <a:t>What to do for networking </a:t>
-            </a:r>
-          </a:p>
-          <a:p>
-            <a:r>
-              <a:rPr lang="en-US" dirty="0" smtClean="0"/>
-              <a:t>What to do for interviews</a:t>
-            </a:r>
-          </a:p>
-          <a:p>
-            <a:endParaRPr lang="en-US" dirty="0"/>
-          </a:p>
-        </p:txBody>
-      </p:sp>
-    </p:spTree>
-    <p:extLst>
-      <p:ext uri="{BB962C8B-B14F-4D97-AF65-F5344CB8AC3E}">
-        <p14:creationId xmlns:p14="http://schemas.microsoft.com/office/powerpoint/2010/main" val="695467868"/>
-      </p:ext>
-    </p:extLst>
-  </p:cSld>
-  <p:clrMapOvr>
-    <a:masterClrMapping/>
-  </p:clrMapOvr>
-</p:sld>
-</file>
-
-<file path=ppt/slides/slide20.xml><?xml version="1.0" encoding="utf-8"?>
+<file path=ppt/slides/slide21.xml><?xml version="1.0" encoding="utf-8"?>
 <p:sld xmlns:a="http://schemas.openxmlformats.org/drawingml/2006/main" xmlns:r="http://schemas.openxmlformats.org/officeDocument/2006/relationships" xmlns:p="http://schemas.openxmlformats.org/presentationml/2006/main">
   <p:cSld>
     <p:spTree>
@@ -9398,7 +9640,7 @@
 </p:sld>
 </file>
 
-<file path=ppt/slides/slide21.xml><?xml version="1.0" encoding="utf-8"?>
+<file path=ppt/slides/slide22.xml><?xml version="1.0" encoding="utf-8"?>
 <p:sld xmlns:a="http://schemas.openxmlformats.org/drawingml/2006/main" xmlns:r="http://schemas.openxmlformats.org/officeDocument/2006/relationships" xmlns:p="http://schemas.openxmlformats.org/presentationml/2006/main">
   <p:cSld>
     <p:spTree>
@@ -10118,79 +10360,6 @@
 </p:sld>
 </file>
 
-<file path=ppt/slides/slide22.xml><?xml version="1.0" encoding="utf-8"?>
-<p:sld xmlns:a="http://schemas.openxmlformats.org/drawingml/2006/main" xmlns:r="http://schemas.openxmlformats.org/officeDocument/2006/relationships" xmlns:p="http://schemas.openxmlformats.org/presentationml/2006/main">
-  <p:cSld>
-    <p:spTree>
-      <p:nvGrpSpPr>
-        <p:cNvPr id="1" name=""/>
-        <p:cNvGrpSpPr/>
-        <p:nvPr/>
-      </p:nvGrpSpPr>
-      <p:grpSpPr>
-        <a:xfrm>
-          <a:off x="0" y="0"/>
-          <a:ext cx="0" cy="0"/>
-          <a:chOff x="0" y="0"/>
-          <a:chExt cx="0" cy="0"/>
-        </a:xfrm>
-      </p:grpSpPr>
-      <p:sp>
-        <p:nvSpPr>
-          <p:cNvPr id="2" name="Title 1"/>
-          <p:cNvSpPr>
-            <a:spLocks noGrp="1"/>
-          </p:cNvSpPr>
-          <p:nvPr>
-            <p:ph type="ctrTitle"/>
-          </p:nvPr>
-        </p:nvSpPr>
-        <p:spPr/>
-        <p:txBody>
-          <a:bodyPr/>
-          <a:lstStyle/>
-          <a:p>
-            <a:pPr algn="ctr"/>
-            <a:r>
-              <a:rPr lang="en-US" dirty="0" smtClean="0"/>
-              <a:t>Application Work Flow</a:t>
-            </a:r>
-            <a:endParaRPr lang="en-US" dirty="0"/>
-          </a:p>
-        </p:txBody>
-      </p:sp>
-      <p:sp>
-        <p:nvSpPr>
-          <p:cNvPr id="4" name="Subtitle 3"/>
-          <p:cNvSpPr>
-            <a:spLocks noGrp="1"/>
-          </p:cNvSpPr>
-          <p:nvPr>
-            <p:ph type="subTitle" idx="1"/>
-          </p:nvPr>
-        </p:nvSpPr>
-        <p:spPr/>
-        <p:txBody>
-          <a:bodyPr/>
-          <a:lstStyle/>
-          <a:p>
-            <a:endParaRPr lang="en-US"/>
-          </a:p>
-        </p:txBody>
-      </p:sp>
-    </p:spTree>
-    <p:extLst>
-      <p:ext uri="{BB962C8B-B14F-4D97-AF65-F5344CB8AC3E}">
-        <p14:creationId xmlns:p14="http://schemas.microsoft.com/office/powerpoint/2010/main" val="1981773937"/>
-      </p:ext>
-    </p:extLst>
-  </p:cSld>
-  <p:clrMapOvr>
-    <a:masterClrMapping/>
-  </p:clrMapOvr>
-</p:sld>
-</file>
-
 <file path=ppt/slides/slide23.xml><?xml version="1.0" encoding="utf-8"?>
 <p:sld xmlns:a="http://schemas.openxmlformats.org/drawingml/2006/main" xmlns:r="http://schemas.openxmlformats.org/officeDocument/2006/relationships" xmlns:p="http://schemas.openxmlformats.org/presentationml/2006/main">
   <p:cSld>
@@ -10215,7 +10384,7 @@
             <a:spLocks noGrp="1"/>
           </p:cNvSpPr>
           <p:nvPr>
-            <p:ph type="title"/>
+            <p:ph type="ctrTitle"/>
           </p:nvPr>
         </p:nvSpPr>
         <p:spPr/>
@@ -10225,12 +10394,8 @@
           <a:p>
             <a:pPr algn="ctr"/>
             <a:r>
-              <a:rPr lang="en-US" dirty="0" err="1" smtClean="0"/>
-              <a:t>Trello</a:t>
-            </a:r>
-            <a:r>
-              <a:rPr lang="en-US" dirty="0" smtClean="0"/>
-              <a:t> Board</a:t>
+              <a:rPr lang="en-US" dirty="0" smtClean="0"/>
+              <a:t>Application Work Flow</a:t>
             </a:r>
             <a:endParaRPr lang="en-US" dirty="0"/>
           </a:p>
@@ -10238,12 +10403,12 @@
       </p:sp>
       <p:sp>
         <p:nvSpPr>
-          <p:cNvPr id="3" name="Content Placeholder 2"/>
+          <p:cNvPr id="4" name="Subtitle 3"/>
           <p:cNvSpPr>
             <a:spLocks noGrp="1"/>
           </p:cNvSpPr>
           <p:nvPr>
-            <p:ph idx="1"/>
+            <p:ph type="subTitle" idx="1"/>
           </p:nvPr>
         </p:nvSpPr>
         <p:spPr/>
@@ -10251,80 +10416,14 @@
           <a:bodyPr/>
           <a:lstStyle/>
           <a:p>
-            <a:r>
-              <a:rPr lang="en-US" dirty="0" smtClean="0"/>
-              <a:t>Make a </a:t>
-            </a:r>
-            <a:r>
-              <a:rPr lang="en-US" dirty="0" err="1" smtClean="0"/>
-              <a:t>Trello</a:t>
-            </a:r>
-            <a:r>
-              <a:rPr lang="en-US" dirty="0" smtClean="0"/>
-              <a:t> Board for your application process</a:t>
-            </a:r>
-          </a:p>
-          <a:p>
-            <a:r>
-              <a:rPr lang="en-US" dirty="0" smtClean="0"/>
-              <a:t>Columns for each of the following</a:t>
-            </a:r>
-          </a:p>
-          <a:p>
-            <a:pPr lvl="1"/>
-            <a:r>
-              <a:rPr lang="en-US" dirty="0" smtClean="0"/>
-              <a:t>Profiles, Places to Consider,  Position to Apply,  Applied, Interview, Offers, Rejections / Did Not Want</a:t>
-            </a:r>
-          </a:p>
-          <a:p>
-            <a:r>
-              <a:rPr lang="en-US" dirty="0" smtClean="0"/>
-              <a:t>Use </a:t>
-            </a:r>
-            <a:r>
-              <a:rPr lang="en-US" dirty="0" err="1" smtClean="0"/>
-              <a:t>Trello’s</a:t>
-            </a:r>
-            <a:r>
-              <a:rPr lang="en-US" dirty="0"/>
-              <a:t> </a:t>
-            </a:r>
-            <a:r>
-              <a:rPr lang="en-US" dirty="0" smtClean="0"/>
-              <a:t>Cards</a:t>
-            </a:r>
-          </a:p>
-          <a:p>
-            <a:pPr lvl="1"/>
-            <a:r>
-              <a:rPr lang="en-US" dirty="0" smtClean="0"/>
-              <a:t>Make a checklist (resume sent / cover letter sent / thank you email / etc.)</a:t>
-            </a:r>
-          </a:p>
-          <a:p>
-            <a:pPr lvl="1"/>
-            <a:r>
-              <a:rPr lang="en-US" dirty="0" smtClean="0"/>
-              <a:t>Save a link to the job posting</a:t>
-            </a:r>
-          </a:p>
-          <a:p>
-            <a:pPr lvl="1"/>
-            <a:r>
-              <a:rPr lang="en-US" dirty="0" smtClean="0"/>
-              <a:t>Make a due date</a:t>
-            </a:r>
-          </a:p>
-          <a:p>
-            <a:endParaRPr lang="en-US" dirty="0"/>
+            <a:endParaRPr lang="en-US"/>
           </a:p>
         </p:txBody>
       </p:sp>
     </p:spTree>
     <p:extLst>
       <p:ext uri="{BB962C8B-B14F-4D97-AF65-F5344CB8AC3E}">
-        <p14:creationId xmlns:p14="http://schemas.microsoft.com/office/powerpoint/2010/main" val="1377875606"/>
+        <p14:creationId xmlns:p14="http://schemas.microsoft.com/office/powerpoint/2010/main" val="1981773937"/>
       </p:ext>
     </p:extLst>
   </p:cSld>
@@ -10358,7 +10457,7 @@
             <a:spLocks noGrp="1"/>
           </p:cNvSpPr>
           <p:nvPr>
-            <p:ph type="ctrTitle"/>
+            <p:ph type="title"/>
           </p:nvPr>
         </p:nvSpPr>
         <p:spPr/>
@@ -10368,15 +10467,12 @@
           <a:p>
             <a:pPr algn="ctr"/>
             <a:r>
-              <a:rPr lang="en-US" dirty="0" smtClean="0"/>
-              <a:t>Networking</a:t>
-            </a:r>
-            <a:br>
-              <a:rPr lang="en-US" dirty="0" smtClean="0"/>
-            </a:br>
-            <a:r>
-              <a:rPr lang="en-US" dirty="0" smtClean="0"/>
-              <a:t>Interviewing</a:t>
+              <a:rPr lang="en-US" dirty="0" err="1" smtClean="0"/>
+              <a:t>Trello</a:t>
+            </a:r>
+            <a:r>
+              <a:rPr lang="en-US" dirty="0" smtClean="0"/>
+              <a:t> Board</a:t>
             </a:r>
             <a:endParaRPr lang="en-US" dirty="0"/>
           </a:p>
@@ -10384,12 +10480,12 @@
       </p:sp>
       <p:sp>
         <p:nvSpPr>
-          <p:cNvPr id="4" name="Subtitle 3"/>
+          <p:cNvPr id="3" name="Content Placeholder 2"/>
           <p:cNvSpPr>
             <a:spLocks noGrp="1"/>
           </p:cNvSpPr>
           <p:nvPr>
-            <p:ph type="subTitle" idx="1"/>
+            <p:ph idx="1"/>
           </p:nvPr>
         </p:nvSpPr>
         <p:spPr/>
@@ -10397,14 +10493,80 @@
           <a:bodyPr/>
           <a:lstStyle/>
           <a:p>
-            <a:endParaRPr lang="en-US"/>
+            <a:r>
+              <a:rPr lang="en-US" dirty="0" smtClean="0"/>
+              <a:t>Make a </a:t>
+            </a:r>
+            <a:r>
+              <a:rPr lang="en-US" dirty="0" err="1" smtClean="0"/>
+              <a:t>Trello</a:t>
+            </a:r>
+            <a:r>
+              <a:rPr lang="en-US" dirty="0" smtClean="0"/>
+              <a:t> Board for your application process</a:t>
+            </a:r>
+          </a:p>
+          <a:p>
+            <a:r>
+              <a:rPr lang="en-US" dirty="0" smtClean="0"/>
+              <a:t>Columns for each of the following</a:t>
+            </a:r>
+          </a:p>
+          <a:p>
+            <a:pPr lvl="1"/>
+            <a:r>
+              <a:rPr lang="en-US" dirty="0" smtClean="0"/>
+              <a:t>Profiles, Places to Consider,  Position to Apply,  Applied, Interview, Offers, Rejections / Did Not Want</a:t>
+            </a:r>
+          </a:p>
+          <a:p>
+            <a:r>
+              <a:rPr lang="en-US" dirty="0" smtClean="0"/>
+              <a:t>Use </a:t>
+            </a:r>
+            <a:r>
+              <a:rPr lang="en-US" dirty="0" err="1" smtClean="0"/>
+              <a:t>Trello’s</a:t>
+            </a:r>
+            <a:r>
+              <a:rPr lang="en-US" dirty="0"/>
+              <a:t> </a:t>
+            </a:r>
+            <a:r>
+              <a:rPr lang="en-US" dirty="0" smtClean="0"/>
+              <a:t>Cards</a:t>
+            </a:r>
+          </a:p>
+          <a:p>
+            <a:pPr lvl="1"/>
+            <a:r>
+              <a:rPr lang="en-US" dirty="0" smtClean="0"/>
+              <a:t>Make a checklist (resume sent / cover letter sent / thank you email / etc.)</a:t>
+            </a:r>
+          </a:p>
+          <a:p>
+            <a:pPr lvl="1"/>
+            <a:r>
+              <a:rPr lang="en-US" dirty="0" smtClean="0"/>
+              <a:t>Save a link to the job posting</a:t>
+            </a:r>
+          </a:p>
+          <a:p>
+            <a:pPr lvl="1"/>
+            <a:r>
+              <a:rPr lang="en-US" dirty="0" smtClean="0"/>
+              <a:t>Make a due date</a:t>
+            </a:r>
+          </a:p>
+          <a:p>
+            <a:endParaRPr lang="en-US" dirty="0"/>
           </a:p>
         </p:txBody>
       </p:sp>
     </p:spTree>
     <p:extLst>
       <p:ext uri="{BB962C8B-B14F-4D97-AF65-F5344CB8AC3E}">
-        <p14:creationId xmlns:p14="http://schemas.microsoft.com/office/powerpoint/2010/main" val="1861597957"/>
+        <p14:creationId xmlns:p14="http://schemas.microsoft.com/office/powerpoint/2010/main" val="1377875606"/>
       </p:ext>
     </p:extLst>
   </p:cSld>
@@ -10438,7 +10600,7 @@
             <a:spLocks noGrp="1"/>
           </p:cNvSpPr>
           <p:nvPr>
-            <p:ph type="title"/>
+            <p:ph type="ctrTitle"/>
           </p:nvPr>
         </p:nvSpPr>
         <p:spPr/>
@@ -10451,18 +10613,25 @@
               <a:rPr lang="en-US" dirty="0" smtClean="0"/>
               <a:t>Networking</a:t>
             </a:r>
+            <a:br>
+              <a:rPr lang="en-US" dirty="0" smtClean="0"/>
+            </a:br>
+            <a:r>
+              <a:rPr lang="en-US" dirty="0" smtClean="0"/>
+              <a:t>Interviewing</a:t>
+            </a:r>
             <a:endParaRPr lang="en-US" dirty="0"/>
           </a:p>
         </p:txBody>
       </p:sp>
       <p:sp>
         <p:nvSpPr>
-          <p:cNvPr id="3" name="Content Placeholder 2"/>
+          <p:cNvPr id="4" name="Subtitle 3"/>
           <p:cNvSpPr>
             <a:spLocks noGrp="1"/>
           </p:cNvSpPr>
           <p:nvPr>
-            <p:ph idx="1"/>
+            <p:ph type="subTitle" idx="1"/>
           </p:nvPr>
         </p:nvSpPr>
         <p:spPr/>
@@ -10470,26 +10639,14 @@
           <a:bodyPr/>
           <a:lstStyle/>
           <a:p>
-            <a:r>
-              <a:rPr lang="en-US" dirty="0" smtClean="0"/>
-              <a:t>Elevator Pitch</a:t>
-            </a:r>
-          </a:p>
-          <a:p>
-            <a:r>
-              <a:rPr lang="en-US" dirty="0" smtClean="0"/>
-              <a:t>Unique New York</a:t>
-            </a:r>
-          </a:p>
-          <a:p>
-            <a:endParaRPr lang="en-US" dirty="0"/>
+            <a:endParaRPr lang="en-US"/>
           </a:p>
         </p:txBody>
       </p:sp>
     </p:spTree>
     <p:extLst>
       <p:ext uri="{BB962C8B-B14F-4D97-AF65-F5344CB8AC3E}">
-        <p14:creationId xmlns:p14="http://schemas.microsoft.com/office/powerpoint/2010/main" val="645410488"/>
+        <p14:creationId xmlns:p14="http://schemas.microsoft.com/office/powerpoint/2010/main" val="1861597957"/>
       </p:ext>
     </p:extLst>
   </p:cSld>
@@ -10526,7 +10683,12 @@
             <p:ph type="title"/>
           </p:nvPr>
         </p:nvSpPr>
-        <p:spPr/>
+        <p:spPr>
+          <a:xfrm>
+            <a:off x="1251678" y="192814"/>
+            <a:ext cx="10178322" cy="821947"/>
+          </a:xfrm>
+        </p:spPr>
         <p:txBody>
           <a:bodyPr/>
           <a:lstStyle/>
@@ -10534,7 +10696,7 @@
             <a:pPr algn="ctr"/>
             <a:r>
               <a:rPr lang="en-US" dirty="0" smtClean="0"/>
-              <a:t>Cover Letters</a:t>
+              <a:t>Networking</a:t>
             </a:r>
             <a:endParaRPr lang="en-US" dirty="0"/>
           </a:p>
@@ -10550,36 +10712,117 @@
             <p:ph idx="1"/>
           </p:nvPr>
         </p:nvSpPr>
-        <p:spPr/>
-        <p:txBody>
-          <a:bodyPr/>
+        <p:spPr>
+          <a:xfrm>
+            <a:off x="1251678" y="1326995"/>
+            <a:ext cx="10178322" cy="5374888"/>
+          </a:xfrm>
+        </p:spPr>
+        <p:txBody>
+          <a:bodyPr>
+            <a:normAutofit/>
+          </a:bodyPr>
           <a:lstStyle/>
           <a:p>
             <a:r>
-              <a:rPr lang="en-US" dirty="0" smtClean="0"/>
-              <a:t>Keep it short</a:t>
-            </a:r>
-          </a:p>
-          <a:p>
-            <a:r>
-              <a:rPr lang="en-US" dirty="0" smtClean="0"/>
-              <a:t>Give a detailed account of why you are qualified</a:t>
-            </a:r>
-          </a:p>
-          <a:p>
-            <a:r>
-              <a:rPr lang="en-US" dirty="0" smtClean="0"/>
-              <a:t>Talk about your skills, previous experiences, relatable soft skills</a:t>
-            </a:r>
-          </a:p>
-          <a:p>
-            <a:r>
-              <a:rPr lang="en-US" dirty="0" smtClean="0"/>
-              <a:t>Show your interest in that position and the company</a:t>
-            </a:r>
-          </a:p>
-          <a:p>
+              <a:rPr lang="en-US" dirty="0"/>
+              <a:t>Go to networking events by yourself or with your </a:t>
+            </a:r>
+            <a:r>
+              <a:rPr lang="en-US" dirty="0" smtClean="0"/>
+              <a:t>classmates</a:t>
+            </a:r>
+          </a:p>
+          <a:p>
+            <a:pPr lvl="1"/>
+            <a:r>
+              <a:rPr lang="en-US" dirty="0" smtClean="0"/>
+              <a:t>Is this in your industry? Is this about a language or framework you’re interested in?</a:t>
+            </a:r>
+            <a:endParaRPr lang="en-US" dirty="0"/>
+          </a:p>
+          <a:p>
+            <a:pPr lvl="1"/>
+            <a:r>
+              <a:rPr lang="en-US" dirty="0" smtClean="0"/>
+              <a:t>It is not hard to be the most approachable person in a room of programmers… Just smile?</a:t>
+            </a:r>
+          </a:p>
+          <a:p>
+            <a:r>
+              <a:rPr lang="en-US" dirty="0" smtClean="0"/>
+              <a:t>Practice talking about your experience. </a:t>
+            </a:r>
+          </a:p>
+          <a:p>
+            <a:pPr lvl="1"/>
+            <a:r>
+              <a:rPr lang="en-US" dirty="0" smtClean="0"/>
+              <a:t>What have you done? / What are you currently doing? / Where do you want to go?</a:t>
+            </a:r>
+          </a:p>
+          <a:p>
+            <a:pPr lvl="1"/>
+            <a:r>
+              <a:rPr lang="en-US" dirty="0" smtClean="0"/>
+              <a:t>Projects you built? Working as a team? Building an MVP?</a:t>
+            </a:r>
+          </a:p>
+          <a:p>
+            <a:pPr lvl="1"/>
+            <a:r>
+              <a:rPr lang="en-US" dirty="0" smtClean="0"/>
+              <a:t>Passionate about “industry”. Really enjoy working with “Language” / NO “I hate xyz” </a:t>
+            </a:r>
+          </a:p>
+          <a:p>
+            <a:r>
+              <a:rPr lang="en-US" dirty="0" smtClean="0"/>
+              <a:t>Do not bring business cards, take business cards. </a:t>
+            </a:r>
             <a:endParaRPr lang="en-US" dirty="0" smtClean="0"/>
+          </a:p>
+          <a:p>
+            <a:r>
+              <a:rPr lang="en-US" dirty="0" smtClean="0"/>
+              <a:t>Practice Your Elevator Pitch</a:t>
+            </a:r>
+          </a:p>
+          <a:p>
+            <a:pPr lvl="1"/>
+            <a:r>
+              <a:rPr lang="en-US" dirty="0" smtClean="0"/>
+              <a:t>Write something that will take 30 seconds. Practice saying it</a:t>
+            </a:r>
+          </a:p>
+          <a:p>
+            <a:pPr lvl="1"/>
+            <a:r>
+              <a:rPr lang="en-US" dirty="0" smtClean="0"/>
+              <a:t>Cut the fluff, make it 20 seconds. Practice saying it</a:t>
+            </a:r>
+          </a:p>
+          <a:p>
+            <a:pPr lvl="1"/>
+            <a:r>
+              <a:rPr lang="en-US" dirty="0" smtClean="0"/>
+              <a:t>Trim the fat, make it 10 seconds, Practice saying it</a:t>
+            </a:r>
+            <a:endParaRPr lang="en-US" dirty="0" smtClean="0"/>
+          </a:p>
+          <a:p>
+            <a:r>
+              <a:rPr lang="en-US" dirty="0" smtClean="0"/>
+              <a:t>Tongue twister warm up: “Unique </a:t>
+            </a:r>
+            <a:r>
+              <a:rPr lang="en-US" dirty="0" smtClean="0"/>
+              <a:t>New </a:t>
+            </a:r>
+            <a:r>
+              <a:rPr lang="en-US" dirty="0" smtClean="0"/>
+              <a:t>York”</a:t>
+            </a:r>
           </a:p>
           <a:p>
             <a:endParaRPr lang="en-US" dirty="0"/>
@@ -10589,7 +10832,7 @@
     </p:spTree>
     <p:extLst>
       <p:ext uri="{BB962C8B-B14F-4D97-AF65-F5344CB8AC3E}">
-        <p14:creationId xmlns:p14="http://schemas.microsoft.com/office/powerpoint/2010/main" val="2127695900"/>
+        <p14:creationId xmlns:p14="http://schemas.microsoft.com/office/powerpoint/2010/main" val="645410488"/>
       </p:ext>
     </p:extLst>
   </p:cSld>
@@ -10626,15 +10869,20 @@
             <p:ph type="title"/>
           </p:nvPr>
         </p:nvSpPr>
-        <p:spPr/>
+        <p:spPr>
+          <a:xfrm>
+            <a:off x="1251678" y="237420"/>
+            <a:ext cx="10178322" cy="944610"/>
+          </a:xfrm>
+        </p:spPr>
         <p:txBody>
           <a:bodyPr/>
           <a:lstStyle/>
           <a:p>
             <a:pPr algn="ctr"/>
             <a:r>
-              <a:rPr lang="en-US" dirty="0" smtClean="0"/>
-              <a:t>Thank You Notes</a:t>
+              <a:rPr lang="en-US" smtClean="0"/>
+              <a:t>Follow Up</a:t>
             </a:r>
             <a:endParaRPr lang="en-US" dirty="0"/>
           </a:p>
@@ -10650,33 +10898,61 @@
             <p:ph idx="1"/>
           </p:nvPr>
         </p:nvSpPr>
-        <p:spPr/>
-        <p:txBody>
-          <a:bodyPr/>
+        <p:spPr>
+          <a:xfrm>
+            <a:off x="1251678" y="1326995"/>
+            <a:ext cx="10178322" cy="5374888"/>
+          </a:xfrm>
+        </p:spPr>
+        <p:txBody>
+          <a:bodyPr>
+            <a:normAutofit/>
+          </a:bodyPr>
           <a:lstStyle/>
           <a:p>
             <a:r>
               <a:rPr lang="en-US" dirty="0" smtClean="0"/>
-              <a:t>Follow up quickly. 1-2 business days</a:t>
-            </a:r>
-          </a:p>
-          <a:p>
-            <a:r>
-              <a:rPr lang="en-US" dirty="0" smtClean="0"/>
-              <a:t>Address anything that you felt you did poorly on during the interview</a:t>
-            </a:r>
-          </a:p>
-          <a:p>
-            <a:r>
-              <a:rPr lang="en-US" dirty="0" smtClean="0"/>
-              <a:t>Mention something you did great on during the interview</a:t>
-            </a:r>
-          </a:p>
-          <a:p>
-            <a:r>
-              <a:rPr lang="en-US" dirty="0" smtClean="0"/>
-              <a:t>Make sure to actually write thank you</a:t>
-            </a:r>
+              <a:t>Do not hand out business cards, take them. (mentioned in previous slides) </a:t>
+            </a:r>
+          </a:p>
+          <a:p>
+            <a:r>
+              <a:rPr lang="en-US" dirty="0" smtClean="0"/>
+              <a:t>Follow up with them in 1-2 business days</a:t>
+            </a:r>
+          </a:p>
+          <a:p>
+            <a:r>
+              <a:rPr lang="en-US" dirty="0" smtClean="0"/>
+              <a:t>In the email mentioned how you met them, and ask them if they would like to meet for coffee/tea. </a:t>
+            </a:r>
+          </a:p>
+          <a:p>
+            <a:r>
+              <a:rPr lang="en-US" dirty="0" smtClean="0"/>
+              <a:t>Give them TWO times on DIFFERENT days.</a:t>
+            </a:r>
+          </a:p>
+          <a:p>
+            <a:r>
+              <a:rPr lang="en-US" dirty="0" smtClean="0"/>
+              <a:t>Now the ball is in their court and they will respond with:</a:t>
+            </a:r>
+          </a:p>
+          <a:p>
+            <a:pPr lvl="1"/>
+            <a:r>
+              <a:rPr lang="en-US" dirty="0" smtClean="0"/>
+              <a:t>Yes lets me at X time / I’m not available at those times how about this / It was great meeting you, we are not hiring right now. </a:t>
+            </a:r>
+          </a:p>
+          <a:p>
+            <a:pPr marL="0" indent="0">
+              <a:buNone/>
+            </a:pPr>
+            <a:endParaRPr lang="en-US" dirty="0" smtClean="0"/>
+          </a:p>
+          <a:p>
             <a:endParaRPr lang="en-US" dirty="0"/>
           </a:p>
         </p:txBody>
@@ -10684,7 +10960,7 @@
     </p:spTree>
     <p:extLst>
       <p:ext uri="{BB962C8B-B14F-4D97-AF65-F5344CB8AC3E}">
-        <p14:creationId xmlns:p14="http://schemas.microsoft.com/office/powerpoint/2010/main" val="1132332536"/>
+        <p14:creationId xmlns:p14="http://schemas.microsoft.com/office/powerpoint/2010/main" val="1374138296"/>
       </p:ext>
     </p:extLst>
   </p:cSld>
@@ -10718,10 +10994,15 @@
             <a:spLocks noGrp="1"/>
           </p:cNvSpPr>
           <p:nvPr>
-            <p:ph type="ctrTitle"/>
-          </p:nvPr>
-        </p:nvSpPr>
-        <p:spPr/>
+            <p:ph type="title"/>
+          </p:nvPr>
+        </p:nvSpPr>
+        <p:spPr>
+          <a:xfrm>
+            <a:off x="1251678" y="111512"/>
+            <a:ext cx="10178322" cy="833098"/>
+          </a:xfrm>
+        </p:spPr>
         <p:txBody>
           <a:bodyPr/>
           <a:lstStyle/>
@@ -10729,7 +11010,7 @@
             <a:pPr algn="ctr"/>
             <a:r>
               <a:rPr lang="en-US" dirty="0" smtClean="0"/>
-              <a:t>Resources</a:t>
+              <a:t>Interview</a:t>
             </a:r>
             <a:endParaRPr lang="en-US" dirty="0"/>
           </a:p>
@@ -10737,27 +11018,102 @@
       </p:sp>
       <p:sp>
         <p:nvSpPr>
-          <p:cNvPr id="4" name="Subtitle 3"/>
+          <p:cNvPr id="3" name="Content Placeholder 2"/>
           <p:cNvSpPr>
             <a:spLocks noGrp="1"/>
           </p:cNvSpPr>
           <p:nvPr>
-            <p:ph type="subTitle" idx="1"/>
-          </p:nvPr>
-        </p:nvSpPr>
-        <p:spPr/>
-        <p:txBody>
-          <a:bodyPr/>
+            <p:ph idx="1"/>
+          </p:nvPr>
+        </p:nvSpPr>
+        <p:spPr>
+          <a:xfrm>
+            <a:off x="1251678" y="944610"/>
+            <a:ext cx="10178322" cy="5757273"/>
+          </a:xfrm>
+        </p:spPr>
+        <p:txBody>
+          <a:bodyPr>
+            <a:normAutofit/>
+          </a:bodyPr>
           <a:lstStyle/>
           <a:p>
-            <a:endParaRPr lang="en-US"/>
+            <a:r>
+              <a:rPr lang="en-US" dirty="0" smtClean="0"/>
+              <a:t>If it is a meeting at a coffee or tea shop treat it AS AN INTERVIEW</a:t>
+            </a:r>
+          </a:p>
+          <a:p>
+            <a:r>
+              <a:rPr lang="en-US" dirty="0"/>
+              <a:t>Dress appropriately. </a:t>
+            </a:r>
+          </a:p>
+          <a:p>
+            <a:pPr lvl="1"/>
+            <a:r>
+              <a:rPr lang="en-US" dirty="0"/>
+              <a:t>(no hats, beanies, sports jerseys, etc. )</a:t>
+            </a:r>
+          </a:p>
+          <a:p>
+            <a:pPr lvl="1"/>
+            <a:r>
+              <a:rPr lang="en-US" dirty="0"/>
+              <a:t>Dress to impress without going overboard. (You’re entering an industry where people wear t-shirts and shorts to work</a:t>
+            </a:r>
+            <a:r>
+              <a:rPr lang="en-US" dirty="0" smtClean="0"/>
+              <a:t>)</a:t>
+            </a:r>
+            <a:endParaRPr lang="en-US" dirty="0" smtClean="0"/>
+          </a:p>
+          <a:p>
+            <a:r>
+              <a:rPr lang="en-US" dirty="0" smtClean="0"/>
+              <a:t>Carry copies of your resume</a:t>
+            </a:r>
+          </a:p>
+          <a:p>
+            <a:r>
+              <a:rPr lang="en-US" dirty="0" smtClean="0"/>
+              <a:t>Have questions prepared for them</a:t>
+            </a:r>
+          </a:p>
+          <a:p>
+            <a:pPr lvl="1"/>
+            <a:r>
+              <a:rPr lang="en-US" dirty="0" smtClean="0"/>
+              <a:t>“What does the average day look like in this position?”</a:t>
+            </a:r>
+          </a:p>
+          <a:p>
+            <a:pPr lvl="1"/>
+            <a:r>
+              <a:rPr lang="en-US" dirty="0" smtClean="0"/>
+              <a:t>“What qualities does your ideal candidate have?”</a:t>
+            </a:r>
+            <a:endParaRPr lang="en-US" dirty="0" smtClean="0"/>
+          </a:p>
+          <a:p>
+            <a:r>
+              <a:rPr lang="en-US" dirty="0" smtClean="0"/>
+              <a:t>Finish your interview with room to expand on short comings. </a:t>
+            </a:r>
+          </a:p>
+          <a:p>
+            <a:pPr lvl="1"/>
+            <a:r>
+              <a:rPr lang="en-US" dirty="0" smtClean="0"/>
+              <a:t>Example: “Those are all my questions, are there any concerns about my experience / fit that I can address for you?” </a:t>
+            </a:r>
           </a:p>
         </p:txBody>
       </p:sp>
     </p:spTree>
     <p:extLst>
       <p:ext uri="{BB962C8B-B14F-4D97-AF65-F5344CB8AC3E}">
-        <p14:creationId xmlns:p14="http://schemas.microsoft.com/office/powerpoint/2010/main" val="839557260"/>
+        <p14:creationId xmlns:p14="http://schemas.microsoft.com/office/powerpoint/2010/main" val="1882598507"/>
       </p:ext>
     </p:extLst>
   </p:cSld>
@@ -10786,100 +11142,137 @@
       </p:grpSpPr>
       <p:sp>
         <p:nvSpPr>
-          <p:cNvPr id="3" name="Content Placeholder 2"/>
+          <p:cNvPr id="2" name="Title 1"/>
           <p:cNvSpPr>
             <a:spLocks noGrp="1"/>
           </p:cNvSpPr>
           <p:nvPr>
-            <p:ph idx="1"/>
+            <p:ph type="title"/>
           </p:nvPr>
         </p:nvSpPr>
         <p:spPr>
           <a:xfrm>
-            <a:off x="1251678" y="367989"/>
-            <a:ext cx="10178322" cy="5511603"/>
+            <a:off x="1251678" y="111511"/>
+            <a:ext cx="10178322" cy="1650381"/>
           </a:xfrm>
         </p:spPr>
         <p:txBody>
-          <a:bodyPr/>
+          <a:bodyPr>
+            <a:normAutofit/>
+          </a:bodyPr>
           <a:lstStyle/>
           <a:p>
-            <a:r>
-              <a:rPr lang="en-US" dirty="0" smtClean="0"/>
-              <a:t>Job Sites</a:t>
+            <a:pPr algn="ctr"/>
+            <a:r>
+              <a:rPr lang="en-US" dirty="0" smtClean="0"/>
+              <a:t>Interview Part 2</a:t>
+            </a:r>
+            <a:br>
+              <a:rPr lang="en-US" dirty="0" smtClean="0"/>
+            </a:br>
+            <a:r>
+              <a:rPr lang="en-US" dirty="0" smtClean="0"/>
+              <a:t>Discussion Topics</a:t>
+            </a:r>
+            <a:endParaRPr lang="en-US" dirty="0"/>
+          </a:p>
+        </p:txBody>
+      </p:sp>
+      <p:sp>
+        <p:nvSpPr>
+          <p:cNvPr id="3" name="Content Placeholder 2"/>
+          <p:cNvSpPr>
+            <a:spLocks noGrp="1"/>
+          </p:cNvSpPr>
+          <p:nvPr>
+            <p:ph idx="1"/>
+          </p:nvPr>
+        </p:nvSpPr>
+        <p:spPr>
+          <a:xfrm>
+            <a:off x="1251678" y="1761892"/>
+            <a:ext cx="10178322" cy="4939991"/>
+          </a:xfrm>
+        </p:spPr>
+        <p:txBody>
+          <a:bodyPr>
+            <a:normAutofit/>
+          </a:bodyPr>
+          <a:lstStyle/>
+          <a:p>
+            <a:r>
+              <a:rPr lang="en-US" dirty="0" smtClean="0"/>
+              <a:t>Past Experience</a:t>
+            </a:r>
+          </a:p>
+          <a:p>
+            <a:r>
+              <a:rPr lang="en-US" dirty="0" smtClean="0"/>
+              <a:t>Your Projects</a:t>
+            </a:r>
+          </a:p>
+          <a:p>
+            <a:r>
+              <a:rPr lang="en-US" dirty="0" smtClean="0"/>
+              <a:t>What </a:t>
+            </a:r>
+            <a:r>
+              <a:rPr lang="en-US" dirty="0"/>
+              <a:t>do you like about </a:t>
+            </a:r>
+            <a:r>
+              <a:rPr lang="en-US" dirty="0" smtClean="0"/>
+              <a:t>programming?</a:t>
+            </a:r>
+          </a:p>
+          <a:p>
+            <a:r>
+              <a:rPr lang="en-US" dirty="0" smtClean="0"/>
+              <a:t>Why do you want to program?</a:t>
+            </a:r>
+          </a:p>
+          <a:p>
+            <a:r>
+              <a:rPr lang="en-US" dirty="0" smtClean="0"/>
+              <a:t>Conceptual Questions. </a:t>
             </a:r>
           </a:p>
           <a:p>
             <a:pPr lvl="1"/>
             <a:r>
               <a:rPr lang="en-US" dirty="0" smtClean="0"/>
-              <a:t>Dice</a:t>
+              <a:t>Explain REST / OOP / Inheritance</a:t>
+            </a:r>
+            <a:endParaRPr lang="en-US" dirty="0"/>
+          </a:p>
+          <a:p>
+            <a:r>
+              <a:rPr lang="en-US" dirty="0" smtClean="0"/>
+              <a:t>White Board Questions</a:t>
             </a:r>
           </a:p>
           <a:p>
             <a:pPr lvl="1"/>
             <a:r>
-              <a:rPr lang="en-US" dirty="0" err="1" smtClean="0"/>
-              <a:t>Angel.co</a:t>
-            </a:r>
+              <a:rPr lang="en-US" dirty="0" smtClean="0"/>
+              <a:t>They don’t care about syntax or the answer, just to see your thought process of how you plan to get the answer</a:t>
+            </a:r>
+          </a:p>
+          <a:p>
+            <a:r>
+              <a:rPr lang="en-US" dirty="0" smtClean="0"/>
+              <a:t>Do not be afraid to say you do not know something</a:t>
+            </a:r>
+          </a:p>
+          <a:p>
             <a:endParaRPr lang="en-US" dirty="0" smtClean="0"/>
-          </a:p>
-          <a:p>
-            <a:pPr lvl="1"/>
-            <a:r>
-              <a:rPr lang="en-US" dirty="0" err="1" smtClean="0"/>
-              <a:t>Glassdoor</a:t>
-            </a:r>
-            <a:endParaRPr lang="en-US" dirty="0" smtClean="0"/>
-          </a:p>
-          <a:p>
-            <a:pPr lvl="1"/>
-            <a:r>
-              <a:rPr lang="en-US" dirty="0" err="1" smtClean="0"/>
-              <a:t>CyberCoders</a:t>
-            </a:r>
-            <a:endParaRPr lang="en-US" dirty="0" smtClean="0"/>
-          </a:p>
-          <a:p>
-            <a:pPr lvl="1"/>
-            <a:endParaRPr lang="en-US" dirty="0" smtClean="0"/>
-          </a:p>
-          <a:p>
-            <a:r>
-              <a:rPr lang="en-US" dirty="0" err="1" smtClean="0"/>
-              <a:t>Misc</a:t>
-            </a:r>
-            <a:r>
-              <a:rPr lang="en-US" dirty="0" smtClean="0"/>
-              <a:t> Resources</a:t>
-            </a:r>
-          </a:p>
-          <a:p>
-            <a:pPr lvl="1"/>
-            <a:r>
-              <a:rPr lang="en-US" dirty="0" err="1" smtClean="0"/>
-              <a:t>Creddle.io</a:t>
-            </a:r>
-            <a:endParaRPr lang="en-US" dirty="0" smtClean="0"/>
-          </a:p>
-          <a:p>
-            <a:pPr lvl="1"/>
-            <a:r>
-              <a:rPr lang="en-US" dirty="0" err="1" smtClean="0"/>
-              <a:t>Trello</a:t>
-            </a:r>
-            <a:endParaRPr lang="en-US" smtClean="0"/>
-          </a:p>
-          <a:p>
-            <a:pPr lvl="1"/>
-            <a:endParaRPr lang="en-US" dirty="0"/>
           </a:p>
         </p:txBody>
       </p:sp>
     </p:spTree>
     <p:extLst>
       <p:ext uri="{BB962C8B-B14F-4D97-AF65-F5344CB8AC3E}">
-        <p14:creationId xmlns:p14="http://schemas.microsoft.com/office/powerpoint/2010/main" val="1238721638"/>
+        <p14:creationId xmlns:p14="http://schemas.microsoft.com/office/powerpoint/2010/main" val="1281482437"/>
       </p:ext>
     </p:extLst>
   </p:cSld>
@@ -10956,6 +11349,537 @@
     <p:extLst>
       <p:ext uri="{BB962C8B-B14F-4D97-AF65-F5344CB8AC3E}">
         <p14:creationId xmlns:p14="http://schemas.microsoft.com/office/powerpoint/2010/main" val="1196973019"/>
+      </p:ext>
+    </p:extLst>
+  </p:cSld>
+  <p:clrMapOvr>
+    <a:masterClrMapping/>
+  </p:clrMapOvr>
+</p:sld>
+</file>
+
+<file path=ppt/slides/slide30.xml><?xml version="1.0" encoding="utf-8"?>
+<p:sld xmlns:a="http://schemas.openxmlformats.org/drawingml/2006/main" xmlns:r="http://schemas.openxmlformats.org/officeDocument/2006/relationships" xmlns:p="http://schemas.openxmlformats.org/presentationml/2006/main">
+  <p:cSld>
+    <p:spTree>
+      <p:nvGrpSpPr>
+        <p:cNvPr id="1" name=""/>
+        <p:cNvGrpSpPr/>
+        <p:nvPr/>
+      </p:nvGrpSpPr>
+      <p:grpSpPr>
+        <a:xfrm>
+          <a:off x="0" y="0"/>
+          <a:ext cx="0" cy="0"/>
+          <a:chOff x="0" y="0"/>
+          <a:chExt cx="0" cy="0"/>
+        </a:xfrm>
+      </p:grpSpPr>
+      <p:sp>
+        <p:nvSpPr>
+          <p:cNvPr id="2" name="Title 1"/>
+          <p:cNvSpPr>
+            <a:spLocks noGrp="1"/>
+          </p:cNvSpPr>
+          <p:nvPr>
+            <p:ph type="title"/>
+          </p:nvPr>
+        </p:nvSpPr>
+        <p:spPr/>
+        <p:txBody>
+          <a:bodyPr/>
+          <a:lstStyle/>
+          <a:p>
+            <a:pPr algn="ctr"/>
+            <a:r>
+              <a:rPr lang="en-US" dirty="0" smtClean="0"/>
+              <a:t>Thank You Notes</a:t>
+            </a:r>
+            <a:endParaRPr lang="en-US" dirty="0"/>
+          </a:p>
+        </p:txBody>
+      </p:sp>
+      <p:sp>
+        <p:nvSpPr>
+          <p:cNvPr id="3" name="Content Placeholder 2"/>
+          <p:cNvSpPr>
+            <a:spLocks noGrp="1"/>
+          </p:cNvSpPr>
+          <p:nvPr>
+            <p:ph idx="1"/>
+          </p:nvPr>
+        </p:nvSpPr>
+        <p:spPr/>
+        <p:txBody>
+          <a:bodyPr/>
+          <a:lstStyle/>
+          <a:p>
+            <a:r>
+              <a:rPr lang="en-US" dirty="0" smtClean="0"/>
+              <a:t>Follow up quickly. 1-2 business days</a:t>
+            </a:r>
+          </a:p>
+          <a:p>
+            <a:r>
+              <a:rPr lang="en-US" dirty="0" smtClean="0"/>
+              <a:t>Address anything that you felt you did poorly on during the interview</a:t>
+            </a:r>
+          </a:p>
+          <a:p>
+            <a:r>
+              <a:rPr lang="en-US" dirty="0" smtClean="0"/>
+              <a:t>Mention something you did great on during the interview</a:t>
+            </a:r>
+          </a:p>
+          <a:p>
+            <a:r>
+              <a:rPr lang="en-US" dirty="0" smtClean="0"/>
+              <a:t>Make sure to actually write thank you</a:t>
+            </a:r>
+            <a:endParaRPr lang="en-US" dirty="0"/>
+          </a:p>
+        </p:txBody>
+      </p:sp>
+    </p:spTree>
+    <p:extLst>
+      <p:ext uri="{BB962C8B-B14F-4D97-AF65-F5344CB8AC3E}">
+        <p14:creationId xmlns:p14="http://schemas.microsoft.com/office/powerpoint/2010/main" val="1132332536"/>
+      </p:ext>
+    </p:extLst>
+  </p:cSld>
+  <p:clrMapOvr>
+    <a:masterClrMapping/>
+  </p:clrMapOvr>
+</p:sld>
+</file>
+
+<file path=ppt/slides/slide31.xml><?xml version="1.0" encoding="utf-8"?>
+<p:sld xmlns:a="http://schemas.openxmlformats.org/drawingml/2006/main" xmlns:r="http://schemas.openxmlformats.org/officeDocument/2006/relationships" xmlns:p="http://schemas.openxmlformats.org/presentationml/2006/main">
+  <p:cSld>
+    <p:spTree>
+      <p:nvGrpSpPr>
+        <p:cNvPr id="1" name=""/>
+        <p:cNvGrpSpPr/>
+        <p:nvPr/>
+      </p:nvGrpSpPr>
+      <p:grpSpPr>
+        <a:xfrm>
+          <a:off x="0" y="0"/>
+          <a:ext cx="0" cy="0"/>
+          <a:chOff x="0" y="0"/>
+          <a:chExt cx="0" cy="0"/>
+        </a:xfrm>
+      </p:grpSpPr>
+      <p:sp>
+        <p:nvSpPr>
+          <p:cNvPr id="2" name="Title 1"/>
+          <p:cNvSpPr>
+            <a:spLocks noGrp="1"/>
+          </p:cNvSpPr>
+          <p:nvPr>
+            <p:ph type="ctrTitle"/>
+          </p:nvPr>
+        </p:nvSpPr>
+        <p:spPr/>
+        <p:txBody>
+          <a:bodyPr/>
+          <a:lstStyle/>
+          <a:p>
+            <a:pPr algn="ctr"/>
+            <a:r>
+              <a:rPr lang="en-US" dirty="0" smtClean="0"/>
+              <a:t>Resources</a:t>
+            </a:r>
+            <a:endParaRPr lang="en-US" dirty="0"/>
+          </a:p>
+        </p:txBody>
+      </p:sp>
+      <p:sp>
+        <p:nvSpPr>
+          <p:cNvPr id="4" name="Subtitle 3"/>
+          <p:cNvSpPr>
+            <a:spLocks noGrp="1"/>
+          </p:cNvSpPr>
+          <p:nvPr>
+            <p:ph type="subTitle" idx="1"/>
+          </p:nvPr>
+        </p:nvSpPr>
+        <p:spPr/>
+        <p:txBody>
+          <a:bodyPr/>
+          <a:lstStyle/>
+          <a:p>
+            <a:endParaRPr lang="en-US"/>
+          </a:p>
+        </p:txBody>
+      </p:sp>
+    </p:spTree>
+    <p:extLst>
+      <p:ext uri="{BB962C8B-B14F-4D97-AF65-F5344CB8AC3E}">
+        <p14:creationId xmlns:p14="http://schemas.microsoft.com/office/powerpoint/2010/main" val="839557260"/>
+      </p:ext>
+    </p:extLst>
+  </p:cSld>
+  <p:clrMapOvr>
+    <a:masterClrMapping/>
+  </p:clrMapOvr>
+</p:sld>
+</file>
+
+<file path=ppt/slides/slide32.xml><?xml version="1.0" encoding="utf-8"?>
+<p:sld xmlns:a="http://schemas.openxmlformats.org/drawingml/2006/main" xmlns:r="http://schemas.openxmlformats.org/officeDocument/2006/relationships" xmlns:p="http://schemas.openxmlformats.org/presentationml/2006/main">
+  <p:cSld>
+    <p:spTree>
+      <p:nvGrpSpPr>
+        <p:cNvPr id="1" name=""/>
+        <p:cNvGrpSpPr/>
+        <p:nvPr/>
+      </p:nvGrpSpPr>
+      <p:grpSpPr>
+        <a:xfrm>
+          <a:off x="0" y="0"/>
+          <a:ext cx="0" cy="0"/>
+          <a:chOff x="0" y="0"/>
+          <a:chExt cx="0" cy="0"/>
+        </a:xfrm>
+      </p:grpSpPr>
+      <p:sp>
+        <p:nvSpPr>
+          <p:cNvPr id="3" name="Content Placeholder 2"/>
+          <p:cNvSpPr>
+            <a:spLocks noGrp="1"/>
+          </p:cNvSpPr>
+          <p:nvPr>
+            <p:ph idx="1"/>
+          </p:nvPr>
+        </p:nvSpPr>
+        <p:spPr>
+          <a:xfrm>
+            <a:off x="1251678" y="367989"/>
+            <a:ext cx="10178322" cy="5511603"/>
+          </a:xfrm>
+        </p:spPr>
+        <p:txBody>
+          <a:bodyPr/>
+          <a:lstStyle/>
+          <a:p>
+            <a:r>
+              <a:rPr lang="en-US" dirty="0" smtClean="0"/>
+              <a:t>Job Sites</a:t>
+            </a:r>
+          </a:p>
+          <a:p>
+            <a:pPr lvl="1"/>
+            <a:r>
+              <a:rPr lang="en-US" dirty="0" smtClean="0"/>
+              <a:t>Dice</a:t>
+            </a:r>
+          </a:p>
+          <a:p>
+            <a:pPr lvl="1"/>
+            <a:r>
+              <a:rPr lang="en-US" dirty="0" err="1" smtClean="0"/>
+              <a:t>Angel.co</a:t>
+            </a:r>
+            <a:endParaRPr lang="en-US" dirty="0" smtClean="0"/>
+          </a:p>
+          <a:p>
+            <a:pPr lvl="1"/>
+            <a:r>
+              <a:rPr lang="en-US" dirty="0" err="1" smtClean="0"/>
+              <a:t>Glassdoor</a:t>
+            </a:r>
+            <a:endParaRPr lang="en-US" dirty="0" smtClean="0"/>
+          </a:p>
+          <a:p>
+            <a:pPr lvl="1"/>
+            <a:r>
+              <a:rPr lang="en-US" dirty="0" err="1" smtClean="0"/>
+              <a:t>CyberCoders</a:t>
+            </a:r>
+            <a:endParaRPr lang="en-US" dirty="0" smtClean="0"/>
+          </a:p>
+          <a:p>
+            <a:pPr lvl="1"/>
+            <a:endParaRPr lang="en-US" dirty="0" smtClean="0"/>
+          </a:p>
+          <a:p>
+            <a:r>
+              <a:rPr lang="en-US" dirty="0" err="1" smtClean="0"/>
+              <a:t>Misc</a:t>
+            </a:r>
+            <a:r>
+              <a:rPr lang="en-US" dirty="0" smtClean="0"/>
+              <a:t> Resources</a:t>
+            </a:r>
+          </a:p>
+          <a:p>
+            <a:pPr lvl="1"/>
+            <a:r>
+              <a:rPr lang="en-US" dirty="0" err="1" smtClean="0"/>
+              <a:t>Creddle.io</a:t>
+            </a:r>
+            <a:endParaRPr lang="en-US" dirty="0" smtClean="0"/>
+          </a:p>
+          <a:p>
+            <a:pPr lvl="1"/>
+            <a:r>
+              <a:rPr lang="en-US" dirty="0" err="1" smtClean="0"/>
+              <a:t>Trello</a:t>
+            </a:r>
+            <a:endParaRPr lang="en-US" smtClean="0"/>
+          </a:p>
+          <a:p>
+            <a:pPr lvl="1"/>
+            <a:endParaRPr lang="en-US" dirty="0"/>
+          </a:p>
+        </p:txBody>
+      </p:sp>
+    </p:spTree>
+    <p:extLst>
+      <p:ext uri="{BB962C8B-B14F-4D97-AF65-F5344CB8AC3E}">
+        <p14:creationId xmlns:p14="http://schemas.microsoft.com/office/powerpoint/2010/main" val="1238721638"/>
+      </p:ext>
+    </p:extLst>
+  </p:cSld>
+  <p:clrMapOvr>
+    <a:masterClrMapping/>
+  </p:clrMapOvr>
+</p:sld>
+</file>
+
+<file path=ppt/slides/slide33.xml><?xml version="1.0" encoding="utf-8"?>
+<p:sld xmlns:a="http://schemas.openxmlformats.org/drawingml/2006/main" xmlns:r="http://schemas.openxmlformats.org/officeDocument/2006/relationships" xmlns:p="http://schemas.openxmlformats.org/presentationml/2006/main">
+  <p:cSld>
+    <p:spTree>
+      <p:nvGrpSpPr>
+        <p:cNvPr id="1" name=""/>
+        <p:cNvGrpSpPr/>
+        <p:nvPr/>
+      </p:nvGrpSpPr>
+      <p:grpSpPr>
+        <a:xfrm>
+          <a:off x="0" y="0"/>
+          <a:ext cx="0" cy="0"/>
+          <a:chOff x="0" y="0"/>
+          <a:chExt cx="0" cy="0"/>
+        </a:xfrm>
+      </p:grpSpPr>
+      <p:sp>
+        <p:nvSpPr>
+          <p:cNvPr id="2" name="Title 1"/>
+          <p:cNvSpPr>
+            <a:spLocks noGrp="1"/>
+          </p:cNvSpPr>
+          <p:nvPr>
+            <p:ph type="ctrTitle"/>
+          </p:nvPr>
+        </p:nvSpPr>
+        <p:spPr/>
+        <p:txBody>
+          <a:bodyPr/>
+          <a:lstStyle/>
+          <a:p>
+            <a:pPr algn="ctr"/>
+            <a:r>
+              <a:rPr lang="en-US" dirty="0" smtClean="0"/>
+              <a:t>Alumni Schedule</a:t>
+            </a:r>
+            <a:endParaRPr lang="en-US" dirty="0"/>
+          </a:p>
+        </p:txBody>
+      </p:sp>
+      <p:sp>
+        <p:nvSpPr>
+          <p:cNvPr id="4" name="Subtitle 3"/>
+          <p:cNvSpPr>
+            <a:spLocks noGrp="1"/>
+          </p:cNvSpPr>
+          <p:nvPr>
+            <p:ph type="subTitle" idx="1"/>
+          </p:nvPr>
+        </p:nvSpPr>
+        <p:spPr/>
+        <p:txBody>
+          <a:bodyPr/>
+          <a:lstStyle/>
+          <a:p>
+            <a:endParaRPr lang="en-US"/>
+          </a:p>
+        </p:txBody>
+      </p:sp>
+    </p:spTree>
+    <p:extLst>
+      <p:ext uri="{BB962C8B-B14F-4D97-AF65-F5344CB8AC3E}">
+        <p14:creationId xmlns:p14="http://schemas.microsoft.com/office/powerpoint/2010/main" val="880086617"/>
+      </p:ext>
+    </p:extLst>
+  </p:cSld>
+  <p:clrMapOvr>
+    <a:masterClrMapping/>
+  </p:clrMapOvr>
+</p:sld>
+</file>
+
+<file path=ppt/slides/slide34.xml><?xml version="1.0" encoding="utf-8"?>
+<p:sld xmlns:a="http://schemas.openxmlformats.org/drawingml/2006/main" xmlns:r="http://schemas.openxmlformats.org/officeDocument/2006/relationships" xmlns:p="http://schemas.openxmlformats.org/presentationml/2006/main">
+  <p:cSld>
+    <p:spTree>
+      <p:nvGrpSpPr>
+        <p:cNvPr id="1" name=""/>
+        <p:cNvGrpSpPr/>
+        <p:nvPr/>
+      </p:nvGrpSpPr>
+      <p:grpSpPr>
+        <a:xfrm>
+          <a:off x="0" y="0"/>
+          <a:ext cx="0" cy="0"/>
+          <a:chOff x="0" y="0"/>
+          <a:chExt cx="0" cy="0"/>
+        </a:xfrm>
+      </p:grpSpPr>
+      <p:sp>
+        <p:nvSpPr>
+          <p:cNvPr id="3" name="Content Placeholder 2"/>
+          <p:cNvSpPr>
+            <a:spLocks noGrp="1"/>
+          </p:cNvSpPr>
+          <p:nvPr>
+            <p:ph idx="1"/>
+          </p:nvPr>
+        </p:nvSpPr>
+        <p:spPr>
+          <a:xfrm>
+            <a:off x="1251678" y="367989"/>
+            <a:ext cx="10178322" cy="5977055"/>
+          </a:xfrm>
+        </p:spPr>
+        <p:txBody>
+          <a:bodyPr>
+            <a:normAutofit/>
+          </a:bodyPr>
+          <a:lstStyle/>
+          <a:p>
+            <a:r>
+              <a:rPr lang="en-US" dirty="0" smtClean="0"/>
+              <a:t>Before 8:30 AM</a:t>
+            </a:r>
+          </a:p>
+          <a:p>
+            <a:pPr lvl="1"/>
+            <a:r>
+              <a:rPr lang="en-US" dirty="0" smtClean="0"/>
+              <a:t>Prepare cover letters for job postings </a:t>
+            </a:r>
+          </a:p>
+          <a:p>
+            <a:r>
+              <a:rPr lang="en-US" dirty="0" smtClean="0"/>
+              <a:t>8:30 – 11:30</a:t>
+            </a:r>
+          </a:p>
+          <a:p>
+            <a:pPr lvl="1"/>
+            <a:r>
+              <a:rPr lang="en-US" dirty="0" smtClean="0"/>
+              <a:t>Send out job applications</a:t>
+            </a:r>
+          </a:p>
+          <a:p>
+            <a:r>
+              <a:rPr lang="en-US" dirty="0" smtClean="0"/>
+              <a:t>Afternoon</a:t>
+            </a:r>
+          </a:p>
+          <a:p>
+            <a:pPr lvl="1"/>
+            <a:r>
+              <a:rPr lang="en-US" dirty="0" smtClean="0"/>
+              <a:t>Practice programming</a:t>
+            </a:r>
+          </a:p>
+          <a:p>
+            <a:pPr lvl="1"/>
+            <a:r>
+              <a:rPr lang="en-US" dirty="0" smtClean="0"/>
+              <a:t>Send out follow ups to previously applied jobs</a:t>
+            </a:r>
+          </a:p>
+          <a:p>
+            <a:pPr lvl="1"/>
+            <a:r>
+              <a:rPr lang="en-US" dirty="0" smtClean="0"/>
+              <a:t>Send out thank you emails to previous interviews </a:t>
+            </a:r>
+          </a:p>
+          <a:p>
+            <a:r>
+              <a:rPr lang="en-US" dirty="0" smtClean="0"/>
+              <a:t>Evening </a:t>
+            </a:r>
+          </a:p>
+          <a:p>
+            <a:pPr lvl="1"/>
+            <a:r>
+              <a:rPr lang="en-US" dirty="0" smtClean="0"/>
+              <a:t>Go to </a:t>
+            </a:r>
+            <a:r>
+              <a:rPr lang="en-US" dirty="0" err="1" smtClean="0"/>
+              <a:t>meetups</a:t>
+            </a:r>
+            <a:endParaRPr lang="en-US" dirty="0" smtClean="0"/>
+          </a:p>
+          <a:p>
+            <a:pPr lvl="1"/>
+            <a:r>
+              <a:rPr lang="en-US" dirty="0" smtClean="0"/>
+              <a:t>Look for positions you want to apply for the next morning</a:t>
+            </a:r>
+          </a:p>
+          <a:p>
+            <a:pPr lvl="1"/>
+            <a:r>
+              <a:rPr lang="en-US" dirty="0" smtClean="0"/>
+              <a:t>Update your </a:t>
+            </a:r>
+            <a:r>
+              <a:rPr lang="en-US" dirty="0" err="1" smtClean="0"/>
+              <a:t>Trello</a:t>
+            </a:r>
+            <a:r>
+              <a:rPr lang="en-US" dirty="0" smtClean="0"/>
+              <a:t> board</a:t>
+            </a:r>
+          </a:p>
+          <a:p>
+            <a:r>
+              <a:rPr lang="en-US" dirty="0" err="1" smtClean="0"/>
+              <a:t>Misc</a:t>
+            </a:r>
+            <a:endParaRPr lang="en-US" dirty="0" smtClean="0"/>
+          </a:p>
+          <a:p>
+            <a:pPr lvl="1"/>
+            <a:r>
+              <a:rPr lang="en-US" dirty="0" smtClean="0"/>
+              <a:t>Do not send out items on Friday</a:t>
+            </a:r>
+          </a:p>
+          <a:p>
+            <a:pPr lvl="1"/>
+            <a:endParaRPr lang="en-US" dirty="0" smtClean="0"/>
+          </a:p>
+          <a:p>
+            <a:pPr lvl="1"/>
+            <a:endParaRPr lang="en-US" dirty="0"/>
+          </a:p>
+        </p:txBody>
+      </p:sp>
+    </p:spTree>
+    <p:extLst>
+      <p:ext uri="{BB962C8B-B14F-4D97-AF65-F5344CB8AC3E}">
+        <p14:creationId xmlns:p14="http://schemas.microsoft.com/office/powerpoint/2010/main" val="1266145440"/>
       </p:ext>
     </p:extLst>
   </p:cSld>
@@ -12063,6 +12987,13 @@
               <a:rPr lang="en-US" dirty="0" smtClean="0"/>
               <a:t>Writing</a:t>
             </a:r>
+            <a:br>
+              <a:rPr lang="en-US" dirty="0" smtClean="0"/>
+            </a:br>
+            <a:r>
+              <a:rPr lang="en-US" dirty="0" smtClean="0"/>
+              <a:t>&amp; Cover Letter</a:t>
+            </a:r>
             <a:endParaRPr lang="en-US" dirty="0"/>
           </a:p>
         </p:txBody>
@@ -12118,142 +13049,78 @@
       </p:grpSpPr>
       <p:sp>
         <p:nvSpPr>
-          <p:cNvPr id="5" name="Title 4"/>
+          <p:cNvPr id="2" name="Title 1"/>
           <p:cNvSpPr>
             <a:spLocks noGrp="1"/>
           </p:cNvSpPr>
           <p:nvPr>
-            <p:ph type="title" idx="4294967295"/>
-          </p:nvPr>
-        </p:nvSpPr>
-        <p:spPr>
-          <a:xfrm>
-            <a:off x="981319" y="422031"/>
-            <a:ext cx="10179050" cy="832338"/>
-          </a:xfrm>
-        </p:spPr>
+            <p:ph type="title"/>
+          </p:nvPr>
+        </p:nvSpPr>
+        <p:spPr/>
         <p:txBody>
           <a:bodyPr/>
           <a:lstStyle/>
           <a:p>
             <a:pPr algn="ctr"/>
             <a:r>
-              <a:rPr lang="en-US" b="1" u="sng" dirty="0" smtClean="0"/>
-              <a:t>Your Highlight Reel</a:t>
-            </a:r>
-            <a:endParaRPr lang="en-US" b="1" u="sng" dirty="0"/>
-          </a:p>
-        </p:txBody>
-      </p:sp>
-      <p:sp>
-        <p:nvSpPr>
-          <p:cNvPr id="8" name="TextBox 7"/>
-          <p:cNvSpPr txBox="1"/>
-          <p:nvPr/>
-        </p:nvSpPr>
-        <p:spPr>
-          <a:xfrm>
-            <a:off x="1561171" y="2096430"/>
-            <a:ext cx="9511990" cy="3046988"/>
-          </a:xfrm>
-          <a:prstGeom prst="rect">
-            <a:avLst/>
-          </a:prstGeom>
-          <a:noFill/>
-        </p:spPr>
-        <p:txBody>
-          <a:bodyPr wrap="square" rtlCol="0">
-            <a:spAutoFit/>
-          </a:bodyPr>
+              <a:rPr lang="en-US" dirty="0" smtClean="0"/>
+              <a:t>Cover Letters</a:t>
+            </a:r>
+            <a:endParaRPr lang="en-US" dirty="0"/>
+          </a:p>
+        </p:txBody>
+      </p:sp>
+      <p:sp>
+        <p:nvSpPr>
+          <p:cNvPr id="3" name="Content Placeholder 2"/>
+          <p:cNvSpPr>
+            <a:spLocks noGrp="1"/>
+          </p:cNvSpPr>
+          <p:nvPr>
+            <p:ph idx="1"/>
+          </p:nvPr>
+        </p:nvSpPr>
+        <p:spPr/>
+        <p:txBody>
+          <a:bodyPr/>
           <a:lstStyle/>
           <a:p>
-            <a:pPr marL="285750" indent="-285750">
-              <a:buFont typeface="Arial" charset="0"/>
-              <a:buChar char="•"/>
-            </a:pPr>
-            <a:r>
-              <a:rPr lang="en-US" sz="2400" dirty="0"/>
-              <a:t>Employers take SEVEN seconds to look at your </a:t>
-            </a:r>
-            <a:r>
-              <a:rPr lang="en-US" sz="2400" dirty="0" smtClean="0"/>
-              <a:t>resume</a:t>
-            </a:r>
-          </a:p>
-          <a:p>
-            <a:pPr marL="285750" indent="-285750">
-              <a:buFont typeface="Arial" charset="0"/>
-              <a:buChar char="•"/>
-            </a:pPr>
-            <a:r>
-              <a:rPr lang="en-US" sz="2400" dirty="0" smtClean="0"/>
-              <a:t>Your Resume is meant to get you in the door, in front of a human being</a:t>
-            </a:r>
-          </a:p>
-          <a:p>
-            <a:pPr marL="285750" indent="-285750">
-              <a:buFont typeface="Arial" charset="0"/>
-              <a:buChar char="•"/>
-            </a:pPr>
-            <a:r>
-              <a:rPr lang="en-US" sz="2400" dirty="0" smtClean="0"/>
-              <a:t>You will have multiple versions of your resume</a:t>
-            </a:r>
-          </a:p>
-          <a:p>
-            <a:pPr marL="285750" indent="-285750">
-              <a:buFont typeface="Arial" charset="0"/>
-              <a:buChar char="•"/>
-            </a:pPr>
-            <a:r>
-              <a:rPr lang="en-US" sz="2400" dirty="0" smtClean="0"/>
-              <a:t>Keep your resume to one page. </a:t>
-            </a:r>
-          </a:p>
-          <a:p>
-            <a:pPr marL="285750" indent="-285750">
-              <a:buFont typeface="Arial" charset="0"/>
-              <a:buChar char="•"/>
-            </a:pPr>
-            <a:r>
-              <a:rPr lang="en-US" sz="2400" dirty="0" smtClean="0"/>
-              <a:t>Send your resume in pdf format</a:t>
-            </a:r>
-          </a:p>
-          <a:p>
-            <a:pPr marL="742950" lvl="1" indent="-285750">
-              <a:buFont typeface="Arial" charset="0"/>
-              <a:buChar char="•"/>
-            </a:pPr>
-            <a:r>
-              <a:rPr lang="en-US" sz="2400" dirty="0" smtClean="0"/>
-              <a:t>Your name should be in the name of the file. </a:t>
-            </a:r>
-          </a:p>
-          <a:p>
-            <a:pPr marL="742950" lvl="1" indent="-285750">
-              <a:buFont typeface="Arial" charset="0"/>
-              <a:buChar char="•"/>
-            </a:pPr>
-            <a:r>
-              <a:rPr lang="en-US" sz="2400" dirty="0" err="1" smtClean="0"/>
-              <a:t>Jason_Ng_Resume.pdf</a:t>
-            </a:r>
-            <a:endParaRPr lang="en-US" sz="2400" dirty="0" smtClean="0"/>
-          </a:p>
-          <a:p>
-            <a:pPr marL="285750" indent="-285750">
-              <a:buFont typeface="Arial" charset="0"/>
-              <a:buChar char="•"/>
-            </a:pPr>
-            <a:endParaRPr lang="en-US" sz="2400" dirty="0" smtClean="0"/>
+            <a:r>
+              <a:rPr lang="en-US" dirty="0" smtClean="0"/>
+              <a:t>Keep it short</a:t>
+            </a:r>
+          </a:p>
+          <a:p>
+            <a:r>
+              <a:rPr lang="en-US" dirty="0" smtClean="0"/>
+              <a:t>Give a detailed account of why you are qualified</a:t>
+            </a:r>
+          </a:p>
+          <a:p>
+            <a:r>
+              <a:rPr lang="en-US" dirty="0" smtClean="0"/>
+              <a:t>Talk about your skills, previous experiences, relatable soft skills</a:t>
+            </a:r>
+          </a:p>
+          <a:p>
+            <a:r>
+              <a:rPr lang="en-US" dirty="0" smtClean="0"/>
+              <a:t>Show your interest in that position and the company</a:t>
+            </a:r>
+          </a:p>
+          <a:p>
+            <a:endParaRPr lang="en-US" dirty="0" smtClean="0"/>
+          </a:p>
+          <a:p>
+            <a:endParaRPr lang="en-US" dirty="0"/>
           </a:p>
         </p:txBody>
       </p:sp>
     </p:spTree>
     <p:extLst>
       <p:ext uri="{BB962C8B-B14F-4D97-AF65-F5344CB8AC3E}">
-        <p14:creationId xmlns:p14="http://schemas.microsoft.com/office/powerpoint/2010/main" val="159072659"/>
+        <p14:creationId xmlns:p14="http://schemas.microsoft.com/office/powerpoint/2010/main" val="1429736258"/>
       </p:ext>
     </p:extLst>
   </p:cSld>
